--- a/docs/ETU DIT #1.pptx
+++ b/docs/ETU DIT #1.pptx
@@ -63,7 +63,7 @@
       </p:grpSpPr>
       <p:sp>
         <p:nvSpPr>
-          <p:cNvPr id="26" name="PlaceHolder 1"/>
+          <p:cNvPr id="23" name="PlaceHolder 1"/>
           <p:cNvSpPr>
             <a:spLocks noGrp="1"/>
           </p:cNvSpPr>
@@ -73,8 +73,8 @@
         </p:nvSpPr>
         <p:spPr>
           <a:xfrm>
-            <a:off x="599040" y="301320"/>
-            <a:ext cx="10798560" cy="1262160"/>
+            <a:off x="599760" y="301320"/>
+            <a:ext cx="10798200" cy="1261800"/>
           </a:xfrm>
           <a:prstGeom prst="rect">
             <a:avLst/>
@@ -82,21 +82,19 @@
         </p:spPr>
         <p:txBody>
           <a:bodyPr lIns="0" rIns="0" tIns="0" bIns="0" anchor="ctr">
-            <a:normAutofit/>
-          </a:bodyPr>
-          <a:p>
-            <a:endParaRPr b="0" lang="ru-RU" sz="6000" spc="-1" strike="noStrike">
-              <a:solidFill>
-                <a:srgbClr val="04617b"/>
-              </a:solidFill>
-              <a:latin typeface="Source Sans Pro Light"/>
-            </a:endParaRPr>
-          </a:p>
-        </p:txBody>
-      </p:sp>
-      <p:sp>
-        <p:nvSpPr>
-          <p:cNvPr id="27" name="PlaceHolder 2"/>
+            <a:noAutofit/>
+          </a:bodyPr>
+          <a:p>
+            <a:pPr algn="ctr"/>
+            <a:endParaRPr b="0" lang="ru-RU" sz="4400" spc="-1" strike="noStrike">
+              <a:latin typeface="Arial"/>
+            </a:endParaRPr>
+          </a:p>
+        </p:txBody>
+      </p:sp>
+      <p:sp>
+        <p:nvSpPr>
+          <p:cNvPr id="24" name="PlaceHolder 2"/>
           <p:cNvSpPr>
             <a:spLocks noGrp="1"/>
           </p:cNvSpPr>
@@ -106,27 +104,27 @@
         </p:nvSpPr>
         <p:spPr>
           <a:xfrm>
-            <a:off x="599040" y="1828800"/>
-            <a:ext cx="10830960" cy="2573280"/>
-          </a:xfrm>
-          <a:prstGeom prst="rect">
-            <a:avLst/>
-          </a:prstGeom>
-        </p:spPr>
-        <p:txBody>
-          <a:bodyPr lIns="0" rIns="0" tIns="0" bIns="0">
-            <a:normAutofit/>
-          </a:bodyPr>
-          <a:p>
-            <a:endParaRPr b="0" lang="ru-RU" sz="3200" spc="-1" strike="noStrike">
-              <a:latin typeface="Source Sans Pro"/>
-            </a:endParaRPr>
-          </a:p>
-        </p:txBody>
-      </p:sp>
-      <p:sp>
-        <p:nvSpPr>
-          <p:cNvPr id="28" name="PlaceHolder 3"/>
+            <a:off x="599760" y="1768680"/>
+            <a:ext cx="10798200" cy="2090880"/>
+          </a:xfrm>
+          <a:prstGeom prst="rect">
+            <a:avLst/>
+          </a:prstGeom>
+        </p:spPr>
+        <p:txBody>
+          <a:bodyPr lIns="0" rIns="0" tIns="0" bIns="0">
+            <a:normAutofit/>
+          </a:bodyPr>
+          <a:p>
+            <a:endParaRPr b="0" lang="ru-RU" sz="3200" spc="-1" strike="noStrike">
+              <a:latin typeface="Arial"/>
+            </a:endParaRPr>
+          </a:p>
+        </p:txBody>
+      </p:sp>
+      <p:sp>
+        <p:nvSpPr>
+          <p:cNvPr id="25" name="PlaceHolder 3"/>
           <p:cNvSpPr>
             <a:spLocks noGrp="1"/>
           </p:cNvSpPr>
@@ -136,20 +134,20 @@
         </p:nvSpPr>
         <p:spPr>
           <a:xfrm>
-            <a:off x="599040" y="4646880"/>
-            <a:ext cx="10830960" cy="2573280"/>
-          </a:xfrm>
-          <a:prstGeom prst="rect">
-            <a:avLst/>
-          </a:prstGeom>
-        </p:spPr>
-        <p:txBody>
-          <a:bodyPr lIns="0" rIns="0" tIns="0" bIns="0">
-            <a:normAutofit/>
-          </a:bodyPr>
-          <a:p>
-            <a:endParaRPr b="0" lang="ru-RU" sz="3200" spc="-1" strike="noStrike">
-              <a:latin typeface="Source Sans Pro"/>
+            <a:off x="599760" y="4058640"/>
+            <a:ext cx="10798200" cy="2090880"/>
+          </a:xfrm>
+          <a:prstGeom prst="rect">
+            <a:avLst/>
+          </a:prstGeom>
+        </p:spPr>
+        <p:txBody>
+          <a:bodyPr lIns="0" rIns="0" tIns="0" bIns="0">
+            <a:normAutofit/>
+          </a:bodyPr>
+          <a:p>
+            <a:endParaRPr b="0" lang="ru-RU" sz="3200" spc="-1" strike="noStrike">
+              <a:latin typeface="Arial"/>
             </a:endParaRPr>
           </a:p>
         </p:txBody>
@@ -178,7 +176,7 @@
       </p:grpSpPr>
       <p:sp>
         <p:nvSpPr>
-          <p:cNvPr id="29" name="PlaceHolder 1"/>
+          <p:cNvPr id="26" name="PlaceHolder 1"/>
           <p:cNvSpPr>
             <a:spLocks noGrp="1"/>
           </p:cNvSpPr>
@@ -188,8 +186,8 @@
         </p:nvSpPr>
         <p:spPr>
           <a:xfrm>
-            <a:off x="599040" y="301320"/>
-            <a:ext cx="10798560" cy="1262160"/>
+            <a:off x="599760" y="301320"/>
+            <a:ext cx="10798200" cy="1261800"/>
           </a:xfrm>
           <a:prstGeom prst="rect">
             <a:avLst/>
@@ -197,21 +195,19 @@
         </p:spPr>
         <p:txBody>
           <a:bodyPr lIns="0" rIns="0" tIns="0" bIns="0" anchor="ctr">
-            <a:normAutofit/>
-          </a:bodyPr>
-          <a:p>
-            <a:endParaRPr b="0" lang="ru-RU" sz="6000" spc="-1" strike="noStrike">
-              <a:solidFill>
-                <a:srgbClr val="04617b"/>
-              </a:solidFill>
-              <a:latin typeface="Source Sans Pro Light"/>
-            </a:endParaRPr>
-          </a:p>
-        </p:txBody>
-      </p:sp>
-      <p:sp>
-        <p:nvSpPr>
-          <p:cNvPr id="30" name="PlaceHolder 2"/>
+            <a:noAutofit/>
+          </a:bodyPr>
+          <a:p>
+            <a:pPr algn="ctr"/>
+            <a:endParaRPr b="0" lang="ru-RU" sz="4400" spc="-1" strike="noStrike">
+              <a:latin typeface="Arial"/>
+            </a:endParaRPr>
+          </a:p>
+        </p:txBody>
+      </p:sp>
+      <p:sp>
+        <p:nvSpPr>
+          <p:cNvPr id="27" name="PlaceHolder 2"/>
           <p:cNvSpPr>
             <a:spLocks noGrp="1"/>
           </p:cNvSpPr>
@@ -221,27 +217,27 @@
         </p:nvSpPr>
         <p:spPr>
           <a:xfrm>
-            <a:off x="599040" y="1828800"/>
-            <a:ext cx="5285160" cy="2573280"/>
-          </a:xfrm>
-          <a:prstGeom prst="rect">
-            <a:avLst/>
-          </a:prstGeom>
-        </p:spPr>
-        <p:txBody>
-          <a:bodyPr lIns="0" rIns="0" tIns="0" bIns="0">
-            <a:normAutofit/>
-          </a:bodyPr>
-          <a:p>
-            <a:endParaRPr b="0" lang="ru-RU" sz="3200" spc="-1" strike="noStrike">
-              <a:latin typeface="Source Sans Pro"/>
-            </a:endParaRPr>
-          </a:p>
-        </p:txBody>
-      </p:sp>
-      <p:sp>
-        <p:nvSpPr>
-          <p:cNvPr id="31" name="PlaceHolder 3"/>
+            <a:off x="599760" y="1768680"/>
+            <a:ext cx="5269320" cy="2090880"/>
+          </a:xfrm>
+          <a:prstGeom prst="rect">
+            <a:avLst/>
+          </a:prstGeom>
+        </p:spPr>
+        <p:txBody>
+          <a:bodyPr lIns="0" rIns="0" tIns="0" bIns="0">
+            <a:normAutofit/>
+          </a:bodyPr>
+          <a:p>
+            <a:endParaRPr b="0" lang="ru-RU" sz="3200" spc="-1" strike="noStrike">
+              <a:latin typeface="Arial"/>
+            </a:endParaRPr>
+          </a:p>
+        </p:txBody>
+      </p:sp>
+      <p:sp>
+        <p:nvSpPr>
+          <p:cNvPr id="28" name="PlaceHolder 3"/>
           <p:cNvSpPr>
             <a:spLocks noGrp="1"/>
           </p:cNvSpPr>
@@ -251,27 +247,27 @@
         </p:nvSpPr>
         <p:spPr>
           <a:xfrm>
-            <a:off x="6148800" y="1828800"/>
-            <a:ext cx="5285160" cy="2573280"/>
-          </a:xfrm>
-          <a:prstGeom prst="rect">
-            <a:avLst/>
-          </a:prstGeom>
-        </p:spPr>
-        <p:txBody>
-          <a:bodyPr lIns="0" rIns="0" tIns="0" bIns="0">
-            <a:normAutofit/>
-          </a:bodyPr>
-          <a:p>
-            <a:endParaRPr b="0" lang="ru-RU" sz="3200" spc="-1" strike="noStrike">
-              <a:latin typeface="Source Sans Pro"/>
-            </a:endParaRPr>
-          </a:p>
-        </p:txBody>
-      </p:sp>
-      <p:sp>
-        <p:nvSpPr>
-          <p:cNvPr id="32" name="PlaceHolder 4"/>
+            <a:off x="6132960" y="1768680"/>
+            <a:ext cx="5269320" cy="2090880"/>
+          </a:xfrm>
+          <a:prstGeom prst="rect">
+            <a:avLst/>
+          </a:prstGeom>
+        </p:spPr>
+        <p:txBody>
+          <a:bodyPr lIns="0" rIns="0" tIns="0" bIns="0">
+            <a:normAutofit/>
+          </a:bodyPr>
+          <a:p>
+            <a:endParaRPr b="0" lang="ru-RU" sz="3200" spc="-1" strike="noStrike">
+              <a:latin typeface="Arial"/>
+            </a:endParaRPr>
+          </a:p>
+        </p:txBody>
+      </p:sp>
+      <p:sp>
+        <p:nvSpPr>
+          <p:cNvPr id="29" name="PlaceHolder 4"/>
           <p:cNvSpPr>
             <a:spLocks noGrp="1"/>
           </p:cNvSpPr>
@@ -281,27 +277,27 @@
         </p:nvSpPr>
         <p:spPr>
           <a:xfrm>
-            <a:off x="599040" y="4646880"/>
-            <a:ext cx="5285160" cy="2573280"/>
-          </a:xfrm>
-          <a:prstGeom prst="rect">
-            <a:avLst/>
-          </a:prstGeom>
-        </p:spPr>
-        <p:txBody>
-          <a:bodyPr lIns="0" rIns="0" tIns="0" bIns="0">
-            <a:normAutofit/>
-          </a:bodyPr>
-          <a:p>
-            <a:endParaRPr b="0" lang="ru-RU" sz="3200" spc="-1" strike="noStrike">
-              <a:latin typeface="Source Sans Pro"/>
-            </a:endParaRPr>
-          </a:p>
-        </p:txBody>
-      </p:sp>
-      <p:sp>
-        <p:nvSpPr>
-          <p:cNvPr id="33" name="PlaceHolder 5"/>
+            <a:off x="599760" y="4058640"/>
+            <a:ext cx="5269320" cy="2090880"/>
+          </a:xfrm>
+          <a:prstGeom prst="rect">
+            <a:avLst/>
+          </a:prstGeom>
+        </p:spPr>
+        <p:txBody>
+          <a:bodyPr lIns="0" rIns="0" tIns="0" bIns="0">
+            <a:normAutofit/>
+          </a:bodyPr>
+          <a:p>
+            <a:endParaRPr b="0" lang="ru-RU" sz="3200" spc="-1" strike="noStrike">
+              <a:latin typeface="Arial"/>
+            </a:endParaRPr>
+          </a:p>
+        </p:txBody>
+      </p:sp>
+      <p:sp>
+        <p:nvSpPr>
+          <p:cNvPr id="30" name="PlaceHolder 5"/>
           <p:cNvSpPr>
             <a:spLocks noGrp="1"/>
           </p:cNvSpPr>
@@ -311,20 +307,20 @@
         </p:nvSpPr>
         <p:spPr>
           <a:xfrm>
-            <a:off x="6148800" y="4646880"/>
-            <a:ext cx="5285160" cy="2573280"/>
-          </a:xfrm>
-          <a:prstGeom prst="rect">
-            <a:avLst/>
-          </a:prstGeom>
-        </p:spPr>
-        <p:txBody>
-          <a:bodyPr lIns="0" rIns="0" tIns="0" bIns="0">
-            <a:normAutofit/>
-          </a:bodyPr>
-          <a:p>
-            <a:endParaRPr b="0" lang="ru-RU" sz="3200" spc="-1" strike="noStrike">
-              <a:latin typeface="Source Sans Pro"/>
+            <a:off x="6132960" y="4058640"/>
+            <a:ext cx="5269320" cy="2090880"/>
+          </a:xfrm>
+          <a:prstGeom prst="rect">
+            <a:avLst/>
+          </a:prstGeom>
+        </p:spPr>
+        <p:txBody>
+          <a:bodyPr lIns="0" rIns="0" tIns="0" bIns="0">
+            <a:normAutofit/>
+          </a:bodyPr>
+          <a:p>
+            <a:endParaRPr b="0" lang="ru-RU" sz="3200" spc="-1" strike="noStrike">
+              <a:latin typeface="Arial"/>
             </a:endParaRPr>
           </a:p>
         </p:txBody>
@@ -353,7 +349,7 @@
       </p:grpSpPr>
       <p:sp>
         <p:nvSpPr>
-          <p:cNvPr id="34" name="PlaceHolder 1"/>
+          <p:cNvPr id="31" name="PlaceHolder 1"/>
           <p:cNvSpPr>
             <a:spLocks noGrp="1"/>
           </p:cNvSpPr>
@@ -363,8 +359,8 @@
         </p:nvSpPr>
         <p:spPr>
           <a:xfrm>
-            <a:off x="599040" y="301320"/>
-            <a:ext cx="10798560" cy="1262160"/>
+            <a:off x="599760" y="301320"/>
+            <a:ext cx="10798200" cy="1261800"/>
           </a:xfrm>
           <a:prstGeom prst="rect">
             <a:avLst/>
@@ -372,21 +368,19 @@
         </p:spPr>
         <p:txBody>
           <a:bodyPr lIns="0" rIns="0" tIns="0" bIns="0" anchor="ctr">
-            <a:normAutofit/>
-          </a:bodyPr>
-          <a:p>
-            <a:endParaRPr b="0" lang="ru-RU" sz="6000" spc="-1" strike="noStrike">
-              <a:solidFill>
-                <a:srgbClr val="04617b"/>
-              </a:solidFill>
-              <a:latin typeface="Source Sans Pro Light"/>
-            </a:endParaRPr>
-          </a:p>
-        </p:txBody>
-      </p:sp>
-      <p:sp>
-        <p:nvSpPr>
-          <p:cNvPr id="35" name="PlaceHolder 2"/>
+            <a:noAutofit/>
+          </a:bodyPr>
+          <a:p>
+            <a:pPr algn="ctr"/>
+            <a:endParaRPr b="0" lang="ru-RU" sz="4400" spc="-1" strike="noStrike">
+              <a:latin typeface="Arial"/>
+            </a:endParaRPr>
+          </a:p>
+        </p:txBody>
+      </p:sp>
+      <p:sp>
+        <p:nvSpPr>
+          <p:cNvPr id="32" name="PlaceHolder 2"/>
           <p:cNvSpPr>
             <a:spLocks noGrp="1"/>
           </p:cNvSpPr>
@@ -396,27 +390,27 @@
         </p:nvSpPr>
         <p:spPr>
           <a:xfrm>
-            <a:off x="599040" y="1828800"/>
-            <a:ext cx="3487320" cy="2573280"/>
-          </a:xfrm>
-          <a:prstGeom prst="rect">
-            <a:avLst/>
-          </a:prstGeom>
-        </p:spPr>
-        <p:txBody>
-          <a:bodyPr lIns="0" rIns="0" tIns="0" bIns="0">
-            <a:normAutofit/>
-          </a:bodyPr>
-          <a:p>
-            <a:endParaRPr b="0" lang="ru-RU" sz="3200" spc="-1" strike="noStrike">
-              <a:latin typeface="Source Sans Pro"/>
-            </a:endParaRPr>
-          </a:p>
-        </p:txBody>
-      </p:sp>
-      <p:sp>
-        <p:nvSpPr>
-          <p:cNvPr id="36" name="PlaceHolder 3"/>
+            <a:off x="599760" y="1768680"/>
+            <a:ext cx="3476880" cy="2090880"/>
+          </a:xfrm>
+          <a:prstGeom prst="rect">
+            <a:avLst/>
+          </a:prstGeom>
+        </p:spPr>
+        <p:txBody>
+          <a:bodyPr lIns="0" rIns="0" tIns="0" bIns="0">
+            <a:normAutofit/>
+          </a:bodyPr>
+          <a:p>
+            <a:endParaRPr b="0" lang="ru-RU" sz="3200" spc="-1" strike="noStrike">
+              <a:latin typeface="Arial"/>
+            </a:endParaRPr>
+          </a:p>
+        </p:txBody>
+      </p:sp>
+      <p:sp>
+        <p:nvSpPr>
+          <p:cNvPr id="33" name="PlaceHolder 3"/>
           <p:cNvSpPr>
             <a:spLocks noGrp="1"/>
           </p:cNvSpPr>
@@ -426,27 +420,27 @@
         </p:nvSpPr>
         <p:spPr>
           <a:xfrm>
-            <a:off x="4260960" y="1828800"/>
-            <a:ext cx="3487320" cy="2573280"/>
-          </a:xfrm>
-          <a:prstGeom prst="rect">
-            <a:avLst/>
-          </a:prstGeom>
-        </p:spPr>
-        <p:txBody>
-          <a:bodyPr lIns="0" rIns="0" tIns="0" bIns="0">
-            <a:normAutofit/>
-          </a:bodyPr>
-          <a:p>
-            <a:endParaRPr b="0" lang="ru-RU" sz="3200" spc="-1" strike="noStrike">
-              <a:latin typeface="Source Sans Pro"/>
-            </a:endParaRPr>
-          </a:p>
-        </p:txBody>
-      </p:sp>
-      <p:sp>
-        <p:nvSpPr>
-          <p:cNvPr id="37" name="PlaceHolder 4"/>
+            <a:off x="4250880" y="1768680"/>
+            <a:ext cx="3476880" cy="2090880"/>
+          </a:xfrm>
+          <a:prstGeom prst="rect">
+            <a:avLst/>
+          </a:prstGeom>
+        </p:spPr>
+        <p:txBody>
+          <a:bodyPr lIns="0" rIns="0" tIns="0" bIns="0">
+            <a:normAutofit/>
+          </a:bodyPr>
+          <a:p>
+            <a:endParaRPr b="0" lang="ru-RU" sz="3200" spc="-1" strike="noStrike">
+              <a:latin typeface="Arial"/>
+            </a:endParaRPr>
+          </a:p>
+        </p:txBody>
+      </p:sp>
+      <p:sp>
+        <p:nvSpPr>
+          <p:cNvPr id="34" name="PlaceHolder 4"/>
           <p:cNvSpPr>
             <a:spLocks noGrp="1"/>
           </p:cNvSpPr>
@@ -456,27 +450,27 @@
         </p:nvSpPr>
         <p:spPr>
           <a:xfrm>
-            <a:off x="7923240" y="1828800"/>
-            <a:ext cx="3487320" cy="2573280"/>
-          </a:xfrm>
-          <a:prstGeom prst="rect">
-            <a:avLst/>
-          </a:prstGeom>
-        </p:spPr>
-        <p:txBody>
-          <a:bodyPr lIns="0" rIns="0" tIns="0" bIns="0">
-            <a:normAutofit/>
-          </a:bodyPr>
-          <a:p>
-            <a:endParaRPr b="0" lang="ru-RU" sz="3200" spc="-1" strike="noStrike">
-              <a:latin typeface="Source Sans Pro"/>
-            </a:endParaRPr>
-          </a:p>
-        </p:txBody>
-      </p:sp>
-      <p:sp>
-        <p:nvSpPr>
-          <p:cNvPr id="38" name="PlaceHolder 5"/>
+            <a:off x="7902000" y="1768680"/>
+            <a:ext cx="3476880" cy="2090880"/>
+          </a:xfrm>
+          <a:prstGeom prst="rect">
+            <a:avLst/>
+          </a:prstGeom>
+        </p:spPr>
+        <p:txBody>
+          <a:bodyPr lIns="0" rIns="0" tIns="0" bIns="0">
+            <a:normAutofit/>
+          </a:bodyPr>
+          <a:p>
+            <a:endParaRPr b="0" lang="ru-RU" sz="3200" spc="-1" strike="noStrike">
+              <a:latin typeface="Arial"/>
+            </a:endParaRPr>
+          </a:p>
+        </p:txBody>
+      </p:sp>
+      <p:sp>
+        <p:nvSpPr>
+          <p:cNvPr id="35" name="PlaceHolder 5"/>
           <p:cNvSpPr>
             <a:spLocks noGrp="1"/>
           </p:cNvSpPr>
@@ -486,27 +480,27 @@
         </p:nvSpPr>
         <p:spPr>
           <a:xfrm>
-            <a:off x="599040" y="4646880"/>
-            <a:ext cx="3487320" cy="2573280"/>
-          </a:xfrm>
-          <a:prstGeom prst="rect">
-            <a:avLst/>
-          </a:prstGeom>
-        </p:spPr>
-        <p:txBody>
-          <a:bodyPr lIns="0" rIns="0" tIns="0" bIns="0">
-            <a:normAutofit/>
-          </a:bodyPr>
-          <a:p>
-            <a:endParaRPr b="0" lang="ru-RU" sz="3200" spc="-1" strike="noStrike">
-              <a:latin typeface="Source Sans Pro"/>
-            </a:endParaRPr>
-          </a:p>
-        </p:txBody>
-      </p:sp>
-      <p:sp>
-        <p:nvSpPr>
-          <p:cNvPr id="39" name="PlaceHolder 6"/>
+            <a:off x="599760" y="4058640"/>
+            <a:ext cx="3476880" cy="2090880"/>
+          </a:xfrm>
+          <a:prstGeom prst="rect">
+            <a:avLst/>
+          </a:prstGeom>
+        </p:spPr>
+        <p:txBody>
+          <a:bodyPr lIns="0" rIns="0" tIns="0" bIns="0">
+            <a:normAutofit/>
+          </a:bodyPr>
+          <a:p>
+            <a:endParaRPr b="0" lang="ru-RU" sz="3200" spc="-1" strike="noStrike">
+              <a:latin typeface="Arial"/>
+            </a:endParaRPr>
+          </a:p>
+        </p:txBody>
+      </p:sp>
+      <p:sp>
+        <p:nvSpPr>
+          <p:cNvPr id="36" name="PlaceHolder 6"/>
           <p:cNvSpPr>
             <a:spLocks noGrp="1"/>
           </p:cNvSpPr>
@@ -516,27 +510,27 @@
         </p:nvSpPr>
         <p:spPr>
           <a:xfrm>
-            <a:off x="4260960" y="4646880"/>
-            <a:ext cx="3487320" cy="2573280"/>
-          </a:xfrm>
-          <a:prstGeom prst="rect">
-            <a:avLst/>
-          </a:prstGeom>
-        </p:spPr>
-        <p:txBody>
-          <a:bodyPr lIns="0" rIns="0" tIns="0" bIns="0">
-            <a:normAutofit/>
-          </a:bodyPr>
-          <a:p>
-            <a:endParaRPr b="0" lang="ru-RU" sz="3200" spc="-1" strike="noStrike">
-              <a:latin typeface="Source Sans Pro"/>
-            </a:endParaRPr>
-          </a:p>
-        </p:txBody>
-      </p:sp>
-      <p:sp>
-        <p:nvSpPr>
-          <p:cNvPr id="40" name="PlaceHolder 7"/>
+            <a:off x="4250880" y="4058640"/>
+            <a:ext cx="3476880" cy="2090880"/>
+          </a:xfrm>
+          <a:prstGeom prst="rect">
+            <a:avLst/>
+          </a:prstGeom>
+        </p:spPr>
+        <p:txBody>
+          <a:bodyPr lIns="0" rIns="0" tIns="0" bIns="0">
+            <a:normAutofit/>
+          </a:bodyPr>
+          <a:p>
+            <a:endParaRPr b="0" lang="ru-RU" sz="3200" spc="-1" strike="noStrike">
+              <a:latin typeface="Arial"/>
+            </a:endParaRPr>
+          </a:p>
+        </p:txBody>
+      </p:sp>
+      <p:sp>
+        <p:nvSpPr>
+          <p:cNvPr id="37" name="PlaceHolder 7"/>
           <p:cNvSpPr>
             <a:spLocks noGrp="1"/>
           </p:cNvSpPr>
@@ -546,20 +540,20 @@
         </p:nvSpPr>
         <p:spPr>
           <a:xfrm>
-            <a:off x="7923240" y="4646880"/>
-            <a:ext cx="3487320" cy="2573280"/>
-          </a:xfrm>
-          <a:prstGeom prst="rect">
-            <a:avLst/>
-          </a:prstGeom>
-        </p:spPr>
-        <p:txBody>
-          <a:bodyPr lIns="0" rIns="0" tIns="0" bIns="0">
-            <a:normAutofit/>
-          </a:bodyPr>
-          <a:p>
-            <a:endParaRPr b="0" lang="ru-RU" sz="3200" spc="-1" strike="noStrike">
-              <a:latin typeface="Source Sans Pro"/>
+            <a:off x="7902000" y="4058640"/>
+            <a:ext cx="3476880" cy="2090880"/>
+          </a:xfrm>
+          <a:prstGeom prst="rect">
+            <a:avLst/>
+          </a:prstGeom>
+        </p:spPr>
+        <p:txBody>
+          <a:bodyPr lIns="0" rIns="0" tIns="0" bIns="0">
+            <a:normAutofit/>
+          </a:bodyPr>
+          <a:p>
+            <a:endParaRPr b="0" lang="ru-RU" sz="3200" spc="-1" strike="noStrike">
+              <a:latin typeface="Arial"/>
             </a:endParaRPr>
           </a:p>
         </p:txBody>
@@ -610,7 +604,7 @@
       </p:grpSpPr>
       <p:sp>
         <p:nvSpPr>
-          <p:cNvPr id="46" name="PlaceHolder 1"/>
+          <p:cNvPr id="40" name="PlaceHolder 1"/>
           <p:cNvSpPr>
             <a:spLocks noGrp="1"/>
           </p:cNvSpPr>
@@ -620,8 +614,8 @@
         </p:nvSpPr>
         <p:spPr>
           <a:xfrm>
-            <a:off x="599040" y="301320"/>
-            <a:ext cx="10798560" cy="1262160"/>
+            <a:off x="599760" y="301320"/>
+            <a:ext cx="10798200" cy="1261800"/>
           </a:xfrm>
           <a:prstGeom prst="rect">
             <a:avLst/>
@@ -629,21 +623,19 @@
         </p:spPr>
         <p:txBody>
           <a:bodyPr lIns="0" rIns="0" tIns="0" bIns="0" anchor="ctr">
-            <a:normAutofit/>
-          </a:bodyPr>
-          <a:p>
-            <a:endParaRPr b="0" lang="ru-RU" sz="6000" spc="-1" strike="noStrike">
-              <a:solidFill>
-                <a:srgbClr val="04617b"/>
-              </a:solidFill>
-              <a:latin typeface="Source Sans Pro Light"/>
-            </a:endParaRPr>
-          </a:p>
-        </p:txBody>
-      </p:sp>
-      <p:sp>
-        <p:nvSpPr>
-          <p:cNvPr id="47" name="PlaceHolder 2"/>
+            <a:noAutofit/>
+          </a:bodyPr>
+          <a:p>
+            <a:pPr algn="ctr"/>
+            <a:endParaRPr b="0" lang="ru-RU" sz="4400" spc="-1" strike="noStrike">
+              <a:latin typeface="Arial"/>
+            </a:endParaRPr>
+          </a:p>
+        </p:txBody>
+      </p:sp>
+      <p:sp>
+        <p:nvSpPr>
+          <p:cNvPr id="41" name="PlaceHolder 2"/>
           <p:cNvSpPr>
             <a:spLocks noGrp="1"/>
           </p:cNvSpPr>
@@ -653,22 +645,21 @@
         </p:nvSpPr>
         <p:spPr>
           <a:xfrm>
-            <a:off x="599040" y="1828800"/>
-            <a:ext cx="10830960" cy="5394960"/>
-          </a:xfrm>
-          <a:prstGeom prst="rect">
-            <a:avLst/>
-          </a:prstGeom>
-        </p:spPr>
-        <p:txBody>
-          <a:bodyPr lIns="0" rIns="0" tIns="0" bIns="0" anchor="ctr"/>
+            <a:off x="599760" y="1768680"/>
+            <a:ext cx="10798200" cy="4384080"/>
+          </a:xfrm>
+          <a:prstGeom prst="rect">
+            <a:avLst/>
+          </a:prstGeom>
+        </p:spPr>
+        <p:txBody>
+          <a:bodyPr lIns="0" rIns="0" tIns="0" bIns="0" anchor="ctr">
+            <a:noAutofit/>
+          </a:bodyPr>
           <a:p>
             <a:pPr algn="ctr"/>
-            <a:endParaRPr b="1" lang="ru-RU" sz="4000" spc="-1" strike="noStrike">
-              <a:solidFill>
-                <a:srgbClr val="04617b"/>
-              </a:solidFill>
-              <a:latin typeface="Source Sans Pro Black"/>
+            <a:endParaRPr b="0" lang="ru-RU" sz="3200" spc="-1" strike="noStrike">
+              <a:latin typeface="Arial"/>
             </a:endParaRPr>
           </a:p>
         </p:txBody>
@@ -697,7 +688,7 @@
       </p:grpSpPr>
       <p:sp>
         <p:nvSpPr>
-          <p:cNvPr id="48" name="PlaceHolder 1"/>
+          <p:cNvPr id="42" name="PlaceHolder 1"/>
           <p:cNvSpPr>
             <a:spLocks noGrp="1"/>
           </p:cNvSpPr>
@@ -707,8 +698,8 @@
         </p:nvSpPr>
         <p:spPr>
           <a:xfrm>
-            <a:off x="599040" y="301320"/>
-            <a:ext cx="10798560" cy="1262160"/>
+            <a:off x="599760" y="301320"/>
+            <a:ext cx="10798200" cy="1261800"/>
           </a:xfrm>
           <a:prstGeom prst="rect">
             <a:avLst/>
@@ -716,21 +707,19 @@
         </p:spPr>
         <p:txBody>
           <a:bodyPr lIns="0" rIns="0" tIns="0" bIns="0" anchor="ctr">
-            <a:normAutofit/>
-          </a:bodyPr>
-          <a:p>
-            <a:endParaRPr b="0" lang="ru-RU" sz="6000" spc="-1" strike="noStrike">
-              <a:solidFill>
-                <a:srgbClr val="04617b"/>
-              </a:solidFill>
-              <a:latin typeface="Source Sans Pro Light"/>
-            </a:endParaRPr>
-          </a:p>
-        </p:txBody>
-      </p:sp>
-      <p:sp>
-        <p:nvSpPr>
-          <p:cNvPr id="49" name="PlaceHolder 2"/>
+            <a:noAutofit/>
+          </a:bodyPr>
+          <a:p>
+            <a:pPr algn="ctr"/>
+            <a:endParaRPr b="0" lang="ru-RU" sz="4400" spc="-1" strike="noStrike">
+              <a:latin typeface="Arial"/>
+            </a:endParaRPr>
+          </a:p>
+        </p:txBody>
+      </p:sp>
+      <p:sp>
+        <p:nvSpPr>
+          <p:cNvPr id="43" name="PlaceHolder 2"/>
           <p:cNvSpPr>
             <a:spLocks noGrp="1"/>
           </p:cNvSpPr>
@@ -740,20 +729,20 @@
         </p:nvSpPr>
         <p:spPr>
           <a:xfrm>
-            <a:off x="599040" y="1828800"/>
-            <a:ext cx="10830960" cy="5394960"/>
-          </a:xfrm>
-          <a:prstGeom prst="rect">
-            <a:avLst/>
-          </a:prstGeom>
-        </p:spPr>
-        <p:txBody>
-          <a:bodyPr lIns="0" rIns="0" tIns="0" bIns="0">
-            <a:normAutofit/>
-          </a:bodyPr>
-          <a:p>
-            <a:endParaRPr b="0" lang="ru-RU" sz="3200" spc="-1" strike="noStrike">
-              <a:latin typeface="Source Sans Pro"/>
+            <a:off x="599760" y="1768680"/>
+            <a:ext cx="10798200" cy="4384080"/>
+          </a:xfrm>
+          <a:prstGeom prst="rect">
+            <a:avLst/>
+          </a:prstGeom>
+        </p:spPr>
+        <p:txBody>
+          <a:bodyPr lIns="0" rIns="0" tIns="0" bIns="0">
+            <a:normAutofit/>
+          </a:bodyPr>
+          <a:p>
+            <a:endParaRPr b="0" lang="ru-RU" sz="3200" spc="-1" strike="noStrike">
+              <a:latin typeface="Arial"/>
             </a:endParaRPr>
           </a:p>
         </p:txBody>
@@ -782,7 +771,7 @@
       </p:grpSpPr>
       <p:sp>
         <p:nvSpPr>
-          <p:cNvPr id="50" name="PlaceHolder 1"/>
+          <p:cNvPr id="44" name="PlaceHolder 1"/>
           <p:cNvSpPr>
             <a:spLocks noGrp="1"/>
           </p:cNvSpPr>
@@ -792,8 +781,8 @@
         </p:nvSpPr>
         <p:spPr>
           <a:xfrm>
-            <a:off x="599040" y="301320"/>
-            <a:ext cx="10798560" cy="1262160"/>
+            <a:off x="599760" y="301320"/>
+            <a:ext cx="10798200" cy="1261800"/>
           </a:xfrm>
           <a:prstGeom prst="rect">
             <a:avLst/>
@@ -801,21 +790,19 @@
         </p:spPr>
         <p:txBody>
           <a:bodyPr lIns="0" rIns="0" tIns="0" bIns="0" anchor="ctr">
-            <a:normAutofit/>
-          </a:bodyPr>
-          <a:p>
-            <a:endParaRPr b="0" lang="ru-RU" sz="6000" spc="-1" strike="noStrike">
-              <a:solidFill>
-                <a:srgbClr val="04617b"/>
-              </a:solidFill>
-              <a:latin typeface="Source Sans Pro Light"/>
-            </a:endParaRPr>
-          </a:p>
-        </p:txBody>
-      </p:sp>
-      <p:sp>
-        <p:nvSpPr>
-          <p:cNvPr id="51" name="PlaceHolder 2"/>
+            <a:noAutofit/>
+          </a:bodyPr>
+          <a:p>
+            <a:pPr algn="ctr"/>
+            <a:endParaRPr b="0" lang="ru-RU" sz="4400" spc="-1" strike="noStrike">
+              <a:latin typeface="Arial"/>
+            </a:endParaRPr>
+          </a:p>
+        </p:txBody>
+      </p:sp>
+      <p:sp>
+        <p:nvSpPr>
+          <p:cNvPr id="45" name="PlaceHolder 2"/>
           <p:cNvSpPr>
             <a:spLocks noGrp="1"/>
           </p:cNvSpPr>
@@ -825,27 +812,27 @@
         </p:nvSpPr>
         <p:spPr>
           <a:xfrm>
-            <a:off x="599040" y="1828800"/>
-            <a:ext cx="5285160" cy="5394960"/>
-          </a:xfrm>
-          <a:prstGeom prst="rect">
-            <a:avLst/>
-          </a:prstGeom>
-        </p:spPr>
-        <p:txBody>
-          <a:bodyPr lIns="0" rIns="0" tIns="0" bIns="0">
-            <a:normAutofit/>
-          </a:bodyPr>
-          <a:p>
-            <a:endParaRPr b="0" lang="ru-RU" sz="3200" spc="-1" strike="noStrike">
-              <a:latin typeface="Source Sans Pro"/>
-            </a:endParaRPr>
-          </a:p>
-        </p:txBody>
-      </p:sp>
-      <p:sp>
-        <p:nvSpPr>
-          <p:cNvPr id="52" name="PlaceHolder 3"/>
+            <a:off x="599760" y="1768680"/>
+            <a:ext cx="5269320" cy="4384080"/>
+          </a:xfrm>
+          <a:prstGeom prst="rect">
+            <a:avLst/>
+          </a:prstGeom>
+        </p:spPr>
+        <p:txBody>
+          <a:bodyPr lIns="0" rIns="0" tIns="0" bIns="0">
+            <a:normAutofit/>
+          </a:bodyPr>
+          <a:p>
+            <a:endParaRPr b="0" lang="ru-RU" sz="3200" spc="-1" strike="noStrike">
+              <a:latin typeface="Arial"/>
+            </a:endParaRPr>
+          </a:p>
+        </p:txBody>
+      </p:sp>
+      <p:sp>
+        <p:nvSpPr>
+          <p:cNvPr id="46" name="PlaceHolder 3"/>
           <p:cNvSpPr>
             <a:spLocks noGrp="1"/>
           </p:cNvSpPr>
@@ -855,20 +842,20 @@
         </p:nvSpPr>
         <p:spPr>
           <a:xfrm>
-            <a:off x="6148800" y="1828800"/>
-            <a:ext cx="5285160" cy="5394960"/>
-          </a:xfrm>
-          <a:prstGeom prst="rect">
-            <a:avLst/>
-          </a:prstGeom>
-        </p:spPr>
-        <p:txBody>
-          <a:bodyPr lIns="0" rIns="0" tIns="0" bIns="0">
-            <a:normAutofit/>
-          </a:bodyPr>
-          <a:p>
-            <a:endParaRPr b="0" lang="ru-RU" sz="3200" spc="-1" strike="noStrike">
-              <a:latin typeface="Source Sans Pro"/>
+            <a:off x="6132960" y="1768680"/>
+            <a:ext cx="5269320" cy="4384080"/>
+          </a:xfrm>
+          <a:prstGeom prst="rect">
+            <a:avLst/>
+          </a:prstGeom>
+        </p:spPr>
+        <p:txBody>
+          <a:bodyPr lIns="0" rIns="0" tIns="0" bIns="0">
+            <a:normAutofit/>
+          </a:bodyPr>
+          <a:p>
+            <a:endParaRPr b="0" lang="ru-RU" sz="3200" spc="-1" strike="noStrike">
+              <a:latin typeface="Arial"/>
             </a:endParaRPr>
           </a:p>
         </p:txBody>
@@ -897,7 +884,7 @@
       </p:grpSpPr>
       <p:sp>
         <p:nvSpPr>
-          <p:cNvPr id="53" name="PlaceHolder 1"/>
+          <p:cNvPr id="47" name="PlaceHolder 1"/>
           <p:cNvSpPr>
             <a:spLocks noGrp="1"/>
           </p:cNvSpPr>
@@ -907,8 +894,8 @@
         </p:nvSpPr>
         <p:spPr>
           <a:xfrm>
-            <a:off x="599040" y="301320"/>
-            <a:ext cx="10798560" cy="1262160"/>
+            <a:off x="599760" y="301320"/>
+            <a:ext cx="10798200" cy="1261800"/>
           </a:xfrm>
           <a:prstGeom prst="rect">
             <a:avLst/>
@@ -916,14 +903,12 @@
         </p:spPr>
         <p:txBody>
           <a:bodyPr lIns="0" rIns="0" tIns="0" bIns="0" anchor="ctr">
-            <a:normAutofit/>
-          </a:bodyPr>
-          <a:p>
-            <a:endParaRPr b="0" lang="ru-RU" sz="6000" spc="-1" strike="noStrike">
-              <a:solidFill>
-                <a:srgbClr val="04617b"/>
-              </a:solidFill>
-              <a:latin typeface="Source Sans Pro Light"/>
+            <a:noAutofit/>
+          </a:bodyPr>
+          <a:p>
+            <a:pPr algn="ctr"/>
+            <a:endParaRPr b="0" lang="ru-RU" sz="4400" spc="-1" strike="noStrike">
+              <a:latin typeface="Arial"/>
             </a:endParaRPr>
           </a:p>
         </p:txBody>
@@ -952,7 +937,7 @@
       </p:grpSpPr>
       <p:sp>
         <p:nvSpPr>
-          <p:cNvPr id="54" name="PlaceHolder 1"/>
+          <p:cNvPr id="48" name="PlaceHolder 1"/>
           <p:cNvSpPr>
             <a:spLocks noGrp="1"/>
           </p:cNvSpPr>
@@ -962,22 +947,21 @@
         </p:nvSpPr>
         <p:spPr>
           <a:xfrm>
-            <a:off x="599040" y="301320"/>
-            <a:ext cx="10798560" cy="5851800"/>
-          </a:xfrm>
-          <a:prstGeom prst="rect">
-            <a:avLst/>
-          </a:prstGeom>
-        </p:spPr>
-        <p:txBody>
-          <a:bodyPr lIns="0" rIns="0" tIns="0" bIns="0" anchor="ctr"/>
+            <a:off x="599760" y="301320"/>
+            <a:ext cx="10798200" cy="5850360"/>
+          </a:xfrm>
+          <a:prstGeom prst="rect">
+            <a:avLst/>
+          </a:prstGeom>
+        </p:spPr>
+        <p:txBody>
+          <a:bodyPr lIns="0" rIns="0" tIns="0" bIns="0" anchor="ctr">
+            <a:noAutofit/>
+          </a:bodyPr>
           <a:p>
             <a:pPr algn="ctr"/>
-            <a:endParaRPr b="1" lang="ru-RU" sz="4000" spc="-1" strike="noStrike">
-              <a:solidFill>
-                <a:srgbClr val="04617b"/>
-              </a:solidFill>
-              <a:latin typeface="Source Sans Pro Black"/>
+            <a:endParaRPr b="0" lang="ru-RU" sz="3200" spc="-1" strike="noStrike">
+              <a:latin typeface="Arial"/>
             </a:endParaRPr>
           </a:p>
         </p:txBody>
@@ -1006,7 +990,7 @@
       </p:grpSpPr>
       <p:sp>
         <p:nvSpPr>
-          <p:cNvPr id="55" name="PlaceHolder 1"/>
+          <p:cNvPr id="49" name="PlaceHolder 1"/>
           <p:cNvSpPr>
             <a:spLocks noGrp="1"/>
           </p:cNvSpPr>
@@ -1016,8 +1000,8 @@
         </p:nvSpPr>
         <p:spPr>
           <a:xfrm>
-            <a:off x="599040" y="301320"/>
-            <a:ext cx="10798560" cy="1262160"/>
+            <a:off x="599760" y="301320"/>
+            <a:ext cx="10798200" cy="1261800"/>
           </a:xfrm>
           <a:prstGeom prst="rect">
             <a:avLst/>
@@ -1025,21 +1009,19 @@
         </p:spPr>
         <p:txBody>
           <a:bodyPr lIns="0" rIns="0" tIns="0" bIns="0" anchor="ctr">
-            <a:normAutofit/>
-          </a:bodyPr>
-          <a:p>
-            <a:endParaRPr b="0" lang="ru-RU" sz="6000" spc="-1" strike="noStrike">
-              <a:solidFill>
-                <a:srgbClr val="04617b"/>
-              </a:solidFill>
-              <a:latin typeface="Source Sans Pro Light"/>
-            </a:endParaRPr>
-          </a:p>
-        </p:txBody>
-      </p:sp>
-      <p:sp>
-        <p:nvSpPr>
-          <p:cNvPr id="56" name="PlaceHolder 2"/>
+            <a:noAutofit/>
+          </a:bodyPr>
+          <a:p>
+            <a:pPr algn="ctr"/>
+            <a:endParaRPr b="0" lang="ru-RU" sz="4400" spc="-1" strike="noStrike">
+              <a:latin typeface="Arial"/>
+            </a:endParaRPr>
+          </a:p>
+        </p:txBody>
+      </p:sp>
+      <p:sp>
+        <p:nvSpPr>
+          <p:cNvPr id="50" name="PlaceHolder 2"/>
           <p:cNvSpPr>
             <a:spLocks noGrp="1"/>
           </p:cNvSpPr>
@@ -1049,27 +1031,27 @@
         </p:nvSpPr>
         <p:spPr>
           <a:xfrm>
-            <a:off x="599040" y="1828800"/>
-            <a:ext cx="5285160" cy="2573280"/>
-          </a:xfrm>
-          <a:prstGeom prst="rect">
-            <a:avLst/>
-          </a:prstGeom>
-        </p:spPr>
-        <p:txBody>
-          <a:bodyPr lIns="0" rIns="0" tIns="0" bIns="0">
-            <a:normAutofit/>
-          </a:bodyPr>
-          <a:p>
-            <a:endParaRPr b="0" lang="ru-RU" sz="3200" spc="-1" strike="noStrike">
-              <a:latin typeface="Source Sans Pro"/>
-            </a:endParaRPr>
-          </a:p>
-        </p:txBody>
-      </p:sp>
-      <p:sp>
-        <p:nvSpPr>
-          <p:cNvPr id="57" name="PlaceHolder 3"/>
+            <a:off x="599760" y="1768680"/>
+            <a:ext cx="5269320" cy="2090880"/>
+          </a:xfrm>
+          <a:prstGeom prst="rect">
+            <a:avLst/>
+          </a:prstGeom>
+        </p:spPr>
+        <p:txBody>
+          <a:bodyPr lIns="0" rIns="0" tIns="0" bIns="0">
+            <a:normAutofit/>
+          </a:bodyPr>
+          <a:p>
+            <a:endParaRPr b="0" lang="ru-RU" sz="3200" spc="-1" strike="noStrike">
+              <a:latin typeface="Arial"/>
+            </a:endParaRPr>
+          </a:p>
+        </p:txBody>
+      </p:sp>
+      <p:sp>
+        <p:nvSpPr>
+          <p:cNvPr id="51" name="PlaceHolder 3"/>
           <p:cNvSpPr>
             <a:spLocks noGrp="1"/>
           </p:cNvSpPr>
@@ -1079,27 +1061,27 @@
         </p:nvSpPr>
         <p:spPr>
           <a:xfrm>
-            <a:off x="6148800" y="1828800"/>
-            <a:ext cx="5285160" cy="5394960"/>
-          </a:xfrm>
-          <a:prstGeom prst="rect">
-            <a:avLst/>
-          </a:prstGeom>
-        </p:spPr>
-        <p:txBody>
-          <a:bodyPr lIns="0" rIns="0" tIns="0" bIns="0">
-            <a:normAutofit/>
-          </a:bodyPr>
-          <a:p>
-            <a:endParaRPr b="0" lang="ru-RU" sz="3200" spc="-1" strike="noStrike">
-              <a:latin typeface="Source Sans Pro"/>
-            </a:endParaRPr>
-          </a:p>
-        </p:txBody>
-      </p:sp>
-      <p:sp>
-        <p:nvSpPr>
-          <p:cNvPr id="58" name="PlaceHolder 4"/>
+            <a:off x="6132960" y="1768680"/>
+            <a:ext cx="5269320" cy="4384080"/>
+          </a:xfrm>
+          <a:prstGeom prst="rect">
+            <a:avLst/>
+          </a:prstGeom>
+        </p:spPr>
+        <p:txBody>
+          <a:bodyPr lIns="0" rIns="0" tIns="0" bIns="0">
+            <a:normAutofit/>
+          </a:bodyPr>
+          <a:p>
+            <a:endParaRPr b="0" lang="ru-RU" sz="3200" spc="-1" strike="noStrike">
+              <a:latin typeface="Arial"/>
+            </a:endParaRPr>
+          </a:p>
+        </p:txBody>
+      </p:sp>
+      <p:sp>
+        <p:nvSpPr>
+          <p:cNvPr id="52" name="PlaceHolder 4"/>
           <p:cNvSpPr>
             <a:spLocks noGrp="1"/>
           </p:cNvSpPr>
@@ -1109,20 +1091,20 @@
         </p:nvSpPr>
         <p:spPr>
           <a:xfrm>
-            <a:off x="599040" y="4646880"/>
-            <a:ext cx="5285160" cy="2573280"/>
-          </a:xfrm>
-          <a:prstGeom prst="rect">
-            <a:avLst/>
-          </a:prstGeom>
-        </p:spPr>
-        <p:txBody>
-          <a:bodyPr lIns="0" rIns="0" tIns="0" bIns="0">
-            <a:normAutofit/>
-          </a:bodyPr>
-          <a:p>
-            <a:endParaRPr b="0" lang="ru-RU" sz="3200" spc="-1" strike="noStrike">
-              <a:latin typeface="Source Sans Pro"/>
+            <a:off x="599760" y="4058640"/>
+            <a:ext cx="5269320" cy="2090880"/>
+          </a:xfrm>
+          <a:prstGeom prst="rect">
+            <a:avLst/>
+          </a:prstGeom>
+        </p:spPr>
+        <p:txBody>
+          <a:bodyPr lIns="0" rIns="0" tIns="0" bIns="0">
+            <a:normAutofit/>
+          </a:bodyPr>
+          <a:p>
+            <a:endParaRPr b="0" lang="ru-RU" sz="3200" spc="-1" strike="noStrike">
+              <a:latin typeface="Arial"/>
             </a:endParaRPr>
           </a:p>
         </p:txBody>
@@ -1151,7 +1133,7 @@
       </p:grpSpPr>
       <p:sp>
         <p:nvSpPr>
-          <p:cNvPr id="5" name="PlaceHolder 1"/>
+          <p:cNvPr id="2" name="PlaceHolder 1"/>
           <p:cNvSpPr>
             <a:spLocks noGrp="1"/>
           </p:cNvSpPr>
@@ -1161,8 +1143,8 @@
         </p:nvSpPr>
         <p:spPr>
           <a:xfrm>
-            <a:off x="599040" y="301320"/>
-            <a:ext cx="10798560" cy="1262160"/>
+            <a:off x="599760" y="301320"/>
+            <a:ext cx="10798200" cy="1261800"/>
           </a:xfrm>
           <a:prstGeom prst="rect">
             <a:avLst/>
@@ -1170,21 +1152,19 @@
         </p:spPr>
         <p:txBody>
           <a:bodyPr lIns="0" rIns="0" tIns="0" bIns="0" anchor="ctr">
-            <a:normAutofit/>
-          </a:bodyPr>
-          <a:p>
-            <a:endParaRPr b="0" lang="ru-RU" sz="6000" spc="-1" strike="noStrike">
-              <a:solidFill>
-                <a:srgbClr val="04617b"/>
-              </a:solidFill>
-              <a:latin typeface="Source Sans Pro Light"/>
-            </a:endParaRPr>
-          </a:p>
-        </p:txBody>
-      </p:sp>
-      <p:sp>
-        <p:nvSpPr>
-          <p:cNvPr id="6" name="PlaceHolder 2"/>
+            <a:noAutofit/>
+          </a:bodyPr>
+          <a:p>
+            <a:pPr algn="ctr"/>
+            <a:endParaRPr b="0" lang="ru-RU" sz="4400" spc="-1" strike="noStrike">
+              <a:latin typeface="Arial"/>
+            </a:endParaRPr>
+          </a:p>
+        </p:txBody>
+      </p:sp>
+      <p:sp>
+        <p:nvSpPr>
+          <p:cNvPr id="3" name="PlaceHolder 2"/>
           <p:cNvSpPr>
             <a:spLocks noGrp="1"/>
           </p:cNvSpPr>
@@ -1194,22 +1174,21 @@
         </p:nvSpPr>
         <p:spPr>
           <a:xfrm>
-            <a:off x="599040" y="1828800"/>
-            <a:ext cx="10830960" cy="5394960"/>
-          </a:xfrm>
-          <a:prstGeom prst="rect">
-            <a:avLst/>
-          </a:prstGeom>
-        </p:spPr>
-        <p:txBody>
-          <a:bodyPr lIns="0" rIns="0" tIns="0" bIns="0" anchor="ctr"/>
+            <a:off x="599760" y="1768680"/>
+            <a:ext cx="10798200" cy="4384080"/>
+          </a:xfrm>
+          <a:prstGeom prst="rect">
+            <a:avLst/>
+          </a:prstGeom>
+        </p:spPr>
+        <p:txBody>
+          <a:bodyPr lIns="0" rIns="0" tIns="0" bIns="0" anchor="ctr">
+            <a:noAutofit/>
+          </a:bodyPr>
           <a:p>
             <a:pPr algn="ctr"/>
-            <a:endParaRPr b="1" lang="ru-RU" sz="4000" spc="-1" strike="noStrike">
-              <a:solidFill>
-                <a:srgbClr val="04617b"/>
-              </a:solidFill>
-              <a:latin typeface="Source Sans Pro Black"/>
+            <a:endParaRPr b="0" lang="ru-RU" sz="3200" spc="-1" strike="noStrike">
+              <a:latin typeface="Arial"/>
             </a:endParaRPr>
           </a:p>
         </p:txBody>
@@ -1238,7 +1217,7 @@
       </p:grpSpPr>
       <p:sp>
         <p:nvSpPr>
-          <p:cNvPr id="59" name="PlaceHolder 1"/>
+          <p:cNvPr id="53" name="PlaceHolder 1"/>
           <p:cNvSpPr>
             <a:spLocks noGrp="1"/>
           </p:cNvSpPr>
@@ -1248,8 +1227,8 @@
         </p:nvSpPr>
         <p:spPr>
           <a:xfrm>
-            <a:off x="599040" y="301320"/>
-            <a:ext cx="10798560" cy="1262160"/>
+            <a:off x="599760" y="301320"/>
+            <a:ext cx="10798200" cy="1261800"/>
           </a:xfrm>
           <a:prstGeom prst="rect">
             <a:avLst/>
@@ -1257,21 +1236,19 @@
         </p:spPr>
         <p:txBody>
           <a:bodyPr lIns="0" rIns="0" tIns="0" bIns="0" anchor="ctr">
-            <a:normAutofit/>
-          </a:bodyPr>
-          <a:p>
-            <a:endParaRPr b="0" lang="ru-RU" sz="6000" spc="-1" strike="noStrike">
-              <a:solidFill>
-                <a:srgbClr val="04617b"/>
-              </a:solidFill>
-              <a:latin typeface="Source Sans Pro Light"/>
-            </a:endParaRPr>
-          </a:p>
-        </p:txBody>
-      </p:sp>
-      <p:sp>
-        <p:nvSpPr>
-          <p:cNvPr id="60" name="PlaceHolder 2"/>
+            <a:noAutofit/>
+          </a:bodyPr>
+          <a:p>
+            <a:pPr algn="ctr"/>
+            <a:endParaRPr b="0" lang="ru-RU" sz="4400" spc="-1" strike="noStrike">
+              <a:latin typeface="Arial"/>
+            </a:endParaRPr>
+          </a:p>
+        </p:txBody>
+      </p:sp>
+      <p:sp>
+        <p:nvSpPr>
+          <p:cNvPr id="54" name="PlaceHolder 2"/>
           <p:cNvSpPr>
             <a:spLocks noGrp="1"/>
           </p:cNvSpPr>
@@ -1281,27 +1258,27 @@
         </p:nvSpPr>
         <p:spPr>
           <a:xfrm>
-            <a:off x="599040" y="1828800"/>
-            <a:ext cx="5285160" cy="5394960"/>
-          </a:xfrm>
-          <a:prstGeom prst="rect">
-            <a:avLst/>
-          </a:prstGeom>
-        </p:spPr>
-        <p:txBody>
-          <a:bodyPr lIns="0" rIns="0" tIns="0" bIns="0">
-            <a:normAutofit/>
-          </a:bodyPr>
-          <a:p>
-            <a:endParaRPr b="0" lang="ru-RU" sz="3200" spc="-1" strike="noStrike">
-              <a:latin typeface="Source Sans Pro"/>
-            </a:endParaRPr>
-          </a:p>
-        </p:txBody>
-      </p:sp>
-      <p:sp>
-        <p:nvSpPr>
-          <p:cNvPr id="61" name="PlaceHolder 3"/>
+            <a:off x="599760" y="1768680"/>
+            <a:ext cx="5269320" cy="4384080"/>
+          </a:xfrm>
+          <a:prstGeom prst="rect">
+            <a:avLst/>
+          </a:prstGeom>
+        </p:spPr>
+        <p:txBody>
+          <a:bodyPr lIns="0" rIns="0" tIns="0" bIns="0">
+            <a:normAutofit/>
+          </a:bodyPr>
+          <a:p>
+            <a:endParaRPr b="0" lang="ru-RU" sz="3200" spc="-1" strike="noStrike">
+              <a:latin typeface="Arial"/>
+            </a:endParaRPr>
+          </a:p>
+        </p:txBody>
+      </p:sp>
+      <p:sp>
+        <p:nvSpPr>
+          <p:cNvPr id="55" name="PlaceHolder 3"/>
           <p:cNvSpPr>
             <a:spLocks noGrp="1"/>
           </p:cNvSpPr>
@@ -1311,27 +1288,27 @@
         </p:nvSpPr>
         <p:spPr>
           <a:xfrm>
-            <a:off x="6148800" y="1828800"/>
-            <a:ext cx="5285160" cy="2573280"/>
-          </a:xfrm>
-          <a:prstGeom prst="rect">
-            <a:avLst/>
-          </a:prstGeom>
-        </p:spPr>
-        <p:txBody>
-          <a:bodyPr lIns="0" rIns="0" tIns="0" bIns="0">
-            <a:normAutofit/>
-          </a:bodyPr>
-          <a:p>
-            <a:endParaRPr b="0" lang="ru-RU" sz="3200" spc="-1" strike="noStrike">
-              <a:latin typeface="Source Sans Pro"/>
-            </a:endParaRPr>
-          </a:p>
-        </p:txBody>
-      </p:sp>
-      <p:sp>
-        <p:nvSpPr>
-          <p:cNvPr id="62" name="PlaceHolder 4"/>
+            <a:off x="6132960" y="1768680"/>
+            <a:ext cx="5269320" cy="2090880"/>
+          </a:xfrm>
+          <a:prstGeom prst="rect">
+            <a:avLst/>
+          </a:prstGeom>
+        </p:spPr>
+        <p:txBody>
+          <a:bodyPr lIns="0" rIns="0" tIns="0" bIns="0">
+            <a:normAutofit/>
+          </a:bodyPr>
+          <a:p>
+            <a:endParaRPr b="0" lang="ru-RU" sz="3200" spc="-1" strike="noStrike">
+              <a:latin typeface="Arial"/>
+            </a:endParaRPr>
+          </a:p>
+        </p:txBody>
+      </p:sp>
+      <p:sp>
+        <p:nvSpPr>
+          <p:cNvPr id="56" name="PlaceHolder 4"/>
           <p:cNvSpPr>
             <a:spLocks noGrp="1"/>
           </p:cNvSpPr>
@@ -1341,20 +1318,20 @@
         </p:nvSpPr>
         <p:spPr>
           <a:xfrm>
-            <a:off x="6148800" y="4646880"/>
-            <a:ext cx="5285160" cy="2573280"/>
-          </a:xfrm>
-          <a:prstGeom prst="rect">
-            <a:avLst/>
-          </a:prstGeom>
-        </p:spPr>
-        <p:txBody>
-          <a:bodyPr lIns="0" rIns="0" tIns="0" bIns="0">
-            <a:normAutofit/>
-          </a:bodyPr>
-          <a:p>
-            <a:endParaRPr b="0" lang="ru-RU" sz="3200" spc="-1" strike="noStrike">
-              <a:latin typeface="Source Sans Pro"/>
+            <a:off x="6132960" y="4058640"/>
+            <a:ext cx="5269320" cy="2090880"/>
+          </a:xfrm>
+          <a:prstGeom prst="rect">
+            <a:avLst/>
+          </a:prstGeom>
+        </p:spPr>
+        <p:txBody>
+          <a:bodyPr lIns="0" rIns="0" tIns="0" bIns="0">
+            <a:normAutofit/>
+          </a:bodyPr>
+          <a:p>
+            <a:endParaRPr b="0" lang="ru-RU" sz="3200" spc="-1" strike="noStrike">
+              <a:latin typeface="Arial"/>
             </a:endParaRPr>
           </a:p>
         </p:txBody>
@@ -1383,7 +1360,7 @@
       </p:grpSpPr>
       <p:sp>
         <p:nvSpPr>
-          <p:cNvPr id="63" name="PlaceHolder 1"/>
+          <p:cNvPr id="57" name="PlaceHolder 1"/>
           <p:cNvSpPr>
             <a:spLocks noGrp="1"/>
           </p:cNvSpPr>
@@ -1393,8 +1370,8 @@
         </p:nvSpPr>
         <p:spPr>
           <a:xfrm>
-            <a:off x="599040" y="301320"/>
-            <a:ext cx="10798560" cy="1262160"/>
+            <a:off x="599760" y="301320"/>
+            <a:ext cx="10798200" cy="1261800"/>
           </a:xfrm>
           <a:prstGeom prst="rect">
             <a:avLst/>
@@ -1402,21 +1379,19 @@
         </p:spPr>
         <p:txBody>
           <a:bodyPr lIns="0" rIns="0" tIns="0" bIns="0" anchor="ctr">
-            <a:normAutofit/>
-          </a:bodyPr>
-          <a:p>
-            <a:endParaRPr b="0" lang="ru-RU" sz="6000" spc="-1" strike="noStrike">
-              <a:solidFill>
-                <a:srgbClr val="04617b"/>
-              </a:solidFill>
-              <a:latin typeface="Source Sans Pro Light"/>
-            </a:endParaRPr>
-          </a:p>
-        </p:txBody>
-      </p:sp>
-      <p:sp>
-        <p:nvSpPr>
-          <p:cNvPr id="64" name="PlaceHolder 2"/>
+            <a:noAutofit/>
+          </a:bodyPr>
+          <a:p>
+            <a:pPr algn="ctr"/>
+            <a:endParaRPr b="0" lang="ru-RU" sz="4400" spc="-1" strike="noStrike">
+              <a:latin typeface="Arial"/>
+            </a:endParaRPr>
+          </a:p>
+        </p:txBody>
+      </p:sp>
+      <p:sp>
+        <p:nvSpPr>
+          <p:cNvPr id="58" name="PlaceHolder 2"/>
           <p:cNvSpPr>
             <a:spLocks noGrp="1"/>
           </p:cNvSpPr>
@@ -1426,27 +1401,27 @@
         </p:nvSpPr>
         <p:spPr>
           <a:xfrm>
-            <a:off x="599040" y="1828800"/>
-            <a:ext cx="5285160" cy="2573280"/>
-          </a:xfrm>
-          <a:prstGeom prst="rect">
-            <a:avLst/>
-          </a:prstGeom>
-        </p:spPr>
-        <p:txBody>
-          <a:bodyPr lIns="0" rIns="0" tIns="0" bIns="0">
-            <a:normAutofit/>
-          </a:bodyPr>
-          <a:p>
-            <a:endParaRPr b="0" lang="ru-RU" sz="3200" spc="-1" strike="noStrike">
-              <a:latin typeface="Source Sans Pro"/>
-            </a:endParaRPr>
-          </a:p>
-        </p:txBody>
-      </p:sp>
-      <p:sp>
-        <p:nvSpPr>
-          <p:cNvPr id="65" name="PlaceHolder 3"/>
+            <a:off x="599760" y="1768680"/>
+            <a:ext cx="5269320" cy="2090880"/>
+          </a:xfrm>
+          <a:prstGeom prst="rect">
+            <a:avLst/>
+          </a:prstGeom>
+        </p:spPr>
+        <p:txBody>
+          <a:bodyPr lIns="0" rIns="0" tIns="0" bIns="0">
+            <a:normAutofit/>
+          </a:bodyPr>
+          <a:p>
+            <a:endParaRPr b="0" lang="ru-RU" sz="3200" spc="-1" strike="noStrike">
+              <a:latin typeface="Arial"/>
+            </a:endParaRPr>
+          </a:p>
+        </p:txBody>
+      </p:sp>
+      <p:sp>
+        <p:nvSpPr>
+          <p:cNvPr id="59" name="PlaceHolder 3"/>
           <p:cNvSpPr>
             <a:spLocks noGrp="1"/>
           </p:cNvSpPr>
@@ -1456,27 +1431,27 @@
         </p:nvSpPr>
         <p:spPr>
           <a:xfrm>
-            <a:off x="6148800" y="1828800"/>
-            <a:ext cx="5285160" cy="2573280"/>
-          </a:xfrm>
-          <a:prstGeom prst="rect">
-            <a:avLst/>
-          </a:prstGeom>
-        </p:spPr>
-        <p:txBody>
-          <a:bodyPr lIns="0" rIns="0" tIns="0" bIns="0">
-            <a:normAutofit/>
-          </a:bodyPr>
-          <a:p>
-            <a:endParaRPr b="0" lang="ru-RU" sz="3200" spc="-1" strike="noStrike">
-              <a:latin typeface="Source Sans Pro"/>
-            </a:endParaRPr>
-          </a:p>
-        </p:txBody>
-      </p:sp>
-      <p:sp>
-        <p:nvSpPr>
-          <p:cNvPr id="66" name="PlaceHolder 4"/>
+            <a:off x="6132960" y="1768680"/>
+            <a:ext cx="5269320" cy="2090880"/>
+          </a:xfrm>
+          <a:prstGeom prst="rect">
+            <a:avLst/>
+          </a:prstGeom>
+        </p:spPr>
+        <p:txBody>
+          <a:bodyPr lIns="0" rIns="0" tIns="0" bIns="0">
+            <a:normAutofit/>
+          </a:bodyPr>
+          <a:p>
+            <a:endParaRPr b="0" lang="ru-RU" sz="3200" spc="-1" strike="noStrike">
+              <a:latin typeface="Arial"/>
+            </a:endParaRPr>
+          </a:p>
+        </p:txBody>
+      </p:sp>
+      <p:sp>
+        <p:nvSpPr>
+          <p:cNvPr id="60" name="PlaceHolder 4"/>
           <p:cNvSpPr>
             <a:spLocks noGrp="1"/>
           </p:cNvSpPr>
@@ -1486,20 +1461,20 @@
         </p:nvSpPr>
         <p:spPr>
           <a:xfrm>
-            <a:off x="599040" y="4646880"/>
-            <a:ext cx="10830960" cy="2573280"/>
-          </a:xfrm>
-          <a:prstGeom prst="rect">
-            <a:avLst/>
-          </a:prstGeom>
-        </p:spPr>
-        <p:txBody>
-          <a:bodyPr lIns="0" rIns="0" tIns="0" bIns="0">
-            <a:normAutofit/>
-          </a:bodyPr>
-          <a:p>
-            <a:endParaRPr b="0" lang="ru-RU" sz="3200" spc="-1" strike="noStrike">
-              <a:latin typeface="Source Sans Pro"/>
+            <a:off x="599760" y="4058640"/>
+            <a:ext cx="10798200" cy="2090880"/>
+          </a:xfrm>
+          <a:prstGeom prst="rect">
+            <a:avLst/>
+          </a:prstGeom>
+        </p:spPr>
+        <p:txBody>
+          <a:bodyPr lIns="0" rIns="0" tIns="0" bIns="0">
+            <a:normAutofit/>
+          </a:bodyPr>
+          <a:p>
+            <a:endParaRPr b="0" lang="ru-RU" sz="3200" spc="-1" strike="noStrike">
+              <a:latin typeface="Arial"/>
             </a:endParaRPr>
           </a:p>
         </p:txBody>
@@ -1528,7 +1503,7 @@
       </p:grpSpPr>
       <p:sp>
         <p:nvSpPr>
-          <p:cNvPr id="67" name="PlaceHolder 1"/>
+          <p:cNvPr id="61" name="PlaceHolder 1"/>
           <p:cNvSpPr>
             <a:spLocks noGrp="1"/>
           </p:cNvSpPr>
@@ -1538,8 +1513,8 @@
         </p:nvSpPr>
         <p:spPr>
           <a:xfrm>
-            <a:off x="599040" y="301320"/>
-            <a:ext cx="10798560" cy="1262160"/>
+            <a:off x="599760" y="301320"/>
+            <a:ext cx="10798200" cy="1261800"/>
           </a:xfrm>
           <a:prstGeom prst="rect">
             <a:avLst/>
@@ -1547,21 +1522,19 @@
         </p:spPr>
         <p:txBody>
           <a:bodyPr lIns="0" rIns="0" tIns="0" bIns="0" anchor="ctr">
-            <a:normAutofit/>
-          </a:bodyPr>
-          <a:p>
-            <a:endParaRPr b="0" lang="ru-RU" sz="6000" spc="-1" strike="noStrike">
-              <a:solidFill>
-                <a:srgbClr val="04617b"/>
-              </a:solidFill>
-              <a:latin typeface="Source Sans Pro Light"/>
-            </a:endParaRPr>
-          </a:p>
-        </p:txBody>
-      </p:sp>
-      <p:sp>
-        <p:nvSpPr>
-          <p:cNvPr id="68" name="PlaceHolder 2"/>
+            <a:noAutofit/>
+          </a:bodyPr>
+          <a:p>
+            <a:pPr algn="ctr"/>
+            <a:endParaRPr b="0" lang="ru-RU" sz="4400" spc="-1" strike="noStrike">
+              <a:latin typeface="Arial"/>
+            </a:endParaRPr>
+          </a:p>
+        </p:txBody>
+      </p:sp>
+      <p:sp>
+        <p:nvSpPr>
+          <p:cNvPr id="62" name="PlaceHolder 2"/>
           <p:cNvSpPr>
             <a:spLocks noGrp="1"/>
           </p:cNvSpPr>
@@ -1571,27 +1544,27 @@
         </p:nvSpPr>
         <p:spPr>
           <a:xfrm>
-            <a:off x="599040" y="1828800"/>
-            <a:ext cx="10830960" cy="2573280"/>
-          </a:xfrm>
-          <a:prstGeom prst="rect">
-            <a:avLst/>
-          </a:prstGeom>
-        </p:spPr>
-        <p:txBody>
-          <a:bodyPr lIns="0" rIns="0" tIns="0" bIns="0">
-            <a:normAutofit/>
-          </a:bodyPr>
-          <a:p>
-            <a:endParaRPr b="0" lang="ru-RU" sz="3200" spc="-1" strike="noStrike">
-              <a:latin typeface="Source Sans Pro"/>
-            </a:endParaRPr>
-          </a:p>
-        </p:txBody>
-      </p:sp>
-      <p:sp>
-        <p:nvSpPr>
-          <p:cNvPr id="69" name="PlaceHolder 3"/>
+            <a:off x="599760" y="1768680"/>
+            <a:ext cx="10798200" cy="2090880"/>
+          </a:xfrm>
+          <a:prstGeom prst="rect">
+            <a:avLst/>
+          </a:prstGeom>
+        </p:spPr>
+        <p:txBody>
+          <a:bodyPr lIns="0" rIns="0" tIns="0" bIns="0">
+            <a:normAutofit/>
+          </a:bodyPr>
+          <a:p>
+            <a:endParaRPr b="0" lang="ru-RU" sz="3200" spc="-1" strike="noStrike">
+              <a:latin typeface="Arial"/>
+            </a:endParaRPr>
+          </a:p>
+        </p:txBody>
+      </p:sp>
+      <p:sp>
+        <p:nvSpPr>
+          <p:cNvPr id="63" name="PlaceHolder 3"/>
           <p:cNvSpPr>
             <a:spLocks noGrp="1"/>
           </p:cNvSpPr>
@@ -1601,20 +1574,20 @@
         </p:nvSpPr>
         <p:spPr>
           <a:xfrm>
-            <a:off x="599040" y="4646880"/>
-            <a:ext cx="10830960" cy="2573280"/>
-          </a:xfrm>
-          <a:prstGeom prst="rect">
-            <a:avLst/>
-          </a:prstGeom>
-        </p:spPr>
-        <p:txBody>
-          <a:bodyPr lIns="0" rIns="0" tIns="0" bIns="0">
-            <a:normAutofit/>
-          </a:bodyPr>
-          <a:p>
-            <a:endParaRPr b="0" lang="ru-RU" sz="3200" spc="-1" strike="noStrike">
-              <a:latin typeface="Source Sans Pro"/>
+            <a:off x="599760" y="4058640"/>
+            <a:ext cx="10798200" cy="2090880"/>
+          </a:xfrm>
+          <a:prstGeom prst="rect">
+            <a:avLst/>
+          </a:prstGeom>
+        </p:spPr>
+        <p:txBody>
+          <a:bodyPr lIns="0" rIns="0" tIns="0" bIns="0">
+            <a:normAutofit/>
+          </a:bodyPr>
+          <a:p>
+            <a:endParaRPr b="0" lang="ru-RU" sz="3200" spc="-1" strike="noStrike">
+              <a:latin typeface="Arial"/>
             </a:endParaRPr>
           </a:p>
         </p:txBody>
@@ -1643,7 +1616,7 @@
       </p:grpSpPr>
       <p:sp>
         <p:nvSpPr>
-          <p:cNvPr id="70" name="PlaceHolder 1"/>
+          <p:cNvPr id="64" name="PlaceHolder 1"/>
           <p:cNvSpPr>
             <a:spLocks noGrp="1"/>
           </p:cNvSpPr>
@@ -1653,8 +1626,8 @@
         </p:nvSpPr>
         <p:spPr>
           <a:xfrm>
-            <a:off x="599040" y="301320"/>
-            <a:ext cx="10798560" cy="1262160"/>
+            <a:off x="599760" y="301320"/>
+            <a:ext cx="10798200" cy="1261800"/>
           </a:xfrm>
           <a:prstGeom prst="rect">
             <a:avLst/>
@@ -1662,21 +1635,19 @@
         </p:spPr>
         <p:txBody>
           <a:bodyPr lIns="0" rIns="0" tIns="0" bIns="0" anchor="ctr">
-            <a:normAutofit/>
-          </a:bodyPr>
-          <a:p>
-            <a:endParaRPr b="0" lang="ru-RU" sz="6000" spc="-1" strike="noStrike">
-              <a:solidFill>
-                <a:srgbClr val="04617b"/>
-              </a:solidFill>
-              <a:latin typeface="Source Sans Pro Light"/>
-            </a:endParaRPr>
-          </a:p>
-        </p:txBody>
-      </p:sp>
-      <p:sp>
-        <p:nvSpPr>
-          <p:cNvPr id="71" name="PlaceHolder 2"/>
+            <a:noAutofit/>
+          </a:bodyPr>
+          <a:p>
+            <a:pPr algn="ctr"/>
+            <a:endParaRPr b="0" lang="ru-RU" sz="4400" spc="-1" strike="noStrike">
+              <a:latin typeface="Arial"/>
+            </a:endParaRPr>
+          </a:p>
+        </p:txBody>
+      </p:sp>
+      <p:sp>
+        <p:nvSpPr>
+          <p:cNvPr id="65" name="PlaceHolder 2"/>
           <p:cNvSpPr>
             <a:spLocks noGrp="1"/>
           </p:cNvSpPr>
@@ -1686,27 +1657,27 @@
         </p:nvSpPr>
         <p:spPr>
           <a:xfrm>
-            <a:off x="599040" y="1828800"/>
-            <a:ext cx="5285160" cy="2573280"/>
-          </a:xfrm>
-          <a:prstGeom prst="rect">
-            <a:avLst/>
-          </a:prstGeom>
-        </p:spPr>
-        <p:txBody>
-          <a:bodyPr lIns="0" rIns="0" tIns="0" bIns="0">
-            <a:normAutofit/>
-          </a:bodyPr>
-          <a:p>
-            <a:endParaRPr b="0" lang="ru-RU" sz="3200" spc="-1" strike="noStrike">
-              <a:latin typeface="Source Sans Pro"/>
-            </a:endParaRPr>
-          </a:p>
-        </p:txBody>
-      </p:sp>
-      <p:sp>
-        <p:nvSpPr>
-          <p:cNvPr id="72" name="PlaceHolder 3"/>
+            <a:off x="599760" y="1768680"/>
+            <a:ext cx="5269320" cy="2090880"/>
+          </a:xfrm>
+          <a:prstGeom prst="rect">
+            <a:avLst/>
+          </a:prstGeom>
+        </p:spPr>
+        <p:txBody>
+          <a:bodyPr lIns="0" rIns="0" tIns="0" bIns="0">
+            <a:normAutofit/>
+          </a:bodyPr>
+          <a:p>
+            <a:endParaRPr b="0" lang="ru-RU" sz="3200" spc="-1" strike="noStrike">
+              <a:latin typeface="Arial"/>
+            </a:endParaRPr>
+          </a:p>
+        </p:txBody>
+      </p:sp>
+      <p:sp>
+        <p:nvSpPr>
+          <p:cNvPr id="66" name="PlaceHolder 3"/>
           <p:cNvSpPr>
             <a:spLocks noGrp="1"/>
           </p:cNvSpPr>
@@ -1716,27 +1687,27 @@
         </p:nvSpPr>
         <p:spPr>
           <a:xfrm>
-            <a:off x="6148800" y="1828800"/>
-            <a:ext cx="5285160" cy="2573280"/>
-          </a:xfrm>
-          <a:prstGeom prst="rect">
-            <a:avLst/>
-          </a:prstGeom>
-        </p:spPr>
-        <p:txBody>
-          <a:bodyPr lIns="0" rIns="0" tIns="0" bIns="0">
-            <a:normAutofit/>
-          </a:bodyPr>
-          <a:p>
-            <a:endParaRPr b="0" lang="ru-RU" sz="3200" spc="-1" strike="noStrike">
-              <a:latin typeface="Source Sans Pro"/>
-            </a:endParaRPr>
-          </a:p>
-        </p:txBody>
-      </p:sp>
-      <p:sp>
-        <p:nvSpPr>
-          <p:cNvPr id="73" name="PlaceHolder 4"/>
+            <a:off x="6132960" y="1768680"/>
+            <a:ext cx="5269320" cy="2090880"/>
+          </a:xfrm>
+          <a:prstGeom prst="rect">
+            <a:avLst/>
+          </a:prstGeom>
+        </p:spPr>
+        <p:txBody>
+          <a:bodyPr lIns="0" rIns="0" tIns="0" bIns="0">
+            <a:normAutofit/>
+          </a:bodyPr>
+          <a:p>
+            <a:endParaRPr b="0" lang="ru-RU" sz="3200" spc="-1" strike="noStrike">
+              <a:latin typeface="Arial"/>
+            </a:endParaRPr>
+          </a:p>
+        </p:txBody>
+      </p:sp>
+      <p:sp>
+        <p:nvSpPr>
+          <p:cNvPr id="67" name="PlaceHolder 4"/>
           <p:cNvSpPr>
             <a:spLocks noGrp="1"/>
           </p:cNvSpPr>
@@ -1746,27 +1717,27 @@
         </p:nvSpPr>
         <p:spPr>
           <a:xfrm>
-            <a:off x="599040" y="4646880"/>
-            <a:ext cx="5285160" cy="2573280"/>
-          </a:xfrm>
-          <a:prstGeom prst="rect">
-            <a:avLst/>
-          </a:prstGeom>
-        </p:spPr>
-        <p:txBody>
-          <a:bodyPr lIns="0" rIns="0" tIns="0" bIns="0">
-            <a:normAutofit/>
-          </a:bodyPr>
-          <a:p>
-            <a:endParaRPr b="0" lang="ru-RU" sz="3200" spc="-1" strike="noStrike">
-              <a:latin typeface="Source Sans Pro"/>
-            </a:endParaRPr>
-          </a:p>
-        </p:txBody>
-      </p:sp>
-      <p:sp>
-        <p:nvSpPr>
-          <p:cNvPr id="74" name="PlaceHolder 5"/>
+            <a:off x="599760" y="4058640"/>
+            <a:ext cx="5269320" cy="2090880"/>
+          </a:xfrm>
+          <a:prstGeom prst="rect">
+            <a:avLst/>
+          </a:prstGeom>
+        </p:spPr>
+        <p:txBody>
+          <a:bodyPr lIns="0" rIns="0" tIns="0" bIns="0">
+            <a:normAutofit/>
+          </a:bodyPr>
+          <a:p>
+            <a:endParaRPr b="0" lang="ru-RU" sz="3200" spc="-1" strike="noStrike">
+              <a:latin typeface="Arial"/>
+            </a:endParaRPr>
+          </a:p>
+        </p:txBody>
+      </p:sp>
+      <p:sp>
+        <p:nvSpPr>
+          <p:cNvPr id="68" name="PlaceHolder 5"/>
           <p:cNvSpPr>
             <a:spLocks noGrp="1"/>
           </p:cNvSpPr>
@@ -1776,20 +1747,20 @@
         </p:nvSpPr>
         <p:spPr>
           <a:xfrm>
-            <a:off x="6148800" y="4646880"/>
-            <a:ext cx="5285160" cy="2573280"/>
-          </a:xfrm>
-          <a:prstGeom prst="rect">
-            <a:avLst/>
-          </a:prstGeom>
-        </p:spPr>
-        <p:txBody>
-          <a:bodyPr lIns="0" rIns="0" tIns="0" bIns="0">
-            <a:normAutofit/>
-          </a:bodyPr>
-          <a:p>
-            <a:endParaRPr b="0" lang="ru-RU" sz="3200" spc="-1" strike="noStrike">
-              <a:latin typeface="Source Sans Pro"/>
+            <a:off x="6132960" y="4058640"/>
+            <a:ext cx="5269320" cy="2090880"/>
+          </a:xfrm>
+          <a:prstGeom prst="rect">
+            <a:avLst/>
+          </a:prstGeom>
+        </p:spPr>
+        <p:txBody>
+          <a:bodyPr lIns="0" rIns="0" tIns="0" bIns="0">
+            <a:normAutofit/>
+          </a:bodyPr>
+          <a:p>
+            <a:endParaRPr b="0" lang="ru-RU" sz="3200" spc="-1" strike="noStrike">
+              <a:latin typeface="Arial"/>
             </a:endParaRPr>
           </a:p>
         </p:txBody>
@@ -1818,7 +1789,7 @@
       </p:grpSpPr>
       <p:sp>
         <p:nvSpPr>
-          <p:cNvPr id="75" name="PlaceHolder 1"/>
+          <p:cNvPr id="69" name="PlaceHolder 1"/>
           <p:cNvSpPr>
             <a:spLocks noGrp="1"/>
           </p:cNvSpPr>
@@ -1828,8 +1799,8 @@
         </p:nvSpPr>
         <p:spPr>
           <a:xfrm>
-            <a:off x="599040" y="301320"/>
-            <a:ext cx="10798560" cy="1262160"/>
+            <a:off x="599760" y="301320"/>
+            <a:ext cx="10798200" cy="1261800"/>
           </a:xfrm>
           <a:prstGeom prst="rect">
             <a:avLst/>
@@ -1837,21 +1808,19 @@
         </p:spPr>
         <p:txBody>
           <a:bodyPr lIns="0" rIns="0" tIns="0" bIns="0" anchor="ctr">
-            <a:normAutofit/>
-          </a:bodyPr>
-          <a:p>
-            <a:endParaRPr b="0" lang="ru-RU" sz="6000" spc="-1" strike="noStrike">
-              <a:solidFill>
-                <a:srgbClr val="04617b"/>
-              </a:solidFill>
-              <a:latin typeface="Source Sans Pro Light"/>
-            </a:endParaRPr>
-          </a:p>
-        </p:txBody>
-      </p:sp>
-      <p:sp>
-        <p:nvSpPr>
-          <p:cNvPr id="76" name="PlaceHolder 2"/>
+            <a:noAutofit/>
+          </a:bodyPr>
+          <a:p>
+            <a:pPr algn="ctr"/>
+            <a:endParaRPr b="0" lang="ru-RU" sz="4400" spc="-1" strike="noStrike">
+              <a:latin typeface="Arial"/>
+            </a:endParaRPr>
+          </a:p>
+        </p:txBody>
+      </p:sp>
+      <p:sp>
+        <p:nvSpPr>
+          <p:cNvPr id="70" name="PlaceHolder 2"/>
           <p:cNvSpPr>
             <a:spLocks noGrp="1"/>
           </p:cNvSpPr>
@@ -1861,27 +1830,27 @@
         </p:nvSpPr>
         <p:spPr>
           <a:xfrm>
-            <a:off x="599040" y="1828800"/>
-            <a:ext cx="3487320" cy="2573280"/>
-          </a:xfrm>
-          <a:prstGeom prst="rect">
-            <a:avLst/>
-          </a:prstGeom>
-        </p:spPr>
-        <p:txBody>
-          <a:bodyPr lIns="0" rIns="0" tIns="0" bIns="0">
-            <a:normAutofit/>
-          </a:bodyPr>
-          <a:p>
-            <a:endParaRPr b="0" lang="ru-RU" sz="3200" spc="-1" strike="noStrike">
-              <a:latin typeface="Source Sans Pro"/>
-            </a:endParaRPr>
-          </a:p>
-        </p:txBody>
-      </p:sp>
-      <p:sp>
-        <p:nvSpPr>
-          <p:cNvPr id="77" name="PlaceHolder 3"/>
+            <a:off x="599760" y="1768680"/>
+            <a:ext cx="3476880" cy="2090880"/>
+          </a:xfrm>
+          <a:prstGeom prst="rect">
+            <a:avLst/>
+          </a:prstGeom>
+        </p:spPr>
+        <p:txBody>
+          <a:bodyPr lIns="0" rIns="0" tIns="0" bIns="0">
+            <a:normAutofit/>
+          </a:bodyPr>
+          <a:p>
+            <a:endParaRPr b="0" lang="ru-RU" sz="3200" spc="-1" strike="noStrike">
+              <a:latin typeface="Arial"/>
+            </a:endParaRPr>
+          </a:p>
+        </p:txBody>
+      </p:sp>
+      <p:sp>
+        <p:nvSpPr>
+          <p:cNvPr id="71" name="PlaceHolder 3"/>
           <p:cNvSpPr>
             <a:spLocks noGrp="1"/>
           </p:cNvSpPr>
@@ -1891,27 +1860,27 @@
         </p:nvSpPr>
         <p:spPr>
           <a:xfrm>
-            <a:off x="4260960" y="1828800"/>
-            <a:ext cx="3487320" cy="2573280"/>
-          </a:xfrm>
-          <a:prstGeom prst="rect">
-            <a:avLst/>
-          </a:prstGeom>
-        </p:spPr>
-        <p:txBody>
-          <a:bodyPr lIns="0" rIns="0" tIns="0" bIns="0">
-            <a:normAutofit/>
-          </a:bodyPr>
-          <a:p>
-            <a:endParaRPr b="0" lang="ru-RU" sz="3200" spc="-1" strike="noStrike">
-              <a:latin typeface="Source Sans Pro"/>
-            </a:endParaRPr>
-          </a:p>
-        </p:txBody>
-      </p:sp>
-      <p:sp>
-        <p:nvSpPr>
-          <p:cNvPr id="78" name="PlaceHolder 4"/>
+            <a:off x="4250880" y="1768680"/>
+            <a:ext cx="3476880" cy="2090880"/>
+          </a:xfrm>
+          <a:prstGeom prst="rect">
+            <a:avLst/>
+          </a:prstGeom>
+        </p:spPr>
+        <p:txBody>
+          <a:bodyPr lIns="0" rIns="0" tIns="0" bIns="0">
+            <a:normAutofit/>
+          </a:bodyPr>
+          <a:p>
+            <a:endParaRPr b="0" lang="ru-RU" sz="3200" spc="-1" strike="noStrike">
+              <a:latin typeface="Arial"/>
+            </a:endParaRPr>
+          </a:p>
+        </p:txBody>
+      </p:sp>
+      <p:sp>
+        <p:nvSpPr>
+          <p:cNvPr id="72" name="PlaceHolder 4"/>
           <p:cNvSpPr>
             <a:spLocks noGrp="1"/>
           </p:cNvSpPr>
@@ -1921,27 +1890,27 @@
         </p:nvSpPr>
         <p:spPr>
           <a:xfrm>
-            <a:off x="7923240" y="1828800"/>
-            <a:ext cx="3487320" cy="2573280"/>
-          </a:xfrm>
-          <a:prstGeom prst="rect">
-            <a:avLst/>
-          </a:prstGeom>
-        </p:spPr>
-        <p:txBody>
-          <a:bodyPr lIns="0" rIns="0" tIns="0" bIns="0">
-            <a:normAutofit/>
-          </a:bodyPr>
-          <a:p>
-            <a:endParaRPr b="0" lang="ru-RU" sz="3200" spc="-1" strike="noStrike">
-              <a:latin typeface="Source Sans Pro"/>
-            </a:endParaRPr>
-          </a:p>
-        </p:txBody>
-      </p:sp>
-      <p:sp>
-        <p:nvSpPr>
-          <p:cNvPr id="79" name="PlaceHolder 5"/>
+            <a:off x="7902000" y="1768680"/>
+            <a:ext cx="3476880" cy="2090880"/>
+          </a:xfrm>
+          <a:prstGeom prst="rect">
+            <a:avLst/>
+          </a:prstGeom>
+        </p:spPr>
+        <p:txBody>
+          <a:bodyPr lIns="0" rIns="0" tIns="0" bIns="0">
+            <a:normAutofit/>
+          </a:bodyPr>
+          <a:p>
+            <a:endParaRPr b="0" lang="ru-RU" sz="3200" spc="-1" strike="noStrike">
+              <a:latin typeface="Arial"/>
+            </a:endParaRPr>
+          </a:p>
+        </p:txBody>
+      </p:sp>
+      <p:sp>
+        <p:nvSpPr>
+          <p:cNvPr id="73" name="PlaceHolder 5"/>
           <p:cNvSpPr>
             <a:spLocks noGrp="1"/>
           </p:cNvSpPr>
@@ -1951,27 +1920,27 @@
         </p:nvSpPr>
         <p:spPr>
           <a:xfrm>
-            <a:off x="599040" y="4646880"/>
-            <a:ext cx="3487320" cy="2573280"/>
-          </a:xfrm>
-          <a:prstGeom prst="rect">
-            <a:avLst/>
-          </a:prstGeom>
-        </p:spPr>
-        <p:txBody>
-          <a:bodyPr lIns="0" rIns="0" tIns="0" bIns="0">
-            <a:normAutofit/>
-          </a:bodyPr>
-          <a:p>
-            <a:endParaRPr b="0" lang="ru-RU" sz="3200" spc="-1" strike="noStrike">
-              <a:latin typeface="Source Sans Pro"/>
-            </a:endParaRPr>
-          </a:p>
-        </p:txBody>
-      </p:sp>
-      <p:sp>
-        <p:nvSpPr>
-          <p:cNvPr id="80" name="PlaceHolder 6"/>
+            <a:off x="599760" y="4058640"/>
+            <a:ext cx="3476880" cy="2090880"/>
+          </a:xfrm>
+          <a:prstGeom prst="rect">
+            <a:avLst/>
+          </a:prstGeom>
+        </p:spPr>
+        <p:txBody>
+          <a:bodyPr lIns="0" rIns="0" tIns="0" bIns="0">
+            <a:normAutofit/>
+          </a:bodyPr>
+          <a:p>
+            <a:endParaRPr b="0" lang="ru-RU" sz="3200" spc="-1" strike="noStrike">
+              <a:latin typeface="Arial"/>
+            </a:endParaRPr>
+          </a:p>
+        </p:txBody>
+      </p:sp>
+      <p:sp>
+        <p:nvSpPr>
+          <p:cNvPr id="74" name="PlaceHolder 6"/>
           <p:cNvSpPr>
             <a:spLocks noGrp="1"/>
           </p:cNvSpPr>
@@ -1981,27 +1950,27 @@
         </p:nvSpPr>
         <p:spPr>
           <a:xfrm>
-            <a:off x="4260960" y="4646880"/>
-            <a:ext cx="3487320" cy="2573280"/>
-          </a:xfrm>
-          <a:prstGeom prst="rect">
-            <a:avLst/>
-          </a:prstGeom>
-        </p:spPr>
-        <p:txBody>
-          <a:bodyPr lIns="0" rIns="0" tIns="0" bIns="0">
-            <a:normAutofit/>
-          </a:bodyPr>
-          <a:p>
-            <a:endParaRPr b="0" lang="ru-RU" sz="3200" spc="-1" strike="noStrike">
-              <a:latin typeface="Source Sans Pro"/>
-            </a:endParaRPr>
-          </a:p>
-        </p:txBody>
-      </p:sp>
-      <p:sp>
-        <p:nvSpPr>
-          <p:cNvPr id="81" name="PlaceHolder 7"/>
+            <a:off x="4250880" y="4058640"/>
+            <a:ext cx="3476880" cy="2090880"/>
+          </a:xfrm>
+          <a:prstGeom prst="rect">
+            <a:avLst/>
+          </a:prstGeom>
+        </p:spPr>
+        <p:txBody>
+          <a:bodyPr lIns="0" rIns="0" tIns="0" bIns="0">
+            <a:normAutofit/>
+          </a:bodyPr>
+          <a:p>
+            <a:endParaRPr b="0" lang="ru-RU" sz="3200" spc="-1" strike="noStrike">
+              <a:latin typeface="Arial"/>
+            </a:endParaRPr>
+          </a:p>
+        </p:txBody>
+      </p:sp>
+      <p:sp>
+        <p:nvSpPr>
+          <p:cNvPr id="75" name="PlaceHolder 7"/>
           <p:cNvSpPr>
             <a:spLocks noGrp="1"/>
           </p:cNvSpPr>
@@ -2011,20 +1980,20 @@
         </p:nvSpPr>
         <p:spPr>
           <a:xfrm>
-            <a:off x="7923240" y="4646880"/>
-            <a:ext cx="3487320" cy="2573280"/>
-          </a:xfrm>
-          <a:prstGeom prst="rect">
-            <a:avLst/>
-          </a:prstGeom>
-        </p:spPr>
-        <p:txBody>
-          <a:bodyPr lIns="0" rIns="0" tIns="0" bIns="0">
-            <a:normAutofit/>
-          </a:bodyPr>
-          <a:p>
-            <a:endParaRPr b="0" lang="ru-RU" sz="3200" spc="-1" strike="noStrike">
-              <a:latin typeface="Source Sans Pro"/>
+            <a:off x="7902000" y="4058640"/>
+            <a:ext cx="3476880" cy="2090880"/>
+          </a:xfrm>
+          <a:prstGeom prst="rect">
+            <a:avLst/>
+          </a:prstGeom>
+        </p:spPr>
+        <p:txBody>
+          <a:bodyPr lIns="0" rIns="0" tIns="0" bIns="0">
+            <a:normAutofit/>
+          </a:bodyPr>
+          <a:p>
+            <a:endParaRPr b="0" lang="ru-RU" sz="3200" spc="-1" strike="noStrike">
+              <a:latin typeface="Arial"/>
             </a:endParaRPr>
           </a:p>
         </p:txBody>
@@ -2075,7 +2044,7 @@
       </p:grpSpPr>
       <p:sp>
         <p:nvSpPr>
-          <p:cNvPr id="87" name="PlaceHolder 1"/>
+          <p:cNvPr id="78" name="PlaceHolder 1"/>
           <p:cNvSpPr>
             <a:spLocks noGrp="1"/>
           </p:cNvSpPr>
@@ -2085,8 +2054,8 @@
         </p:nvSpPr>
         <p:spPr>
           <a:xfrm>
-            <a:off x="599040" y="301320"/>
-            <a:ext cx="10798560" cy="1262160"/>
+            <a:off x="599760" y="301320"/>
+            <a:ext cx="10798200" cy="1261800"/>
           </a:xfrm>
           <a:prstGeom prst="rect">
             <a:avLst/>
@@ -2094,21 +2063,19 @@
         </p:spPr>
         <p:txBody>
           <a:bodyPr lIns="0" rIns="0" tIns="0" bIns="0" anchor="ctr">
-            <a:normAutofit/>
-          </a:bodyPr>
-          <a:p>
-            <a:endParaRPr b="0" lang="ru-RU" sz="6000" spc="-1" strike="noStrike">
-              <a:solidFill>
-                <a:srgbClr val="04617b"/>
-              </a:solidFill>
-              <a:latin typeface="Source Sans Pro Light"/>
-            </a:endParaRPr>
-          </a:p>
-        </p:txBody>
-      </p:sp>
-      <p:sp>
-        <p:nvSpPr>
-          <p:cNvPr id="88" name="PlaceHolder 2"/>
+            <a:noAutofit/>
+          </a:bodyPr>
+          <a:p>
+            <a:pPr algn="ctr"/>
+            <a:endParaRPr b="0" lang="ru-RU" sz="4400" spc="-1" strike="noStrike">
+              <a:latin typeface="Arial"/>
+            </a:endParaRPr>
+          </a:p>
+        </p:txBody>
+      </p:sp>
+      <p:sp>
+        <p:nvSpPr>
+          <p:cNvPr id="79" name="PlaceHolder 2"/>
           <p:cNvSpPr>
             <a:spLocks noGrp="1"/>
           </p:cNvSpPr>
@@ -2118,22 +2085,21 @@
         </p:nvSpPr>
         <p:spPr>
           <a:xfrm>
-            <a:off x="599040" y="1828800"/>
-            <a:ext cx="10830960" cy="5394960"/>
-          </a:xfrm>
-          <a:prstGeom prst="rect">
-            <a:avLst/>
-          </a:prstGeom>
-        </p:spPr>
-        <p:txBody>
-          <a:bodyPr lIns="0" rIns="0" tIns="0" bIns="0" anchor="ctr"/>
+            <a:off x="599760" y="1768680"/>
+            <a:ext cx="10798200" cy="4384080"/>
+          </a:xfrm>
+          <a:prstGeom prst="rect">
+            <a:avLst/>
+          </a:prstGeom>
+        </p:spPr>
+        <p:txBody>
+          <a:bodyPr lIns="0" rIns="0" tIns="0" bIns="0" anchor="ctr">
+            <a:noAutofit/>
+          </a:bodyPr>
           <a:p>
             <a:pPr algn="ctr"/>
-            <a:endParaRPr b="1" lang="ru-RU" sz="4000" spc="-1" strike="noStrike">
-              <a:solidFill>
-                <a:srgbClr val="04617b"/>
-              </a:solidFill>
-              <a:latin typeface="Source Sans Pro Black"/>
+            <a:endParaRPr b="0" lang="ru-RU" sz="3200" spc="-1" strike="noStrike">
+              <a:latin typeface="Arial"/>
             </a:endParaRPr>
           </a:p>
         </p:txBody>
@@ -2162,7 +2128,7 @@
       </p:grpSpPr>
       <p:sp>
         <p:nvSpPr>
-          <p:cNvPr id="89" name="PlaceHolder 1"/>
+          <p:cNvPr id="80" name="PlaceHolder 1"/>
           <p:cNvSpPr>
             <a:spLocks noGrp="1"/>
           </p:cNvSpPr>
@@ -2172,8 +2138,8 @@
         </p:nvSpPr>
         <p:spPr>
           <a:xfrm>
-            <a:off x="599040" y="301320"/>
-            <a:ext cx="10798560" cy="1262160"/>
+            <a:off x="599760" y="301320"/>
+            <a:ext cx="10798200" cy="1261800"/>
           </a:xfrm>
           <a:prstGeom prst="rect">
             <a:avLst/>
@@ -2181,21 +2147,19 @@
         </p:spPr>
         <p:txBody>
           <a:bodyPr lIns="0" rIns="0" tIns="0" bIns="0" anchor="ctr">
-            <a:normAutofit/>
-          </a:bodyPr>
-          <a:p>
-            <a:endParaRPr b="0" lang="ru-RU" sz="6000" spc="-1" strike="noStrike">
-              <a:solidFill>
-                <a:srgbClr val="04617b"/>
-              </a:solidFill>
-              <a:latin typeface="Source Sans Pro Light"/>
-            </a:endParaRPr>
-          </a:p>
-        </p:txBody>
-      </p:sp>
-      <p:sp>
-        <p:nvSpPr>
-          <p:cNvPr id="90" name="PlaceHolder 2"/>
+            <a:noAutofit/>
+          </a:bodyPr>
+          <a:p>
+            <a:pPr algn="ctr"/>
+            <a:endParaRPr b="0" lang="ru-RU" sz="4400" spc="-1" strike="noStrike">
+              <a:latin typeface="Arial"/>
+            </a:endParaRPr>
+          </a:p>
+        </p:txBody>
+      </p:sp>
+      <p:sp>
+        <p:nvSpPr>
+          <p:cNvPr id="81" name="PlaceHolder 2"/>
           <p:cNvSpPr>
             <a:spLocks noGrp="1"/>
           </p:cNvSpPr>
@@ -2205,20 +2169,20 @@
         </p:nvSpPr>
         <p:spPr>
           <a:xfrm>
-            <a:off x="599040" y="1828800"/>
-            <a:ext cx="10830960" cy="5394960"/>
-          </a:xfrm>
-          <a:prstGeom prst="rect">
-            <a:avLst/>
-          </a:prstGeom>
-        </p:spPr>
-        <p:txBody>
-          <a:bodyPr lIns="0" rIns="0" tIns="0" bIns="0">
-            <a:normAutofit/>
-          </a:bodyPr>
-          <a:p>
-            <a:endParaRPr b="0" lang="ru-RU" sz="3200" spc="-1" strike="noStrike">
-              <a:latin typeface="Source Sans Pro"/>
+            <a:off x="599760" y="1768680"/>
+            <a:ext cx="10798200" cy="4384080"/>
+          </a:xfrm>
+          <a:prstGeom prst="rect">
+            <a:avLst/>
+          </a:prstGeom>
+        </p:spPr>
+        <p:txBody>
+          <a:bodyPr lIns="0" rIns="0" tIns="0" bIns="0">
+            <a:normAutofit/>
+          </a:bodyPr>
+          <a:p>
+            <a:endParaRPr b="0" lang="ru-RU" sz="3200" spc="-1" strike="noStrike">
+              <a:latin typeface="Arial"/>
             </a:endParaRPr>
           </a:p>
         </p:txBody>
@@ -2247,7 +2211,7 @@
       </p:grpSpPr>
       <p:sp>
         <p:nvSpPr>
-          <p:cNvPr id="91" name="PlaceHolder 1"/>
+          <p:cNvPr id="82" name="PlaceHolder 1"/>
           <p:cNvSpPr>
             <a:spLocks noGrp="1"/>
           </p:cNvSpPr>
@@ -2257,8 +2221,8 @@
         </p:nvSpPr>
         <p:spPr>
           <a:xfrm>
-            <a:off x="599040" y="301320"/>
-            <a:ext cx="10798560" cy="1262160"/>
+            <a:off x="599760" y="301320"/>
+            <a:ext cx="10798200" cy="1261800"/>
           </a:xfrm>
           <a:prstGeom prst="rect">
             <a:avLst/>
@@ -2266,21 +2230,19 @@
         </p:spPr>
         <p:txBody>
           <a:bodyPr lIns="0" rIns="0" tIns="0" bIns="0" anchor="ctr">
-            <a:normAutofit/>
-          </a:bodyPr>
-          <a:p>
-            <a:endParaRPr b="0" lang="ru-RU" sz="6000" spc="-1" strike="noStrike">
-              <a:solidFill>
-                <a:srgbClr val="04617b"/>
-              </a:solidFill>
-              <a:latin typeface="Source Sans Pro Light"/>
-            </a:endParaRPr>
-          </a:p>
-        </p:txBody>
-      </p:sp>
-      <p:sp>
-        <p:nvSpPr>
-          <p:cNvPr id="92" name="PlaceHolder 2"/>
+            <a:noAutofit/>
+          </a:bodyPr>
+          <a:p>
+            <a:pPr algn="ctr"/>
+            <a:endParaRPr b="0" lang="ru-RU" sz="4400" spc="-1" strike="noStrike">
+              <a:latin typeface="Arial"/>
+            </a:endParaRPr>
+          </a:p>
+        </p:txBody>
+      </p:sp>
+      <p:sp>
+        <p:nvSpPr>
+          <p:cNvPr id="83" name="PlaceHolder 2"/>
           <p:cNvSpPr>
             <a:spLocks noGrp="1"/>
           </p:cNvSpPr>
@@ -2290,27 +2252,27 @@
         </p:nvSpPr>
         <p:spPr>
           <a:xfrm>
-            <a:off x="599040" y="1828800"/>
-            <a:ext cx="5285160" cy="5394960"/>
-          </a:xfrm>
-          <a:prstGeom prst="rect">
-            <a:avLst/>
-          </a:prstGeom>
-        </p:spPr>
-        <p:txBody>
-          <a:bodyPr lIns="0" rIns="0" tIns="0" bIns="0">
-            <a:normAutofit/>
-          </a:bodyPr>
-          <a:p>
-            <a:endParaRPr b="0" lang="ru-RU" sz="3200" spc="-1" strike="noStrike">
-              <a:latin typeface="Source Sans Pro"/>
-            </a:endParaRPr>
-          </a:p>
-        </p:txBody>
-      </p:sp>
-      <p:sp>
-        <p:nvSpPr>
-          <p:cNvPr id="93" name="PlaceHolder 3"/>
+            <a:off x="599760" y="1768680"/>
+            <a:ext cx="5269320" cy="4384080"/>
+          </a:xfrm>
+          <a:prstGeom prst="rect">
+            <a:avLst/>
+          </a:prstGeom>
+        </p:spPr>
+        <p:txBody>
+          <a:bodyPr lIns="0" rIns="0" tIns="0" bIns="0">
+            <a:normAutofit/>
+          </a:bodyPr>
+          <a:p>
+            <a:endParaRPr b="0" lang="ru-RU" sz="3200" spc="-1" strike="noStrike">
+              <a:latin typeface="Arial"/>
+            </a:endParaRPr>
+          </a:p>
+        </p:txBody>
+      </p:sp>
+      <p:sp>
+        <p:nvSpPr>
+          <p:cNvPr id="84" name="PlaceHolder 3"/>
           <p:cNvSpPr>
             <a:spLocks noGrp="1"/>
           </p:cNvSpPr>
@@ -2320,20 +2282,20 @@
         </p:nvSpPr>
         <p:spPr>
           <a:xfrm>
-            <a:off x="6148800" y="1828800"/>
-            <a:ext cx="5285160" cy="5394960"/>
-          </a:xfrm>
-          <a:prstGeom prst="rect">
-            <a:avLst/>
-          </a:prstGeom>
-        </p:spPr>
-        <p:txBody>
-          <a:bodyPr lIns="0" rIns="0" tIns="0" bIns="0">
-            <a:normAutofit/>
-          </a:bodyPr>
-          <a:p>
-            <a:endParaRPr b="0" lang="ru-RU" sz="3200" spc="-1" strike="noStrike">
-              <a:latin typeface="Source Sans Pro"/>
+            <a:off x="6132960" y="1768680"/>
+            <a:ext cx="5269320" cy="4384080"/>
+          </a:xfrm>
+          <a:prstGeom prst="rect">
+            <a:avLst/>
+          </a:prstGeom>
+        </p:spPr>
+        <p:txBody>
+          <a:bodyPr lIns="0" rIns="0" tIns="0" bIns="0">
+            <a:normAutofit/>
+          </a:bodyPr>
+          <a:p>
+            <a:endParaRPr b="0" lang="ru-RU" sz="3200" spc="-1" strike="noStrike">
+              <a:latin typeface="Arial"/>
             </a:endParaRPr>
           </a:p>
         </p:txBody>
@@ -2362,7 +2324,7 @@
       </p:grpSpPr>
       <p:sp>
         <p:nvSpPr>
-          <p:cNvPr id="94" name="PlaceHolder 1"/>
+          <p:cNvPr id="85" name="PlaceHolder 1"/>
           <p:cNvSpPr>
             <a:spLocks noGrp="1"/>
           </p:cNvSpPr>
@@ -2372,8 +2334,8 @@
         </p:nvSpPr>
         <p:spPr>
           <a:xfrm>
-            <a:off x="599040" y="301320"/>
-            <a:ext cx="10798560" cy="1262160"/>
+            <a:off x="599760" y="301320"/>
+            <a:ext cx="10798200" cy="1261800"/>
           </a:xfrm>
           <a:prstGeom prst="rect">
             <a:avLst/>
@@ -2381,14 +2343,12 @@
         </p:spPr>
         <p:txBody>
           <a:bodyPr lIns="0" rIns="0" tIns="0" bIns="0" anchor="ctr">
-            <a:normAutofit/>
-          </a:bodyPr>
-          <a:p>
-            <a:endParaRPr b="0" lang="ru-RU" sz="6000" spc="-1" strike="noStrike">
-              <a:solidFill>
-                <a:srgbClr val="04617b"/>
-              </a:solidFill>
-              <a:latin typeface="Source Sans Pro Light"/>
+            <a:noAutofit/>
+          </a:bodyPr>
+          <a:p>
+            <a:pPr algn="ctr"/>
+            <a:endParaRPr b="0" lang="ru-RU" sz="4400" spc="-1" strike="noStrike">
+              <a:latin typeface="Arial"/>
             </a:endParaRPr>
           </a:p>
         </p:txBody>
@@ -2417,7 +2377,7 @@
       </p:grpSpPr>
       <p:sp>
         <p:nvSpPr>
-          <p:cNvPr id="7" name="PlaceHolder 1"/>
+          <p:cNvPr id="4" name="PlaceHolder 1"/>
           <p:cNvSpPr>
             <a:spLocks noGrp="1"/>
           </p:cNvSpPr>
@@ -2427,8 +2387,8 @@
         </p:nvSpPr>
         <p:spPr>
           <a:xfrm>
-            <a:off x="599040" y="301320"/>
-            <a:ext cx="10798560" cy="1262160"/>
+            <a:off x="599760" y="301320"/>
+            <a:ext cx="10798200" cy="1261800"/>
           </a:xfrm>
           <a:prstGeom prst="rect">
             <a:avLst/>
@@ -2436,21 +2396,19 @@
         </p:spPr>
         <p:txBody>
           <a:bodyPr lIns="0" rIns="0" tIns="0" bIns="0" anchor="ctr">
-            <a:normAutofit/>
-          </a:bodyPr>
-          <a:p>
-            <a:endParaRPr b="0" lang="ru-RU" sz="6000" spc="-1" strike="noStrike">
-              <a:solidFill>
-                <a:srgbClr val="04617b"/>
-              </a:solidFill>
-              <a:latin typeface="Source Sans Pro Light"/>
-            </a:endParaRPr>
-          </a:p>
-        </p:txBody>
-      </p:sp>
-      <p:sp>
-        <p:nvSpPr>
-          <p:cNvPr id="8" name="PlaceHolder 2"/>
+            <a:noAutofit/>
+          </a:bodyPr>
+          <a:p>
+            <a:pPr algn="ctr"/>
+            <a:endParaRPr b="0" lang="ru-RU" sz="4400" spc="-1" strike="noStrike">
+              <a:latin typeface="Arial"/>
+            </a:endParaRPr>
+          </a:p>
+        </p:txBody>
+      </p:sp>
+      <p:sp>
+        <p:nvSpPr>
+          <p:cNvPr id="5" name="PlaceHolder 2"/>
           <p:cNvSpPr>
             <a:spLocks noGrp="1"/>
           </p:cNvSpPr>
@@ -2460,20 +2418,20 @@
         </p:nvSpPr>
         <p:spPr>
           <a:xfrm>
-            <a:off x="599040" y="1828800"/>
-            <a:ext cx="10830960" cy="5394960"/>
-          </a:xfrm>
-          <a:prstGeom prst="rect">
-            <a:avLst/>
-          </a:prstGeom>
-        </p:spPr>
-        <p:txBody>
-          <a:bodyPr lIns="0" rIns="0" tIns="0" bIns="0">
-            <a:normAutofit/>
-          </a:bodyPr>
-          <a:p>
-            <a:endParaRPr b="0" lang="ru-RU" sz="3200" spc="-1" strike="noStrike">
-              <a:latin typeface="Source Sans Pro"/>
+            <a:off x="599760" y="1768680"/>
+            <a:ext cx="10798200" cy="4384080"/>
+          </a:xfrm>
+          <a:prstGeom prst="rect">
+            <a:avLst/>
+          </a:prstGeom>
+        </p:spPr>
+        <p:txBody>
+          <a:bodyPr lIns="0" rIns="0" tIns="0" bIns="0">
+            <a:normAutofit/>
+          </a:bodyPr>
+          <a:p>
+            <a:endParaRPr b="0" lang="ru-RU" sz="3200" spc="-1" strike="noStrike">
+              <a:latin typeface="Arial"/>
             </a:endParaRPr>
           </a:p>
         </p:txBody>
@@ -2502,7 +2460,7 @@
       </p:grpSpPr>
       <p:sp>
         <p:nvSpPr>
-          <p:cNvPr id="95" name="PlaceHolder 1"/>
+          <p:cNvPr id="86" name="PlaceHolder 1"/>
           <p:cNvSpPr>
             <a:spLocks noGrp="1"/>
           </p:cNvSpPr>
@@ -2512,22 +2470,21 @@
         </p:nvSpPr>
         <p:spPr>
           <a:xfrm>
-            <a:off x="599040" y="301320"/>
-            <a:ext cx="10798560" cy="5851800"/>
-          </a:xfrm>
-          <a:prstGeom prst="rect">
-            <a:avLst/>
-          </a:prstGeom>
-        </p:spPr>
-        <p:txBody>
-          <a:bodyPr lIns="0" rIns="0" tIns="0" bIns="0" anchor="ctr"/>
+            <a:off x="599760" y="301320"/>
+            <a:ext cx="10798200" cy="5850360"/>
+          </a:xfrm>
+          <a:prstGeom prst="rect">
+            <a:avLst/>
+          </a:prstGeom>
+        </p:spPr>
+        <p:txBody>
+          <a:bodyPr lIns="0" rIns="0" tIns="0" bIns="0" anchor="ctr">
+            <a:noAutofit/>
+          </a:bodyPr>
           <a:p>
             <a:pPr algn="ctr"/>
-            <a:endParaRPr b="1" lang="ru-RU" sz="4000" spc="-1" strike="noStrike">
-              <a:solidFill>
-                <a:srgbClr val="04617b"/>
-              </a:solidFill>
-              <a:latin typeface="Source Sans Pro Black"/>
+            <a:endParaRPr b="0" lang="ru-RU" sz="3200" spc="-1" strike="noStrike">
+              <a:latin typeface="Arial"/>
             </a:endParaRPr>
           </a:p>
         </p:txBody>
@@ -2556,7 +2513,7 @@
       </p:grpSpPr>
       <p:sp>
         <p:nvSpPr>
-          <p:cNvPr id="96" name="PlaceHolder 1"/>
+          <p:cNvPr id="87" name="PlaceHolder 1"/>
           <p:cNvSpPr>
             <a:spLocks noGrp="1"/>
           </p:cNvSpPr>
@@ -2566,8 +2523,8 @@
         </p:nvSpPr>
         <p:spPr>
           <a:xfrm>
-            <a:off x="599040" y="301320"/>
-            <a:ext cx="10798560" cy="1262160"/>
+            <a:off x="599760" y="301320"/>
+            <a:ext cx="10798200" cy="1261800"/>
           </a:xfrm>
           <a:prstGeom prst="rect">
             <a:avLst/>
@@ -2575,21 +2532,19 @@
         </p:spPr>
         <p:txBody>
           <a:bodyPr lIns="0" rIns="0" tIns="0" bIns="0" anchor="ctr">
-            <a:normAutofit/>
-          </a:bodyPr>
-          <a:p>
-            <a:endParaRPr b="0" lang="ru-RU" sz="6000" spc="-1" strike="noStrike">
-              <a:solidFill>
-                <a:srgbClr val="04617b"/>
-              </a:solidFill>
-              <a:latin typeface="Source Sans Pro Light"/>
-            </a:endParaRPr>
-          </a:p>
-        </p:txBody>
-      </p:sp>
-      <p:sp>
-        <p:nvSpPr>
-          <p:cNvPr id="97" name="PlaceHolder 2"/>
+            <a:noAutofit/>
+          </a:bodyPr>
+          <a:p>
+            <a:pPr algn="ctr"/>
+            <a:endParaRPr b="0" lang="ru-RU" sz="4400" spc="-1" strike="noStrike">
+              <a:latin typeface="Arial"/>
+            </a:endParaRPr>
+          </a:p>
+        </p:txBody>
+      </p:sp>
+      <p:sp>
+        <p:nvSpPr>
+          <p:cNvPr id="88" name="PlaceHolder 2"/>
           <p:cNvSpPr>
             <a:spLocks noGrp="1"/>
           </p:cNvSpPr>
@@ -2599,27 +2554,27 @@
         </p:nvSpPr>
         <p:spPr>
           <a:xfrm>
-            <a:off x="599040" y="1828800"/>
-            <a:ext cx="5285160" cy="2573280"/>
-          </a:xfrm>
-          <a:prstGeom prst="rect">
-            <a:avLst/>
-          </a:prstGeom>
-        </p:spPr>
-        <p:txBody>
-          <a:bodyPr lIns="0" rIns="0" tIns="0" bIns="0">
-            <a:normAutofit/>
-          </a:bodyPr>
-          <a:p>
-            <a:endParaRPr b="0" lang="ru-RU" sz="3200" spc="-1" strike="noStrike">
-              <a:latin typeface="Source Sans Pro"/>
-            </a:endParaRPr>
-          </a:p>
-        </p:txBody>
-      </p:sp>
-      <p:sp>
-        <p:nvSpPr>
-          <p:cNvPr id="98" name="PlaceHolder 3"/>
+            <a:off x="599760" y="1768680"/>
+            <a:ext cx="5269320" cy="2090880"/>
+          </a:xfrm>
+          <a:prstGeom prst="rect">
+            <a:avLst/>
+          </a:prstGeom>
+        </p:spPr>
+        <p:txBody>
+          <a:bodyPr lIns="0" rIns="0" tIns="0" bIns="0">
+            <a:normAutofit/>
+          </a:bodyPr>
+          <a:p>
+            <a:endParaRPr b="0" lang="ru-RU" sz="3200" spc="-1" strike="noStrike">
+              <a:latin typeface="Arial"/>
+            </a:endParaRPr>
+          </a:p>
+        </p:txBody>
+      </p:sp>
+      <p:sp>
+        <p:nvSpPr>
+          <p:cNvPr id="89" name="PlaceHolder 3"/>
           <p:cNvSpPr>
             <a:spLocks noGrp="1"/>
           </p:cNvSpPr>
@@ -2629,27 +2584,27 @@
         </p:nvSpPr>
         <p:spPr>
           <a:xfrm>
-            <a:off x="6148800" y="1828800"/>
-            <a:ext cx="5285160" cy="5394960"/>
-          </a:xfrm>
-          <a:prstGeom prst="rect">
-            <a:avLst/>
-          </a:prstGeom>
-        </p:spPr>
-        <p:txBody>
-          <a:bodyPr lIns="0" rIns="0" tIns="0" bIns="0">
-            <a:normAutofit/>
-          </a:bodyPr>
-          <a:p>
-            <a:endParaRPr b="0" lang="ru-RU" sz="3200" spc="-1" strike="noStrike">
-              <a:latin typeface="Source Sans Pro"/>
-            </a:endParaRPr>
-          </a:p>
-        </p:txBody>
-      </p:sp>
-      <p:sp>
-        <p:nvSpPr>
-          <p:cNvPr id="99" name="PlaceHolder 4"/>
+            <a:off x="6132960" y="1768680"/>
+            <a:ext cx="5269320" cy="4384080"/>
+          </a:xfrm>
+          <a:prstGeom prst="rect">
+            <a:avLst/>
+          </a:prstGeom>
+        </p:spPr>
+        <p:txBody>
+          <a:bodyPr lIns="0" rIns="0" tIns="0" bIns="0">
+            <a:normAutofit/>
+          </a:bodyPr>
+          <a:p>
+            <a:endParaRPr b="0" lang="ru-RU" sz="3200" spc="-1" strike="noStrike">
+              <a:latin typeface="Arial"/>
+            </a:endParaRPr>
+          </a:p>
+        </p:txBody>
+      </p:sp>
+      <p:sp>
+        <p:nvSpPr>
+          <p:cNvPr id="90" name="PlaceHolder 4"/>
           <p:cNvSpPr>
             <a:spLocks noGrp="1"/>
           </p:cNvSpPr>
@@ -2659,20 +2614,20 @@
         </p:nvSpPr>
         <p:spPr>
           <a:xfrm>
-            <a:off x="599040" y="4646880"/>
-            <a:ext cx="5285160" cy="2573280"/>
-          </a:xfrm>
-          <a:prstGeom prst="rect">
-            <a:avLst/>
-          </a:prstGeom>
-        </p:spPr>
-        <p:txBody>
-          <a:bodyPr lIns="0" rIns="0" tIns="0" bIns="0">
-            <a:normAutofit/>
-          </a:bodyPr>
-          <a:p>
-            <a:endParaRPr b="0" lang="ru-RU" sz="3200" spc="-1" strike="noStrike">
-              <a:latin typeface="Source Sans Pro"/>
+            <a:off x="599760" y="4058640"/>
+            <a:ext cx="5269320" cy="2090880"/>
+          </a:xfrm>
+          <a:prstGeom prst="rect">
+            <a:avLst/>
+          </a:prstGeom>
+        </p:spPr>
+        <p:txBody>
+          <a:bodyPr lIns="0" rIns="0" tIns="0" bIns="0">
+            <a:normAutofit/>
+          </a:bodyPr>
+          <a:p>
+            <a:endParaRPr b="0" lang="ru-RU" sz="3200" spc="-1" strike="noStrike">
+              <a:latin typeface="Arial"/>
             </a:endParaRPr>
           </a:p>
         </p:txBody>
@@ -2701,7 +2656,7 @@
       </p:grpSpPr>
       <p:sp>
         <p:nvSpPr>
-          <p:cNvPr id="100" name="PlaceHolder 1"/>
+          <p:cNvPr id="91" name="PlaceHolder 1"/>
           <p:cNvSpPr>
             <a:spLocks noGrp="1"/>
           </p:cNvSpPr>
@@ -2711,8 +2666,8 @@
         </p:nvSpPr>
         <p:spPr>
           <a:xfrm>
-            <a:off x="599040" y="301320"/>
-            <a:ext cx="10798560" cy="1262160"/>
+            <a:off x="599760" y="301320"/>
+            <a:ext cx="10798200" cy="1261800"/>
           </a:xfrm>
           <a:prstGeom prst="rect">
             <a:avLst/>
@@ -2720,21 +2675,19 @@
         </p:spPr>
         <p:txBody>
           <a:bodyPr lIns="0" rIns="0" tIns="0" bIns="0" anchor="ctr">
-            <a:normAutofit/>
-          </a:bodyPr>
-          <a:p>
-            <a:endParaRPr b="0" lang="ru-RU" sz="6000" spc="-1" strike="noStrike">
-              <a:solidFill>
-                <a:srgbClr val="04617b"/>
-              </a:solidFill>
-              <a:latin typeface="Source Sans Pro Light"/>
-            </a:endParaRPr>
-          </a:p>
-        </p:txBody>
-      </p:sp>
-      <p:sp>
-        <p:nvSpPr>
-          <p:cNvPr id="101" name="PlaceHolder 2"/>
+            <a:noAutofit/>
+          </a:bodyPr>
+          <a:p>
+            <a:pPr algn="ctr"/>
+            <a:endParaRPr b="0" lang="ru-RU" sz="4400" spc="-1" strike="noStrike">
+              <a:latin typeface="Arial"/>
+            </a:endParaRPr>
+          </a:p>
+        </p:txBody>
+      </p:sp>
+      <p:sp>
+        <p:nvSpPr>
+          <p:cNvPr id="92" name="PlaceHolder 2"/>
           <p:cNvSpPr>
             <a:spLocks noGrp="1"/>
           </p:cNvSpPr>
@@ -2744,27 +2697,27 @@
         </p:nvSpPr>
         <p:spPr>
           <a:xfrm>
-            <a:off x="599040" y="1828800"/>
-            <a:ext cx="5285160" cy="5394960"/>
-          </a:xfrm>
-          <a:prstGeom prst="rect">
-            <a:avLst/>
-          </a:prstGeom>
-        </p:spPr>
-        <p:txBody>
-          <a:bodyPr lIns="0" rIns="0" tIns="0" bIns="0">
-            <a:normAutofit/>
-          </a:bodyPr>
-          <a:p>
-            <a:endParaRPr b="0" lang="ru-RU" sz="3200" spc="-1" strike="noStrike">
-              <a:latin typeface="Source Sans Pro"/>
-            </a:endParaRPr>
-          </a:p>
-        </p:txBody>
-      </p:sp>
-      <p:sp>
-        <p:nvSpPr>
-          <p:cNvPr id="102" name="PlaceHolder 3"/>
+            <a:off x="599760" y="1768680"/>
+            <a:ext cx="5269320" cy="4384080"/>
+          </a:xfrm>
+          <a:prstGeom prst="rect">
+            <a:avLst/>
+          </a:prstGeom>
+        </p:spPr>
+        <p:txBody>
+          <a:bodyPr lIns="0" rIns="0" tIns="0" bIns="0">
+            <a:normAutofit/>
+          </a:bodyPr>
+          <a:p>
+            <a:endParaRPr b="0" lang="ru-RU" sz="3200" spc="-1" strike="noStrike">
+              <a:latin typeface="Arial"/>
+            </a:endParaRPr>
+          </a:p>
+        </p:txBody>
+      </p:sp>
+      <p:sp>
+        <p:nvSpPr>
+          <p:cNvPr id="93" name="PlaceHolder 3"/>
           <p:cNvSpPr>
             <a:spLocks noGrp="1"/>
           </p:cNvSpPr>
@@ -2774,27 +2727,27 @@
         </p:nvSpPr>
         <p:spPr>
           <a:xfrm>
-            <a:off x="6148800" y="1828800"/>
-            <a:ext cx="5285160" cy="2573280"/>
-          </a:xfrm>
-          <a:prstGeom prst="rect">
-            <a:avLst/>
-          </a:prstGeom>
-        </p:spPr>
-        <p:txBody>
-          <a:bodyPr lIns="0" rIns="0" tIns="0" bIns="0">
-            <a:normAutofit/>
-          </a:bodyPr>
-          <a:p>
-            <a:endParaRPr b="0" lang="ru-RU" sz="3200" spc="-1" strike="noStrike">
-              <a:latin typeface="Source Sans Pro"/>
-            </a:endParaRPr>
-          </a:p>
-        </p:txBody>
-      </p:sp>
-      <p:sp>
-        <p:nvSpPr>
-          <p:cNvPr id="103" name="PlaceHolder 4"/>
+            <a:off x="6132960" y="1768680"/>
+            <a:ext cx="5269320" cy="2090880"/>
+          </a:xfrm>
+          <a:prstGeom prst="rect">
+            <a:avLst/>
+          </a:prstGeom>
+        </p:spPr>
+        <p:txBody>
+          <a:bodyPr lIns="0" rIns="0" tIns="0" bIns="0">
+            <a:normAutofit/>
+          </a:bodyPr>
+          <a:p>
+            <a:endParaRPr b="0" lang="ru-RU" sz="3200" spc="-1" strike="noStrike">
+              <a:latin typeface="Arial"/>
+            </a:endParaRPr>
+          </a:p>
+        </p:txBody>
+      </p:sp>
+      <p:sp>
+        <p:nvSpPr>
+          <p:cNvPr id="94" name="PlaceHolder 4"/>
           <p:cNvSpPr>
             <a:spLocks noGrp="1"/>
           </p:cNvSpPr>
@@ -2804,20 +2757,20 @@
         </p:nvSpPr>
         <p:spPr>
           <a:xfrm>
-            <a:off x="6148800" y="4646880"/>
-            <a:ext cx="5285160" cy="2573280"/>
-          </a:xfrm>
-          <a:prstGeom prst="rect">
-            <a:avLst/>
-          </a:prstGeom>
-        </p:spPr>
-        <p:txBody>
-          <a:bodyPr lIns="0" rIns="0" tIns="0" bIns="0">
-            <a:normAutofit/>
-          </a:bodyPr>
-          <a:p>
-            <a:endParaRPr b="0" lang="ru-RU" sz="3200" spc="-1" strike="noStrike">
-              <a:latin typeface="Source Sans Pro"/>
+            <a:off x="6132960" y="4058640"/>
+            <a:ext cx="5269320" cy="2090880"/>
+          </a:xfrm>
+          <a:prstGeom prst="rect">
+            <a:avLst/>
+          </a:prstGeom>
+        </p:spPr>
+        <p:txBody>
+          <a:bodyPr lIns="0" rIns="0" tIns="0" bIns="0">
+            <a:normAutofit/>
+          </a:bodyPr>
+          <a:p>
+            <a:endParaRPr b="0" lang="ru-RU" sz="3200" spc="-1" strike="noStrike">
+              <a:latin typeface="Arial"/>
             </a:endParaRPr>
           </a:p>
         </p:txBody>
@@ -2846,7 +2799,7 @@
       </p:grpSpPr>
       <p:sp>
         <p:nvSpPr>
-          <p:cNvPr id="104" name="PlaceHolder 1"/>
+          <p:cNvPr id="95" name="PlaceHolder 1"/>
           <p:cNvSpPr>
             <a:spLocks noGrp="1"/>
           </p:cNvSpPr>
@@ -2856,8 +2809,8 @@
         </p:nvSpPr>
         <p:spPr>
           <a:xfrm>
-            <a:off x="599040" y="301320"/>
-            <a:ext cx="10798560" cy="1262160"/>
+            <a:off x="599760" y="301320"/>
+            <a:ext cx="10798200" cy="1261800"/>
           </a:xfrm>
           <a:prstGeom prst="rect">
             <a:avLst/>
@@ -2865,21 +2818,19 @@
         </p:spPr>
         <p:txBody>
           <a:bodyPr lIns="0" rIns="0" tIns="0" bIns="0" anchor="ctr">
-            <a:normAutofit/>
-          </a:bodyPr>
-          <a:p>
-            <a:endParaRPr b="0" lang="ru-RU" sz="6000" spc="-1" strike="noStrike">
-              <a:solidFill>
-                <a:srgbClr val="04617b"/>
-              </a:solidFill>
-              <a:latin typeface="Source Sans Pro Light"/>
-            </a:endParaRPr>
-          </a:p>
-        </p:txBody>
-      </p:sp>
-      <p:sp>
-        <p:nvSpPr>
-          <p:cNvPr id="105" name="PlaceHolder 2"/>
+            <a:noAutofit/>
+          </a:bodyPr>
+          <a:p>
+            <a:pPr algn="ctr"/>
+            <a:endParaRPr b="0" lang="ru-RU" sz="4400" spc="-1" strike="noStrike">
+              <a:latin typeface="Arial"/>
+            </a:endParaRPr>
+          </a:p>
+        </p:txBody>
+      </p:sp>
+      <p:sp>
+        <p:nvSpPr>
+          <p:cNvPr id="96" name="PlaceHolder 2"/>
           <p:cNvSpPr>
             <a:spLocks noGrp="1"/>
           </p:cNvSpPr>
@@ -2889,27 +2840,27 @@
         </p:nvSpPr>
         <p:spPr>
           <a:xfrm>
-            <a:off x="599040" y="1828800"/>
-            <a:ext cx="5285160" cy="2573280"/>
-          </a:xfrm>
-          <a:prstGeom prst="rect">
-            <a:avLst/>
-          </a:prstGeom>
-        </p:spPr>
-        <p:txBody>
-          <a:bodyPr lIns="0" rIns="0" tIns="0" bIns="0">
-            <a:normAutofit/>
-          </a:bodyPr>
-          <a:p>
-            <a:endParaRPr b="0" lang="ru-RU" sz="3200" spc="-1" strike="noStrike">
-              <a:latin typeface="Source Sans Pro"/>
-            </a:endParaRPr>
-          </a:p>
-        </p:txBody>
-      </p:sp>
-      <p:sp>
-        <p:nvSpPr>
-          <p:cNvPr id="106" name="PlaceHolder 3"/>
+            <a:off x="599760" y="1768680"/>
+            <a:ext cx="5269320" cy="2090880"/>
+          </a:xfrm>
+          <a:prstGeom prst="rect">
+            <a:avLst/>
+          </a:prstGeom>
+        </p:spPr>
+        <p:txBody>
+          <a:bodyPr lIns="0" rIns="0" tIns="0" bIns="0">
+            <a:normAutofit/>
+          </a:bodyPr>
+          <a:p>
+            <a:endParaRPr b="0" lang="ru-RU" sz="3200" spc="-1" strike="noStrike">
+              <a:latin typeface="Arial"/>
+            </a:endParaRPr>
+          </a:p>
+        </p:txBody>
+      </p:sp>
+      <p:sp>
+        <p:nvSpPr>
+          <p:cNvPr id="97" name="PlaceHolder 3"/>
           <p:cNvSpPr>
             <a:spLocks noGrp="1"/>
           </p:cNvSpPr>
@@ -2919,27 +2870,27 @@
         </p:nvSpPr>
         <p:spPr>
           <a:xfrm>
-            <a:off x="6148800" y="1828800"/>
-            <a:ext cx="5285160" cy="2573280"/>
-          </a:xfrm>
-          <a:prstGeom prst="rect">
-            <a:avLst/>
-          </a:prstGeom>
-        </p:spPr>
-        <p:txBody>
-          <a:bodyPr lIns="0" rIns="0" tIns="0" bIns="0">
-            <a:normAutofit/>
-          </a:bodyPr>
-          <a:p>
-            <a:endParaRPr b="0" lang="ru-RU" sz="3200" spc="-1" strike="noStrike">
-              <a:latin typeface="Source Sans Pro"/>
-            </a:endParaRPr>
-          </a:p>
-        </p:txBody>
-      </p:sp>
-      <p:sp>
-        <p:nvSpPr>
-          <p:cNvPr id="107" name="PlaceHolder 4"/>
+            <a:off x="6132960" y="1768680"/>
+            <a:ext cx="5269320" cy="2090880"/>
+          </a:xfrm>
+          <a:prstGeom prst="rect">
+            <a:avLst/>
+          </a:prstGeom>
+        </p:spPr>
+        <p:txBody>
+          <a:bodyPr lIns="0" rIns="0" tIns="0" bIns="0">
+            <a:normAutofit/>
+          </a:bodyPr>
+          <a:p>
+            <a:endParaRPr b="0" lang="ru-RU" sz="3200" spc="-1" strike="noStrike">
+              <a:latin typeface="Arial"/>
+            </a:endParaRPr>
+          </a:p>
+        </p:txBody>
+      </p:sp>
+      <p:sp>
+        <p:nvSpPr>
+          <p:cNvPr id="98" name="PlaceHolder 4"/>
           <p:cNvSpPr>
             <a:spLocks noGrp="1"/>
           </p:cNvSpPr>
@@ -2949,20 +2900,20 @@
         </p:nvSpPr>
         <p:spPr>
           <a:xfrm>
-            <a:off x="599040" y="4646880"/>
-            <a:ext cx="10830960" cy="2573280"/>
-          </a:xfrm>
-          <a:prstGeom prst="rect">
-            <a:avLst/>
-          </a:prstGeom>
-        </p:spPr>
-        <p:txBody>
-          <a:bodyPr lIns="0" rIns="0" tIns="0" bIns="0">
-            <a:normAutofit/>
-          </a:bodyPr>
-          <a:p>
-            <a:endParaRPr b="0" lang="ru-RU" sz="3200" spc="-1" strike="noStrike">
-              <a:latin typeface="Source Sans Pro"/>
+            <a:off x="599760" y="4058640"/>
+            <a:ext cx="10798200" cy="2090880"/>
+          </a:xfrm>
+          <a:prstGeom prst="rect">
+            <a:avLst/>
+          </a:prstGeom>
+        </p:spPr>
+        <p:txBody>
+          <a:bodyPr lIns="0" rIns="0" tIns="0" bIns="0">
+            <a:normAutofit/>
+          </a:bodyPr>
+          <a:p>
+            <a:endParaRPr b="0" lang="ru-RU" sz="3200" spc="-1" strike="noStrike">
+              <a:latin typeface="Arial"/>
             </a:endParaRPr>
           </a:p>
         </p:txBody>
@@ -2991,7 +2942,7 @@
       </p:grpSpPr>
       <p:sp>
         <p:nvSpPr>
-          <p:cNvPr id="108" name="PlaceHolder 1"/>
+          <p:cNvPr id="99" name="PlaceHolder 1"/>
           <p:cNvSpPr>
             <a:spLocks noGrp="1"/>
           </p:cNvSpPr>
@@ -3001,8 +2952,8 @@
         </p:nvSpPr>
         <p:spPr>
           <a:xfrm>
-            <a:off x="599040" y="301320"/>
-            <a:ext cx="10798560" cy="1262160"/>
+            <a:off x="599760" y="301320"/>
+            <a:ext cx="10798200" cy="1261800"/>
           </a:xfrm>
           <a:prstGeom prst="rect">
             <a:avLst/>
@@ -3010,21 +2961,19 @@
         </p:spPr>
         <p:txBody>
           <a:bodyPr lIns="0" rIns="0" tIns="0" bIns="0" anchor="ctr">
-            <a:normAutofit/>
-          </a:bodyPr>
-          <a:p>
-            <a:endParaRPr b="0" lang="ru-RU" sz="6000" spc="-1" strike="noStrike">
-              <a:solidFill>
-                <a:srgbClr val="04617b"/>
-              </a:solidFill>
-              <a:latin typeface="Source Sans Pro Light"/>
-            </a:endParaRPr>
-          </a:p>
-        </p:txBody>
-      </p:sp>
-      <p:sp>
-        <p:nvSpPr>
-          <p:cNvPr id="109" name="PlaceHolder 2"/>
+            <a:noAutofit/>
+          </a:bodyPr>
+          <a:p>
+            <a:pPr algn="ctr"/>
+            <a:endParaRPr b="0" lang="ru-RU" sz="4400" spc="-1" strike="noStrike">
+              <a:latin typeface="Arial"/>
+            </a:endParaRPr>
+          </a:p>
+        </p:txBody>
+      </p:sp>
+      <p:sp>
+        <p:nvSpPr>
+          <p:cNvPr id="100" name="PlaceHolder 2"/>
           <p:cNvSpPr>
             <a:spLocks noGrp="1"/>
           </p:cNvSpPr>
@@ -3034,27 +2983,27 @@
         </p:nvSpPr>
         <p:spPr>
           <a:xfrm>
-            <a:off x="599040" y="1828800"/>
-            <a:ext cx="10830960" cy="2573280"/>
-          </a:xfrm>
-          <a:prstGeom prst="rect">
-            <a:avLst/>
-          </a:prstGeom>
-        </p:spPr>
-        <p:txBody>
-          <a:bodyPr lIns="0" rIns="0" tIns="0" bIns="0">
-            <a:normAutofit/>
-          </a:bodyPr>
-          <a:p>
-            <a:endParaRPr b="0" lang="ru-RU" sz="3200" spc="-1" strike="noStrike">
-              <a:latin typeface="Source Sans Pro"/>
-            </a:endParaRPr>
-          </a:p>
-        </p:txBody>
-      </p:sp>
-      <p:sp>
-        <p:nvSpPr>
-          <p:cNvPr id="110" name="PlaceHolder 3"/>
+            <a:off x="599760" y="1768680"/>
+            <a:ext cx="10798200" cy="2090880"/>
+          </a:xfrm>
+          <a:prstGeom prst="rect">
+            <a:avLst/>
+          </a:prstGeom>
+        </p:spPr>
+        <p:txBody>
+          <a:bodyPr lIns="0" rIns="0" tIns="0" bIns="0">
+            <a:normAutofit/>
+          </a:bodyPr>
+          <a:p>
+            <a:endParaRPr b="0" lang="ru-RU" sz="3200" spc="-1" strike="noStrike">
+              <a:latin typeface="Arial"/>
+            </a:endParaRPr>
+          </a:p>
+        </p:txBody>
+      </p:sp>
+      <p:sp>
+        <p:nvSpPr>
+          <p:cNvPr id="101" name="PlaceHolder 3"/>
           <p:cNvSpPr>
             <a:spLocks noGrp="1"/>
           </p:cNvSpPr>
@@ -3064,20 +3013,20 @@
         </p:nvSpPr>
         <p:spPr>
           <a:xfrm>
-            <a:off x="599040" y="4646880"/>
-            <a:ext cx="10830960" cy="2573280"/>
-          </a:xfrm>
-          <a:prstGeom prst="rect">
-            <a:avLst/>
-          </a:prstGeom>
-        </p:spPr>
-        <p:txBody>
-          <a:bodyPr lIns="0" rIns="0" tIns="0" bIns="0">
-            <a:normAutofit/>
-          </a:bodyPr>
-          <a:p>
-            <a:endParaRPr b="0" lang="ru-RU" sz="3200" spc="-1" strike="noStrike">
-              <a:latin typeface="Source Sans Pro"/>
+            <a:off x="599760" y="4058640"/>
+            <a:ext cx="10798200" cy="2090880"/>
+          </a:xfrm>
+          <a:prstGeom prst="rect">
+            <a:avLst/>
+          </a:prstGeom>
+        </p:spPr>
+        <p:txBody>
+          <a:bodyPr lIns="0" rIns="0" tIns="0" bIns="0">
+            <a:normAutofit/>
+          </a:bodyPr>
+          <a:p>
+            <a:endParaRPr b="0" lang="ru-RU" sz="3200" spc="-1" strike="noStrike">
+              <a:latin typeface="Arial"/>
             </a:endParaRPr>
           </a:p>
         </p:txBody>
@@ -3106,7 +3055,7 @@
       </p:grpSpPr>
       <p:sp>
         <p:nvSpPr>
-          <p:cNvPr id="111" name="PlaceHolder 1"/>
+          <p:cNvPr id="102" name="PlaceHolder 1"/>
           <p:cNvSpPr>
             <a:spLocks noGrp="1"/>
           </p:cNvSpPr>
@@ -3116,8 +3065,8 @@
         </p:nvSpPr>
         <p:spPr>
           <a:xfrm>
-            <a:off x="599040" y="301320"/>
-            <a:ext cx="10798560" cy="1262160"/>
+            <a:off x="599760" y="301320"/>
+            <a:ext cx="10798200" cy="1261800"/>
           </a:xfrm>
           <a:prstGeom prst="rect">
             <a:avLst/>
@@ -3125,21 +3074,19 @@
         </p:spPr>
         <p:txBody>
           <a:bodyPr lIns="0" rIns="0" tIns="0" bIns="0" anchor="ctr">
-            <a:normAutofit/>
-          </a:bodyPr>
-          <a:p>
-            <a:endParaRPr b="0" lang="ru-RU" sz="6000" spc="-1" strike="noStrike">
-              <a:solidFill>
-                <a:srgbClr val="04617b"/>
-              </a:solidFill>
-              <a:latin typeface="Source Sans Pro Light"/>
-            </a:endParaRPr>
-          </a:p>
-        </p:txBody>
-      </p:sp>
-      <p:sp>
-        <p:nvSpPr>
-          <p:cNvPr id="112" name="PlaceHolder 2"/>
+            <a:noAutofit/>
+          </a:bodyPr>
+          <a:p>
+            <a:pPr algn="ctr"/>
+            <a:endParaRPr b="0" lang="ru-RU" sz="4400" spc="-1" strike="noStrike">
+              <a:latin typeface="Arial"/>
+            </a:endParaRPr>
+          </a:p>
+        </p:txBody>
+      </p:sp>
+      <p:sp>
+        <p:nvSpPr>
+          <p:cNvPr id="103" name="PlaceHolder 2"/>
           <p:cNvSpPr>
             <a:spLocks noGrp="1"/>
           </p:cNvSpPr>
@@ -3149,27 +3096,27 @@
         </p:nvSpPr>
         <p:spPr>
           <a:xfrm>
-            <a:off x="599040" y="1828800"/>
-            <a:ext cx="5285160" cy="2573280"/>
-          </a:xfrm>
-          <a:prstGeom prst="rect">
-            <a:avLst/>
-          </a:prstGeom>
-        </p:spPr>
-        <p:txBody>
-          <a:bodyPr lIns="0" rIns="0" tIns="0" bIns="0">
-            <a:normAutofit/>
-          </a:bodyPr>
-          <a:p>
-            <a:endParaRPr b="0" lang="ru-RU" sz="3200" spc="-1" strike="noStrike">
-              <a:latin typeface="Source Sans Pro"/>
-            </a:endParaRPr>
-          </a:p>
-        </p:txBody>
-      </p:sp>
-      <p:sp>
-        <p:nvSpPr>
-          <p:cNvPr id="113" name="PlaceHolder 3"/>
+            <a:off x="599760" y="1768680"/>
+            <a:ext cx="5269320" cy="2090880"/>
+          </a:xfrm>
+          <a:prstGeom prst="rect">
+            <a:avLst/>
+          </a:prstGeom>
+        </p:spPr>
+        <p:txBody>
+          <a:bodyPr lIns="0" rIns="0" tIns="0" bIns="0">
+            <a:normAutofit/>
+          </a:bodyPr>
+          <a:p>
+            <a:endParaRPr b="0" lang="ru-RU" sz="3200" spc="-1" strike="noStrike">
+              <a:latin typeface="Arial"/>
+            </a:endParaRPr>
+          </a:p>
+        </p:txBody>
+      </p:sp>
+      <p:sp>
+        <p:nvSpPr>
+          <p:cNvPr id="104" name="PlaceHolder 3"/>
           <p:cNvSpPr>
             <a:spLocks noGrp="1"/>
           </p:cNvSpPr>
@@ -3179,27 +3126,27 @@
         </p:nvSpPr>
         <p:spPr>
           <a:xfrm>
-            <a:off x="6148800" y="1828800"/>
-            <a:ext cx="5285160" cy="2573280"/>
-          </a:xfrm>
-          <a:prstGeom prst="rect">
-            <a:avLst/>
-          </a:prstGeom>
-        </p:spPr>
-        <p:txBody>
-          <a:bodyPr lIns="0" rIns="0" tIns="0" bIns="0">
-            <a:normAutofit/>
-          </a:bodyPr>
-          <a:p>
-            <a:endParaRPr b="0" lang="ru-RU" sz="3200" spc="-1" strike="noStrike">
-              <a:latin typeface="Source Sans Pro"/>
-            </a:endParaRPr>
-          </a:p>
-        </p:txBody>
-      </p:sp>
-      <p:sp>
-        <p:nvSpPr>
-          <p:cNvPr id="114" name="PlaceHolder 4"/>
+            <a:off x="6132960" y="1768680"/>
+            <a:ext cx="5269320" cy="2090880"/>
+          </a:xfrm>
+          <a:prstGeom prst="rect">
+            <a:avLst/>
+          </a:prstGeom>
+        </p:spPr>
+        <p:txBody>
+          <a:bodyPr lIns="0" rIns="0" tIns="0" bIns="0">
+            <a:normAutofit/>
+          </a:bodyPr>
+          <a:p>
+            <a:endParaRPr b="0" lang="ru-RU" sz="3200" spc="-1" strike="noStrike">
+              <a:latin typeface="Arial"/>
+            </a:endParaRPr>
+          </a:p>
+        </p:txBody>
+      </p:sp>
+      <p:sp>
+        <p:nvSpPr>
+          <p:cNvPr id="105" name="PlaceHolder 4"/>
           <p:cNvSpPr>
             <a:spLocks noGrp="1"/>
           </p:cNvSpPr>
@@ -3209,27 +3156,27 @@
         </p:nvSpPr>
         <p:spPr>
           <a:xfrm>
-            <a:off x="599040" y="4646880"/>
-            <a:ext cx="5285160" cy="2573280"/>
-          </a:xfrm>
-          <a:prstGeom prst="rect">
-            <a:avLst/>
-          </a:prstGeom>
-        </p:spPr>
-        <p:txBody>
-          <a:bodyPr lIns="0" rIns="0" tIns="0" bIns="0">
-            <a:normAutofit/>
-          </a:bodyPr>
-          <a:p>
-            <a:endParaRPr b="0" lang="ru-RU" sz="3200" spc="-1" strike="noStrike">
-              <a:latin typeface="Source Sans Pro"/>
-            </a:endParaRPr>
-          </a:p>
-        </p:txBody>
-      </p:sp>
-      <p:sp>
-        <p:nvSpPr>
-          <p:cNvPr id="115" name="PlaceHolder 5"/>
+            <a:off x="599760" y="4058640"/>
+            <a:ext cx="5269320" cy="2090880"/>
+          </a:xfrm>
+          <a:prstGeom prst="rect">
+            <a:avLst/>
+          </a:prstGeom>
+        </p:spPr>
+        <p:txBody>
+          <a:bodyPr lIns="0" rIns="0" tIns="0" bIns="0">
+            <a:normAutofit/>
+          </a:bodyPr>
+          <a:p>
+            <a:endParaRPr b="0" lang="ru-RU" sz="3200" spc="-1" strike="noStrike">
+              <a:latin typeface="Arial"/>
+            </a:endParaRPr>
+          </a:p>
+        </p:txBody>
+      </p:sp>
+      <p:sp>
+        <p:nvSpPr>
+          <p:cNvPr id="106" name="PlaceHolder 5"/>
           <p:cNvSpPr>
             <a:spLocks noGrp="1"/>
           </p:cNvSpPr>
@@ -3239,20 +3186,20 @@
         </p:nvSpPr>
         <p:spPr>
           <a:xfrm>
-            <a:off x="6148800" y="4646880"/>
-            <a:ext cx="5285160" cy="2573280"/>
-          </a:xfrm>
-          <a:prstGeom prst="rect">
-            <a:avLst/>
-          </a:prstGeom>
-        </p:spPr>
-        <p:txBody>
-          <a:bodyPr lIns="0" rIns="0" tIns="0" bIns="0">
-            <a:normAutofit/>
-          </a:bodyPr>
-          <a:p>
-            <a:endParaRPr b="0" lang="ru-RU" sz="3200" spc="-1" strike="noStrike">
-              <a:latin typeface="Source Sans Pro"/>
+            <a:off x="6132960" y="4058640"/>
+            <a:ext cx="5269320" cy="2090880"/>
+          </a:xfrm>
+          <a:prstGeom prst="rect">
+            <a:avLst/>
+          </a:prstGeom>
+        </p:spPr>
+        <p:txBody>
+          <a:bodyPr lIns="0" rIns="0" tIns="0" bIns="0">
+            <a:normAutofit/>
+          </a:bodyPr>
+          <a:p>
+            <a:endParaRPr b="0" lang="ru-RU" sz="3200" spc="-1" strike="noStrike">
+              <a:latin typeface="Arial"/>
             </a:endParaRPr>
           </a:p>
         </p:txBody>
@@ -3281,7 +3228,7 @@
       </p:grpSpPr>
       <p:sp>
         <p:nvSpPr>
-          <p:cNvPr id="116" name="PlaceHolder 1"/>
+          <p:cNvPr id="107" name="PlaceHolder 1"/>
           <p:cNvSpPr>
             <a:spLocks noGrp="1"/>
           </p:cNvSpPr>
@@ -3291,8 +3238,8 @@
         </p:nvSpPr>
         <p:spPr>
           <a:xfrm>
-            <a:off x="599040" y="301320"/>
-            <a:ext cx="10798560" cy="1262160"/>
+            <a:off x="599760" y="301320"/>
+            <a:ext cx="10798200" cy="1261800"/>
           </a:xfrm>
           <a:prstGeom prst="rect">
             <a:avLst/>
@@ -3300,21 +3247,19 @@
         </p:spPr>
         <p:txBody>
           <a:bodyPr lIns="0" rIns="0" tIns="0" bIns="0" anchor="ctr">
-            <a:normAutofit/>
-          </a:bodyPr>
-          <a:p>
-            <a:endParaRPr b="0" lang="ru-RU" sz="6000" spc="-1" strike="noStrike">
-              <a:solidFill>
-                <a:srgbClr val="04617b"/>
-              </a:solidFill>
-              <a:latin typeface="Source Sans Pro Light"/>
-            </a:endParaRPr>
-          </a:p>
-        </p:txBody>
-      </p:sp>
-      <p:sp>
-        <p:nvSpPr>
-          <p:cNvPr id="117" name="PlaceHolder 2"/>
+            <a:noAutofit/>
+          </a:bodyPr>
+          <a:p>
+            <a:pPr algn="ctr"/>
+            <a:endParaRPr b="0" lang="ru-RU" sz="4400" spc="-1" strike="noStrike">
+              <a:latin typeface="Arial"/>
+            </a:endParaRPr>
+          </a:p>
+        </p:txBody>
+      </p:sp>
+      <p:sp>
+        <p:nvSpPr>
+          <p:cNvPr id="108" name="PlaceHolder 2"/>
           <p:cNvSpPr>
             <a:spLocks noGrp="1"/>
           </p:cNvSpPr>
@@ -3324,27 +3269,27 @@
         </p:nvSpPr>
         <p:spPr>
           <a:xfrm>
-            <a:off x="599040" y="1828800"/>
-            <a:ext cx="3487320" cy="2573280"/>
-          </a:xfrm>
-          <a:prstGeom prst="rect">
-            <a:avLst/>
-          </a:prstGeom>
-        </p:spPr>
-        <p:txBody>
-          <a:bodyPr lIns="0" rIns="0" tIns="0" bIns="0">
-            <a:normAutofit/>
-          </a:bodyPr>
-          <a:p>
-            <a:endParaRPr b="0" lang="ru-RU" sz="3200" spc="-1" strike="noStrike">
-              <a:latin typeface="Source Sans Pro"/>
-            </a:endParaRPr>
-          </a:p>
-        </p:txBody>
-      </p:sp>
-      <p:sp>
-        <p:nvSpPr>
-          <p:cNvPr id="118" name="PlaceHolder 3"/>
+            <a:off x="599760" y="1768680"/>
+            <a:ext cx="3476880" cy="2090880"/>
+          </a:xfrm>
+          <a:prstGeom prst="rect">
+            <a:avLst/>
+          </a:prstGeom>
+        </p:spPr>
+        <p:txBody>
+          <a:bodyPr lIns="0" rIns="0" tIns="0" bIns="0">
+            <a:normAutofit/>
+          </a:bodyPr>
+          <a:p>
+            <a:endParaRPr b="0" lang="ru-RU" sz="3200" spc="-1" strike="noStrike">
+              <a:latin typeface="Arial"/>
+            </a:endParaRPr>
+          </a:p>
+        </p:txBody>
+      </p:sp>
+      <p:sp>
+        <p:nvSpPr>
+          <p:cNvPr id="109" name="PlaceHolder 3"/>
           <p:cNvSpPr>
             <a:spLocks noGrp="1"/>
           </p:cNvSpPr>
@@ -3354,27 +3299,27 @@
         </p:nvSpPr>
         <p:spPr>
           <a:xfrm>
-            <a:off x="4260960" y="1828800"/>
-            <a:ext cx="3487320" cy="2573280"/>
-          </a:xfrm>
-          <a:prstGeom prst="rect">
-            <a:avLst/>
-          </a:prstGeom>
-        </p:spPr>
-        <p:txBody>
-          <a:bodyPr lIns="0" rIns="0" tIns="0" bIns="0">
-            <a:normAutofit/>
-          </a:bodyPr>
-          <a:p>
-            <a:endParaRPr b="0" lang="ru-RU" sz="3200" spc="-1" strike="noStrike">
-              <a:latin typeface="Source Sans Pro"/>
-            </a:endParaRPr>
-          </a:p>
-        </p:txBody>
-      </p:sp>
-      <p:sp>
-        <p:nvSpPr>
-          <p:cNvPr id="119" name="PlaceHolder 4"/>
+            <a:off x="4250880" y="1768680"/>
+            <a:ext cx="3476880" cy="2090880"/>
+          </a:xfrm>
+          <a:prstGeom prst="rect">
+            <a:avLst/>
+          </a:prstGeom>
+        </p:spPr>
+        <p:txBody>
+          <a:bodyPr lIns="0" rIns="0" tIns="0" bIns="0">
+            <a:normAutofit/>
+          </a:bodyPr>
+          <a:p>
+            <a:endParaRPr b="0" lang="ru-RU" sz="3200" spc="-1" strike="noStrike">
+              <a:latin typeface="Arial"/>
+            </a:endParaRPr>
+          </a:p>
+        </p:txBody>
+      </p:sp>
+      <p:sp>
+        <p:nvSpPr>
+          <p:cNvPr id="110" name="PlaceHolder 4"/>
           <p:cNvSpPr>
             <a:spLocks noGrp="1"/>
           </p:cNvSpPr>
@@ -3384,27 +3329,27 @@
         </p:nvSpPr>
         <p:spPr>
           <a:xfrm>
-            <a:off x="7923240" y="1828800"/>
-            <a:ext cx="3487320" cy="2573280"/>
-          </a:xfrm>
-          <a:prstGeom prst="rect">
-            <a:avLst/>
-          </a:prstGeom>
-        </p:spPr>
-        <p:txBody>
-          <a:bodyPr lIns="0" rIns="0" tIns="0" bIns="0">
-            <a:normAutofit/>
-          </a:bodyPr>
-          <a:p>
-            <a:endParaRPr b="0" lang="ru-RU" sz="3200" spc="-1" strike="noStrike">
-              <a:latin typeface="Source Sans Pro"/>
-            </a:endParaRPr>
-          </a:p>
-        </p:txBody>
-      </p:sp>
-      <p:sp>
-        <p:nvSpPr>
-          <p:cNvPr id="120" name="PlaceHolder 5"/>
+            <a:off x="7902000" y="1768680"/>
+            <a:ext cx="3476880" cy="2090880"/>
+          </a:xfrm>
+          <a:prstGeom prst="rect">
+            <a:avLst/>
+          </a:prstGeom>
+        </p:spPr>
+        <p:txBody>
+          <a:bodyPr lIns="0" rIns="0" tIns="0" bIns="0">
+            <a:normAutofit/>
+          </a:bodyPr>
+          <a:p>
+            <a:endParaRPr b="0" lang="ru-RU" sz="3200" spc="-1" strike="noStrike">
+              <a:latin typeface="Arial"/>
+            </a:endParaRPr>
+          </a:p>
+        </p:txBody>
+      </p:sp>
+      <p:sp>
+        <p:nvSpPr>
+          <p:cNvPr id="111" name="PlaceHolder 5"/>
           <p:cNvSpPr>
             <a:spLocks noGrp="1"/>
           </p:cNvSpPr>
@@ -3414,27 +3359,27 @@
         </p:nvSpPr>
         <p:spPr>
           <a:xfrm>
-            <a:off x="599040" y="4646880"/>
-            <a:ext cx="3487320" cy="2573280"/>
-          </a:xfrm>
-          <a:prstGeom prst="rect">
-            <a:avLst/>
-          </a:prstGeom>
-        </p:spPr>
-        <p:txBody>
-          <a:bodyPr lIns="0" rIns="0" tIns="0" bIns="0">
-            <a:normAutofit/>
-          </a:bodyPr>
-          <a:p>
-            <a:endParaRPr b="0" lang="ru-RU" sz="3200" spc="-1" strike="noStrike">
-              <a:latin typeface="Source Sans Pro"/>
-            </a:endParaRPr>
-          </a:p>
-        </p:txBody>
-      </p:sp>
-      <p:sp>
-        <p:nvSpPr>
-          <p:cNvPr id="121" name="PlaceHolder 6"/>
+            <a:off x="599760" y="4058640"/>
+            <a:ext cx="3476880" cy="2090880"/>
+          </a:xfrm>
+          <a:prstGeom prst="rect">
+            <a:avLst/>
+          </a:prstGeom>
+        </p:spPr>
+        <p:txBody>
+          <a:bodyPr lIns="0" rIns="0" tIns="0" bIns="0">
+            <a:normAutofit/>
+          </a:bodyPr>
+          <a:p>
+            <a:endParaRPr b="0" lang="ru-RU" sz="3200" spc="-1" strike="noStrike">
+              <a:latin typeface="Arial"/>
+            </a:endParaRPr>
+          </a:p>
+        </p:txBody>
+      </p:sp>
+      <p:sp>
+        <p:nvSpPr>
+          <p:cNvPr id="112" name="PlaceHolder 6"/>
           <p:cNvSpPr>
             <a:spLocks noGrp="1"/>
           </p:cNvSpPr>
@@ -3444,27 +3389,27 @@
         </p:nvSpPr>
         <p:spPr>
           <a:xfrm>
-            <a:off x="4260960" y="4646880"/>
-            <a:ext cx="3487320" cy="2573280"/>
-          </a:xfrm>
-          <a:prstGeom prst="rect">
-            <a:avLst/>
-          </a:prstGeom>
-        </p:spPr>
-        <p:txBody>
-          <a:bodyPr lIns="0" rIns="0" tIns="0" bIns="0">
-            <a:normAutofit/>
-          </a:bodyPr>
-          <a:p>
-            <a:endParaRPr b="0" lang="ru-RU" sz="3200" spc="-1" strike="noStrike">
-              <a:latin typeface="Source Sans Pro"/>
-            </a:endParaRPr>
-          </a:p>
-        </p:txBody>
-      </p:sp>
-      <p:sp>
-        <p:nvSpPr>
-          <p:cNvPr id="122" name="PlaceHolder 7"/>
+            <a:off x="4250880" y="4058640"/>
+            <a:ext cx="3476880" cy="2090880"/>
+          </a:xfrm>
+          <a:prstGeom prst="rect">
+            <a:avLst/>
+          </a:prstGeom>
+        </p:spPr>
+        <p:txBody>
+          <a:bodyPr lIns="0" rIns="0" tIns="0" bIns="0">
+            <a:normAutofit/>
+          </a:bodyPr>
+          <a:p>
+            <a:endParaRPr b="0" lang="ru-RU" sz="3200" spc="-1" strike="noStrike">
+              <a:latin typeface="Arial"/>
+            </a:endParaRPr>
+          </a:p>
+        </p:txBody>
+      </p:sp>
+      <p:sp>
+        <p:nvSpPr>
+          <p:cNvPr id="113" name="PlaceHolder 7"/>
           <p:cNvSpPr>
             <a:spLocks noGrp="1"/>
           </p:cNvSpPr>
@@ -3474,20 +3419,20 @@
         </p:nvSpPr>
         <p:spPr>
           <a:xfrm>
-            <a:off x="7923240" y="4646880"/>
-            <a:ext cx="3487320" cy="2573280"/>
-          </a:xfrm>
-          <a:prstGeom prst="rect">
-            <a:avLst/>
-          </a:prstGeom>
-        </p:spPr>
-        <p:txBody>
-          <a:bodyPr lIns="0" rIns="0" tIns="0" bIns="0">
-            <a:normAutofit/>
-          </a:bodyPr>
-          <a:p>
-            <a:endParaRPr b="0" lang="ru-RU" sz="3200" spc="-1" strike="noStrike">
-              <a:latin typeface="Source Sans Pro"/>
+            <a:off x="7902000" y="4058640"/>
+            <a:ext cx="3476880" cy="2090880"/>
+          </a:xfrm>
+          <a:prstGeom prst="rect">
+            <a:avLst/>
+          </a:prstGeom>
+        </p:spPr>
+        <p:txBody>
+          <a:bodyPr lIns="0" rIns="0" tIns="0" bIns="0">
+            <a:normAutofit/>
+          </a:bodyPr>
+          <a:p>
+            <a:endParaRPr b="0" lang="ru-RU" sz="3200" spc="-1" strike="noStrike">
+              <a:latin typeface="Arial"/>
             </a:endParaRPr>
           </a:p>
         </p:txBody>
@@ -3516,7 +3461,7 @@
       </p:grpSpPr>
       <p:sp>
         <p:nvSpPr>
-          <p:cNvPr id="9" name="PlaceHolder 1"/>
+          <p:cNvPr id="6" name="PlaceHolder 1"/>
           <p:cNvSpPr>
             <a:spLocks noGrp="1"/>
           </p:cNvSpPr>
@@ -3526,8 +3471,8 @@
         </p:nvSpPr>
         <p:spPr>
           <a:xfrm>
-            <a:off x="599040" y="301320"/>
-            <a:ext cx="10798560" cy="1262160"/>
+            <a:off x="599760" y="301320"/>
+            <a:ext cx="10798200" cy="1261800"/>
           </a:xfrm>
           <a:prstGeom prst="rect">
             <a:avLst/>
@@ -3535,21 +3480,19 @@
         </p:spPr>
         <p:txBody>
           <a:bodyPr lIns="0" rIns="0" tIns="0" bIns="0" anchor="ctr">
-            <a:normAutofit/>
-          </a:bodyPr>
-          <a:p>
-            <a:endParaRPr b="0" lang="ru-RU" sz="6000" spc="-1" strike="noStrike">
-              <a:solidFill>
-                <a:srgbClr val="04617b"/>
-              </a:solidFill>
-              <a:latin typeface="Source Sans Pro Light"/>
-            </a:endParaRPr>
-          </a:p>
-        </p:txBody>
-      </p:sp>
-      <p:sp>
-        <p:nvSpPr>
-          <p:cNvPr id="10" name="PlaceHolder 2"/>
+            <a:noAutofit/>
+          </a:bodyPr>
+          <a:p>
+            <a:pPr algn="ctr"/>
+            <a:endParaRPr b="0" lang="ru-RU" sz="4400" spc="-1" strike="noStrike">
+              <a:latin typeface="Arial"/>
+            </a:endParaRPr>
+          </a:p>
+        </p:txBody>
+      </p:sp>
+      <p:sp>
+        <p:nvSpPr>
+          <p:cNvPr id="7" name="PlaceHolder 2"/>
           <p:cNvSpPr>
             <a:spLocks noGrp="1"/>
           </p:cNvSpPr>
@@ -3559,27 +3502,27 @@
         </p:nvSpPr>
         <p:spPr>
           <a:xfrm>
-            <a:off x="599040" y="1828800"/>
-            <a:ext cx="5285160" cy="5394960"/>
-          </a:xfrm>
-          <a:prstGeom prst="rect">
-            <a:avLst/>
-          </a:prstGeom>
-        </p:spPr>
-        <p:txBody>
-          <a:bodyPr lIns="0" rIns="0" tIns="0" bIns="0">
-            <a:normAutofit/>
-          </a:bodyPr>
-          <a:p>
-            <a:endParaRPr b="0" lang="ru-RU" sz="3200" spc="-1" strike="noStrike">
-              <a:latin typeface="Source Sans Pro"/>
-            </a:endParaRPr>
-          </a:p>
-        </p:txBody>
-      </p:sp>
-      <p:sp>
-        <p:nvSpPr>
-          <p:cNvPr id="11" name="PlaceHolder 3"/>
+            <a:off x="599760" y="1768680"/>
+            <a:ext cx="5269320" cy="4384080"/>
+          </a:xfrm>
+          <a:prstGeom prst="rect">
+            <a:avLst/>
+          </a:prstGeom>
+        </p:spPr>
+        <p:txBody>
+          <a:bodyPr lIns="0" rIns="0" tIns="0" bIns="0">
+            <a:normAutofit/>
+          </a:bodyPr>
+          <a:p>
+            <a:endParaRPr b="0" lang="ru-RU" sz="3200" spc="-1" strike="noStrike">
+              <a:latin typeface="Arial"/>
+            </a:endParaRPr>
+          </a:p>
+        </p:txBody>
+      </p:sp>
+      <p:sp>
+        <p:nvSpPr>
+          <p:cNvPr id="8" name="PlaceHolder 3"/>
           <p:cNvSpPr>
             <a:spLocks noGrp="1"/>
           </p:cNvSpPr>
@@ -3589,20 +3532,20 @@
         </p:nvSpPr>
         <p:spPr>
           <a:xfrm>
-            <a:off x="6148800" y="1828800"/>
-            <a:ext cx="5285160" cy="5394960"/>
-          </a:xfrm>
-          <a:prstGeom prst="rect">
-            <a:avLst/>
-          </a:prstGeom>
-        </p:spPr>
-        <p:txBody>
-          <a:bodyPr lIns="0" rIns="0" tIns="0" bIns="0">
-            <a:normAutofit/>
-          </a:bodyPr>
-          <a:p>
-            <a:endParaRPr b="0" lang="ru-RU" sz="3200" spc="-1" strike="noStrike">
-              <a:latin typeface="Source Sans Pro"/>
+            <a:off x="6132960" y="1768680"/>
+            <a:ext cx="5269320" cy="4384080"/>
+          </a:xfrm>
+          <a:prstGeom prst="rect">
+            <a:avLst/>
+          </a:prstGeom>
+        </p:spPr>
+        <p:txBody>
+          <a:bodyPr lIns="0" rIns="0" tIns="0" bIns="0">
+            <a:normAutofit/>
+          </a:bodyPr>
+          <a:p>
+            <a:endParaRPr b="0" lang="ru-RU" sz="3200" spc="-1" strike="noStrike">
+              <a:latin typeface="Arial"/>
             </a:endParaRPr>
           </a:p>
         </p:txBody>
@@ -3631,7 +3574,7 @@
       </p:grpSpPr>
       <p:sp>
         <p:nvSpPr>
-          <p:cNvPr id="12" name="PlaceHolder 1"/>
+          <p:cNvPr id="9" name="PlaceHolder 1"/>
           <p:cNvSpPr>
             <a:spLocks noGrp="1"/>
           </p:cNvSpPr>
@@ -3641,8 +3584,8 @@
         </p:nvSpPr>
         <p:spPr>
           <a:xfrm>
-            <a:off x="599040" y="301320"/>
-            <a:ext cx="10798560" cy="1262160"/>
+            <a:off x="599760" y="301320"/>
+            <a:ext cx="10798200" cy="1261800"/>
           </a:xfrm>
           <a:prstGeom prst="rect">
             <a:avLst/>
@@ -3650,14 +3593,12 @@
         </p:spPr>
         <p:txBody>
           <a:bodyPr lIns="0" rIns="0" tIns="0" bIns="0" anchor="ctr">
-            <a:normAutofit/>
-          </a:bodyPr>
-          <a:p>
-            <a:endParaRPr b="0" lang="ru-RU" sz="6000" spc="-1" strike="noStrike">
-              <a:solidFill>
-                <a:srgbClr val="04617b"/>
-              </a:solidFill>
-              <a:latin typeface="Source Sans Pro Light"/>
+            <a:noAutofit/>
+          </a:bodyPr>
+          <a:p>
+            <a:pPr algn="ctr"/>
+            <a:endParaRPr b="0" lang="ru-RU" sz="4400" spc="-1" strike="noStrike">
+              <a:latin typeface="Arial"/>
             </a:endParaRPr>
           </a:p>
         </p:txBody>
@@ -3686,7 +3627,7 @@
       </p:grpSpPr>
       <p:sp>
         <p:nvSpPr>
-          <p:cNvPr id="13" name="PlaceHolder 1"/>
+          <p:cNvPr id="10" name="PlaceHolder 1"/>
           <p:cNvSpPr>
             <a:spLocks noGrp="1"/>
           </p:cNvSpPr>
@@ -3696,22 +3637,21 @@
         </p:nvSpPr>
         <p:spPr>
           <a:xfrm>
-            <a:off x="599040" y="301320"/>
-            <a:ext cx="10798560" cy="5851800"/>
-          </a:xfrm>
-          <a:prstGeom prst="rect">
-            <a:avLst/>
-          </a:prstGeom>
-        </p:spPr>
-        <p:txBody>
-          <a:bodyPr lIns="0" rIns="0" tIns="0" bIns="0" anchor="ctr"/>
+            <a:off x="599760" y="301320"/>
+            <a:ext cx="10798200" cy="5850360"/>
+          </a:xfrm>
+          <a:prstGeom prst="rect">
+            <a:avLst/>
+          </a:prstGeom>
+        </p:spPr>
+        <p:txBody>
+          <a:bodyPr lIns="0" rIns="0" tIns="0" bIns="0" anchor="ctr">
+            <a:noAutofit/>
+          </a:bodyPr>
           <a:p>
             <a:pPr algn="ctr"/>
-            <a:endParaRPr b="1" lang="ru-RU" sz="4000" spc="-1" strike="noStrike">
-              <a:solidFill>
-                <a:srgbClr val="04617b"/>
-              </a:solidFill>
-              <a:latin typeface="Source Sans Pro Black"/>
+            <a:endParaRPr b="0" lang="ru-RU" sz="3200" spc="-1" strike="noStrike">
+              <a:latin typeface="Arial"/>
             </a:endParaRPr>
           </a:p>
         </p:txBody>
@@ -3740,7 +3680,7 @@
       </p:grpSpPr>
       <p:sp>
         <p:nvSpPr>
-          <p:cNvPr id="14" name="PlaceHolder 1"/>
+          <p:cNvPr id="11" name="PlaceHolder 1"/>
           <p:cNvSpPr>
             <a:spLocks noGrp="1"/>
           </p:cNvSpPr>
@@ -3750,8 +3690,8 @@
         </p:nvSpPr>
         <p:spPr>
           <a:xfrm>
-            <a:off x="599040" y="301320"/>
-            <a:ext cx="10798560" cy="1262160"/>
+            <a:off x="599760" y="301320"/>
+            <a:ext cx="10798200" cy="1261800"/>
           </a:xfrm>
           <a:prstGeom prst="rect">
             <a:avLst/>
@@ -3759,21 +3699,19 @@
         </p:spPr>
         <p:txBody>
           <a:bodyPr lIns="0" rIns="0" tIns="0" bIns="0" anchor="ctr">
-            <a:normAutofit/>
-          </a:bodyPr>
-          <a:p>
-            <a:endParaRPr b="0" lang="ru-RU" sz="6000" spc="-1" strike="noStrike">
-              <a:solidFill>
-                <a:srgbClr val="04617b"/>
-              </a:solidFill>
-              <a:latin typeface="Source Sans Pro Light"/>
-            </a:endParaRPr>
-          </a:p>
-        </p:txBody>
-      </p:sp>
-      <p:sp>
-        <p:nvSpPr>
-          <p:cNvPr id="15" name="PlaceHolder 2"/>
+            <a:noAutofit/>
+          </a:bodyPr>
+          <a:p>
+            <a:pPr algn="ctr"/>
+            <a:endParaRPr b="0" lang="ru-RU" sz="4400" spc="-1" strike="noStrike">
+              <a:latin typeface="Arial"/>
+            </a:endParaRPr>
+          </a:p>
+        </p:txBody>
+      </p:sp>
+      <p:sp>
+        <p:nvSpPr>
+          <p:cNvPr id="12" name="PlaceHolder 2"/>
           <p:cNvSpPr>
             <a:spLocks noGrp="1"/>
           </p:cNvSpPr>
@@ -3783,27 +3721,27 @@
         </p:nvSpPr>
         <p:spPr>
           <a:xfrm>
-            <a:off x="599040" y="1828800"/>
-            <a:ext cx="5285160" cy="2573280"/>
-          </a:xfrm>
-          <a:prstGeom prst="rect">
-            <a:avLst/>
-          </a:prstGeom>
-        </p:spPr>
-        <p:txBody>
-          <a:bodyPr lIns="0" rIns="0" tIns="0" bIns="0">
-            <a:normAutofit/>
-          </a:bodyPr>
-          <a:p>
-            <a:endParaRPr b="0" lang="ru-RU" sz="3200" spc="-1" strike="noStrike">
-              <a:latin typeface="Source Sans Pro"/>
-            </a:endParaRPr>
-          </a:p>
-        </p:txBody>
-      </p:sp>
-      <p:sp>
-        <p:nvSpPr>
-          <p:cNvPr id="16" name="PlaceHolder 3"/>
+            <a:off x="599760" y="1768680"/>
+            <a:ext cx="5269320" cy="2090880"/>
+          </a:xfrm>
+          <a:prstGeom prst="rect">
+            <a:avLst/>
+          </a:prstGeom>
+        </p:spPr>
+        <p:txBody>
+          <a:bodyPr lIns="0" rIns="0" tIns="0" bIns="0">
+            <a:normAutofit/>
+          </a:bodyPr>
+          <a:p>
+            <a:endParaRPr b="0" lang="ru-RU" sz="3200" spc="-1" strike="noStrike">
+              <a:latin typeface="Arial"/>
+            </a:endParaRPr>
+          </a:p>
+        </p:txBody>
+      </p:sp>
+      <p:sp>
+        <p:nvSpPr>
+          <p:cNvPr id="13" name="PlaceHolder 3"/>
           <p:cNvSpPr>
             <a:spLocks noGrp="1"/>
           </p:cNvSpPr>
@@ -3813,27 +3751,27 @@
         </p:nvSpPr>
         <p:spPr>
           <a:xfrm>
-            <a:off x="6148800" y="1828800"/>
-            <a:ext cx="5285160" cy="5394960"/>
-          </a:xfrm>
-          <a:prstGeom prst="rect">
-            <a:avLst/>
-          </a:prstGeom>
-        </p:spPr>
-        <p:txBody>
-          <a:bodyPr lIns="0" rIns="0" tIns="0" bIns="0">
-            <a:normAutofit/>
-          </a:bodyPr>
-          <a:p>
-            <a:endParaRPr b="0" lang="ru-RU" sz="3200" spc="-1" strike="noStrike">
-              <a:latin typeface="Source Sans Pro"/>
-            </a:endParaRPr>
-          </a:p>
-        </p:txBody>
-      </p:sp>
-      <p:sp>
-        <p:nvSpPr>
-          <p:cNvPr id="17" name="PlaceHolder 4"/>
+            <a:off x="6132960" y="1768680"/>
+            <a:ext cx="5269320" cy="4384080"/>
+          </a:xfrm>
+          <a:prstGeom prst="rect">
+            <a:avLst/>
+          </a:prstGeom>
+        </p:spPr>
+        <p:txBody>
+          <a:bodyPr lIns="0" rIns="0" tIns="0" bIns="0">
+            <a:normAutofit/>
+          </a:bodyPr>
+          <a:p>
+            <a:endParaRPr b="0" lang="ru-RU" sz="3200" spc="-1" strike="noStrike">
+              <a:latin typeface="Arial"/>
+            </a:endParaRPr>
+          </a:p>
+        </p:txBody>
+      </p:sp>
+      <p:sp>
+        <p:nvSpPr>
+          <p:cNvPr id="14" name="PlaceHolder 4"/>
           <p:cNvSpPr>
             <a:spLocks noGrp="1"/>
           </p:cNvSpPr>
@@ -3843,20 +3781,20 @@
         </p:nvSpPr>
         <p:spPr>
           <a:xfrm>
-            <a:off x="599040" y="4646880"/>
-            <a:ext cx="5285160" cy="2573280"/>
-          </a:xfrm>
-          <a:prstGeom prst="rect">
-            <a:avLst/>
-          </a:prstGeom>
-        </p:spPr>
-        <p:txBody>
-          <a:bodyPr lIns="0" rIns="0" tIns="0" bIns="0">
-            <a:normAutofit/>
-          </a:bodyPr>
-          <a:p>
-            <a:endParaRPr b="0" lang="ru-RU" sz="3200" spc="-1" strike="noStrike">
-              <a:latin typeface="Source Sans Pro"/>
+            <a:off x="599760" y="4058640"/>
+            <a:ext cx="5269320" cy="2090880"/>
+          </a:xfrm>
+          <a:prstGeom prst="rect">
+            <a:avLst/>
+          </a:prstGeom>
+        </p:spPr>
+        <p:txBody>
+          <a:bodyPr lIns="0" rIns="0" tIns="0" bIns="0">
+            <a:normAutofit/>
+          </a:bodyPr>
+          <a:p>
+            <a:endParaRPr b="0" lang="ru-RU" sz="3200" spc="-1" strike="noStrike">
+              <a:latin typeface="Arial"/>
             </a:endParaRPr>
           </a:p>
         </p:txBody>
@@ -3885,7 +3823,7 @@
       </p:grpSpPr>
       <p:sp>
         <p:nvSpPr>
-          <p:cNvPr id="18" name="PlaceHolder 1"/>
+          <p:cNvPr id="15" name="PlaceHolder 1"/>
           <p:cNvSpPr>
             <a:spLocks noGrp="1"/>
           </p:cNvSpPr>
@@ -3895,8 +3833,8 @@
         </p:nvSpPr>
         <p:spPr>
           <a:xfrm>
-            <a:off x="599040" y="301320"/>
-            <a:ext cx="10798560" cy="1262160"/>
+            <a:off x="599760" y="301320"/>
+            <a:ext cx="10798200" cy="1261800"/>
           </a:xfrm>
           <a:prstGeom prst="rect">
             <a:avLst/>
@@ -3904,21 +3842,19 @@
         </p:spPr>
         <p:txBody>
           <a:bodyPr lIns="0" rIns="0" tIns="0" bIns="0" anchor="ctr">
-            <a:normAutofit/>
-          </a:bodyPr>
-          <a:p>
-            <a:endParaRPr b="0" lang="ru-RU" sz="6000" spc="-1" strike="noStrike">
-              <a:solidFill>
-                <a:srgbClr val="04617b"/>
-              </a:solidFill>
-              <a:latin typeface="Source Sans Pro Light"/>
-            </a:endParaRPr>
-          </a:p>
-        </p:txBody>
-      </p:sp>
-      <p:sp>
-        <p:nvSpPr>
-          <p:cNvPr id="19" name="PlaceHolder 2"/>
+            <a:noAutofit/>
+          </a:bodyPr>
+          <a:p>
+            <a:pPr algn="ctr"/>
+            <a:endParaRPr b="0" lang="ru-RU" sz="4400" spc="-1" strike="noStrike">
+              <a:latin typeface="Arial"/>
+            </a:endParaRPr>
+          </a:p>
+        </p:txBody>
+      </p:sp>
+      <p:sp>
+        <p:nvSpPr>
+          <p:cNvPr id="16" name="PlaceHolder 2"/>
           <p:cNvSpPr>
             <a:spLocks noGrp="1"/>
           </p:cNvSpPr>
@@ -3928,27 +3864,27 @@
         </p:nvSpPr>
         <p:spPr>
           <a:xfrm>
-            <a:off x="599040" y="1828800"/>
-            <a:ext cx="5285160" cy="5394960"/>
-          </a:xfrm>
-          <a:prstGeom prst="rect">
-            <a:avLst/>
-          </a:prstGeom>
-        </p:spPr>
-        <p:txBody>
-          <a:bodyPr lIns="0" rIns="0" tIns="0" bIns="0">
-            <a:normAutofit/>
-          </a:bodyPr>
-          <a:p>
-            <a:endParaRPr b="0" lang="ru-RU" sz="3200" spc="-1" strike="noStrike">
-              <a:latin typeface="Source Sans Pro"/>
-            </a:endParaRPr>
-          </a:p>
-        </p:txBody>
-      </p:sp>
-      <p:sp>
-        <p:nvSpPr>
-          <p:cNvPr id="20" name="PlaceHolder 3"/>
+            <a:off x="599760" y="1768680"/>
+            <a:ext cx="5269320" cy="4384080"/>
+          </a:xfrm>
+          <a:prstGeom prst="rect">
+            <a:avLst/>
+          </a:prstGeom>
+        </p:spPr>
+        <p:txBody>
+          <a:bodyPr lIns="0" rIns="0" tIns="0" bIns="0">
+            <a:normAutofit/>
+          </a:bodyPr>
+          <a:p>
+            <a:endParaRPr b="0" lang="ru-RU" sz="3200" spc="-1" strike="noStrike">
+              <a:latin typeface="Arial"/>
+            </a:endParaRPr>
+          </a:p>
+        </p:txBody>
+      </p:sp>
+      <p:sp>
+        <p:nvSpPr>
+          <p:cNvPr id="17" name="PlaceHolder 3"/>
           <p:cNvSpPr>
             <a:spLocks noGrp="1"/>
           </p:cNvSpPr>
@@ -3958,27 +3894,27 @@
         </p:nvSpPr>
         <p:spPr>
           <a:xfrm>
-            <a:off x="6148800" y="1828800"/>
-            <a:ext cx="5285160" cy="2573280"/>
-          </a:xfrm>
-          <a:prstGeom prst="rect">
-            <a:avLst/>
-          </a:prstGeom>
-        </p:spPr>
-        <p:txBody>
-          <a:bodyPr lIns="0" rIns="0" tIns="0" bIns="0">
-            <a:normAutofit/>
-          </a:bodyPr>
-          <a:p>
-            <a:endParaRPr b="0" lang="ru-RU" sz="3200" spc="-1" strike="noStrike">
-              <a:latin typeface="Source Sans Pro"/>
-            </a:endParaRPr>
-          </a:p>
-        </p:txBody>
-      </p:sp>
-      <p:sp>
-        <p:nvSpPr>
-          <p:cNvPr id="21" name="PlaceHolder 4"/>
+            <a:off x="6132960" y="1768680"/>
+            <a:ext cx="5269320" cy="2090880"/>
+          </a:xfrm>
+          <a:prstGeom prst="rect">
+            <a:avLst/>
+          </a:prstGeom>
+        </p:spPr>
+        <p:txBody>
+          <a:bodyPr lIns="0" rIns="0" tIns="0" bIns="0">
+            <a:normAutofit/>
+          </a:bodyPr>
+          <a:p>
+            <a:endParaRPr b="0" lang="ru-RU" sz="3200" spc="-1" strike="noStrike">
+              <a:latin typeface="Arial"/>
+            </a:endParaRPr>
+          </a:p>
+        </p:txBody>
+      </p:sp>
+      <p:sp>
+        <p:nvSpPr>
+          <p:cNvPr id="18" name="PlaceHolder 4"/>
           <p:cNvSpPr>
             <a:spLocks noGrp="1"/>
           </p:cNvSpPr>
@@ -3988,20 +3924,20 @@
         </p:nvSpPr>
         <p:spPr>
           <a:xfrm>
-            <a:off x="6148800" y="4646880"/>
-            <a:ext cx="5285160" cy="2573280"/>
-          </a:xfrm>
-          <a:prstGeom prst="rect">
-            <a:avLst/>
-          </a:prstGeom>
-        </p:spPr>
-        <p:txBody>
-          <a:bodyPr lIns="0" rIns="0" tIns="0" bIns="0">
-            <a:normAutofit/>
-          </a:bodyPr>
-          <a:p>
-            <a:endParaRPr b="0" lang="ru-RU" sz="3200" spc="-1" strike="noStrike">
-              <a:latin typeface="Source Sans Pro"/>
+            <a:off x="6132960" y="4058640"/>
+            <a:ext cx="5269320" cy="2090880"/>
+          </a:xfrm>
+          <a:prstGeom prst="rect">
+            <a:avLst/>
+          </a:prstGeom>
+        </p:spPr>
+        <p:txBody>
+          <a:bodyPr lIns="0" rIns="0" tIns="0" bIns="0">
+            <a:normAutofit/>
+          </a:bodyPr>
+          <a:p>
+            <a:endParaRPr b="0" lang="ru-RU" sz="3200" spc="-1" strike="noStrike">
+              <a:latin typeface="Arial"/>
             </a:endParaRPr>
           </a:p>
         </p:txBody>
@@ -4030,7 +3966,7 @@
       </p:grpSpPr>
       <p:sp>
         <p:nvSpPr>
-          <p:cNvPr id="22" name="PlaceHolder 1"/>
+          <p:cNvPr id="19" name="PlaceHolder 1"/>
           <p:cNvSpPr>
             <a:spLocks noGrp="1"/>
           </p:cNvSpPr>
@@ -4040,8 +3976,8 @@
         </p:nvSpPr>
         <p:spPr>
           <a:xfrm>
-            <a:off x="599040" y="301320"/>
-            <a:ext cx="10798560" cy="1262160"/>
+            <a:off x="599760" y="301320"/>
+            <a:ext cx="10798200" cy="1261800"/>
           </a:xfrm>
           <a:prstGeom prst="rect">
             <a:avLst/>
@@ -4049,21 +3985,19 @@
         </p:spPr>
         <p:txBody>
           <a:bodyPr lIns="0" rIns="0" tIns="0" bIns="0" anchor="ctr">
-            <a:normAutofit/>
-          </a:bodyPr>
-          <a:p>
-            <a:endParaRPr b="0" lang="ru-RU" sz="6000" spc="-1" strike="noStrike">
-              <a:solidFill>
-                <a:srgbClr val="04617b"/>
-              </a:solidFill>
-              <a:latin typeface="Source Sans Pro Light"/>
-            </a:endParaRPr>
-          </a:p>
-        </p:txBody>
-      </p:sp>
-      <p:sp>
-        <p:nvSpPr>
-          <p:cNvPr id="23" name="PlaceHolder 2"/>
+            <a:noAutofit/>
+          </a:bodyPr>
+          <a:p>
+            <a:pPr algn="ctr"/>
+            <a:endParaRPr b="0" lang="ru-RU" sz="4400" spc="-1" strike="noStrike">
+              <a:latin typeface="Arial"/>
+            </a:endParaRPr>
+          </a:p>
+        </p:txBody>
+      </p:sp>
+      <p:sp>
+        <p:nvSpPr>
+          <p:cNvPr id="20" name="PlaceHolder 2"/>
           <p:cNvSpPr>
             <a:spLocks noGrp="1"/>
           </p:cNvSpPr>
@@ -4073,27 +4007,27 @@
         </p:nvSpPr>
         <p:spPr>
           <a:xfrm>
-            <a:off x="599040" y="1828800"/>
-            <a:ext cx="5285160" cy="2573280"/>
-          </a:xfrm>
-          <a:prstGeom prst="rect">
-            <a:avLst/>
-          </a:prstGeom>
-        </p:spPr>
-        <p:txBody>
-          <a:bodyPr lIns="0" rIns="0" tIns="0" bIns="0">
-            <a:normAutofit/>
-          </a:bodyPr>
-          <a:p>
-            <a:endParaRPr b="0" lang="ru-RU" sz="3200" spc="-1" strike="noStrike">
-              <a:latin typeface="Source Sans Pro"/>
-            </a:endParaRPr>
-          </a:p>
-        </p:txBody>
-      </p:sp>
-      <p:sp>
-        <p:nvSpPr>
-          <p:cNvPr id="24" name="PlaceHolder 3"/>
+            <a:off x="599760" y="1768680"/>
+            <a:ext cx="5269320" cy="2090880"/>
+          </a:xfrm>
+          <a:prstGeom prst="rect">
+            <a:avLst/>
+          </a:prstGeom>
+        </p:spPr>
+        <p:txBody>
+          <a:bodyPr lIns="0" rIns="0" tIns="0" bIns="0">
+            <a:normAutofit/>
+          </a:bodyPr>
+          <a:p>
+            <a:endParaRPr b="0" lang="ru-RU" sz="3200" spc="-1" strike="noStrike">
+              <a:latin typeface="Arial"/>
+            </a:endParaRPr>
+          </a:p>
+        </p:txBody>
+      </p:sp>
+      <p:sp>
+        <p:nvSpPr>
+          <p:cNvPr id="21" name="PlaceHolder 3"/>
           <p:cNvSpPr>
             <a:spLocks noGrp="1"/>
           </p:cNvSpPr>
@@ -4103,27 +4037,27 @@
         </p:nvSpPr>
         <p:spPr>
           <a:xfrm>
-            <a:off x="6148800" y="1828800"/>
-            <a:ext cx="5285160" cy="2573280"/>
-          </a:xfrm>
-          <a:prstGeom prst="rect">
-            <a:avLst/>
-          </a:prstGeom>
-        </p:spPr>
-        <p:txBody>
-          <a:bodyPr lIns="0" rIns="0" tIns="0" bIns="0">
-            <a:normAutofit/>
-          </a:bodyPr>
-          <a:p>
-            <a:endParaRPr b="0" lang="ru-RU" sz="3200" spc="-1" strike="noStrike">
-              <a:latin typeface="Source Sans Pro"/>
-            </a:endParaRPr>
-          </a:p>
-        </p:txBody>
-      </p:sp>
-      <p:sp>
-        <p:nvSpPr>
-          <p:cNvPr id="25" name="PlaceHolder 4"/>
+            <a:off x="6132960" y="1768680"/>
+            <a:ext cx="5269320" cy="2090880"/>
+          </a:xfrm>
+          <a:prstGeom prst="rect">
+            <a:avLst/>
+          </a:prstGeom>
+        </p:spPr>
+        <p:txBody>
+          <a:bodyPr lIns="0" rIns="0" tIns="0" bIns="0">
+            <a:normAutofit/>
+          </a:bodyPr>
+          <a:p>
+            <a:endParaRPr b="0" lang="ru-RU" sz="3200" spc="-1" strike="noStrike">
+              <a:latin typeface="Arial"/>
+            </a:endParaRPr>
+          </a:p>
+        </p:txBody>
+      </p:sp>
+      <p:sp>
+        <p:nvSpPr>
+          <p:cNvPr id="22" name="PlaceHolder 4"/>
           <p:cNvSpPr>
             <a:spLocks noGrp="1"/>
           </p:cNvSpPr>
@@ -4133,20 +4067,20 @@
         </p:nvSpPr>
         <p:spPr>
           <a:xfrm>
-            <a:off x="599040" y="4646880"/>
-            <a:ext cx="10830960" cy="2573280"/>
-          </a:xfrm>
-          <a:prstGeom prst="rect">
-            <a:avLst/>
-          </a:prstGeom>
-        </p:spPr>
-        <p:txBody>
-          <a:bodyPr lIns="0" rIns="0" tIns="0" bIns="0">
-            <a:normAutofit/>
-          </a:bodyPr>
-          <a:p>
-            <a:endParaRPr b="0" lang="ru-RU" sz="3200" spc="-1" strike="noStrike">
-              <a:latin typeface="Source Sans Pro"/>
+            <a:off x="599760" y="4058640"/>
+            <a:ext cx="10798200" cy="2090880"/>
+          </a:xfrm>
+          <a:prstGeom prst="rect">
+            <a:avLst/>
+          </a:prstGeom>
+        </p:spPr>
+        <p:txBody>
+          <a:bodyPr lIns="0" rIns="0" tIns="0" bIns="0">
+            <a:normAutofit/>
+          </a:bodyPr>
+          <a:p>
+            <a:endParaRPr b="0" lang="ru-RU" sz="3200" spc="-1" strike="noStrike">
+              <a:latin typeface="Arial"/>
             </a:endParaRPr>
           </a:p>
         </p:txBody>
@@ -4190,35 +4124,32 @@
             <a:spLocks noGrp="1"/>
           </p:cNvSpPr>
           <p:nvPr>
-            <p:ph type="dt"/>
-          </p:nvPr>
-        </p:nvSpPr>
-        <p:spPr>
-          <a:xfrm>
-            <a:off x="563040" y="6887160"/>
-            <a:ext cx="2795400" cy="521640"/>
-          </a:xfrm>
-          <a:prstGeom prst="rect">
-            <a:avLst/>
-          </a:prstGeom>
-        </p:spPr>
-        <p:txBody>
-          <a:bodyPr lIns="0" rIns="0" tIns="0" bIns="0"/>
-          <a:p>
-            <a:r>
-              <a:rPr b="0" lang="ru-RU" sz="2400" spc="-1" strike="noStrike">
-                <a:solidFill>
-                  <a:srgbClr val="dbf5f9"/>
-                </a:solidFill>
-                <a:latin typeface="Source Sans Pro"/>
-              </a:rPr>
-              <a:t>&lt;дата/время&gt;</a:t>
-            </a:r>
-            <a:endParaRPr b="0" lang="ru-RU" sz="2400" spc="-1" strike="noStrike">
-              <a:solidFill>
-                <a:srgbClr val="dbf5f9"/>
-              </a:solidFill>
-              <a:latin typeface="Source Sans Pro"/>
+            <p:ph type="title"/>
+          </p:nvPr>
+        </p:nvSpPr>
+        <p:spPr>
+          <a:xfrm>
+            <a:off x="599040" y="301320"/>
+            <a:ext cx="10798200" cy="1261800"/>
+          </a:xfrm>
+          <a:prstGeom prst="rect">
+            <a:avLst/>
+          </a:prstGeom>
+        </p:spPr>
+        <p:txBody>
+          <a:bodyPr lIns="0" rIns="0" tIns="0" bIns="0" anchor="ctr">
+            <a:normAutofit/>
+          </a:bodyPr>
+          <a:p>
+            <a:pPr algn="ctr"/>
+            <a:r>
+              <a:rPr b="0" lang="ru-RU" sz="1800" spc="-1" strike="noStrike">
+                <a:latin typeface="Arial"/>
+              </a:rPr>
+              <a:t>Click to edit the title text format</a:t>
+            </a:r>
+            <a:endParaRPr b="0" lang="ru-RU" sz="1800" spc="-1" strike="noStrike">
+              <a:latin typeface="Arial"/>
             </a:endParaRPr>
           </a:p>
         </p:txBody>
@@ -4230,137 +4161,13 @@
             <a:spLocks noGrp="1"/>
           </p:cNvSpPr>
           <p:nvPr>
-            <p:ph type="ftr"/>
-          </p:nvPr>
-        </p:nvSpPr>
-        <p:spPr>
-          <a:xfrm>
-            <a:off x="4066560" y="6887160"/>
-            <a:ext cx="3803040" cy="521640"/>
-          </a:xfrm>
-          <a:prstGeom prst="rect">
-            <a:avLst/>
-          </a:prstGeom>
-        </p:spPr>
-        <p:txBody>
-          <a:bodyPr lIns="0" rIns="0" tIns="0" bIns="0"/>
-          <a:p>
-            <a:pPr algn="ctr"/>
-            <a:r>
-              <a:rPr b="0" lang="ru-RU" sz="2400" spc="-1" strike="noStrike">
-                <a:solidFill>
-                  <a:srgbClr val="dbf5f9"/>
-                </a:solidFill>
-                <a:latin typeface="Source Sans Pro"/>
-              </a:rPr>
-              <a:t>&lt;нижний колонтитул&gt;</a:t>
-            </a:r>
-            <a:endParaRPr b="0" lang="ru-RU" sz="2400" spc="-1" strike="noStrike">
-              <a:solidFill>
-                <a:srgbClr val="dbf5f9"/>
-              </a:solidFill>
-              <a:latin typeface="Source Sans Pro"/>
-            </a:endParaRPr>
-          </a:p>
-        </p:txBody>
-      </p:sp>
-      <p:sp>
-        <p:nvSpPr>
-          <p:cNvPr id="2" name="PlaceHolder 3"/>
-          <p:cNvSpPr>
-            <a:spLocks noGrp="1"/>
-          </p:cNvSpPr>
-          <p:nvPr>
-            <p:ph type="sldNum"/>
-          </p:nvPr>
-        </p:nvSpPr>
-        <p:spPr>
-          <a:xfrm>
-            <a:off x="8566200" y="6887160"/>
-            <a:ext cx="2795400" cy="521640"/>
-          </a:xfrm>
-          <a:prstGeom prst="rect">
-            <a:avLst/>
-          </a:prstGeom>
-        </p:spPr>
-        <p:txBody>
-          <a:bodyPr lIns="0" rIns="0" tIns="0" bIns="0"/>
-          <a:p>
-            <a:pPr algn="r"/>
-            <a:fld id="{1300E75F-4EA3-48CC-8662-C484C9D3E40E}" type="slidenum">
-              <a:rPr b="0" lang="ru-RU" sz="2400" spc="-1" strike="noStrike">
-                <a:solidFill>
-                  <a:srgbClr val="dbf5f9"/>
-                </a:solidFill>
-                <a:latin typeface="Source Sans Pro"/>
-              </a:rPr>
-              <a:t>&lt;номер&gt;</a:t>
-            </a:fld>
-            <a:endParaRPr b="0" lang="ru-RU" sz="2400" spc="-1" strike="noStrike">
-              <a:solidFill>
-                <a:srgbClr val="dbf5f9"/>
-              </a:solidFill>
-              <a:latin typeface="Source Sans Pro"/>
-            </a:endParaRPr>
-          </a:p>
-        </p:txBody>
-      </p:sp>
-      <p:sp>
-        <p:nvSpPr>
-          <p:cNvPr id="3" name="PlaceHolder 4"/>
-          <p:cNvSpPr>
-            <a:spLocks noGrp="1"/>
-          </p:cNvSpPr>
-          <p:nvPr>
-            <p:ph type="title"/>
-          </p:nvPr>
-        </p:nvSpPr>
-        <p:spPr>
-          <a:xfrm>
-            <a:off x="548640" y="301320"/>
-            <a:ext cx="10798560" cy="4453560"/>
-          </a:xfrm>
-          <a:prstGeom prst="rect">
-            <a:avLst/>
-          </a:prstGeom>
-        </p:spPr>
-        <p:txBody>
-          <a:bodyPr lIns="0" rIns="0" tIns="0" bIns="0" anchor="b">
-            <a:normAutofit/>
-          </a:bodyPr>
-          <a:p>
-            <a:r>
-              <a:rPr b="0" lang="ru-RU" sz="8000" spc="-1" strike="noStrike">
-                <a:solidFill>
-                  <a:srgbClr val="04617b"/>
-                </a:solidFill>
-                <a:latin typeface="Source Sans Pro Light"/>
-              </a:rPr>
-              <a:t>Для правки текста заглавия щёлкните мышью</a:t>
-            </a:r>
-            <a:endParaRPr b="0" lang="ru-RU" sz="8000" spc="-1" strike="noStrike">
-              <a:solidFill>
-                <a:srgbClr val="04617b"/>
-              </a:solidFill>
-              <a:latin typeface="Source Sans Pro Light"/>
-            </a:endParaRPr>
-          </a:p>
-        </p:txBody>
-      </p:sp>
-      <p:sp>
-        <p:nvSpPr>
-          <p:cNvPr id="4" name="PlaceHolder 5"/>
-          <p:cNvSpPr>
-            <a:spLocks noGrp="1"/>
-          </p:cNvSpPr>
-          <p:nvPr>
             <p:ph type="body"/>
           </p:nvPr>
         </p:nvSpPr>
         <p:spPr>
           <a:xfrm>
-            <a:off x="552960" y="5216400"/>
-            <a:ext cx="10789920" cy="1550160"/>
+            <a:off x="599760" y="1768680"/>
+            <a:ext cx="10798200" cy="4384080"/>
           </a:xfrm>
           <a:prstGeom prst="rect">
             <a:avLst/>
@@ -4372,67 +4179,55 @@
           </a:bodyPr>
           <a:p>
             <a:pPr marL="432000" indent="-324000">
-              <a:spcAft>
-                <a:spcPts val="1233"/>
-              </a:spcAft>
+              <a:spcBef>
+                <a:spcPts val="1417"/>
+              </a:spcBef>
               <a:buClr>
-                <a:srgbClr val="f49100"/>
+                <a:srgbClr val="000000"/>
               </a:buClr>
               <a:buSzPct val="45000"/>
               <a:buFont typeface="Wingdings" charset="2"/>
               <a:buChar char=""/>
             </a:pPr>
             <a:r>
-              <a:rPr b="0" lang="ru-RU" sz="2800" spc="-1" strike="noStrike">
-                <a:solidFill>
-                  <a:srgbClr val="dbf5f9"/>
-                </a:solidFill>
-                <a:latin typeface="Source Sans Pro"/>
-              </a:rPr>
-              <a:t>Для правки структуры щёлкните мышью</a:t>
-            </a:r>
-            <a:endParaRPr b="0" lang="ru-RU" sz="2800" spc="-1" strike="noStrike">
-              <a:solidFill>
-                <a:srgbClr val="dbf5f9"/>
-              </a:solidFill>
-              <a:latin typeface="Source Sans Pro"/>
+              <a:rPr b="0" lang="ru-RU" sz="3200" spc="-1" strike="noStrike">
+                <a:latin typeface="Arial"/>
+              </a:rPr>
+              <a:t>Click to edit the outline text format</a:t>
+            </a:r>
+            <a:endParaRPr b="0" lang="ru-RU" sz="3200" spc="-1" strike="noStrike">
+              <a:latin typeface="Arial"/>
             </a:endParaRPr>
           </a:p>
           <a:p>
             <a:pPr lvl="1" marL="864000" indent="-324000">
-              <a:spcAft>
-                <a:spcPts val="1123"/>
-              </a:spcAft>
+              <a:spcBef>
+                <a:spcPts val="1134"/>
+              </a:spcBef>
               <a:buClr>
-                <a:srgbClr val="f49100"/>
+                <a:srgbClr val="000000"/>
               </a:buClr>
               <a:buSzPct val="75000"/>
               <a:buFont typeface="Symbol" charset="2"/>
               <a:buChar char=""/>
             </a:pPr>
             <a:r>
-              <a:rPr b="0" lang="ru-RU" sz="2200" spc="-1" strike="noStrike">
-                <a:solidFill>
-                  <a:srgbClr val="dbf5f9"/>
-                </a:solidFill>
-                <a:latin typeface="Source Sans Pro"/>
-              </a:rPr>
-              <a:t>Второй уровень структуры</a:t>
-            </a:r>
-            <a:endParaRPr b="0" lang="ru-RU" sz="2200" spc="-1" strike="noStrike">
-              <a:solidFill>
-                <a:srgbClr val="dbf5f9"/>
-              </a:solidFill>
-              <a:latin typeface="Source Sans Pro"/>
+              <a:rPr b="0" lang="ru-RU" sz="2800" spc="-1" strike="noStrike">
+                <a:latin typeface="Arial"/>
+              </a:rPr>
+              <a:t>Second Outline Level</a:t>
+            </a:r>
+            <a:endParaRPr b="0" lang="ru-RU" sz="2800" spc="-1" strike="noStrike">
+              <a:latin typeface="Arial"/>
             </a:endParaRPr>
           </a:p>
           <a:p>
             <a:pPr lvl="2" marL="1296000" indent="-288000">
-              <a:spcAft>
+              <a:spcBef>
                 <a:spcPts val="850"/>
-              </a:spcAft>
+              </a:spcBef>
               <a:buClr>
-                <a:srgbClr val="f49100"/>
+                <a:srgbClr val="000000"/>
               </a:buClr>
               <a:buSzPct val="45000"/>
               <a:buFont typeface="Wingdings" charset="2"/>
@@ -4440,27 +4235,21 @@
             </a:pPr>
             <a:r>
               <a:rPr b="0" lang="ru-RU" sz="2400" spc="-1" strike="noStrike">
-                <a:solidFill>
-                  <a:srgbClr val="dbf5f9"/>
-                </a:solidFill>
-                <a:latin typeface="Source Sans Pro"/>
-              </a:rPr>
-              <a:t>Третий уровень структуры</a:t>
+                <a:latin typeface="Arial"/>
+              </a:rPr>
+              <a:t>Third Outline Level</a:t>
             </a:r>
             <a:endParaRPr b="0" lang="ru-RU" sz="2400" spc="-1" strike="noStrike">
-              <a:solidFill>
-                <a:srgbClr val="dbf5f9"/>
-              </a:solidFill>
-              <a:latin typeface="Source Sans Pro"/>
+              <a:latin typeface="Arial"/>
             </a:endParaRPr>
           </a:p>
           <a:p>
             <a:pPr lvl="3" marL="1728000" indent="-216000">
-              <a:spcAft>
+              <a:spcBef>
                 <a:spcPts val="567"/>
-              </a:spcAft>
+              </a:spcBef>
               <a:buClr>
-                <a:srgbClr val="f49100"/>
+                <a:srgbClr val="000000"/>
               </a:buClr>
               <a:buSzPct val="75000"/>
               <a:buFont typeface="Symbol" charset="2"/>
@@ -4468,27 +4257,21 @@
             </a:pPr>
             <a:r>
               <a:rPr b="0" lang="ru-RU" sz="2000" spc="-1" strike="noStrike">
-                <a:solidFill>
-                  <a:srgbClr val="dbf5f9"/>
-                </a:solidFill>
-                <a:latin typeface="Source Sans Pro"/>
-              </a:rPr>
-              <a:t>Четвёртый уровень структуры</a:t>
+                <a:latin typeface="Arial"/>
+              </a:rPr>
+              <a:t>Fourth Outline Level</a:t>
             </a:r>
             <a:endParaRPr b="0" lang="ru-RU" sz="2000" spc="-1" strike="noStrike">
-              <a:solidFill>
-                <a:srgbClr val="dbf5f9"/>
-              </a:solidFill>
-              <a:latin typeface="Source Sans Pro"/>
+              <a:latin typeface="Arial"/>
             </a:endParaRPr>
           </a:p>
           <a:p>
             <a:pPr lvl="4" marL="2160000" indent="-216000">
-              <a:spcAft>
+              <a:spcBef>
                 <a:spcPts val="283"/>
-              </a:spcAft>
+              </a:spcBef>
               <a:buClr>
-                <a:srgbClr val="f49100"/>
+                <a:srgbClr val="000000"/>
               </a:buClr>
               <a:buSzPct val="45000"/>
               <a:buFont typeface="Wingdings" charset="2"/>
@@ -4496,27 +4279,21 @@
             </a:pPr>
             <a:r>
               <a:rPr b="0" lang="ru-RU" sz="2000" spc="-1" strike="noStrike">
-                <a:solidFill>
-                  <a:srgbClr val="dbf5f9"/>
-                </a:solidFill>
-                <a:latin typeface="Source Sans Pro"/>
-              </a:rPr>
-              <a:t>Пятый уровень структуры</a:t>
+                <a:latin typeface="Arial"/>
+              </a:rPr>
+              <a:t>Fifth Outline Level</a:t>
             </a:r>
             <a:endParaRPr b="0" lang="ru-RU" sz="2000" spc="-1" strike="noStrike">
-              <a:solidFill>
-                <a:srgbClr val="dbf5f9"/>
-              </a:solidFill>
-              <a:latin typeface="Source Sans Pro"/>
+              <a:latin typeface="Arial"/>
             </a:endParaRPr>
           </a:p>
           <a:p>
             <a:pPr lvl="5" marL="2592000" indent="-216000">
-              <a:spcAft>
+              <a:spcBef>
                 <a:spcPts val="283"/>
-              </a:spcAft>
+              </a:spcBef>
               <a:buClr>
-                <a:srgbClr val="f49100"/>
+                <a:srgbClr val="000000"/>
               </a:buClr>
               <a:buSzPct val="45000"/>
               <a:buFont typeface="Wingdings" charset="2"/>
@@ -4524,27 +4301,21 @@
             </a:pPr>
             <a:r>
               <a:rPr b="0" lang="ru-RU" sz="2000" spc="-1" strike="noStrike">
-                <a:solidFill>
-                  <a:srgbClr val="dbf5f9"/>
-                </a:solidFill>
-                <a:latin typeface="Source Sans Pro"/>
-              </a:rPr>
-              <a:t>Шестой уровень структуры</a:t>
+                <a:latin typeface="Arial"/>
+              </a:rPr>
+              <a:t>Sixth Outline Level</a:t>
             </a:r>
             <a:endParaRPr b="0" lang="ru-RU" sz="2000" spc="-1" strike="noStrike">
-              <a:solidFill>
-                <a:srgbClr val="dbf5f9"/>
-              </a:solidFill>
-              <a:latin typeface="Source Sans Pro"/>
+              <a:latin typeface="Arial"/>
             </a:endParaRPr>
           </a:p>
           <a:p>
             <a:pPr lvl="6" marL="3024000" indent="-216000">
-              <a:spcAft>
+              <a:spcBef>
                 <a:spcPts val="283"/>
-              </a:spcAft>
+              </a:spcBef>
               <a:buClr>
-                <a:srgbClr val="f49100"/>
+                <a:srgbClr val="000000"/>
               </a:buClr>
               <a:buSzPct val="45000"/>
               <a:buFont typeface="Wingdings" charset="2"/>
@@ -4552,18 +4323,12 @@
             </a:pPr>
             <a:r>
               <a:rPr b="0" lang="ru-RU" sz="2000" spc="-1" strike="noStrike">
-                <a:solidFill>
-                  <a:srgbClr val="dbf5f9"/>
-                </a:solidFill>
-                <a:latin typeface="Source Sans Pro"/>
-              </a:rPr>
-              <a:t>Седьмой уровень структуры</a:t>
+                <a:latin typeface="Arial"/>
+              </a:rPr>
+              <a:t>Seventh Outline Level</a:t>
             </a:r>
             <a:endParaRPr b="0" lang="ru-RU" sz="2000" spc="-1" strike="noStrike">
-              <a:solidFill>
-                <a:srgbClr val="dbf5f9"/>
-              </a:solidFill>
-              <a:latin typeface="Source Sans Pro"/>
+              <a:latin typeface="Arial"/>
             </a:endParaRPr>
           </a:p>
         </p:txBody>
@@ -4617,7 +4382,7 @@
       </p:grpSpPr>
       <p:sp>
         <p:nvSpPr>
-          <p:cNvPr id="41" name="PlaceHolder 1"/>
+          <p:cNvPr id="38" name="PlaceHolder 1"/>
           <p:cNvSpPr>
             <a:spLocks noGrp="1"/>
           </p:cNvSpPr>
@@ -4627,39 +4392,34 @@
         </p:nvSpPr>
         <p:spPr>
           <a:xfrm>
-            <a:off x="599040" y="121320"/>
-            <a:ext cx="10798560" cy="1262160"/>
-          </a:xfrm>
-          <a:prstGeom prst="rect">
-            <a:avLst/>
-          </a:prstGeom>
-        </p:spPr>
-        <p:txBody>
-          <a:bodyPr lIns="0" rIns="0" tIns="0" bIns="0" anchor="b">
-            <a:normAutofit/>
-          </a:bodyPr>
-          <a:p>
-            <a:r>
-              <a:rPr b="0" lang="ru-RU" sz="6000" spc="-1" strike="noStrike">
-                <a:solidFill>
-                  <a:srgbClr val="ffffff"/>
-                </a:solidFill>
-                <a:latin typeface="Source Sans Pro Light"/>
-              </a:rPr>
-              <a:t>Для правки текста заглавия щёлкните мышью</a:t>
-            </a:r>
-            <a:endParaRPr b="0" lang="ru-RU" sz="6000" spc="-1" strike="noStrike">
-              <a:solidFill>
-                <a:srgbClr val="ffffff"/>
-              </a:solidFill>
-              <a:latin typeface="Source Sans Pro Light"/>
-            </a:endParaRPr>
-          </a:p>
-        </p:txBody>
-      </p:sp>
-      <p:sp>
-        <p:nvSpPr>
-          <p:cNvPr id="42" name="PlaceHolder 2"/>
+            <a:off x="599040" y="301320"/>
+            <a:ext cx="10798200" cy="1261800"/>
+          </a:xfrm>
+          <a:prstGeom prst="rect">
+            <a:avLst/>
+          </a:prstGeom>
+        </p:spPr>
+        <p:txBody>
+          <a:bodyPr lIns="0" rIns="0" tIns="0" bIns="0" anchor="ctr">
+            <a:normAutofit/>
+          </a:bodyPr>
+          <a:p>
+            <a:pPr algn="ctr"/>
+            <a:r>
+              <a:rPr b="0" lang="ru-RU" sz="1800" spc="-1" strike="noStrike">
+                <a:latin typeface="Arial"/>
+              </a:rPr>
+              <a:t>Click to edit the title text format</a:t>
+            </a:r>
+            <a:endParaRPr b="0" lang="ru-RU" sz="1800" spc="-1" strike="noStrike">
+              <a:latin typeface="Arial"/>
+            </a:endParaRPr>
+          </a:p>
+        </p:txBody>
+      </p:sp>
+      <p:sp>
+        <p:nvSpPr>
+          <p:cNvPr id="39" name="PlaceHolder 2"/>
           <p:cNvSpPr>
             <a:spLocks noGrp="1"/>
           </p:cNvSpPr>
@@ -4669,291 +4429,169 @@
         </p:nvSpPr>
         <p:spPr>
           <a:xfrm>
-            <a:off x="599040" y="1920240"/>
-            <a:ext cx="10739520" cy="4663440"/>
-          </a:xfrm>
-          <a:prstGeom prst="rect">
-            <a:avLst/>
-          </a:prstGeom>
-        </p:spPr>
-        <p:txBody>
-          <a:bodyPr lIns="0" rIns="0" tIns="0" bIns="0">
-            <a:normAutofit/>
-          </a:bodyPr>
-          <a:p>
-            <a:pPr marL="432000" indent="-324000">
-              <a:spcAft>
-                <a:spcPts val="1409"/>
-              </a:spcAft>
+            <a:off x="599040" y="1828800"/>
+            <a:ext cx="10830600" cy="5394600"/>
+          </a:xfrm>
+          <a:prstGeom prst="rect">
+            <a:avLst/>
+          </a:prstGeom>
+        </p:spPr>
+        <p:txBody>
+          <a:bodyPr lIns="0" rIns="0" tIns="0" bIns="0">
+            <a:normAutofit/>
+          </a:bodyPr>
+          <a:p>
+            <a:pPr marL="432000" indent="-324000" algn="ctr">
+              <a:spcBef>
+                <a:spcPts val="1417"/>
+              </a:spcBef>
               <a:buClr>
-                <a:srgbClr val="04617b"/>
+                <a:srgbClr val="000000"/>
               </a:buClr>
               <a:buSzPct val="45000"/>
               <a:buFont typeface="Wingdings" charset="2"/>
               <a:buChar char=""/>
             </a:pPr>
             <a:r>
-              <a:rPr b="0" lang="ru-RU" sz="3200" spc="-1" strike="noStrike">
-                <a:latin typeface="Source Sans Pro"/>
-              </a:rPr>
-              <a:t>Для правки структуры щёлкните мышью</a:t>
-            </a:r>
-            <a:endParaRPr b="0" lang="ru-RU" sz="3200" spc="-1" strike="noStrike">
-              <a:latin typeface="Source Sans Pro"/>
-            </a:endParaRPr>
-          </a:p>
-          <a:p>
-            <a:pPr lvl="1" marL="864000" indent="-324000">
-              <a:spcAft>
-                <a:spcPts val="1123"/>
-              </a:spcAft>
+              <a:rPr b="0" lang="ru-RU" sz="1800" spc="-1" strike="noStrike">
+                <a:latin typeface="Arial"/>
+              </a:rPr>
+              <a:t>Click to edit the outline text format</a:t>
+            </a:r>
+            <a:endParaRPr b="0" lang="ru-RU" sz="1800" spc="-1" strike="noStrike">
+              <a:latin typeface="Arial"/>
+            </a:endParaRPr>
+          </a:p>
+          <a:p>
+            <a:pPr lvl="1" marL="864000" indent="-324000" algn="ctr">
+              <a:spcBef>
+                <a:spcPts val="1134"/>
+              </a:spcBef>
               <a:buClr>
-                <a:srgbClr val="04617b"/>
+                <a:srgbClr val="000000"/>
               </a:buClr>
               <a:buSzPct val="75000"/>
               <a:buFont typeface="Symbol" charset="2"/>
               <a:buChar char=""/>
             </a:pPr>
             <a:r>
-              <a:rPr b="0" lang="ru-RU" sz="2800" spc="-1" strike="noStrike">
-                <a:latin typeface="Source Sans Pro"/>
-              </a:rPr>
-              <a:t>Второй уровень структуры</a:t>
-            </a:r>
-            <a:endParaRPr b="0" lang="ru-RU" sz="2800" spc="-1" strike="noStrike">
-              <a:latin typeface="Source Sans Pro"/>
-            </a:endParaRPr>
-          </a:p>
-          <a:p>
-            <a:pPr lvl="2" marL="1296000" indent="-288000">
-              <a:spcAft>
+              <a:rPr b="0" lang="ru-RU" sz="1800" spc="-1" strike="noStrike">
+                <a:latin typeface="Arial"/>
+              </a:rPr>
+              <a:t>Second Outline Level</a:t>
+            </a:r>
+            <a:endParaRPr b="0" lang="ru-RU" sz="1800" spc="-1" strike="noStrike">
+              <a:latin typeface="Arial"/>
+            </a:endParaRPr>
+          </a:p>
+          <a:p>
+            <a:pPr lvl="2" marL="1296000" indent="-288000" algn="ctr">
+              <a:spcBef>
                 <a:spcPts val="850"/>
-              </a:spcAft>
+              </a:spcBef>
               <a:buClr>
-                <a:srgbClr val="04617b"/>
+                <a:srgbClr val="000000"/>
               </a:buClr>
               <a:buSzPct val="45000"/>
               <a:buFont typeface="Wingdings" charset="2"/>
               <a:buChar char=""/>
             </a:pPr>
             <a:r>
-              <a:rPr b="0" lang="ru-RU" sz="2400" spc="-1" strike="noStrike">
-                <a:latin typeface="Source Sans Pro"/>
-              </a:rPr>
-              <a:t>Третий уровень структуры</a:t>
-            </a:r>
-            <a:endParaRPr b="0" lang="ru-RU" sz="2400" spc="-1" strike="noStrike">
-              <a:latin typeface="Source Sans Pro"/>
-            </a:endParaRPr>
-          </a:p>
-          <a:p>
-            <a:pPr lvl="3" marL="1728000" indent="-216000">
-              <a:spcAft>
+              <a:rPr b="0" lang="ru-RU" sz="1800" spc="-1" strike="noStrike">
+                <a:latin typeface="Arial"/>
+              </a:rPr>
+              <a:t>Third Outline Level</a:t>
+            </a:r>
+            <a:endParaRPr b="0" lang="ru-RU" sz="1800" spc="-1" strike="noStrike">
+              <a:latin typeface="Arial"/>
+            </a:endParaRPr>
+          </a:p>
+          <a:p>
+            <a:pPr lvl="3" marL="1728000" indent="-216000" algn="ctr">
+              <a:spcBef>
                 <a:spcPts val="567"/>
-              </a:spcAft>
+              </a:spcBef>
               <a:buClr>
-                <a:srgbClr val="04617b"/>
+                <a:srgbClr val="000000"/>
               </a:buClr>
               <a:buSzPct val="75000"/>
               <a:buFont typeface="Symbol" charset="2"/>
               <a:buChar char=""/>
             </a:pPr>
             <a:r>
-              <a:rPr b="0" lang="ru-RU" sz="2400" spc="-1" strike="noStrike">
-                <a:latin typeface="Source Sans Pro"/>
-              </a:rPr>
-              <a:t>Четвёртый уровень структуры</a:t>
-            </a:r>
-            <a:endParaRPr b="0" lang="ru-RU" sz="2400" spc="-1" strike="noStrike">
-              <a:latin typeface="Source Sans Pro"/>
-            </a:endParaRPr>
-          </a:p>
-          <a:p>
-            <a:pPr lvl="4" marL="2160000" indent="-216000">
-              <a:spcAft>
+              <a:rPr b="0" lang="ru-RU" sz="1800" spc="-1" strike="noStrike">
+                <a:latin typeface="Arial"/>
+              </a:rPr>
+              <a:t>Fourth Outline Level</a:t>
+            </a:r>
+            <a:endParaRPr b="0" lang="ru-RU" sz="1800" spc="-1" strike="noStrike">
+              <a:latin typeface="Arial"/>
+            </a:endParaRPr>
+          </a:p>
+          <a:p>
+            <a:pPr lvl="4" marL="2160000" indent="-216000" algn="ctr">
+              <a:spcBef>
                 <a:spcPts val="283"/>
-              </a:spcAft>
+              </a:spcBef>
               <a:buClr>
-                <a:srgbClr val="04617b"/>
+                <a:srgbClr val="000000"/>
               </a:buClr>
               <a:buSzPct val="45000"/>
               <a:buFont typeface="Wingdings" charset="2"/>
               <a:buChar char=""/>
             </a:pPr>
             <a:r>
-              <a:rPr b="0" lang="ru-RU" sz="2400" spc="-1" strike="noStrike">
-                <a:latin typeface="Source Sans Pro"/>
-              </a:rPr>
-              <a:t>Пятый уровень структуры</a:t>
-            </a:r>
-            <a:endParaRPr b="0" lang="ru-RU" sz="2400" spc="-1" strike="noStrike">
-              <a:latin typeface="Source Sans Pro"/>
-            </a:endParaRPr>
-          </a:p>
-          <a:p>
-            <a:pPr lvl="5" marL="2592000" indent="-216000">
-              <a:spcAft>
+              <a:rPr b="0" lang="ru-RU" sz="1800" spc="-1" strike="noStrike">
+                <a:latin typeface="Arial"/>
+              </a:rPr>
+              <a:t>Fifth Outline Level</a:t>
+            </a:r>
+            <a:endParaRPr b="0" lang="ru-RU" sz="1800" spc="-1" strike="noStrike">
+              <a:latin typeface="Arial"/>
+            </a:endParaRPr>
+          </a:p>
+          <a:p>
+            <a:pPr lvl="5" marL="2592000" indent="-216000" algn="ctr">
+              <a:spcBef>
                 <a:spcPts val="283"/>
-              </a:spcAft>
+              </a:spcBef>
               <a:buClr>
-                <a:srgbClr val="04617b"/>
+                <a:srgbClr val="000000"/>
               </a:buClr>
               <a:buSzPct val="45000"/>
               <a:buFont typeface="Wingdings" charset="2"/>
               <a:buChar char=""/>
             </a:pPr>
             <a:r>
-              <a:rPr b="0" lang="ru-RU" sz="2400" spc="-1" strike="noStrike">
-                <a:latin typeface="Source Sans Pro"/>
-              </a:rPr>
-              <a:t>Шестой уровень структуры</a:t>
-            </a:r>
-            <a:endParaRPr b="0" lang="ru-RU" sz="2400" spc="-1" strike="noStrike">
-              <a:latin typeface="Source Sans Pro"/>
-            </a:endParaRPr>
-          </a:p>
-          <a:p>
-            <a:pPr lvl="6" marL="3024000" indent="-216000">
-              <a:spcAft>
+              <a:rPr b="0" lang="ru-RU" sz="1800" spc="-1" strike="noStrike">
+                <a:latin typeface="Arial"/>
+              </a:rPr>
+              <a:t>Sixth Outline Level</a:t>
+            </a:r>
+            <a:endParaRPr b="0" lang="ru-RU" sz="1800" spc="-1" strike="noStrike">
+              <a:latin typeface="Arial"/>
+            </a:endParaRPr>
+          </a:p>
+          <a:p>
+            <a:pPr lvl="6" marL="3024000" indent="-216000" algn="ctr">
+              <a:spcBef>
                 <a:spcPts val="283"/>
-              </a:spcAft>
+              </a:spcBef>
               <a:buClr>
-                <a:srgbClr val="04617b"/>
+                <a:srgbClr val="000000"/>
               </a:buClr>
               <a:buSzPct val="45000"/>
               <a:buFont typeface="Wingdings" charset="2"/>
               <a:buChar char=""/>
             </a:pPr>
             <a:r>
-              <a:rPr b="0" lang="ru-RU" sz="2400" spc="-1" strike="noStrike">
-                <a:latin typeface="Source Sans Pro"/>
-              </a:rPr>
-              <a:t>Седьмой уровень структуры</a:t>
-            </a:r>
-            <a:endParaRPr b="0" lang="ru-RU" sz="2400" spc="-1" strike="noStrike">
-              <a:latin typeface="Source Sans Pro"/>
-            </a:endParaRPr>
-          </a:p>
-        </p:txBody>
-      </p:sp>
-      <p:sp>
-        <p:nvSpPr>
-          <p:cNvPr id="43" name="PlaceHolder 3"/>
-          <p:cNvSpPr>
-            <a:spLocks noGrp="1"/>
-          </p:cNvSpPr>
-          <p:nvPr>
-            <p:ph type="dt"/>
-          </p:nvPr>
-        </p:nvSpPr>
-        <p:spPr>
-          <a:xfrm>
-            <a:off x="599040" y="6887160"/>
-            <a:ext cx="2795400" cy="521640"/>
-          </a:xfrm>
-          <a:prstGeom prst="rect">
-            <a:avLst/>
-          </a:prstGeom>
-        </p:spPr>
-        <p:txBody>
-          <a:bodyPr lIns="0" rIns="0" tIns="0" bIns="0"/>
-          <a:p>
-            <a:r>
-              <a:rPr b="0" lang="ru-RU" sz="2400" spc="-1" strike="noStrike">
-                <a:solidFill>
-                  <a:srgbClr val="484848"/>
-                </a:solidFill>
-                <a:latin typeface="Source Sans Pro"/>
-              </a:rPr>
-              <a:t> </a:t>
-            </a:r>
-            <a:endParaRPr b="0" lang="ru-RU" sz="2400" spc="-1" strike="noStrike">
-              <a:solidFill>
-                <a:srgbClr val="484848"/>
-              </a:solidFill>
-              <a:latin typeface="Source Sans Pro"/>
-            </a:endParaRPr>
-          </a:p>
-        </p:txBody>
-      </p:sp>
-      <p:sp>
-        <p:nvSpPr>
-          <p:cNvPr id="44" name="PlaceHolder 4"/>
-          <p:cNvSpPr>
-            <a:spLocks noGrp="1"/>
-          </p:cNvSpPr>
-          <p:nvPr>
-            <p:ph type="ftr"/>
-          </p:nvPr>
-        </p:nvSpPr>
-        <p:spPr>
-          <a:xfrm>
-            <a:off x="4102560" y="6887160"/>
-            <a:ext cx="3803040" cy="521640"/>
-          </a:xfrm>
-          <a:prstGeom prst="rect">
-            <a:avLst/>
-          </a:prstGeom>
-        </p:spPr>
-        <p:txBody>
-          <a:bodyPr lIns="0" rIns="0" tIns="0" bIns="0"/>
-          <a:p>
-            <a:pPr algn="ctr"/>
-            <a:r>
-              <a:rPr b="0" lang="ru-RU" sz="2400" spc="-1" strike="noStrike">
-                <a:solidFill>
-                  <a:srgbClr val="484848"/>
-                </a:solidFill>
-                <a:latin typeface="Source Sans Pro"/>
-              </a:rPr>
-              <a:t> </a:t>
-            </a:r>
-            <a:endParaRPr b="0" lang="ru-RU" sz="2400" spc="-1" strike="noStrike">
-              <a:solidFill>
-                <a:srgbClr val="484848"/>
-              </a:solidFill>
-              <a:latin typeface="Source Sans Pro"/>
-            </a:endParaRPr>
-          </a:p>
-        </p:txBody>
-      </p:sp>
-      <p:sp>
-        <p:nvSpPr>
-          <p:cNvPr id="45" name="PlaceHolder 5"/>
-          <p:cNvSpPr>
-            <a:spLocks noGrp="1"/>
-          </p:cNvSpPr>
-          <p:nvPr>
-            <p:ph type="sldNum"/>
-          </p:nvPr>
-        </p:nvSpPr>
-        <p:spPr>
-          <a:xfrm>
-            <a:off x="8602200" y="6887160"/>
-            <a:ext cx="2795400" cy="521640"/>
-          </a:xfrm>
-          <a:prstGeom prst="rect">
-            <a:avLst/>
-          </a:prstGeom>
-        </p:spPr>
-        <p:txBody>
-          <a:bodyPr lIns="0" rIns="0" tIns="0" bIns="0"/>
-          <a:p>
-            <a:pPr algn="r"/>
-            <a:fld id="{97010265-1D5F-412B-92A8-33040A107872}" type="slidenum">
-              <a:rPr b="0" lang="ru-RU" sz="2400" spc="-1" strike="noStrike">
-                <a:solidFill>
-                  <a:srgbClr val="484848"/>
-                </a:solidFill>
-                <a:latin typeface="Source Sans Pro"/>
-              </a:rPr>
-              <a:t>1</a:t>
-            </a:fld>
-            <a:endParaRPr b="0" lang="ru-RU" sz="2400" spc="-1" strike="noStrike">
-              <a:solidFill>
-                <a:srgbClr val="484848"/>
-              </a:solidFill>
-              <a:latin typeface="Source Sans Pro"/>
+              <a:rPr b="0" lang="ru-RU" sz="1800" spc="-1" strike="noStrike">
+                <a:latin typeface="Arial"/>
+              </a:rPr>
+              <a:t>Seventh Outline Level</a:t>
+            </a:r>
+            <a:endParaRPr b="0" lang="ru-RU" sz="1800" spc="-1" strike="noStrike">
+              <a:latin typeface="Arial"/>
             </a:endParaRPr>
           </a:p>
         </p:txBody>
@@ -5007,7 +4645,7 @@
       </p:grpSpPr>
       <p:sp>
         <p:nvSpPr>
-          <p:cNvPr id="82" name="PlaceHolder 1"/>
+          <p:cNvPr id="76" name="PlaceHolder 1"/>
           <p:cNvSpPr>
             <a:spLocks noGrp="1"/>
           </p:cNvSpPr>
@@ -5017,8 +4655,8 @@
         </p:nvSpPr>
         <p:spPr>
           <a:xfrm>
-            <a:off x="599040" y="301320"/>
-            <a:ext cx="10798560" cy="1262160"/>
+            <a:off x="599760" y="301320"/>
+            <a:ext cx="10798200" cy="1261800"/>
           </a:xfrm>
           <a:prstGeom prst="rect">
             <a:avLst/>
@@ -5026,30 +4664,25 @@
         </p:spPr>
         <p:txBody>
           <a:bodyPr lIns="0" rIns="0" tIns="0" bIns="0" anchor="ctr">
-            <a:normAutofit/>
-          </a:bodyPr>
-          <a:p>
-            <a:r>
-              <a:rPr b="0" lang="ru-RU" sz="6000" spc="-1" strike="noStrike">
-                <a:solidFill>
-                  <a:srgbClr val="04617b"/>
-                </a:solidFill>
-                <a:latin typeface="Source Sans Pro Light"/>
-              </a:rPr>
-              <a:t>Для правки текста заглавия щёлкните мышью</a:t>
-            </a:r>
-            <a:endParaRPr b="0" lang="ru-RU" sz="6000" spc="-1" strike="noStrike">
-              <a:solidFill>
-                <a:srgbClr val="04617b"/>
-              </a:solidFill>
-              <a:latin typeface="Source Sans Pro Light"/>
-            </a:endParaRPr>
-          </a:p>
-        </p:txBody>
-      </p:sp>
-      <p:sp>
-        <p:nvSpPr>
-          <p:cNvPr id="83" name="PlaceHolder 2"/>
+            <a:noAutofit/>
+          </a:bodyPr>
+          <a:p>
+            <a:pPr algn="ctr"/>
+            <a:r>
+              <a:rPr b="0" lang="ru-RU" sz="4400" spc="-1" strike="noStrike">
+                <a:latin typeface="Arial"/>
+              </a:rPr>
+              <a:t>Click to edit the title text format</a:t>
+            </a:r>
+            <a:endParaRPr b="0" lang="ru-RU" sz="4400" spc="-1" strike="noStrike">
+              <a:latin typeface="Arial"/>
+            </a:endParaRPr>
+          </a:p>
+        </p:txBody>
+      </p:sp>
+      <p:sp>
+        <p:nvSpPr>
+          <p:cNvPr id="77" name="PlaceHolder 2"/>
           <p:cNvSpPr>
             <a:spLocks noGrp="1"/>
           </p:cNvSpPr>
@@ -5059,8 +4692,8 @@
         </p:nvSpPr>
         <p:spPr>
           <a:xfrm>
-            <a:off x="599040" y="1828800"/>
-            <a:ext cx="10830960" cy="5394960"/>
+            <a:off x="599760" y="1768680"/>
+            <a:ext cx="10798200" cy="4384080"/>
           </a:xfrm>
           <a:prstGeom prst="rect">
             <a:avLst/>
@@ -5072,11 +4705,11 @@
           </a:bodyPr>
           <a:p>
             <a:pPr marL="432000" indent="-324000">
-              <a:spcAft>
-                <a:spcPts val="1412"/>
-              </a:spcAft>
+              <a:spcBef>
+                <a:spcPts val="1417"/>
+              </a:spcBef>
               <a:buClr>
-                <a:srgbClr val="04617b"/>
+                <a:srgbClr val="000000"/>
               </a:buClr>
               <a:buSzPct val="45000"/>
               <a:buFont typeface="Wingdings" charset="2"/>
@@ -5084,21 +4717,21 @@
             </a:pPr>
             <a:r>
               <a:rPr b="0" lang="ru-RU" sz="3200" spc="-1" strike="noStrike">
-                <a:latin typeface="Source Sans Pro"/>
-              </a:rPr>
-              <a:t>Для правки структуры щёлкните мышью</a:t>
-            </a:r>
-            <a:endParaRPr b="0" lang="ru-RU" sz="3200" spc="-1" strike="noStrike">
-              <a:latin typeface="Source Sans Pro"/>
+                <a:latin typeface="Arial"/>
+              </a:rPr>
+              <a:t>Click to edit the outline text format</a:t>
+            </a:r>
+            <a:endParaRPr b="0" lang="ru-RU" sz="3200" spc="-1" strike="noStrike">
+              <a:latin typeface="Arial"/>
             </a:endParaRPr>
           </a:p>
           <a:p>
             <a:pPr lvl="1" marL="864000" indent="-324000">
-              <a:spcAft>
-                <a:spcPts val="1123"/>
-              </a:spcAft>
+              <a:spcBef>
+                <a:spcPts val="1134"/>
+              </a:spcBef>
               <a:buClr>
-                <a:srgbClr val="04617b"/>
+                <a:srgbClr val="000000"/>
               </a:buClr>
               <a:buSzPct val="75000"/>
               <a:buFont typeface="Symbol" charset="2"/>
@@ -5106,21 +4739,21 @@
             </a:pPr>
             <a:r>
               <a:rPr b="0" lang="ru-RU" sz="2800" spc="-1" strike="noStrike">
-                <a:latin typeface="Source Sans Pro"/>
-              </a:rPr>
-              <a:t>Второй уровень структуры</a:t>
+                <a:latin typeface="Arial"/>
+              </a:rPr>
+              <a:t>Second Outline Level</a:t>
             </a:r>
             <a:endParaRPr b="0" lang="ru-RU" sz="2800" spc="-1" strike="noStrike">
-              <a:latin typeface="Source Sans Pro"/>
+              <a:latin typeface="Arial"/>
             </a:endParaRPr>
           </a:p>
           <a:p>
             <a:pPr lvl="2" marL="1296000" indent="-288000">
-              <a:spcAft>
+              <a:spcBef>
                 <a:spcPts val="850"/>
-              </a:spcAft>
+              </a:spcBef>
               <a:buClr>
-                <a:srgbClr val="04617b"/>
+                <a:srgbClr val="000000"/>
               </a:buClr>
               <a:buSzPct val="45000"/>
               <a:buFont typeface="Wingdings" charset="2"/>
@@ -5128,222 +4761,100 @@
             </a:pPr>
             <a:r>
               <a:rPr b="0" lang="ru-RU" sz="2400" spc="-1" strike="noStrike">
-                <a:latin typeface="Source Sans Pro"/>
-              </a:rPr>
-              <a:t>Третий уровень структуры</a:t>
+                <a:latin typeface="Arial"/>
+              </a:rPr>
+              <a:t>Third Outline Level</a:t>
             </a:r>
             <a:endParaRPr b="0" lang="ru-RU" sz="2400" spc="-1" strike="noStrike">
-              <a:latin typeface="Source Sans Pro"/>
+              <a:latin typeface="Arial"/>
             </a:endParaRPr>
           </a:p>
           <a:p>
             <a:pPr lvl="3" marL="1728000" indent="-216000">
-              <a:spcAft>
+              <a:spcBef>
                 <a:spcPts val="567"/>
-              </a:spcAft>
+              </a:spcBef>
               <a:buClr>
-                <a:srgbClr val="04617b"/>
+                <a:srgbClr val="000000"/>
               </a:buClr>
               <a:buSzPct val="75000"/>
               <a:buFont typeface="Symbol" charset="2"/>
               <a:buChar char=""/>
             </a:pPr>
             <a:r>
-              <a:rPr b="0" lang="ru-RU" sz="2400" spc="-1" strike="noStrike">
-                <a:latin typeface="Source Sans Pro"/>
-              </a:rPr>
-              <a:t>Четвёртый уровень структуры</a:t>
-            </a:r>
-            <a:endParaRPr b="0" lang="ru-RU" sz="2400" spc="-1" strike="noStrike">
-              <a:latin typeface="Source Sans Pro"/>
+              <a:rPr b="0" lang="ru-RU" sz="2000" spc="-1" strike="noStrike">
+                <a:latin typeface="Arial"/>
+              </a:rPr>
+              <a:t>Fourth Outline Level</a:t>
+            </a:r>
+            <a:endParaRPr b="0" lang="ru-RU" sz="2000" spc="-1" strike="noStrike">
+              <a:latin typeface="Arial"/>
             </a:endParaRPr>
           </a:p>
           <a:p>
             <a:pPr lvl="4" marL="2160000" indent="-216000">
-              <a:spcAft>
+              <a:spcBef>
                 <a:spcPts val="283"/>
-              </a:spcAft>
+              </a:spcBef>
               <a:buClr>
-                <a:srgbClr val="04617b"/>
+                <a:srgbClr val="000000"/>
               </a:buClr>
               <a:buSzPct val="45000"/>
               <a:buFont typeface="Wingdings" charset="2"/>
               <a:buChar char=""/>
             </a:pPr>
             <a:r>
-              <a:rPr b="0" lang="ru-RU" sz="2400" spc="-1" strike="noStrike">
-                <a:latin typeface="Source Sans Pro"/>
-              </a:rPr>
-              <a:t>Пятый уровень структуры</a:t>
-            </a:r>
-            <a:endParaRPr b="0" lang="ru-RU" sz="2400" spc="-1" strike="noStrike">
-              <a:latin typeface="Source Sans Pro"/>
+              <a:rPr b="0" lang="ru-RU" sz="2000" spc="-1" strike="noStrike">
+                <a:latin typeface="Arial"/>
+              </a:rPr>
+              <a:t>Fifth Outline Level</a:t>
+            </a:r>
+            <a:endParaRPr b="0" lang="ru-RU" sz="2000" spc="-1" strike="noStrike">
+              <a:latin typeface="Arial"/>
             </a:endParaRPr>
           </a:p>
           <a:p>
             <a:pPr lvl="5" marL="2592000" indent="-216000">
-              <a:spcAft>
+              <a:spcBef>
                 <a:spcPts val="283"/>
-              </a:spcAft>
+              </a:spcBef>
               <a:buClr>
-                <a:srgbClr val="04617b"/>
+                <a:srgbClr val="000000"/>
               </a:buClr>
               <a:buSzPct val="45000"/>
               <a:buFont typeface="Wingdings" charset="2"/>
               <a:buChar char=""/>
             </a:pPr>
             <a:r>
-              <a:rPr b="0" lang="ru-RU" sz="2400" spc="-1" strike="noStrike">
-                <a:latin typeface="Source Sans Pro"/>
-              </a:rPr>
-              <a:t>Шестой уровень структуры</a:t>
-            </a:r>
-            <a:endParaRPr b="0" lang="ru-RU" sz="2400" spc="-1" strike="noStrike">
-              <a:latin typeface="Source Sans Pro"/>
+              <a:rPr b="0" lang="ru-RU" sz="2000" spc="-1" strike="noStrike">
+                <a:latin typeface="Arial"/>
+              </a:rPr>
+              <a:t>Sixth Outline Level</a:t>
+            </a:r>
+            <a:endParaRPr b="0" lang="ru-RU" sz="2000" spc="-1" strike="noStrike">
+              <a:latin typeface="Arial"/>
             </a:endParaRPr>
           </a:p>
           <a:p>
             <a:pPr lvl="6" marL="3024000" indent="-216000">
-              <a:spcAft>
+              <a:spcBef>
                 <a:spcPts val="283"/>
-              </a:spcAft>
+              </a:spcBef>
               <a:buClr>
-                <a:srgbClr val="04617b"/>
+                <a:srgbClr val="000000"/>
               </a:buClr>
               <a:buSzPct val="45000"/>
               <a:buFont typeface="Wingdings" charset="2"/>
               <a:buChar char=""/>
             </a:pPr>
             <a:r>
-              <a:rPr b="0" lang="ru-RU" sz="2400" spc="-1" strike="noStrike">
-                <a:latin typeface="Source Sans Pro"/>
-              </a:rPr>
-              <a:t>Седьмой уровень структуры</a:t>
-            </a:r>
-            <a:endParaRPr b="0" lang="ru-RU" sz="2400" spc="-1" strike="noStrike">
-              <a:latin typeface="Source Sans Pro"/>
-            </a:endParaRPr>
-          </a:p>
-        </p:txBody>
-      </p:sp>
-      <p:sp>
-        <p:nvSpPr>
-          <p:cNvPr id="84" name="PlaceHolder 3"/>
-          <p:cNvSpPr>
-            <a:spLocks noGrp="1"/>
-          </p:cNvSpPr>
-          <p:nvPr>
-            <p:ph type="dt"/>
-          </p:nvPr>
-        </p:nvSpPr>
-        <p:spPr>
-          <a:xfrm>
-            <a:off x="599040" y="6827760"/>
-            <a:ext cx="2795400" cy="521640"/>
-          </a:xfrm>
-          <a:prstGeom prst="rect">
-            <a:avLst/>
-          </a:prstGeom>
-        </p:spPr>
-        <p:txBody>
-          <a:bodyPr lIns="0" rIns="0" tIns="0" bIns="0"/>
-          <a:p>
-            <a:r>
-              <a:rPr b="0" lang="ru-RU" sz="2400" spc="-1" strike="noStrike">
-                <a:solidFill>
-                  <a:srgbClr val="484848"/>
-                </a:solidFill>
-                <a:latin typeface="Source Sans Pro"/>
-              </a:rPr>
-              <a:t> </a:t>
-            </a:r>
-            <a:endParaRPr b="0" lang="ru-RU" sz="2400" spc="-1" strike="noStrike">
-              <a:solidFill>
-                <a:srgbClr val="484848"/>
-              </a:solidFill>
-              <a:latin typeface="Source Sans Pro"/>
-            </a:endParaRPr>
-          </a:p>
-        </p:txBody>
-      </p:sp>
-      <p:sp>
-        <p:nvSpPr>
-          <p:cNvPr id="85" name="PlaceHolder 4"/>
-          <p:cNvSpPr>
-            <a:spLocks noGrp="1"/>
-          </p:cNvSpPr>
-          <p:nvPr>
-            <p:ph type="ftr"/>
-          </p:nvPr>
-        </p:nvSpPr>
-        <p:spPr>
-          <a:xfrm>
-            <a:off x="4102560" y="6827760"/>
-            <a:ext cx="3803040" cy="521640"/>
-          </a:xfrm>
-          <a:prstGeom prst="rect">
-            <a:avLst/>
-          </a:prstGeom>
-        </p:spPr>
-        <p:txBody>
-          <a:bodyPr lIns="0" rIns="0" tIns="0" bIns="0"/>
-          <a:p>
-            <a:pPr algn="ctr"/>
-            <a:r>
-              <a:rPr b="0" lang="ru-RU" sz="2400" spc="-1" strike="noStrike">
-                <a:solidFill>
-                  <a:srgbClr val="484848"/>
-                </a:solidFill>
-                <a:latin typeface="Source Sans Pro"/>
-              </a:rPr>
-              <a:t> </a:t>
-            </a:r>
-            <a:endParaRPr b="0" lang="ru-RU" sz="2400" spc="-1" strike="noStrike">
-              <a:solidFill>
-                <a:srgbClr val="484848"/>
-              </a:solidFill>
-              <a:latin typeface="Source Sans Pro"/>
-            </a:endParaRPr>
-          </a:p>
-        </p:txBody>
-      </p:sp>
-      <p:sp>
-        <p:nvSpPr>
-          <p:cNvPr id="86" name="PlaceHolder 5"/>
-          <p:cNvSpPr>
-            <a:spLocks noGrp="1"/>
-          </p:cNvSpPr>
-          <p:nvPr>
-            <p:ph type="sldNum"/>
-          </p:nvPr>
-        </p:nvSpPr>
-        <p:spPr>
-          <a:xfrm>
-            <a:off x="9188640" y="6827760"/>
-            <a:ext cx="2253600" cy="521640"/>
-          </a:xfrm>
-          <a:prstGeom prst="rect">
-            <a:avLst/>
-          </a:prstGeom>
-        </p:spPr>
-        <p:txBody>
-          <a:bodyPr lIns="0" rIns="0" tIns="0" bIns="0"/>
-          <a:p>
-            <a:pPr algn="r"/>
-            <a:fld id="{3DF00C3E-12ED-4CEE-9C02-BB151FB4527E}" type="slidenum">
-              <a:rPr b="0" lang="ru-RU" sz="2400" spc="-1" strike="noStrike">
-                <a:solidFill>
-                  <a:srgbClr val="484848"/>
-                </a:solidFill>
-                <a:latin typeface="Source Sans Pro"/>
-              </a:rPr>
-              <a:t>1</a:t>
-            </a:fld>
-            <a:endParaRPr b="0" lang="ru-RU" sz="2400" spc="-1" strike="noStrike">
-              <a:solidFill>
-                <a:srgbClr val="484848"/>
-              </a:solidFill>
-              <a:latin typeface="Source Sans Pro"/>
+              <a:rPr b="0" lang="ru-RU" sz="2000" spc="-1" strike="noStrike">
+                <a:latin typeface="Arial"/>
+              </a:rPr>
+              <a:t>Seventh Outline Level</a:t>
+            </a:r>
+            <a:endParaRPr b="0" lang="ru-RU" sz="2000" spc="-1" strike="noStrike">
+              <a:latin typeface="Arial"/>
             </a:endParaRPr>
           </a:p>
         </p:txBody>
@@ -5387,14 +4898,14 @@
       </p:grpSpPr>
       <p:sp>
         <p:nvSpPr>
-          <p:cNvPr id="123" name="TextShape 1"/>
-          <p:cNvSpPr txBox="1"/>
+          <p:cNvPr id="114" name="CustomShape 1"/>
+          <p:cNvSpPr/>
           <p:nvPr/>
         </p:nvSpPr>
         <p:spPr>
           <a:xfrm>
             <a:off x="548640" y="301320"/>
-            <a:ext cx="10798560" cy="4453560"/>
+            <a:ext cx="10798200" cy="4453200"/>
           </a:xfrm>
           <a:prstGeom prst="rect">
             <a:avLst/>
@@ -5404,11 +4915,22 @@
             <a:noFill/>
           </a:ln>
         </p:spPr>
+        <p:style>
+          <a:lnRef idx="0"/>
+          <a:fillRef idx="0"/>
+          <a:effectRef idx="0"/>
+          <a:fontRef idx="minor"/>
+        </p:style>
         <p:txBody>
           <a:bodyPr lIns="0" rIns="0" tIns="0" bIns="0" anchor="b">
             <a:normAutofit/>
           </a:bodyPr>
           <a:p>
+            <a:pPr>
+              <a:lnSpc>
+                <a:spcPct val="100000"/>
+              </a:lnSpc>
+            </a:pPr>
             <a:r>
               <a:rPr b="0" lang="ru-RU" sz="8000" spc="-1" strike="noStrike">
                 <a:solidFill>
@@ -5419,24 +4941,21 @@
               <a:t>Инструментальные средства программирования</a:t>
             </a:r>
             <a:endParaRPr b="0" lang="ru-RU" sz="8000" spc="-1" strike="noStrike">
-              <a:solidFill>
-                <a:srgbClr val="04617b"/>
-              </a:solidFill>
-              <a:latin typeface="Source Sans Pro Light"/>
-            </a:endParaRPr>
-          </a:p>
-        </p:txBody>
-      </p:sp>
-      <p:sp>
-        <p:nvSpPr>
-          <p:cNvPr id="124" name="TextShape 2"/>
-          <p:cNvSpPr txBox="1"/>
+              <a:latin typeface="Arial"/>
+            </a:endParaRPr>
+          </a:p>
+        </p:txBody>
+      </p:sp>
+      <p:sp>
+        <p:nvSpPr>
+          <p:cNvPr id="115" name="CustomShape 2"/>
+          <p:cNvSpPr/>
           <p:nvPr/>
         </p:nvSpPr>
         <p:spPr>
           <a:xfrm>
             <a:off x="552960" y="5216400"/>
-            <a:ext cx="10789920" cy="1550160"/>
+            <a:ext cx="10789560" cy="1549800"/>
           </a:xfrm>
           <a:prstGeom prst="rect">
             <a:avLst/>
@@ -5446,9 +4965,22 @@
             <a:noFill/>
           </a:ln>
         </p:spPr>
-        <p:txBody>
-          <a:bodyPr lIns="0" rIns="0" tIns="0" bIns="0"/>
-          <a:p>
+        <p:style>
+          <a:lnRef idx="0"/>
+          <a:fillRef idx="0"/>
+          <a:effectRef idx="0"/>
+          <a:fontRef idx="minor"/>
+        </p:style>
+        <p:txBody>
+          <a:bodyPr lIns="0" rIns="0" tIns="0" bIns="0">
+            <a:noAutofit/>
+          </a:bodyPr>
+          <a:p>
+            <a:pPr>
+              <a:lnSpc>
+                <a:spcPct val="100000"/>
+              </a:lnSpc>
+            </a:pPr>
             <a:r>
               <a:rPr b="1" lang="ru-RU" sz="3600" spc="-1" strike="noStrike">
                 <a:solidFill>
@@ -5458,14 +4990,16 @@
               </a:rPr>
               <a:t>Лекция 1. Visual Studio</a:t>
             </a:r>
-            <a:endParaRPr b="1" lang="ru-RU" sz="3600" spc="-1" strike="noStrike">
-              <a:solidFill>
-                <a:srgbClr val="dbf5f9"/>
-              </a:solidFill>
-              <a:latin typeface="Source Sans Pro"/>
-            </a:endParaRPr>
-          </a:p>
-          <a:p>
+            <a:endParaRPr b="0" lang="ru-RU" sz="3600" spc="-1" strike="noStrike">
+              <a:latin typeface="Arial"/>
+            </a:endParaRPr>
+          </a:p>
+          <a:p>
+            <a:pPr>
+              <a:lnSpc>
+                <a:spcPct val="100000"/>
+              </a:lnSpc>
+            </a:pPr>
             <a:r>
               <a:rPr b="1" lang="ru-RU" sz="3600" spc="-1" strike="noStrike">
                 <a:solidFill>
@@ -5473,46 +5007,24 @@
                 </a:solidFill>
                 <a:latin typeface="Source Sans Pro"/>
               </a:rPr>
-              <a:t>Пешехонов К. А., 24.09.2018</a:t>
-            </a:r>
-            <a:endParaRPr b="1" lang="ru-RU" sz="3600" spc="-1" strike="noStrike">
-              <a:solidFill>
-                <a:srgbClr val="dbf5f9"/>
-              </a:solidFill>
-              <a:latin typeface="Source Sans Pro"/>
+              <a:t>Пешехонов К. А., 16.09.2020</a:t>
+            </a:r>
+            <a:endParaRPr b="0" lang="ru-RU" sz="3600" spc="-1" strike="noStrike">
+              <a:latin typeface="Arial"/>
             </a:endParaRPr>
           </a:p>
         </p:txBody>
       </p:sp>
     </p:spTree>
   </p:cSld>
-  <p:timing>
-    <p:tnLst>
-      <p:par>
-        <p:cTn id="1" dur="indefinite" restart="never" nodeType="tmRoot">
-          <p:childTnLst>
-            <p:seq>
-              <p:cTn id="2" dur="indefinite" nodeType="mainSeq"/>
-              <p:prevCondLst>
-                <p:cond delay="0" evt="onPrev">
-                  <p:tgtEl>
-                    <p:sldTgt/>
-                  </p:tgtEl>
-                </p:cond>
-              </p:prevCondLst>
-              <p:nextCondLst>
-                <p:cond delay="0" evt="onNext">
-                  <p:tgtEl>
-                    <p:sldTgt/>
-                  </p:tgtEl>
-                </p:cond>
-              </p:nextCondLst>
-            </p:seq>
-          </p:childTnLst>
-        </p:cTn>
-      </p:par>
-    </p:tnLst>
-  </p:timing>
+  <mc:AlternateContent>
+    <mc:Choice Requires="p14">
+      <p:transition spd="slow" p14:dur="2000"/>
+    </mc:Choice>
+    <mc:Fallback>
+      <p:transition spd="slow"/>
+    </mc:Fallback>
+  </mc:AlternateContent>
 </p:sld>
 </file>
 
@@ -5535,14 +5047,14 @@
       </p:grpSpPr>
       <p:sp>
         <p:nvSpPr>
-          <p:cNvPr id="125" name="TextShape 1"/>
-          <p:cNvSpPr txBox="1"/>
+          <p:cNvPr id="116" name="CustomShape 1"/>
+          <p:cNvSpPr/>
           <p:nvPr/>
         </p:nvSpPr>
         <p:spPr>
           <a:xfrm>
-            <a:off x="599040" y="121320"/>
-            <a:ext cx="10798560" cy="1262160"/>
+            <a:off x="599040" y="1920240"/>
+            <a:ext cx="10739160" cy="4663080"/>
           </a:xfrm>
           <a:prstGeom prst="rect">
             <a:avLst/>
@@ -5552,303 +5064,330 @@
             <a:noFill/>
           </a:ln>
         </p:spPr>
-        <p:txBody>
-          <a:bodyPr lIns="0" rIns="0" tIns="0" bIns="0" anchor="b">
-            <a:normAutofit/>
-          </a:bodyPr>
-          <a:p>
-            <a:r>
-              <a:rPr b="0" lang="ru-RU" sz="6000" spc="-1" strike="noStrike">
-                <a:solidFill>
-                  <a:srgbClr val="ffffff"/>
-                </a:solidFill>
-                <a:latin typeface="Source Sans Pro Light"/>
-              </a:rPr>
-              <a:t>План курса</a:t>
-            </a:r>
-            <a:endParaRPr b="0" lang="ru-RU" sz="6000" spc="-1" strike="noStrike">
-              <a:solidFill>
-                <a:srgbClr val="ffffff"/>
-              </a:solidFill>
-              <a:latin typeface="Source Sans Pro Light"/>
-            </a:endParaRPr>
-          </a:p>
-        </p:txBody>
-      </p:sp>
-      <p:sp>
-        <p:nvSpPr>
-          <p:cNvPr id="126" name="TextShape 2"/>
-          <p:cNvSpPr txBox="1"/>
-          <p:nvPr/>
-        </p:nvSpPr>
-        <p:spPr>
-          <a:xfrm>
-            <a:off x="599040" y="1920240"/>
-            <a:ext cx="10739520" cy="4663440"/>
-          </a:xfrm>
-          <a:prstGeom prst="rect">
-            <a:avLst/>
-          </a:prstGeom>
-          <a:noFill/>
-          <a:ln>
-            <a:noFill/>
-          </a:ln>
-        </p:spPr>
-        <p:txBody>
-          <a:bodyPr lIns="0" rIns="0" tIns="0" bIns="0">
-            <a:normAutofit/>
-          </a:bodyPr>
-          <a:p>
-            <a:pPr marL="432000" indent="-324000">
+        <p:style>
+          <a:lnRef idx="0"/>
+          <a:fillRef idx="0"/>
+          <a:effectRef idx="0"/>
+          <a:fontRef idx="minor"/>
+        </p:style>
+        <p:txBody>
+          <a:bodyPr lIns="0" rIns="0" tIns="0" bIns="0">
+            <a:normAutofit fontScale="42000"/>
+          </a:bodyPr>
+          <a:p>
+            <a:pPr marL="432000" indent="-323640">
+              <a:lnSpc>
+                <a:spcPct val="100000"/>
+              </a:lnSpc>
               <a:spcAft>
                 <a:spcPts val="1409"/>
               </a:spcAft>
               <a:buClr>
                 <a:srgbClr val="04617b"/>
               </a:buClr>
-              <a:buSzPct val="45000"/>
               <a:buFont typeface="Wingdings" charset="2"/>
-              <a:buChar char=""/>
+              <a:buAutoNum type="arabicParenR"/>
             </a:pPr>
             <a:r>
               <a:rPr b="0" lang="ru-RU" sz="3200" spc="-1" strike="noStrike">
                 <a:latin typeface="Source Sans Pro"/>
               </a:rPr>
-              <a:t>1. Visual Studio</a:t>
-            </a:r>
-            <a:endParaRPr b="0" lang="ru-RU" sz="3200" spc="-1" strike="noStrike">
-              <a:latin typeface="Source Sans Pro"/>
-            </a:endParaRPr>
-          </a:p>
-          <a:p>
-            <a:pPr marL="432000" indent="-324000">
+              <a:t> </a:t>
+            </a:r>
+            <a:r>
+              <a:rPr b="0" lang="ru-RU" sz="3200" spc="-1" strike="noStrike">
+                <a:latin typeface="Source Sans Pro"/>
+              </a:rPr>
+              <a:t>Введение — DotNet Core, Visual Studio, Rider, общий обзор </a:t>
+            </a:r>
+            <a:endParaRPr b="0" lang="ru-RU" sz="3200" spc="-1" strike="noStrike">
+              <a:latin typeface="Arial"/>
+            </a:endParaRPr>
+          </a:p>
+          <a:p>
+            <a:pPr marL="432000" indent="-323640">
+              <a:lnSpc>
+                <a:spcPct val="100000"/>
+              </a:lnSpc>
               <a:spcAft>
                 <a:spcPts val="1409"/>
               </a:spcAft>
               <a:buClr>
                 <a:srgbClr val="04617b"/>
               </a:buClr>
-              <a:buSzPct val="45000"/>
               <a:buFont typeface="Wingdings" charset="2"/>
-              <a:buChar char=""/>
+              <a:buAutoNum type="arabicParenR"/>
             </a:pPr>
             <a:r>
               <a:rPr b="0" lang="ru-RU" sz="3200" spc="-1" strike="noStrike">
                 <a:latin typeface="Source Sans Pro"/>
               </a:rPr>
-              <a:t>2. Тестирование и валидация ПО (с точки зрения программиста)</a:t>
-            </a:r>
-            <a:endParaRPr b="0" lang="ru-RU" sz="3200" spc="-1" strike="noStrike">
-              <a:latin typeface="Source Sans Pro"/>
-            </a:endParaRPr>
-          </a:p>
-          <a:p>
-            <a:pPr marL="432000" indent="-324000">
+              <a:t> </a:t>
+            </a:r>
+            <a:r>
+              <a:rPr b="0" lang="ru-RU" sz="3200" spc="-1" strike="noStrike">
+                <a:latin typeface="Source Sans Pro"/>
+              </a:rPr>
+              <a:t>Тестирование и валидация ПО (с точки зрения программиста)</a:t>
+            </a:r>
+            <a:endParaRPr b="0" lang="ru-RU" sz="3200" spc="-1" strike="noStrike">
+              <a:latin typeface="Arial"/>
+            </a:endParaRPr>
+          </a:p>
+          <a:p>
+            <a:pPr marL="432000" indent="-323640">
+              <a:lnSpc>
+                <a:spcPct val="100000"/>
+              </a:lnSpc>
               <a:spcAft>
                 <a:spcPts val="1409"/>
               </a:spcAft>
               <a:buClr>
                 <a:srgbClr val="04617b"/>
               </a:buClr>
-              <a:buSzPct val="45000"/>
               <a:buFont typeface="Wingdings" charset="2"/>
-              <a:buChar char=""/>
+              <a:buAutoNum type="arabicParenR"/>
             </a:pPr>
             <a:r>
               <a:rPr b="0" lang="ru-RU" sz="3200" spc="-1" strike="noStrike">
                 <a:latin typeface="Source Sans Pro"/>
               </a:rPr>
-              <a:t>3. SQL Server</a:t>
-            </a:r>
-            <a:endParaRPr b="0" lang="ru-RU" sz="3200" spc="-1" strike="noStrike">
-              <a:latin typeface="Source Sans Pro"/>
-            </a:endParaRPr>
-          </a:p>
-          <a:p>
-            <a:pPr marL="432000" indent="-324000">
+              <a:t> </a:t>
+            </a:r>
+            <a:r>
+              <a:rPr b="0" lang="ru-RU" sz="3200" spc="-1" strike="noStrike">
+                <a:latin typeface="Source Sans Pro"/>
+              </a:rPr>
+              <a:t>SQL Server</a:t>
+            </a:r>
+            <a:endParaRPr b="0" lang="ru-RU" sz="3200" spc="-1" strike="noStrike">
+              <a:latin typeface="Arial"/>
+            </a:endParaRPr>
+          </a:p>
+          <a:p>
+            <a:pPr marL="432000" indent="-323640">
+              <a:lnSpc>
+                <a:spcPct val="100000"/>
+              </a:lnSpc>
               <a:spcAft>
                 <a:spcPts val="1409"/>
               </a:spcAft>
               <a:buClr>
                 <a:srgbClr val="04617b"/>
               </a:buClr>
-              <a:buSzPct val="45000"/>
               <a:buFont typeface="Wingdings" charset="2"/>
-              <a:buChar char=""/>
+              <a:buAutoNum type="arabicParenR"/>
             </a:pPr>
             <a:r>
               <a:rPr b="0" lang="ru-RU" sz="3200" spc="-1" strike="noStrike">
                 <a:latin typeface="Source Sans Pro"/>
               </a:rPr>
-              <a:t>Промежуточный результат — наличие проекта для сборки</a:t>
-            </a:r>
-            <a:endParaRPr b="0" lang="ru-RU" sz="3200" spc="-1" strike="noStrike">
-              <a:latin typeface="Source Sans Pro"/>
-            </a:endParaRPr>
-          </a:p>
-          <a:p>
-            <a:pPr marL="432000" indent="-324000">
+              <a:t> </a:t>
+            </a:r>
+            <a:r>
+              <a:rPr b="0" lang="ru-RU" sz="3200" spc="-1" strike="noStrike">
+                <a:latin typeface="Source Sans Pro"/>
+              </a:rPr>
+              <a:t>Azure DevOps (ex-Visual Studio Team Services, ex-Visual Studio Online)</a:t>
+            </a:r>
+            <a:endParaRPr b="0" lang="ru-RU" sz="3200" spc="-1" strike="noStrike">
+              <a:latin typeface="Arial"/>
+            </a:endParaRPr>
+          </a:p>
+          <a:p>
+            <a:pPr marL="432000" indent="-323640">
+              <a:lnSpc>
+                <a:spcPct val="100000"/>
+              </a:lnSpc>
               <a:spcAft>
                 <a:spcPts val="1409"/>
               </a:spcAft>
               <a:buClr>
                 <a:srgbClr val="04617b"/>
               </a:buClr>
-              <a:buSzPct val="45000"/>
               <a:buFont typeface="Wingdings" charset="2"/>
-              <a:buChar char=""/>
+              <a:buAutoNum type="arabicParenR"/>
             </a:pPr>
             <a:r>
               <a:rPr b="0" lang="ru-RU" sz="3200" spc="-1" strike="noStrike">
                 <a:latin typeface="Source Sans Pro"/>
               </a:rPr>
-              <a:t>4. Azure DevOps (ex-Visual Studion Team Services, ex-Visual Studio Online)</a:t>
-            </a:r>
-            <a:endParaRPr b="0" lang="ru-RU" sz="3200" spc="-1" strike="noStrike">
-              <a:latin typeface="Source Sans Pro"/>
-            </a:endParaRPr>
-          </a:p>
-          <a:p>
-            <a:pPr marL="432000" indent="-324000">
+              <a:t>LAB-1 — Build + Release pipeline для сборки NuGet пакетов </a:t>
+            </a:r>
+            <a:endParaRPr b="0" lang="ru-RU" sz="3200" spc="-1" strike="noStrike">
+              <a:latin typeface="Arial"/>
+            </a:endParaRPr>
+          </a:p>
+          <a:p>
+            <a:pPr marL="432000" indent="-323640">
+              <a:lnSpc>
+                <a:spcPct val="100000"/>
+              </a:lnSpc>
               <a:spcAft>
                 <a:spcPts val="1409"/>
               </a:spcAft>
               <a:buClr>
                 <a:srgbClr val="04617b"/>
               </a:buClr>
-              <a:buSzPct val="45000"/>
               <a:buFont typeface="Wingdings" charset="2"/>
-              <a:buChar char=""/>
+              <a:buAutoNum type="arabicParenR"/>
             </a:pPr>
             <a:r>
               <a:rPr b="0" lang="ru-RU" sz="3200" spc="-1" strike="noStrike">
                 <a:latin typeface="Source Sans Pro"/>
               </a:rPr>
-              <a:t>LAB-1 — Настройка сборки проекта, получение данных из предыдущих сборок в процессе</a:t>
-            </a:r>
-            <a:endParaRPr b="0" lang="ru-RU" sz="3200" spc="-1" strike="noStrike">
-              <a:latin typeface="Source Sans Pro"/>
-            </a:endParaRPr>
-          </a:p>
-          <a:p>
-            <a:pPr marL="432000" indent="-324000">
+              <a:t> </a:t>
+            </a:r>
+            <a:r>
+              <a:rPr b="0" lang="ru-RU" sz="3200" spc="-1" strike="noStrike">
+                <a:latin typeface="Source Sans Pro"/>
+              </a:rPr>
+              <a:t>JetBrains profiling toolset (Windows/Linux?)</a:t>
+            </a:r>
+            <a:endParaRPr b="0" lang="ru-RU" sz="3200" spc="-1" strike="noStrike">
+              <a:latin typeface="Arial"/>
+            </a:endParaRPr>
+          </a:p>
+          <a:p>
+            <a:pPr marL="432000" indent="-323640">
+              <a:lnSpc>
+                <a:spcPct val="100000"/>
+              </a:lnSpc>
               <a:spcAft>
                 <a:spcPts val="1409"/>
               </a:spcAft>
               <a:buClr>
                 <a:srgbClr val="04617b"/>
               </a:buClr>
-              <a:buSzPct val="45000"/>
               <a:buFont typeface="Wingdings" charset="2"/>
-              <a:buChar char=""/>
+              <a:buAutoNum type="arabicParenR"/>
             </a:pPr>
             <a:r>
               <a:rPr b="0" lang="ru-RU" sz="3200" spc="-1" strike="noStrike">
                 <a:latin typeface="Source Sans Pro"/>
               </a:rPr>
-              <a:t>5. Microsoft Azure</a:t>
-            </a:r>
-            <a:endParaRPr b="0" lang="ru-RU" sz="3200" spc="-1" strike="noStrike">
-              <a:latin typeface="Source Sans Pro"/>
-            </a:endParaRPr>
-          </a:p>
-          <a:p>
-            <a:pPr marL="432000" indent="-324000">
+              <a:t>LAB-2 — Профилирование приложения с точки зрения CPU/Memory usage</a:t>
+            </a:r>
+            <a:endParaRPr b="0" lang="ru-RU" sz="3200" spc="-1" strike="noStrike">
+              <a:latin typeface="Arial"/>
+            </a:endParaRPr>
+          </a:p>
+          <a:p>
+            <a:pPr marL="432000" indent="-323640">
+              <a:lnSpc>
+                <a:spcPct val="100000"/>
+              </a:lnSpc>
               <a:spcAft>
                 <a:spcPts val="1409"/>
               </a:spcAft>
               <a:buClr>
                 <a:srgbClr val="04617b"/>
               </a:buClr>
-              <a:buSzPct val="45000"/>
               <a:buFont typeface="Wingdings" charset="2"/>
-              <a:buChar char=""/>
+              <a:buAutoNum type="arabicParenR"/>
             </a:pPr>
             <a:r>
               <a:rPr b="0" lang="ru-RU" sz="3200" spc="-1" strike="noStrike">
                 <a:latin typeface="Source Sans Pro"/>
               </a:rPr>
-              <a:t>LAB-2 — Развертывание проекта в Azure с помощью Azure DevOps (автоматически)</a:t>
-            </a:r>
-            <a:endParaRPr b="0" lang="ru-RU" sz="3200" spc="-1" strike="noStrike">
-              <a:latin typeface="Source Sans Pro"/>
-            </a:endParaRPr>
-          </a:p>
-          <a:p>
-            <a:pPr marL="432000" indent="-324000">
+              <a:t> </a:t>
+            </a:r>
+            <a:r>
+              <a:rPr b="0" lang="ru-RU" sz="3200" spc="-1" strike="noStrike">
+                <a:latin typeface="Source Sans Pro"/>
+              </a:rPr>
+              <a:t>Docker</a:t>
+            </a:r>
+            <a:endParaRPr b="0" lang="ru-RU" sz="3200" spc="-1" strike="noStrike">
+              <a:latin typeface="Arial"/>
+            </a:endParaRPr>
+          </a:p>
+          <a:p>
+            <a:pPr lvl="1" marL="432000" indent="-216000">
+              <a:lnSpc>
+                <a:spcPct val="100000"/>
+              </a:lnSpc>
               <a:spcAft>
                 <a:spcPts val="1409"/>
               </a:spcAft>
               <a:buClr>
-                <a:srgbClr val="04617b"/>
+                <a:srgbClr val="000000"/>
               </a:buClr>
-              <a:buSzPct val="45000"/>
-              <a:buFont typeface="Wingdings" charset="2"/>
-              <a:buChar char=""/>
+              <a:buFont typeface="StarSymbol"/>
+              <a:buAutoNum type="arabicParenR"/>
             </a:pPr>
             <a:r>
               <a:rPr b="0" lang="ru-RU" sz="3200" spc="-1" strike="noStrike">
                 <a:latin typeface="Source Sans Pro"/>
               </a:rPr>
-              <a:t>6. DotNet Core</a:t>
-            </a:r>
-            <a:endParaRPr b="0" lang="ru-RU" sz="3200" spc="-1" strike="noStrike">
-              <a:latin typeface="Source Sans Pro"/>
-            </a:endParaRPr>
-          </a:p>
-          <a:p>
-            <a:pPr marL="432000" indent="-324000">
-              <a:spcAft>
-                <a:spcPts val="1409"/>
-              </a:spcAft>
-              <a:buClr>
-                <a:srgbClr val="04617b"/>
-              </a:buClr>
-              <a:buSzPct val="45000"/>
-              <a:buFont typeface="Wingdings" charset="2"/>
-              <a:buChar char=""/>
+              <a:t>LAB-3 — Развертывание приложения ASP.NET в Docker</a:t>
+            </a:r>
+            <a:endParaRPr b="0" lang="ru-RU" sz="3200" spc="-1" strike="noStrike">
+              <a:latin typeface="Arial"/>
+            </a:endParaRPr>
+          </a:p>
+        </p:txBody>
+      </p:sp>
+      <p:sp>
+        <p:nvSpPr>
+          <p:cNvPr id="117" name="CustomShape 2"/>
+          <p:cNvSpPr/>
+          <p:nvPr/>
+        </p:nvSpPr>
+        <p:spPr>
+          <a:xfrm>
+            <a:off x="599040" y="121320"/>
+            <a:ext cx="10798200" cy="1261800"/>
+          </a:xfrm>
+          <a:prstGeom prst="rect">
+            <a:avLst/>
+          </a:prstGeom>
+          <a:noFill/>
+          <a:ln>
+            <a:noFill/>
+          </a:ln>
+        </p:spPr>
+        <p:style>
+          <a:lnRef idx="0"/>
+          <a:fillRef idx="0"/>
+          <a:effectRef idx="0"/>
+          <a:fontRef idx="minor"/>
+        </p:style>
+        <p:txBody>
+          <a:bodyPr lIns="0" rIns="0" tIns="0" bIns="0" anchor="b">
+            <a:normAutofit/>
+          </a:bodyPr>
+          <a:p>
+            <a:pPr>
+              <a:lnSpc>
+                <a:spcPct val="100000"/>
+              </a:lnSpc>
             </a:pPr>
             <a:r>
-              <a:rPr b="0" lang="ru-RU" sz="3200" spc="-1" strike="noStrike">
-                <a:latin typeface="Source Sans Pro"/>
-              </a:rPr>
-              <a:t>LAB-3 — Развертывание простого .NET Core приложения в Azure с помощью Azure DevOps</a:t>
-            </a:r>
-            <a:endParaRPr b="0" lang="ru-RU" sz="3200" spc="-1" strike="noStrike">
-              <a:latin typeface="Source Sans Pro"/>
+              <a:rPr b="0" lang="ru-RU" sz="6000" spc="-1" strike="noStrike">
+                <a:solidFill>
+                  <a:srgbClr val="ffffff"/>
+                </a:solidFill>
+                <a:latin typeface="Source Sans Pro Light"/>
+              </a:rPr>
+              <a:t>План курса</a:t>
+            </a:r>
+            <a:endParaRPr b="0" lang="ru-RU" sz="6000" spc="-1" strike="noStrike">
+              <a:latin typeface="Arial"/>
             </a:endParaRPr>
           </a:p>
         </p:txBody>
       </p:sp>
     </p:spTree>
   </p:cSld>
-  <p:timing>
-    <p:tnLst>
-      <p:par>
-        <p:cTn id="3" dur="indefinite" restart="never" nodeType="tmRoot">
-          <p:childTnLst>
-            <p:seq>
-              <p:cTn id="4" dur="indefinite" nodeType="mainSeq"/>
-              <p:prevCondLst>
-                <p:cond delay="0" evt="onPrev">
-                  <p:tgtEl>
-                    <p:sldTgt/>
-                  </p:tgtEl>
-                </p:cond>
-              </p:prevCondLst>
-              <p:nextCondLst>
-                <p:cond delay="0" evt="onNext">
-                  <p:tgtEl>
-                    <p:sldTgt/>
-                  </p:tgtEl>
-                </p:cond>
-              </p:nextCondLst>
-            </p:seq>
-          </p:childTnLst>
-        </p:cTn>
-      </p:par>
-    </p:tnLst>
-  </p:timing>
+  <mc:AlternateContent>
+    <mc:Choice Requires="p14">
+      <p:transition spd="slow" p14:dur="2000"/>
+    </mc:Choice>
+    <mc:Fallback>
+      <p:transition spd="slow"/>
+    </mc:Fallback>
+  </mc:AlternateContent>
 </p:sld>
 </file>
 
@@ -5881,14 +5420,14 @@
       </p:grpSpPr>
       <p:sp>
         <p:nvSpPr>
-          <p:cNvPr id="127" name="TextShape 1"/>
-          <p:cNvSpPr txBox="1"/>
+          <p:cNvPr id="118" name="CustomShape 1"/>
+          <p:cNvSpPr/>
           <p:nvPr/>
         </p:nvSpPr>
         <p:spPr>
           <a:xfrm>
             <a:off x="599040" y="121320"/>
-            <a:ext cx="10798560" cy="1262160"/>
+            <a:ext cx="10798200" cy="1261800"/>
           </a:xfrm>
           <a:prstGeom prst="rect">
             <a:avLst/>
@@ -5898,11 +5437,22 @@
             <a:noFill/>
           </a:ln>
         </p:spPr>
+        <p:style>
+          <a:lnRef idx="0"/>
+          <a:fillRef idx="0"/>
+          <a:effectRef idx="0"/>
+          <a:fontRef idx="minor"/>
+        </p:style>
         <p:txBody>
           <a:bodyPr lIns="0" rIns="0" tIns="0" bIns="0" anchor="b">
             <a:normAutofit/>
           </a:bodyPr>
           <a:p>
+            <a:pPr>
+              <a:lnSpc>
+                <a:spcPct val="100000"/>
+              </a:lnSpc>
+            </a:pPr>
             <a:r>
               <a:rPr b="0" lang="ru-RU" sz="6000" spc="-1" strike="noStrike">
                 <a:solidFill>
@@ -5910,27 +5460,24 @@
                 </a:solidFill>
                 <a:latin typeface="Source Sans Pro Light"/>
               </a:rPr>
-              <a:t>Visual Studio. Лицензии</a:t>
+              <a:t>DotNet Core &amp; DotNet 5</a:t>
             </a:r>
             <a:endParaRPr b="0" lang="ru-RU" sz="6000" spc="-1" strike="noStrike">
-              <a:solidFill>
-                <a:srgbClr val="ffffff"/>
-              </a:solidFill>
-              <a:latin typeface="Source Sans Pro Light"/>
-            </a:endParaRPr>
-          </a:p>
-        </p:txBody>
-      </p:sp>
-      <p:sp>
-        <p:nvSpPr>
-          <p:cNvPr id="128" name="TextShape 2"/>
-          <p:cNvSpPr txBox="1"/>
+              <a:latin typeface="Arial"/>
+            </a:endParaRPr>
+          </a:p>
+        </p:txBody>
+      </p:sp>
+      <p:sp>
+        <p:nvSpPr>
+          <p:cNvPr id="119" name="CustomShape 2"/>
+          <p:cNvSpPr/>
           <p:nvPr/>
         </p:nvSpPr>
         <p:spPr>
           <a:xfrm>
             <a:off x="599040" y="1911240"/>
-            <a:ext cx="10739520" cy="4663440"/>
+            <a:ext cx="10739160" cy="4663080"/>
           </a:xfrm>
           <a:prstGeom prst="rect">
             <a:avLst/>
@@ -5940,12 +5487,21 @@
             <a:noFill/>
           </a:ln>
         </p:spPr>
-        <p:txBody>
-          <a:bodyPr lIns="0" rIns="0" tIns="0" bIns="0">
-            <a:normAutofit/>
-          </a:bodyPr>
-          <a:p>
-            <a:pPr marL="432000" indent="-324000">
+        <p:style>
+          <a:lnRef idx="0"/>
+          <a:fillRef idx="0"/>
+          <a:effectRef idx="0"/>
+          <a:fontRef idx="minor"/>
+        </p:style>
+        <p:txBody>
+          <a:bodyPr lIns="0" rIns="0" tIns="0" bIns="0">
+            <a:normAutofit fontScale="70000"/>
+          </a:bodyPr>
+          <a:p>
+            <a:pPr marL="432000" indent="-323640">
+              <a:lnSpc>
+                <a:spcPct val="100000"/>
+              </a:lnSpc>
               <a:spcAft>
                 <a:spcPts val="1409"/>
               </a:spcAft>
@@ -5960,14 +5516,17 @@
               <a:rPr b="0" lang="ru-RU" sz="3200" spc="-1" strike="noStrike">
                 <a:latin typeface="Source Sans Pro"/>
               </a:rPr>
-              <a:t>Актуальная версия: 2017</a:t>
-            </a:r>
-            <a:endParaRPr b="0" lang="ru-RU" sz="3200" spc="-1" strike="noStrike">
-              <a:latin typeface="Source Sans Pro"/>
-            </a:endParaRPr>
-          </a:p>
-          <a:p>
-            <a:pPr marL="432000" indent="-324000">
+              <a:t>DotNet Core живет параллельно с .NET Framework/Mono</a:t>
+            </a:r>
+            <a:endParaRPr b="0" lang="ru-RU" sz="3200" spc="-1" strike="noStrike">
+              <a:latin typeface="Arial"/>
+            </a:endParaRPr>
+          </a:p>
+          <a:p>
+            <a:pPr marL="432000" indent="-323640">
+              <a:lnSpc>
+                <a:spcPct val="100000"/>
+              </a:lnSpc>
               <a:spcAft>
                 <a:spcPts val="1409"/>
               </a:spcAft>
@@ -5982,14 +5541,17 @@
               <a:rPr b="0" lang="ru-RU" sz="3200" spc="-1" strike="noStrike">
                 <a:latin typeface="Source Sans Pro"/>
               </a:rPr>
-              <a:t>Community Edition — OpenSource, учебные, научные проекты. Не для использования в промышленной разработке.</a:t>
-            </a:r>
-            <a:endParaRPr b="0" lang="ru-RU" sz="3200" spc="-1" strike="noStrike">
-              <a:latin typeface="Source Sans Pro"/>
-            </a:endParaRPr>
-          </a:p>
-          <a:p>
-            <a:pPr marL="432000" indent="-324000">
+              <a:t>DotNet 5 заменяет .NET Framework</a:t>
+            </a:r>
+            <a:endParaRPr b="0" lang="ru-RU" sz="3200" spc="-1" strike="noStrike">
+              <a:latin typeface="Arial"/>
+            </a:endParaRPr>
+          </a:p>
+          <a:p>
+            <a:pPr marL="432000" indent="-323640">
+              <a:lnSpc>
+                <a:spcPct val="100000"/>
+              </a:lnSpc>
               <a:spcAft>
                 <a:spcPts val="1409"/>
               </a:spcAft>
@@ -6004,14 +5566,17 @@
               <a:rPr b="0" lang="ru-RU" sz="3200" spc="-1" strike="noStrike">
                 <a:latin typeface="Source Sans Pro"/>
               </a:rPr>
-              <a:t>Professional Edition — основная версия для разработки, включает CodeLens.</a:t>
-            </a:r>
-            <a:endParaRPr b="0" lang="ru-RU" sz="3200" spc="-1" strike="noStrike">
-              <a:latin typeface="Source Sans Pro"/>
-            </a:endParaRPr>
-          </a:p>
-          <a:p>
-            <a:pPr marL="432000" indent="-324000">
+              <a:t>Последняя версия .NET Framework: 4.8</a:t>
+            </a:r>
+            <a:endParaRPr b="0" lang="ru-RU" sz="3200" spc="-1" strike="noStrike">
+              <a:latin typeface="Arial"/>
+            </a:endParaRPr>
+          </a:p>
+          <a:p>
+            <a:pPr marL="432000" indent="-323640">
+              <a:lnSpc>
+                <a:spcPct val="100000"/>
+              </a:lnSpc>
               <a:spcAft>
                 <a:spcPts val="1409"/>
               </a:spcAft>
@@ -6026,14 +5591,17 @@
               <a:rPr b="0" lang="ru-RU" sz="3200" spc="-1" strike="noStrike">
                 <a:latin typeface="Source Sans Pro"/>
               </a:rPr>
-              <a:t>Enterprise Edition — версия с дополнительными возможностями, для архитекторов, руководителей групп разработки. Встроенные средства для тестирования. Xamarin Inspector/Profiler</a:t>
-            </a:r>
-            <a:endParaRPr b="0" lang="ru-RU" sz="3200" spc="-1" strike="noStrike">
-              <a:latin typeface="Source Sans Pro"/>
-            </a:endParaRPr>
-          </a:p>
-          <a:p>
-            <a:pPr marL="432000" indent="-324000">
+              <a:t>Актуальные поддерживаемые версии: 2.1 и 3.1</a:t>
+            </a:r>
+            <a:endParaRPr b="0" lang="ru-RU" sz="3200" spc="-1" strike="noStrike">
+              <a:latin typeface="Arial"/>
+            </a:endParaRPr>
+          </a:p>
+          <a:p>
+            <a:pPr marL="432000" indent="-323640">
+              <a:lnSpc>
+                <a:spcPct val="100000"/>
+              </a:lnSpc>
               <a:spcAft>
                 <a:spcPts val="1409"/>
               </a:spcAft>
@@ -6044,12 +5612,21 @@
               <a:buFont typeface="Wingdings" charset="2"/>
               <a:buChar char=""/>
             </a:pPr>
-            <a:endParaRPr b="0" lang="ru-RU" sz="3200" spc="-1" strike="noStrike">
-              <a:latin typeface="Source Sans Pro"/>
-            </a:endParaRPr>
-          </a:p>
-          <a:p>
-            <a:pPr marL="432000" indent="-324000">
+            <a:r>
+              <a:rPr b="0" lang="ru-RU" sz="3200" spc="-1" strike="noStrike">
+                <a:latin typeface="Source Sans Pro"/>
+              </a:rPr>
+              <a:t>Кроссплатформенность</a:t>
+            </a:r>
+            <a:endParaRPr b="0" lang="ru-RU" sz="3200" spc="-1" strike="noStrike">
+              <a:latin typeface="Arial"/>
+            </a:endParaRPr>
+          </a:p>
+          <a:p>
+            <a:pPr marL="432000" indent="-323640">
+              <a:lnSpc>
+                <a:spcPct val="100000"/>
+              </a:lnSpc>
               <a:spcAft>
                 <a:spcPts val="1409"/>
               </a:spcAft>
@@ -6063,45 +5640,75 @@
             <a:r>
               <a:rPr b="0" lang="ru-RU" sz="3200" spc="-1" strike="noStrike">
                 <a:latin typeface="Source Sans Pro"/>
-                <a:hlinkClick r:id="rId2"/>
-              </a:rPr>
-              <a:t>https://visualstudio.microsoft.com/vs/compare/</a:t>
-            </a:r>
-            <a:endParaRPr b="0" lang="ru-RU" sz="3200" spc="-1" strike="noStrike">
-              <a:latin typeface="Source Sans Pro"/>
+              </a:rPr>
+              <a:t>netstandart — не будет поддерживаться, остается одна платформа DotNet 5</a:t>
+            </a:r>
+            <a:endParaRPr b="0" lang="ru-RU" sz="3200" spc="-1" strike="noStrike">
+              <a:latin typeface="Arial"/>
+            </a:endParaRPr>
+          </a:p>
+          <a:p>
+            <a:pPr marL="432000" indent="-323640">
+              <a:lnSpc>
+                <a:spcPct val="100000"/>
+              </a:lnSpc>
+              <a:spcAft>
+                <a:spcPts val="1409"/>
+              </a:spcAft>
+              <a:buClr>
+                <a:srgbClr val="04617b"/>
+              </a:buClr>
+              <a:buSzPct val="45000"/>
+              <a:buFont typeface="Wingdings" charset="2"/>
+              <a:buChar char=""/>
+            </a:pPr>
+            <a:r>
+              <a:rPr b="0" lang="ru-RU" sz="3200" spc="-1" strike="noStrike">
+                <a:latin typeface="Source Sans Pro"/>
+              </a:rPr>
+              <a:t>OpenSource</a:t>
+            </a:r>
+            <a:endParaRPr b="0" lang="ru-RU" sz="3200" spc="-1" strike="noStrike">
+              <a:latin typeface="Arial"/>
+            </a:endParaRPr>
+          </a:p>
+          <a:p>
+            <a:pPr marL="432000" indent="-323640">
+              <a:lnSpc>
+                <a:spcPct val="100000"/>
+              </a:lnSpc>
+              <a:spcAft>
+                <a:spcPts val="1409"/>
+              </a:spcAft>
+              <a:buClr>
+                <a:srgbClr val="04617b"/>
+              </a:buClr>
+              <a:buSzPct val="45000"/>
+              <a:buFont typeface="Wingdings" charset="2"/>
+              <a:buChar char=""/>
+            </a:pPr>
+            <a:r>
+              <a:rPr b="0" lang="ru-RU" sz="3200" spc="-1" strike="noStrike">
+                <a:latin typeface="Source Sans Pro"/>
+              </a:rPr>
+              <a:t>Многочисленные оптимизации от сообщества</a:t>
+            </a:r>
+            <a:endParaRPr b="0" lang="ru-RU" sz="3200" spc="-1" strike="noStrike">
+              <a:latin typeface="Arial"/>
             </a:endParaRPr>
           </a:p>
         </p:txBody>
       </p:sp>
     </p:spTree>
   </p:cSld>
-  <p:timing>
-    <p:tnLst>
-      <p:par>
-        <p:cTn id="5" dur="indefinite" restart="never" nodeType="tmRoot">
-          <p:childTnLst>
-            <p:seq>
-              <p:cTn id="6" dur="indefinite" nodeType="mainSeq"/>
-              <p:prevCondLst>
-                <p:cond delay="0" evt="onPrev">
-                  <p:tgtEl>
-                    <p:sldTgt/>
-                  </p:tgtEl>
-                </p:cond>
-              </p:prevCondLst>
-              <p:nextCondLst>
-                <p:cond delay="0" evt="onNext">
-                  <p:tgtEl>
-                    <p:sldTgt/>
-                  </p:tgtEl>
-                </p:cond>
-              </p:nextCondLst>
-            </p:seq>
-          </p:childTnLst>
-        </p:cTn>
-      </p:par>
-    </p:tnLst>
-  </p:timing>
+  <mc:AlternateContent>
+    <mc:Choice Requires="p14">
+      <p:transition spd="slow" p14:dur="2000"/>
+    </mc:Choice>
+    <mc:Fallback>
+      <p:transition spd="slow"/>
+    </mc:Fallback>
+  </mc:AlternateContent>
 </p:sld>
 </file>
 
@@ -6134,14 +5741,14 @@
       </p:grpSpPr>
       <p:sp>
         <p:nvSpPr>
-          <p:cNvPr id="129" name="TextShape 1"/>
-          <p:cNvSpPr txBox="1"/>
+          <p:cNvPr id="120" name="CustomShape 1"/>
+          <p:cNvSpPr/>
           <p:nvPr/>
         </p:nvSpPr>
         <p:spPr>
           <a:xfrm>
             <a:off x="599040" y="121320"/>
-            <a:ext cx="10798560" cy="1262160"/>
+            <a:ext cx="10798200" cy="1261800"/>
           </a:xfrm>
           <a:prstGeom prst="rect">
             <a:avLst/>
@@ -6151,11 +5758,22 @@
             <a:noFill/>
           </a:ln>
         </p:spPr>
+        <p:style>
+          <a:lnRef idx="0"/>
+          <a:fillRef idx="0"/>
+          <a:effectRef idx="0"/>
+          <a:fontRef idx="minor"/>
+        </p:style>
         <p:txBody>
           <a:bodyPr lIns="0" rIns="0" tIns="0" bIns="0" anchor="b">
             <a:normAutofit/>
           </a:bodyPr>
           <a:p>
+            <a:pPr>
+              <a:lnSpc>
+                <a:spcPct val="100000"/>
+              </a:lnSpc>
+            </a:pPr>
             <a:r>
               <a:rPr b="0" lang="ru-RU" sz="6000" spc="-1" strike="noStrike">
                 <a:solidFill>
@@ -6163,27 +5781,24 @@
                 </a:solidFill>
                 <a:latin typeface="Source Sans Pro Light"/>
               </a:rPr>
-              <a:t>Visual Studio. Расширения</a:t>
+              <a:t>Visual Studio. Лицензии</a:t>
             </a:r>
             <a:endParaRPr b="0" lang="ru-RU" sz="6000" spc="-1" strike="noStrike">
-              <a:solidFill>
-                <a:srgbClr val="ffffff"/>
-              </a:solidFill>
-              <a:latin typeface="Source Sans Pro Light"/>
-            </a:endParaRPr>
-          </a:p>
-        </p:txBody>
-      </p:sp>
-      <p:sp>
-        <p:nvSpPr>
-          <p:cNvPr id="130" name="TextShape 2"/>
-          <p:cNvSpPr txBox="1"/>
+              <a:latin typeface="Arial"/>
+            </a:endParaRPr>
+          </a:p>
+        </p:txBody>
+      </p:sp>
+      <p:sp>
+        <p:nvSpPr>
+          <p:cNvPr id="121" name="CustomShape 2"/>
+          <p:cNvSpPr/>
           <p:nvPr/>
         </p:nvSpPr>
         <p:spPr>
           <a:xfrm>
             <a:off x="599040" y="1911240"/>
-            <a:ext cx="10739520" cy="4663440"/>
+            <a:ext cx="10739160" cy="4663080"/>
           </a:xfrm>
           <a:prstGeom prst="rect">
             <a:avLst/>
@@ -6193,12 +5808,21 @@
             <a:noFill/>
           </a:ln>
         </p:spPr>
-        <p:txBody>
-          <a:bodyPr lIns="0" rIns="0" tIns="0" bIns="0">
-            <a:normAutofit/>
-          </a:bodyPr>
-          <a:p>
-            <a:pPr marL="432000" indent="-324000">
+        <p:style>
+          <a:lnRef idx="0"/>
+          <a:fillRef idx="0"/>
+          <a:effectRef idx="0"/>
+          <a:fontRef idx="minor"/>
+        </p:style>
+        <p:txBody>
+          <a:bodyPr lIns="0" rIns="0" tIns="0" bIns="0">
+            <a:normAutofit fontScale="52000"/>
+          </a:bodyPr>
+          <a:p>
+            <a:pPr marL="432000" indent="-323640">
+              <a:lnSpc>
+                <a:spcPct val="100000"/>
+              </a:lnSpc>
               <a:spcAft>
                 <a:spcPts val="1409"/>
               </a:spcAft>
@@ -6213,34 +5837,17 @@
               <a:rPr b="0" lang="ru-RU" sz="3200" spc="-1" strike="noStrike">
                 <a:latin typeface="Source Sans Pro"/>
               </a:rPr>
-              <a:t>ReSharper — студенческая лицензия. </a:t>
-            </a:r>
-            <a:r>
-              <a:rPr b="0" lang="ru-RU" sz="3200" spc="-1" strike="noStrike">
-                <a:latin typeface="Source Sans Pro"/>
-                <a:hlinkClick r:id="rId2"/>
-              </a:rPr>
-              <a:t>https://www.jetbrains.com/resharper/download/</a:t>
-            </a:r>
-            <a:r>
-              <a:rPr b="0" lang="ru-RU" sz="3200" spc="-1" strike="noStrike">
-                <a:latin typeface="Source Sans Pro"/>
-              </a:rPr>
-              <a:t> и </a:t>
-            </a:r>
-            <a:r>
-              <a:rPr b="0" lang="ru-RU" sz="3200" spc="-1" strike="noStrike">
-                <a:latin typeface="Source Sans Pro"/>
-                <a:hlinkClick r:id="rId3"/>
-              </a:rPr>
-              <a:t>https://www.jetbrains.com/student/</a:t>
-            </a:r>
-            <a:endParaRPr b="0" lang="ru-RU" sz="3200" spc="-1" strike="noStrike">
-              <a:latin typeface="Source Sans Pro"/>
-            </a:endParaRPr>
-          </a:p>
-          <a:p>
-            <a:pPr marL="432000" indent="-324000">
+              <a:t>Актуальная версия: 2019</a:t>
+            </a:r>
+            <a:endParaRPr b="0" lang="ru-RU" sz="3200" spc="-1" strike="noStrike">
+              <a:latin typeface="Arial"/>
+            </a:endParaRPr>
+          </a:p>
+          <a:p>
+            <a:pPr marL="432000" indent="-323640">
+              <a:lnSpc>
+                <a:spcPct val="100000"/>
+              </a:lnSpc>
               <a:spcAft>
                 <a:spcPts val="1409"/>
               </a:spcAft>
@@ -6255,50 +5862,117 @@
               <a:rPr b="0" lang="ru-RU" sz="3200" spc="-1" strike="noStrike">
                 <a:latin typeface="Source Sans Pro"/>
               </a:rPr>
-              <a:t>Productivity Power Tools — набор улучшения для Visual Studio.</a:t>
-            </a:r>
+              <a:t>Community Edition — OpenSource, учебные, научные проекты. Не для использования в промышленной разработке.</a:t>
+            </a:r>
+            <a:endParaRPr b="0" lang="ru-RU" sz="3200" spc="-1" strike="noStrike">
+              <a:latin typeface="Arial"/>
+            </a:endParaRPr>
+          </a:p>
+          <a:p>
+            <a:pPr marL="432000" indent="-323640">
+              <a:lnSpc>
+                <a:spcPct val="100000"/>
+              </a:lnSpc>
+              <a:spcAft>
+                <a:spcPts val="1409"/>
+              </a:spcAft>
+              <a:buClr>
+                <a:srgbClr val="04617b"/>
+              </a:buClr>
+              <a:buSzPct val="45000"/>
+              <a:buFont typeface="Wingdings" charset="2"/>
+              <a:buChar char=""/>
+            </a:pPr>
             <a:r>
               <a:rPr b="0" lang="ru-RU" sz="3200" spc="-1" strike="noStrike">
                 <a:latin typeface="Source Sans Pro"/>
-                <a:hlinkClick r:id="rId4"/>
-              </a:rPr>
-              <a:t>https://marketplace.visualstudio.com/items?itemName=VisualStudioProductTeam.ProductivityPowerPack2017</a:t>
-            </a:r>
-            <a:endParaRPr b="0" lang="ru-RU" sz="3200" spc="-1" strike="noStrike">
-              <a:latin typeface="Source Sans Pro"/>
+              </a:rPr>
+              <a:t>Professional Edition — основная версия для разработки, включает CodeLens.</a:t>
+            </a:r>
+            <a:endParaRPr b="0" lang="ru-RU" sz="3200" spc="-1" strike="noStrike">
+              <a:latin typeface="Arial"/>
+            </a:endParaRPr>
+          </a:p>
+          <a:p>
+            <a:pPr marL="432000" indent="-323640">
+              <a:lnSpc>
+                <a:spcPct val="100000"/>
+              </a:lnSpc>
+              <a:spcAft>
+                <a:spcPts val="1409"/>
+              </a:spcAft>
+              <a:buClr>
+                <a:srgbClr val="04617b"/>
+              </a:buClr>
+              <a:buSzPct val="45000"/>
+              <a:buFont typeface="Wingdings" charset="2"/>
+              <a:buChar char=""/>
+            </a:pPr>
+            <a:r>
+              <a:rPr b="0" lang="ru-RU" sz="3200" spc="-1" strike="noStrike">
+                <a:latin typeface="Source Sans Pro"/>
+              </a:rPr>
+              <a:t>Enterprise Edition — версия с дополнительными возможностями, для архитекторов, руководителей групп разработки. Встроенные средства для тестирования. Xamarin Inspector/Profiler</a:t>
+            </a:r>
+            <a:endParaRPr b="0" lang="ru-RU" sz="3200" spc="-1" strike="noStrike">
+              <a:latin typeface="Arial"/>
+            </a:endParaRPr>
+          </a:p>
+          <a:p>
+            <a:pPr>
+              <a:lnSpc>
+                <a:spcPct val="100000"/>
+              </a:lnSpc>
+              <a:spcAft>
+                <a:spcPts val="1409"/>
+              </a:spcAft>
+            </a:pPr>
+            <a:endParaRPr b="0" lang="ru-RU" sz="3200" spc="-1" strike="noStrike">
+              <a:latin typeface="Arial"/>
+            </a:endParaRPr>
+          </a:p>
+          <a:p>
+            <a:pPr marL="432000" indent="-323640">
+              <a:lnSpc>
+                <a:spcPct val="100000"/>
+              </a:lnSpc>
+              <a:spcAft>
+                <a:spcPts val="1409"/>
+              </a:spcAft>
+              <a:buClr>
+                <a:srgbClr val="04617b"/>
+              </a:buClr>
+              <a:buSzPct val="45000"/>
+              <a:buFont typeface="Wingdings" charset="2"/>
+              <a:buChar char=""/>
+            </a:pPr>
+            <a:r>
+              <a:rPr b="0" lang="ru-RU" sz="3200" spc="-1" strike="noStrike" u="sng">
+                <a:solidFill>
+                  <a:srgbClr val="0000ff"/>
+                </a:solidFill>
+                <a:uFillTx/>
+                <a:latin typeface="Source Sans Pro"/>
+                <a:hlinkClick r:id="rId2"/>
+              </a:rPr>
+              <a:t>https://visualstudio.microsoft.com/vs/compare/</a:t>
+            </a:r>
+            <a:endParaRPr b="0" lang="ru-RU" sz="3200" spc="-1" strike="noStrike">
+              <a:latin typeface="Arial"/>
             </a:endParaRPr>
           </a:p>
         </p:txBody>
       </p:sp>
     </p:spTree>
   </p:cSld>
-  <p:timing>
-    <p:tnLst>
-      <p:par>
-        <p:cTn id="7" dur="indefinite" restart="never" nodeType="tmRoot">
-          <p:childTnLst>
-            <p:seq>
-              <p:cTn id="8" dur="indefinite" nodeType="mainSeq"/>
-              <p:prevCondLst>
-                <p:cond delay="0" evt="onPrev">
-                  <p:tgtEl>
-                    <p:sldTgt/>
-                  </p:tgtEl>
-                </p:cond>
-              </p:prevCondLst>
-              <p:nextCondLst>
-                <p:cond delay="0" evt="onNext">
-                  <p:tgtEl>
-                    <p:sldTgt/>
-                  </p:tgtEl>
-                </p:cond>
-              </p:nextCondLst>
-            </p:seq>
-          </p:childTnLst>
-        </p:cTn>
-      </p:par>
-    </p:tnLst>
-  </p:timing>
+  <mc:AlternateContent>
+    <mc:Choice Requires="p14">
+      <p:transition spd="slow" p14:dur="2000"/>
+    </mc:Choice>
+    <mc:Fallback>
+      <p:transition spd="slow"/>
+    </mc:Fallback>
+  </mc:AlternateContent>
 </p:sld>
 </file>
 
@@ -6331,14 +6005,14 @@
       </p:grpSpPr>
       <p:sp>
         <p:nvSpPr>
-          <p:cNvPr id="131" name="TextShape 1"/>
-          <p:cNvSpPr txBox="1"/>
+          <p:cNvPr id="122" name="CustomShape 1"/>
+          <p:cNvSpPr/>
           <p:nvPr/>
         </p:nvSpPr>
         <p:spPr>
           <a:xfrm>
             <a:off x="599040" y="121320"/>
-            <a:ext cx="10798560" cy="1262160"/>
+            <a:ext cx="10798200" cy="1261800"/>
           </a:xfrm>
           <a:prstGeom prst="rect">
             <a:avLst/>
@@ -6348,11 +6022,22 @@
             <a:noFill/>
           </a:ln>
         </p:spPr>
+        <p:style>
+          <a:lnRef idx="0"/>
+          <a:fillRef idx="0"/>
+          <a:effectRef idx="0"/>
+          <a:fontRef idx="minor"/>
+        </p:style>
         <p:txBody>
           <a:bodyPr lIns="0" rIns="0" tIns="0" bIns="0" anchor="b">
             <a:normAutofit/>
           </a:bodyPr>
           <a:p>
+            <a:pPr>
+              <a:lnSpc>
+                <a:spcPct val="100000"/>
+              </a:lnSpc>
+            </a:pPr>
             <a:r>
               <a:rPr b="0" lang="ru-RU" sz="6000" spc="-1" strike="noStrike">
                 <a:solidFill>
@@ -6360,27 +6045,24 @@
                 </a:solidFill>
                 <a:latin typeface="Source Sans Pro Light"/>
               </a:rPr>
-              <a:t>Visual Studio. Пакетные менеджеры</a:t>
+              <a:t>Visual Studio. Расширения</a:t>
             </a:r>
             <a:endParaRPr b="0" lang="ru-RU" sz="6000" spc="-1" strike="noStrike">
-              <a:solidFill>
-                <a:srgbClr val="ffffff"/>
-              </a:solidFill>
-              <a:latin typeface="Source Sans Pro Light"/>
-            </a:endParaRPr>
-          </a:p>
-        </p:txBody>
-      </p:sp>
-      <p:sp>
-        <p:nvSpPr>
-          <p:cNvPr id="132" name="TextShape 2"/>
-          <p:cNvSpPr txBox="1"/>
+              <a:latin typeface="Arial"/>
+            </a:endParaRPr>
+          </a:p>
+        </p:txBody>
+      </p:sp>
+      <p:sp>
+        <p:nvSpPr>
+          <p:cNvPr id="123" name="CustomShape 2"/>
+          <p:cNvSpPr/>
           <p:nvPr/>
         </p:nvSpPr>
         <p:spPr>
           <a:xfrm>
             <a:off x="599040" y="1911240"/>
-            <a:ext cx="10739520" cy="4663440"/>
+            <a:ext cx="10739160" cy="4663080"/>
           </a:xfrm>
           <a:prstGeom prst="rect">
             <a:avLst/>
@@ -6390,12 +6072,21 @@
             <a:noFill/>
           </a:ln>
         </p:spPr>
-        <p:txBody>
-          <a:bodyPr lIns="0" rIns="0" tIns="0" bIns="0">
-            <a:normAutofit/>
-          </a:bodyPr>
-          <a:p>
-            <a:pPr marL="432000" indent="-324000">
+        <p:style>
+          <a:lnRef idx="0"/>
+          <a:fillRef idx="0"/>
+          <a:effectRef idx="0"/>
+          <a:fontRef idx="minor"/>
+        </p:style>
+        <p:txBody>
+          <a:bodyPr lIns="0" rIns="0" tIns="0" bIns="0">
+            <a:normAutofit/>
+          </a:bodyPr>
+          <a:p>
+            <a:pPr marL="432000" indent="-323640">
+              <a:lnSpc>
+                <a:spcPct val="100000"/>
+              </a:lnSpc>
               <a:spcAft>
                 <a:spcPts val="1409"/>
               </a:spcAft>
@@ -6410,14 +6101,48 @@
               <a:rPr b="0" lang="ru-RU" sz="3200" spc="-1" strike="noStrike">
                 <a:latin typeface="Source Sans Pro"/>
               </a:rPr>
-              <a:t>NuGet — основное хранилище дополнительных библиотек и утилит для разработки на .NET. Содержит много библиотек для js/ts, но лучше использовать профильные менеджеры</a:t>
-            </a:r>
-            <a:endParaRPr b="0" lang="ru-RU" sz="3200" spc="-1" strike="noStrike">
-              <a:latin typeface="Source Sans Pro"/>
-            </a:endParaRPr>
-          </a:p>
-          <a:p>
-            <a:pPr marL="432000" indent="-324000">
+              <a:t>ReSharper — студенческая лицензия. </a:t>
+            </a:r>
+            <a:r>
+              <a:rPr b="0" lang="ru-RU" sz="3200" spc="-1" strike="noStrike" u="sng">
+                <a:solidFill>
+                  <a:srgbClr val="0000ff"/>
+                </a:solidFill>
+                <a:uFillTx/>
+                <a:latin typeface="Source Sans Pro"/>
+                <a:hlinkClick r:id="rId2"/>
+              </a:rPr>
+              <a:t>https://www.jetbrains.com/resharper/download/</a:t>
+            </a:r>
+            <a:r>
+              <a:rPr b="0" lang="ru-RU" sz="3200" spc="-1" strike="noStrike">
+                <a:solidFill>
+                  <a:srgbClr val="0000ff"/>
+                </a:solidFill>
+                <a:latin typeface="Source Sans Pro"/>
+              </a:rPr>
+              <a:t> и </a:t>
+            </a:r>
+            <a:r>
+              <a:rPr b="0" lang="ru-RU" sz="3200" spc="-1" strike="noStrike" u="sng">
+                <a:solidFill>
+                  <a:srgbClr val="0000ff"/>
+                </a:solidFill>
+                <a:uFillTx/>
+                <a:latin typeface="Source Sans Pro"/>
+                <a:hlinkClick r:id="rId3"/>
+              </a:rPr>
+              <a:t>https://www.jetbrains.com/student/</a:t>
+            </a:r>
+            <a:endParaRPr b="0" lang="ru-RU" sz="3200" spc="-1" strike="noStrike">
+              <a:latin typeface="Arial"/>
+            </a:endParaRPr>
+          </a:p>
+          <a:p>
+            <a:pPr marL="432000" indent="-323640">
+              <a:lnSpc>
+                <a:spcPct val="100000"/>
+              </a:lnSpc>
               <a:spcAft>
                 <a:spcPts val="1409"/>
               </a:spcAft>
@@ -6430,45 +6155,40 @@
             </a:pPr>
             <a:r>
               <a:rPr b="0" lang="ru-RU" sz="3200" spc="-1" strike="noStrike">
+                <a:solidFill>
+                  <a:srgbClr val="0000ff"/>
+                </a:solidFill>
                 <a:latin typeface="Source Sans Pro"/>
               </a:rPr>
-              <a:t>NodeJS Package Manager/Bower — менеджеры пакетов для js/ts, встроенные в Visual Studio. Фактически — просто возможность их использовать напрямую из Visual Studio, встраивать в обычный процесс сборки</a:t>
-            </a:r>
-            <a:endParaRPr b="0" lang="ru-RU" sz="3200" spc="-1" strike="noStrike">
-              <a:latin typeface="Source Sans Pro"/>
+              <a:t>Productivity Power Tools — набор улучшения для Visual Studio.</a:t>
+            </a:r>
+            <a:r>
+              <a:rPr b="0" lang="ru-RU" sz="3200" spc="-1" strike="noStrike" u="sng">
+                <a:solidFill>
+                  <a:srgbClr val="0000ff"/>
+                </a:solidFill>
+                <a:uFillTx/>
+                <a:latin typeface="Source Sans Pro"/>
+                <a:hlinkClick r:id="rId4"/>
+              </a:rPr>
+              <a:t>https://marketplace.visualstudio.com/items?itemName=VisualStudioProductTeam.ProductivityPowerPack2017</a:t>
+            </a:r>
+            <a:endParaRPr b="0" lang="ru-RU" sz="3200" spc="-1" strike="noStrike">
+              <a:latin typeface="Arial"/>
             </a:endParaRPr>
           </a:p>
         </p:txBody>
       </p:sp>
     </p:spTree>
   </p:cSld>
-  <p:timing>
-    <p:tnLst>
-      <p:par>
-        <p:cTn id="9" dur="indefinite" restart="never" nodeType="tmRoot">
-          <p:childTnLst>
-            <p:seq>
-              <p:cTn id="10" dur="indefinite" nodeType="mainSeq"/>
-              <p:prevCondLst>
-                <p:cond delay="0" evt="onPrev">
-                  <p:tgtEl>
-                    <p:sldTgt/>
-                  </p:tgtEl>
-                </p:cond>
-              </p:prevCondLst>
-              <p:nextCondLst>
-                <p:cond delay="0" evt="onNext">
-                  <p:tgtEl>
-                    <p:sldTgt/>
-                  </p:tgtEl>
-                </p:cond>
-              </p:nextCondLst>
-            </p:seq>
-          </p:childTnLst>
-        </p:cTn>
-      </p:par>
-    </p:tnLst>
-  </p:timing>
+  <mc:AlternateContent>
+    <mc:Choice Requires="p14">
+      <p:transition spd="slow" p14:dur="2000"/>
+    </mc:Choice>
+    <mc:Fallback>
+      <p:transition spd="slow"/>
+    </mc:Fallback>
+  </mc:AlternateContent>
 </p:sld>
 </file>
 
@@ -6501,14 +6221,14 @@
       </p:grpSpPr>
       <p:sp>
         <p:nvSpPr>
-          <p:cNvPr id="133" name="TextShape 1"/>
-          <p:cNvSpPr txBox="1"/>
+          <p:cNvPr id="124" name="CustomShape 1"/>
+          <p:cNvSpPr/>
           <p:nvPr/>
         </p:nvSpPr>
         <p:spPr>
           <a:xfrm>
             <a:off x="599040" y="121320"/>
-            <a:ext cx="10798560" cy="1262160"/>
+            <a:ext cx="10798200" cy="1261800"/>
           </a:xfrm>
           <a:prstGeom prst="rect">
             <a:avLst/>
@@ -6518,11 +6238,22 @@
             <a:noFill/>
           </a:ln>
         </p:spPr>
+        <p:style>
+          <a:lnRef idx="0"/>
+          <a:fillRef idx="0"/>
+          <a:effectRef idx="0"/>
+          <a:fontRef idx="minor"/>
+        </p:style>
         <p:txBody>
           <a:bodyPr lIns="0" rIns="0" tIns="0" bIns="0" anchor="b">
             <a:normAutofit/>
           </a:bodyPr>
           <a:p>
+            <a:pPr>
+              <a:lnSpc>
+                <a:spcPct val="100000"/>
+              </a:lnSpc>
+            </a:pPr>
             <a:r>
               <a:rPr b="0" lang="ru-RU" sz="6000" spc="-1" strike="noStrike">
                 <a:solidFill>
@@ -6530,27 +6261,24 @@
                 </a:solidFill>
                 <a:latin typeface="Source Sans Pro Light"/>
               </a:rPr>
-              <a:t>Visual Studio. Пакетные менеджеры</a:t>
+              <a:t>JetBrains Rider</a:t>
             </a:r>
             <a:endParaRPr b="0" lang="ru-RU" sz="6000" spc="-1" strike="noStrike">
-              <a:solidFill>
-                <a:srgbClr val="ffffff"/>
-              </a:solidFill>
-              <a:latin typeface="Source Sans Pro Light"/>
-            </a:endParaRPr>
-          </a:p>
-        </p:txBody>
-      </p:sp>
-      <p:sp>
-        <p:nvSpPr>
-          <p:cNvPr id="134" name="TextShape 2"/>
-          <p:cNvSpPr txBox="1"/>
+              <a:latin typeface="Arial"/>
+            </a:endParaRPr>
+          </a:p>
+        </p:txBody>
+      </p:sp>
+      <p:sp>
+        <p:nvSpPr>
+          <p:cNvPr id="125" name="CustomShape 2"/>
+          <p:cNvSpPr/>
           <p:nvPr/>
         </p:nvSpPr>
         <p:spPr>
           <a:xfrm>
             <a:off x="599040" y="1911240"/>
-            <a:ext cx="10739520" cy="4663440"/>
+            <a:ext cx="10739160" cy="4663080"/>
           </a:xfrm>
           <a:prstGeom prst="rect">
             <a:avLst/>
@@ -6560,12 +6288,21 @@
             <a:noFill/>
           </a:ln>
         </p:spPr>
-        <p:txBody>
-          <a:bodyPr lIns="0" rIns="0" tIns="0" bIns="0">
-            <a:normAutofit/>
-          </a:bodyPr>
-          <a:p>
-            <a:pPr marL="432000" indent="-324000">
+        <p:style>
+          <a:lnRef idx="0"/>
+          <a:fillRef idx="0"/>
+          <a:effectRef idx="0"/>
+          <a:fontRef idx="minor"/>
+        </p:style>
+        <p:txBody>
+          <a:bodyPr lIns="0" rIns="0" tIns="0" bIns="0">
+            <a:normAutofit fontScale="59000"/>
+          </a:bodyPr>
+          <a:p>
+            <a:pPr marL="432000" indent="-323640">
+              <a:lnSpc>
+                <a:spcPct val="100000"/>
+              </a:lnSpc>
               <a:spcAft>
                 <a:spcPts val="1409"/>
               </a:spcAft>
@@ -6580,14 +6317,17 @@
               <a:rPr b="0" lang="ru-RU" sz="3200" spc="-1" strike="noStrike">
                 <a:latin typeface="Source Sans Pro"/>
               </a:rPr>
-              <a:t>NuGet — основное хранилище дополнительных библиотек и утилит для разработки на .NET. Содержит много библиотек для js/ts, но лучше использовать профильные менеджеры</a:t>
-            </a:r>
-            <a:endParaRPr b="0" lang="ru-RU" sz="3200" spc="-1" strike="noStrike">
-              <a:latin typeface="Source Sans Pro"/>
-            </a:endParaRPr>
-          </a:p>
-          <a:p>
-            <a:pPr marL="432000" indent="-324000">
+              <a:t>Основан на IDEA + ReSharper</a:t>
+            </a:r>
+            <a:endParaRPr b="0" lang="ru-RU" sz="3200" spc="-1" strike="noStrike">
+              <a:latin typeface="Arial"/>
+            </a:endParaRPr>
+          </a:p>
+          <a:p>
+            <a:pPr marL="432000" indent="-323640">
+              <a:lnSpc>
+                <a:spcPct val="100000"/>
+              </a:lnSpc>
               <a:spcAft>
                 <a:spcPts val="1409"/>
               </a:spcAft>
@@ -6602,43 +6342,167 @@
               <a:rPr b="0" lang="ru-RU" sz="3200" spc="-1" strike="noStrike">
                 <a:latin typeface="Source Sans Pro"/>
               </a:rPr>
-              <a:t>NodeJS Package Manager/Bower — менеджеры пакетов для js/ts, встроенные в Visual Studio. Фактически — просто возможность их использовать напрямую из Visual Studio, встраивать в обычный процесс сборки</a:t>
-            </a:r>
-            <a:endParaRPr b="0" lang="ru-RU" sz="3200" spc="-1" strike="noStrike">
-              <a:latin typeface="Source Sans Pro"/>
+              <a:t>Часть dotUltimate лицензии</a:t>
+            </a:r>
+            <a:endParaRPr b="0" lang="ru-RU" sz="3200" spc="-1" strike="noStrike">
+              <a:latin typeface="Arial"/>
+            </a:endParaRPr>
+          </a:p>
+          <a:p>
+            <a:pPr marL="432000" indent="-323640">
+              <a:lnSpc>
+                <a:spcPct val="100000"/>
+              </a:lnSpc>
+              <a:spcAft>
+                <a:spcPts val="1409"/>
+              </a:spcAft>
+              <a:buClr>
+                <a:srgbClr val="04617b"/>
+              </a:buClr>
+              <a:buSzPct val="45000"/>
+              <a:buFont typeface="Wingdings" charset="2"/>
+              <a:buChar char=""/>
+            </a:pPr>
+            <a:r>
+              <a:rPr b="0" lang="ru-RU" sz="3200" spc="-1" strike="noStrike">
+                <a:latin typeface="Source Sans Pro"/>
+              </a:rPr>
+              <a:t>Доступен для студентов бесплатно (для использования только в учебном процессе)</a:t>
+            </a:r>
+            <a:endParaRPr b="0" lang="ru-RU" sz="3200" spc="-1" strike="noStrike">
+              <a:latin typeface="Arial"/>
+            </a:endParaRPr>
+          </a:p>
+          <a:p>
+            <a:pPr marL="432000" indent="-323640">
+              <a:lnSpc>
+                <a:spcPct val="100000"/>
+              </a:lnSpc>
+              <a:spcAft>
+                <a:spcPts val="1409"/>
+              </a:spcAft>
+              <a:buClr>
+                <a:srgbClr val="04617b"/>
+              </a:buClr>
+              <a:buSzPct val="45000"/>
+              <a:buFont typeface="Wingdings" charset="2"/>
+              <a:buChar char=""/>
+            </a:pPr>
+            <a:r>
+              <a:rPr b="0" lang="ru-RU" sz="3200" spc="-1" strike="noStrike">
+                <a:latin typeface="Source Sans Pro"/>
+              </a:rPr>
+              <a:t>64bit процесс, лучше обрабатывает большие проекты</a:t>
+            </a:r>
+            <a:endParaRPr b="0" lang="ru-RU" sz="3200" spc="-1" strike="noStrike">
+              <a:latin typeface="Arial"/>
+            </a:endParaRPr>
+          </a:p>
+          <a:p>
+            <a:pPr marL="432000" indent="-323640">
+              <a:lnSpc>
+                <a:spcPct val="100000"/>
+              </a:lnSpc>
+              <a:spcAft>
+                <a:spcPts val="1409"/>
+              </a:spcAft>
+              <a:buClr>
+                <a:srgbClr val="04617b"/>
+              </a:buClr>
+              <a:buSzPct val="45000"/>
+              <a:buFont typeface="Wingdings" charset="2"/>
+              <a:buChar char=""/>
+            </a:pPr>
+            <a:endParaRPr b="0" lang="ru-RU" sz="3200" spc="-1" strike="noStrike">
+              <a:latin typeface="Arial"/>
+            </a:endParaRPr>
+          </a:p>
+          <a:p>
+            <a:pPr marL="432000" indent="-323640">
+              <a:lnSpc>
+                <a:spcPct val="100000"/>
+              </a:lnSpc>
+              <a:spcAft>
+                <a:spcPts val="1409"/>
+              </a:spcAft>
+              <a:buClr>
+                <a:srgbClr val="04617b"/>
+              </a:buClr>
+              <a:buSzPct val="45000"/>
+              <a:buFont typeface="Wingdings" charset="2"/>
+              <a:buChar char=""/>
+            </a:pPr>
+            <a:endParaRPr b="0" lang="ru-RU" sz="3200" spc="-1" strike="noStrike">
+              <a:latin typeface="Arial"/>
+            </a:endParaRPr>
+          </a:p>
+          <a:p>
+            <a:pPr marL="432000" indent="-323640">
+              <a:lnSpc>
+                <a:spcPct val="100000"/>
+              </a:lnSpc>
+              <a:spcAft>
+                <a:spcPts val="1409"/>
+              </a:spcAft>
+              <a:buClr>
+                <a:srgbClr val="04617b"/>
+              </a:buClr>
+              <a:buSzPct val="45000"/>
+              <a:buFont typeface="Wingdings" charset="2"/>
+              <a:buChar char=""/>
+            </a:pPr>
+            <a:endParaRPr b="0" lang="ru-RU" sz="3200" spc="-1" strike="noStrike">
+              <a:latin typeface="Arial"/>
+            </a:endParaRPr>
+          </a:p>
+          <a:p>
+            <a:pPr>
+              <a:lnSpc>
+                <a:spcPct val="100000"/>
+              </a:lnSpc>
+              <a:spcAft>
+                <a:spcPts val="1409"/>
+              </a:spcAft>
+            </a:pPr>
+            <a:endParaRPr b="0" lang="ru-RU" sz="3200" spc="-1" strike="noStrike">
+              <a:latin typeface="Arial"/>
+            </a:endParaRPr>
+          </a:p>
+          <a:p>
+            <a:pPr>
+              <a:lnSpc>
+                <a:spcPct val="100000"/>
+              </a:lnSpc>
+              <a:spcAft>
+                <a:spcPts val="1409"/>
+              </a:spcAft>
+            </a:pPr>
+            <a:r>
+              <a:rPr b="0" lang="ru-RU" sz="3200" spc="-1" strike="noStrike" u="sng">
+                <a:solidFill>
+                  <a:srgbClr val="0000ff"/>
+                </a:solidFill>
+                <a:uFillTx/>
+                <a:latin typeface="Source Sans Pro"/>
+              </a:rPr>
+              <a:t>https://www.jetbrains.com/dotnet/</a:t>
+            </a:r>
+            <a:endParaRPr b="0" lang="ru-RU" sz="3200" spc="-1" strike="noStrike">
+              <a:latin typeface="Arial"/>
             </a:endParaRPr>
           </a:p>
         </p:txBody>
       </p:sp>
     </p:spTree>
   </p:cSld>
-  <p:timing>
-    <p:tnLst>
-      <p:par>
-        <p:cTn id="11" dur="indefinite" restart="never" nodeType="tmRoot">
-          <p:childTnLst>
-            <p:seq>
-              <p:cTn id="12" dur="indefinite" nodeType="mainSeq"/>
-              <p:prevCondLst>
-                <p:cond delay="0" evt="onPrev">
-                  <p:tgtEl>
-                    <p:sldTgt/>
-                  </p:tgtEl>
-                </p:cond>
-              </p:prevCondLst>
-              <p:nextCondLst>
-                <p:cond delay="0" evt="onNext">
-                  <p:tgtEl>
-                    <p:sldTgt/>
-                  </p:tgtEl>
-                </p:cond>
-              </p:nextCondLst>
-            </p:seq>
-          </p:childTnLst>
-        </p:cTn>
-      </p:par>
-    </p:tnLst>
-  </p:timing>
+  <mc:AlternateContent>
+    <mc:Choice Requires="p14">
+      <p:transition spd="slow" p14:dur="2000"/>
+    </mc:Choice>
+    <mc:Fallback>
+      <p:transition spd="slow"/>
+    </mc:Fallback>
+  </mc:AlternateContent>
 </p:sld>
 </file>
 
@@ -6671,14 +6535,14 @@
       </p:grpSpPr>
       <p:sp>
         <p:nvSpPr>
-          <p:cNvPr id="135" name="TextShape 1"/>
-          <p:cNvSpPr txBox="1"/>
+          <p:cNvPr id="126" name="CustomShape 1"/>
+          <p:cNvSpPr/>
           <p:nvPr/>
         </p:nvSpPr>
         <p:spPr>
           <a:xfrm>
             <a:off x="599040" y="121320"/>
-            <a:ext cx="10798560" cy="1262160"/>
+            <a:ext cx="10798200" cy="1261800"/>
           </a:xfrm>
           <a:prstGeom prst="rect">
             <a:avLst/>
@@ -6688,11 +6552,22 @@
             <a:noFill/>
           </a:ln>
         </p:spPr>
+        <p:style>
+          <a:lnRef idx="0"/>
+          <a:fillRef idx="0"/>
+          <a:effectRef idx="0"/>
+          <a:fontRef idx="minor"/>
+        </p:style>
         <p:txBody>
           <a:bodyPr lIns="0" rIns="0" tIns="0" bIns="0" anchor="b">
             <a:normAutofit/>
           </a:bodyPr>
           <a:p>
+            <a:pPr>
+              <a:lnSpc>
+                <a:spcPct val="100000"/>
+              </a:lnSpc>
+            </a:pPr>
             <a:r>
               <a:rPr b="0" lang="ru-RU" sz="6000" spc="-1" strike="noStrike">
                 <a:solidFill>
@@ -6700,27 +6575,24 @@
                 </a:solidFill>
                 <a:latin typeface="Source Sans Pro Light"/>
               </a:rPr>
-              <a:t>Visual Studio. Gulp</a:t>
+              <a:t>Пакетные менеджеры</a:t>
             </a:r>
             <a:endParaRPr b="0" lang="ru-RU" sz="6000" spc="-1" strike="noStrike">
-              <a:solidFill>
-                <a:srgbClr val="ffffff"/>
-              </a:solidFill>
-              <a:latin typeface="Source Sans Pro Light"/>
-            </a:endParaRPr>
-          </a:p>
-        </p:txBody>
-      </p:sp>
-      <p:sp>
-        <p:nvSpPr>
-          <p:cNvPr id="136" name="TextShape 2"/>
-          <p:cNvSpPr txBox="1"/>
+              <a:latin typeface="Arial"/>
+            </a:endParaRPr>
+          </a:p>
+        </p:txBody>
+      </p:sp>
+      <p:sp>
+        <p:nvSpPr>
+          <p:cNvPr id="127" name="CustomShape 2"/>
+          <p:cNvSpPr/>
           <p:nvPr/>
         </p:nvSpPr>
         <p:spPr>
           <a:xfrm>
             <a:off x="599040" y="1911240"/>
-            <a:ext cx="10739520" cy="4663440"/>
+            <a:ext cx="10739160" cy="4663080"/>
           </a:xfrm>
           <a:prstGeom prst="rect">
             <a:avLst/>
@@ -6730,12 +6602,21 @@
             <a:noFill/>
           </a:ln>
         </p:spPr>
-        <p:txBody>
-          <a:bodyPr lIns="0" rIns="0" tIns="0" bIns="0">
-            <a:normAutofit/>
-          </a:bodyPr>
-          <a:p>
-            <a:pPr marL="432000" indent="-324000">
+        <p:style>
+          <a:lnRef idx="0"/>
+          <a:fillRef idx="0"/>
+          <a:effectRef idx="0"/>
+          <a:fontRef idx="minor"/>
+        </p:style>
+        <p:txBody>
+          <a:bodyPr lIns="0" rIns="0" tIns="0" bIns="0">
+            <a:normAutofit/>
+          </a:bodyPr>
+          <a:p>
+            <a:pPr marL="432000" indent="-323640">
+              <a:lnSpc>
+                <a:spcPct val="100000"/>
+              </a:lnSpc>
               <a:spcAft>
                 <a:spcPts val="1409"/>
               </a:spcAft>
@@ -6750,14 +6631,17 @@
               <a:rPr b="0" lang="ru-RU" sz="3200" spc="-1" strike="noStrike">
                 <a:latin typeface="Source Sans Pro"/>
               </a:rPr>
-              <a:t>Gulp — система для автоматизации выполнения задач</a:t>
-            </a:r>
-            <a:endParaRPr b="0" lang="ru-RU" sz="3200" spc="-1" strike="noStrike">
-              <a:latin typeface="Source Sans Pro"/>
-            </a:endParaRPr>
-          </a:p>
-          <a:p>
-            <a:pPr marL="432000" indent="-324000">
+              <a:t>NuGet — основное хранилище дополнительных библиотек и утилит для разработки на .NET. Содержит много библиотек для js/ts, но лучше использовать профильные менеджеры. Можно подключать собственные Feed со своими пакетами</a:t>
+            </a:r>
+            <a:endParaRPr b="0" lang="ru-RU" sz="3200" spc="-1" strike="noStrike">
+              <a:latin typeface="Arial"/>
+            </a:endParaRPr>
+          </a:p>
+          <a:p>
+            <a:pPr marL="432000" indent="-323640">
+              <a:lnSpc>
+                <a:spcPct val="100000"/>
+              </a:lnSpc>
               <a:spcAft>
                 <a:spcPts val="1409"/>
               </a:spcAft>
@@ -6772,87 +6656,24 @@
               <a:rPr b="0" lang="ru-RU" sz="3200" spc="-1" strike="noStrike">
                 <a:latin typeface="Source Sans Pro"/>
               </a:rPr>
-              <a:t>Задачи описываются с помощью javascript</a:t>
-            </a:r>
-            <a:endParaRPr b="0" lang="ru-RU" sz="3200" spc="-1" strike="noStrike">
-              <a:latin typeface="Source Sans Pro"/>
-            </a:endParaRPr>
-          </a:p>
-          <a:p>
-            <a:pPr marL="432000" indent="-324000">
-              <a:spcAft>
-                <a:spcPts val="1409"/>
-              </a:spcAft>
-              <a:buClr>
-                <a:srgbClr val="04617b"/>
-              </a:buClr>
-              <a:buSzPct val="45000"/>
-              <a:buFont typeface="Wingdings" charset="2"/>
-              <a:buChar char=""/>
-            </a:pPr>
-            <a:r>
-              <a:rPr b="0" lang="ru-RU" sz="3200" spc="-1" strike="noStrike">
-                <a:latin typeface="Source Sans Pro"/>
-              </a:rPr>
-              <a:t>Можно автоматически выполнять определенный набор задач при сборке проекта в Visual Studio</a:t>
-            </a:r>
-            <a:endParaRPr b="0" lang="ru-RU" sz="3200" spc="-1" strike="noStrike">
-              <a:latin typeface="Source Sans Pro"/>
-            </a:endParaRPr>
-          </a:p>
-          <a:p>
-            <a:pPr marL="432000" indent="-324000">
-              <a:spcAft>
-                <a:spcPts val="1409"/>
-              </a:spcAft>
-              <a:buClr>
-                <a:srgbClr val="04617b"/>
-              </a:buClr>
-              <a:buSzPct val="45000"/>
-              <a:buFont typeface="Wingdings" charset="2"/>
-              <a:buChar char=""/>
-            </a:pPr>
-            <a:r>
-              <a:rPr b="0" lang="ru-RU" sz="3200" spc="-1" strike="noStrike">
-                <a:latin typeface="Source Sans Pro"/>
-              </a:rPr>
-              <a:t>Один из общепринятых способов автоматизации для js-разработки</a:t>
-            </a:r>
-            <a:endParaRPr b="0" lang="ru-RU" sz="3200" spc="-1" strike="noStrike">
-              <a:latin typeface="Source Sans Pro"/>
+              <a:t>NodeJS Package Manager/Bower — менеджеры пакетов для js/ts, встроенные в Visual Studio и Rider. Фактически — просто возможность их использовать напрямую, встраивать в обычный процесс сборки</a:t>
+            </a:r>
+            <a:endParaRPr b="0" lang="ru-RU" sz="3200" spc="-1" strike="noStrike">
+              <a:latin typeface="Arial"/>
             </a:endParaRPr>
           </a:p>
         </p:txBody>
       </p:sp>
     </p:spTree>
   </p:cSld>
-  <p:timing>
-    <p:tnLst>
-      <p:par>
-        <p:cTn id="13" dur="indefinite" restart="never" nodeType="tmRoot">
-          <p:childTnLst>
-            <p:seq>
-              <p:cTn id="14" dur="indefinite" nodeType="mainSeq"/>
-              <p:prevCondLst>
-                <p:cond delay="0" evt="onPrev">
-                  <p:tgtEl>
-                    <p:sldTgt/>
-                  </p:tgtEl>
-                </p:cond>
-              </p:prevCondLst>
-              <p:nextCondLst>
-                <p:cond delay="0" evt="onNext">
-                  <p:tgtEl>
-                    <p:sldTgt/>
-                  </p:tgtEl>
-                </p:cond>
-              </p:nextCondLst>
-            </p:seq>
-          </p:childTnLst>
-        </p:cTn>
-      </p:par>
-    </p:tnLst>
-  </p:timing>
+  <mc:AlternateContent>
+    <mc:Choice Requires="p14">
+      <p:transition spd="slow" p14:dur="2000"/>
+    </mc:Choice>
+    <mc:Fallback>
+      <p:transition spd="slow"/>
+    </mc:Fallback>
+  </mc:AlternateContent>
 </p:sld>
 </file>
 
@@ -6875,14 +6696,14 @@
       </p:grpSpPr>
       <p:sp>
         <p:nvSpPr>
-          <p:cNvPr id="137" name="TextShape 1"/>
-          <p:cNvSpPr txBox="1"/>
+          <p:cNvPr id="128" name="CustomShape 1"/>
+          <p:cNvSpPr/>
           <p:nvPr/>
         </p:nvSpPr>
         <p:spPr>
           <a:xfrm>
             <a:off x="599040" y="121320"/>
-            <a:ext cx="10798560" cy="1262160"/>
+            <a:ext cx="10798200" cy="1261800"/>
           </a:xfrm>
           <a:prstGeom prst="rect">
             <a:avLst/>
@@ -6892,11 +6713,22 @@
             <a:noFill/>
           </a:ln>
         </p:spPr>
+        <p:style>
+          <a:lnRef idx="0"/>
+          <a:fillRef idx="0"/>
+          <a:effectRef idx="0"/>
+          <a:fontRef idx="minor"/>
+        </p:style>
         <p:txBody>
           <a:bodyPr lIns="0" rIns="0" tIns="0" bIns="0" anchor="b">
             <a:normAutofit/>
           </a:bodyPr>
           <a:p>
+            <a:pPr>
+              <a:lnSpc>
+                <a:spcPct val="100000"/>
+              </a:lnSpc>
+            </a:pPr>
             <a:r>
               <a:rPr b="0" lang="ru-RU" sz="6000" spc="-1" strike="noStrike">
                 <a:solidFill>
@@ -6907,24 +6739,21 @@
               <a:t>Домашнее задание</a:t>
             </a:r>
             <a:endParaRPr b="0" lang="ru-RU" sz="6000" spc="-1" strike="noStrike">
-              <a:solidFill>
-                <a:srgbClr val="ffffff"/>
-              </a:solidFill>
-              <a:latin typeface="Source Sans Pro Light"/>
-            </a:endParaRPr>
-          </a:p>
-        </p:txBody>
-      </p:sp>
-      <p:sp>
-        <p:nvSpPr>
-          <p:cNvPr id="138" name="TextShape 2"/>
-          <p:cNvSpPr txBox="1"/>
+              <a:latin typeface="Arial"/>
+            </a:endParaRPr>
+          </a:p>
+        </p:txBody>
+      </p:sp>
+      <p:sp>
+        <p:nvSpPr>
+          <p:cNvPr id="129" name="CustomShape 2"/>
+          <p:cNvSpPr/>
           <p:nvPr/>
         </p:nvSpPr>
         <p:spPr>
           <a:xfrm>
             <a:off x="599040" y="1920240"/>
-            <a:ext cx="10739520" cy="4663440"/>
+            <a:ext cx="10739160" cy="4663080"/>
           </a:xfrm>
           <a:prstGeom prst="rect">
             <a:avLst/>
@@ -6934,12 +6763,21 @@
             <a:noFill/>
           </a:ln>
         </p:spPr>
-        <p:txBody>
-          <a:bodyPr lIns="0" rIns="0" tIns="0" bIns="0">
-            <a:normAutofit/>
-          </a:bodyPr>
-          <a:p>
-            <a:pPr marL="432000" indent="-324000">
+        <p:style>
+          <a:lnRef idx="0"/>
+          <a:fillRef idx="0"/>
+          <a:effectRef idx="0"/>
+          <a:fontRef idx="minor"/>
+        </p:style>
+        <p:txBody>
+          <a:bodyPr lIns="0" rIns="0" tIns="0" bIns="0">
+            <a:normAutofit/>
+          </a:bodyPr>
+          <a:p>
+            <a:pPr marL="432000" indent="-323640">
+              <a:lnSpc>
+                <a:spcPct val="100000"/>
+              </a:lnSpc>
               <a:spcAft>
                 <a:spcPts val="1409"/>
               </a:spcAft>
@@ -6954,14 +6792,17 @@
               <a:rPr b="0" lang="ru-RU" sz="3200" spc="-1" strike="noStrike">
                 <a:latin typeface="Source Sans Pro"/>
               </a:rPr>
-              <a:t>Установить и настроить Visual Studio 2017 + ReSharper + Productivity Power Tools</a:t>
-            </a:r>
-            <a:endParaRPr b="0" lang="ru-RU" sz="3200" spc="-1" strike="noStrike">
-              <a:latin typeface="Source Sans Pro"/>
-            </a:endParaRPr>
-          </a:p>
-          <a:p>
-            <a:pPr marL="432000" indent="-324000">
+              <a:t>Установить и настроить Visual Studio 2019 Community Edition/Rider/SQL Server 2017 Developer Edition</a:t>
+            </a:r>
+            <a:endParaRPr b="0" lang="ru-RU" sz="3200" spc="-1" strike="noStrike">
+              <a:latin typeface="Arial"/>
+            </a:endParaRPr>
+          </a:p>
+          <a:p>
+            <a:pPr marL="432000" indent="-323640">
+              <a:lnSpc>
+                <a:spcPct val="100000"/>
+              </a:lnSpc>
               <a:spcAft>
                 <a:spcPts val="1409"/>
               </a:spcAft>
@@ -6976,14 +6817,17 @@
               <a:rPr b="0" lang="ru-RU" sz="3200" spc="-1" strike="noStrike">
                 <a:latin typeface="Source Sans Pro"/>
               </a:rPr>
-              <a:t>Установить и настроить GitExtensions</a:t>
-            </a:r>
-            <a:endParaRPr b="0" lang="ru-RU" sz="3200" spc="-1" strike="noStrike">
-              <a:latin typeface="Source Sans Pro"/>
-            </a:endParaRPr>
-          </a:p>
-          <a:p>
-            <a:pPr marL="432000" indent="-324000">
+              <a:t>Установить DotNet Core SDK 3.1</a:t>
+            </a:r>
+            <a:endParaRPr b="0" lang="ru-RU" sz="3200" spc="-1" strike="noStrike">
+              <a:latin typeface="Arial"/>
+            </a:endParaRPr>
+          </a:p>
+          <a:p>
+            <a:pPr marL="432000" indent="-323640">
+              <a:lnSpc>
+                <a:spcPct val="100000"/>
+              </a:lnSpc>
               <a:spcAft>
                 <a:spcPts val="1409"/>
               </a:spcAft>
@@ -6998,43 +6842,74 @@
               <a:rPr b="0" lang="ru-RU" sz="3200" spc="-1" strike="noStrike">
                 <a:latin typeface="Source Sans Pro"/>
               </a:rPr>
-              <a:t>Реализовать backend для проекта, слой доступа к данным пока можно не реализовывать</a:t>
-            </a:r>
-            <a:endParaRPr b="0" lang="ru-RU" sz="3200" spc="-1" strike="noStrike">
-              <a:latin typeface="Source Sans Pro"/>
+              <a:t>Установить из пакета JetBrains Ultimate (включает Rider): dotTrace, dotMemory, получить студенческую лицензию</a:t>
+            </a:r>
+            <a:endParaRPr b="0" lang="ru-RU" sz="3200" spc="-1" strike="noStrike">
+              <a:latin typeface="Arial"/>
+            </a:endParaRPr>
+          </a:p>
+          <a:p>
+            <a:pPr marL="432000" indent="-323640">
+              <a:lnSpc>
+                <a:spcPct val="100000"/>
+              </a:lnSpc>
+              <a:spcAft>
+                <a:spcPts val="1409"/>
+              </a:spcAft>
+              <a:buClr>
+                <a:srgbClr val="04617b"/>
+              </a:buClr>
+              <a:buSzPct val="45000"/>
+              <a:buFont typeface="Wingdings" charset="2"/>
+              <a:buChar char=""/>
+            </a:pPr>
+            <a:r>
+              <a:rPr b="0" lang="ru-RU" sz="3200" spc="-1" strike="noStrike">
+                <a:latin typeface="Source Sans Pro"/>
+              </a:rPr>
+              <a:t>Установить и настроить GitExtensions</a:t>
+            </a:r>
+            <a:endParaRPr b="0" lang="ru-RU" sz="3200" spc="-1" strike="noStrike">
+              <a:latin typeface="Arial"/>
+            </a:endParaRPr>
+          </a:p>
+          <a:p>
+            <a:pPr marL="432000" indent="-323640">
+              <a:lnSpc>
+                <a:spcPct val="100000"/>
+              </a:lnSpc>
+              <a:spcAft>
+                <a:spcPts val="1409"/>
+              </a:spcAft>
+              <a:buClr>
+                <a:srgbClr val="04617b"/>
+              </a:buClr>
+              <a:buSzPct val="45000"/>
+              <a:buFont typeface="Wingdings" charset="2"/>
+              <a:buChar char=""/>
+            </a:pPr>
+            <a:r>
+              <a:rPr b="0" lang="ru-RU" sz="3200" spc="-1" strike="noStrike">
+                <a:latin typeface="Source Sans Pro"/>
+              </a:rPr>
+              <a:t>Завести аккаунт в Azure DevOps</a:t>
+            </a:r>
+            <a:endParaRPr b="0" lang="ru-RU" sz="3200" spc="-1" strike="noStrike">
+              <a:latin typeface="Arial"/>
             </a:endParaRPr>
           </a:p>
         </p:txBody>
       </p:sp>
     </p:spTree>
   </p:cSld>
-  <p:timing>
-    <p:tnLst>
-      <p:par>
-        <p:cTn id="15" dur="indefinite" restart="never" nodeType="tmRoot">
-          <p:childTnLst>
-            <p:seq>
-              <p:cTn id="16" dur="indefinite" nodeType="mainSeq"/>
-              <p:prevCondLst>
-                <p:cond delay="0" evt="onPrev">
-                  <p:tgtEl>
-                    <p:sldTgt/>
-                  </p:tgtEl>
-                </p:cond>
-              </p:prevCondLst>
-              <p:nextCondLst>
-                <p:cond delay="0" evt="onNext">
-                  <p:tgtEl>
-                    <p:sldTgt/>
-                  </p:tgtEl>
-                </p:cond>
-              </p:nextCondLst>
-            </p:seq>
-          </p:childTnLst>
-        </p:cTn>
-      </p:par>
-    </p:tnLst>
-  </p:timing>
+  <mc:AlternateContent>
+    <mc:Choice Requires="p14">
+      <p:transition spd="slow" p14:dur="2000"/>
+    </mc:Choice>
+    <mc:Fallback>
+      <p:transition spd="slow"/>
+    </mc:Fallback>
+  </mc:AlternateContent>
 </p:sld>
 </file>
 
@@ -7057,14 +6932,14 @@
       </p:grpSpPr>
       <p:sp>
         <p:nvSpPr>
-          <p:cNvPr id="139" name="TextShape 1"/>
-          <p:cNvSpPr txBox="1"/>
+          <p:cNvPr id="130" name="CustomShape 1"/>
+          <p:cNvSpPr/>
           <p:nvPr/>
         </p:nvSpPr>
         <p:spPr>
           <a:xfrm>
             <a:off x="599040" y="841320"/>
-            <a:ext cx="10798560" cy="5851800"/>
+            <a:ext cx="10798200" cy="5851440"/>
           </a:xfrm>
           <a:prstGeom prst="rect">
             <a:avLst/>
@@ -7074,10 +6949,22 @@
             <a:noFill/>
           </a:ln>
         </p:spPr>
-        <p:txBody>
-          <a:bodyPr lIns="0" rIns="0" tIns="0" bIns="0" anchor="ctr"/>
-          <a:p>
-            <a:pPr algn="ctr"/>
+        <p:style>
+          <a:lnRef idx="0"/>
+          <a:fillRef idx="0"/>
+          <a:effectRef idx="0"/>
+          <a:fontRef idx="minor"/>
+        </p:style>
+        <p:txBody>
+          <a:bodyPr lIns="0" rIns="0" tIns="0" bIns="0" anchor="ctr">
+            <a:noAutofit/>
+          </a:bodyPr>
+          <a:p>
+            <a:pPr algn="ctr">
+              <a:lnSpc>
+                <a:spcPct val="100000"/>
+              </a:lnSpc>
+            </a:pPr>
             <a:r>
               <a:rPr b="1" lang="ru-RU" sz="4000" spc="-1" strike="noStrike">
                 <a:solidFill>
@@ -7087,44 +6974,22 @@
               </a:rPr>
               <a:t>Спасибо за внимание</a:t>
             </a:r>
-            <a:endParaRPr b="1" lang="ru-RU" sz="4000" spc="-1" strike="noStrike">
-              <a:solidFill>
-                <a:srgbClr val="04617b"/>
-              </a:solidFill>
-              <a:latin typeface="Source Sans Pro Black"/>
+            <a:endParaRPr b="0" lang="ru-RU" sz="4000" spc="-1" strike="noStrike">
+              <a:latin typeface="Arial"/>
             </a:endParaRPr>
           </a:p>
         </p:txBody>
       </p:sp>
     </p:spTree>
   </p:cSld>
-  <p:timing>
-    <p:tnLst>
-      <p:par>
-        <p:cTn id="17" dur="indefinite" restart="never" nodeType="tmRoot">
-          <p:childTnLst>
-            <p:seq>
-              <p:cTn id="18" dur="indefinite" nodeType="mainSeq"/>
-              <p:prevCondLst>
-                <p:cond delay="0" evt="onPrev">
-                  <p:tgtEl>
-                    <p:sldTgt/>
-                  </p:tgtEl>
-                </p:cond>
-              </p:prevCondLst>
-              <p:nextCondLst>
-                <p:cond delay="0" evt="onNext">
-                  <p:tgtEl>
-                    <p:sldTgt/>
-                  </p:tgtEl>
-                </p:cond>
-              </p:nextCondLst>
-            </p:seq>
-          </p:childTnLst>
-        </p:cTn>
-      </p:par>
-    </p:tnLst>
-  </p:timing>
+  <mc:AlternateContent>
+    <mc:Choice Requires="p14">
+      <p:transition spd="slow" p14:dur="2000"/>
+    </mc:Choice>
+    <mc:Fallback>
+      <p:transition spd="slow"/>
+    </mc:Fallback>
+  </mc:AlternateContent>
 </p:sld>
 </file>
 
@@ -7242,18 +7107,21 @@
             </a:schemeClr>
           </a:solidFill>
           <a:prstDash val="solid"/>
+          <a:miter/>
         </a:ln>
         <a:ln w="25400" cap="flat" cmpd="sng" algn="ctr">
           <a:solidFill>
             <a:schemeClr val="phClr"/>
           </a:solidFill>
           <a:prstDash val="solid"/>
+          <a:miter/>
         </a:ln>
         <a:ln w="38100" cap="flat" cmpd="sng" algn="ctr">
           <a:solidFill>
             <a:schemeClr val="phClr"/>
           </a:solidFill>
           <a:prstDash val="solid"/>
+          <a:miter/>
         </a:ln>
       </a:lnStyleLst>
       <a:effectStyleLst>
@@ -7465,18 +7333,21 @@
             </a:schemeClr>
           </a:solidFill>
           <a:prstDash val="solid"/>
+          <a:miter/>
         </a:ln>
         <a:ln w="25400" cap="flat" cmpd="sng" algn="ctr">
           <a:solidFill>
             <a:schemeClr val="phClr"/>
           </a:solidFill>
           <a:prstDash val="solid"/>
+          <a:miter/>
         </a:ln>
         <a:ln w="38100" cap="flat" cmpd="sng" algn="ctr">
           <a:solidFill>
             <a:schemeClr val="phClr"/>
           </a:solidFill>
           <a:prstDash val="solid"/>
+          <a:miter/>
         </a:ln>
       </a:lnStyleLst>
       <a:effectStyleLst>
@@ -7688,18 +7559,21 @@
             </a:schemeClr>
           </a:solidFill>
           <a:prstDash val="solid"/>
+          <a:miter/>
         </a:ln>
         <a:ln w="25400" cap="flat" cmpd="sng" algn="ctr">
           <a:solidFill>
             <a:schemeClr val="phClr"/>
           </a:solidFill>
           <a:prstDash val="solid"/>
+          <a:miter/>
         </a:ln>
         <a:ln w="38100" cap="flat" cmpd="sng" algn="ctr">
           <a:solidFill>
             <a:schemeClr val="phClr"/>
           </a:solidFill>
           <a:prstDash val="solid"/>
+          <a:miter/>
         </a:ln>
       </a:lnStyleLst>
       <a:effectStyleLst>

--- a/docs/ETU DIT #1.pptx
+++ b/docs/ETU DIT #1.pptx
@@ -6610,7 +6610,7 @@
         </p:style>
         <p:txBody>
           <a:bodyPr lIns="0" rIns="0" tIns="0" bIns="0">
-            <a:normAutofit/>
+            <a:normAutofit fontScale="94000"/>
           </a:bodyPr>
           <a:p>
             <a:pPr marL="432000" indent="-323640">

--- a/docs/ETU DIT #1.pptx
+++ b/docs/ETU DIT #1.pptx
@@ -4129,8 +4129,8 @@
         </p:nvSpPr>
         <p:spPr>
           <a:xfrm>
-            <a:off x="599040" y="301320"/>
-            <a:ext cx="10798200" cy="1261800"/>
+            <a:off x="599760" y="301320"/>
+            <a:ext cx="10797840" cy="1261440"/>
           </a:xfrm>
           <a:prstGeom prst="rect">
             <a:avLst/>
@@ -4138,7 +4138,7 @@
         </p:spPr>
         <p:txBody>
           <a:bodyPr lIns="0" rIns="0" tIns="0" bIns="0" anchor="ctr">
-            <a:normAutofit/>
+            <a:noAutofit/>
           </a:bodyPr>
           <a:p>
             <a:pPr algn="ctr"/>
@@ -4167,18 +4167,18 @@
         <p:spPr>
           <a:xfrm>
             <a:off x="599760" y="1768680"/>
-            <a:ext cx="10798200" cy="4384080"/>
-          </a:xfrm>
-          <a:prstGeom prst="rect">
-            <a:avLst/>
-          </a:prstGeom>
-        </p:spPr>
-        <p:txBody>
-          <a:bodyPr lIns="0" rIns="0" tIns="0" bIns="0">
-            <a:normAutofit/>
-          </a:bodyPr>
-          <a:p>
-            <a:pPr marL="432000" indent="-324000">
+            <a:ext cx="10797840" cy="4383720"/>
+          </a:xfrm>
+          <a:prstGeom prst="rect">
+            <a:avLst/>
+          </a:prstGeom>
+        </p:spPr>
+        <p:txBody>
+          <a:bodyPr lIns="0" rIns="0" tIns="0" bIns="0">
+            <a:normAutofit/>
+          </a:bodyPr>
+          <a:p>
+            <a:pPr marL="432000" indent="-324000" algn="ctr">
               <a:spcBef>
                 <a:spcPts val="1417"/>
               </a:spcBef>
@@ -4190,17 +4190,17 @@
               <a:buChar char=""/>
             </a:pPr>
             <a:r>
-              <a:rPr b="0" lang="ru-RU" sz="3200" spc="-1" strike="noStrike">
+              <a:rPr b="0" lang="ru-RU" sz="1800" spc="-1" strike="noStrike">
                 <a:latin typeface="Arial"/>
               </a:rPr>
               <a:t>Click to edit the outline text format</a:t>
             </a:r>
-            <a:endParaRPr b="0" lang="ru-RU" sz="3200" spc="-1" strike="noStrike">
-              <a:latin typeface="Arial"/>
-            </a:endParaRPr>
-          </a:p>
-          <a:p>
-            <a:pPr lvl="1" marL="864000" indent="-324000">
+            <a:endParaRPr b="0" lang="ru-RU" sz="1800" spc="-1" strike="noStrike">
+              <a:latin typeface="Arial"/>
+            </a:endParaRPr>
+          </a:p>
+          <a:p>
+            <a:pPr lvl="1" marL="864000" indent="-324000" algn="ctr">
               <a:spcBef>
                 <a:spcPts val="1134"/>
               </a:spcBef>
@@ -4212,17 +4212,17 @@
               <a:buChar char=""/>
             </a:pPr>
             <a:r>
-              <a:rPr b="0" lang="ru-RU" sz="2800" spc="-1" strike="noStrike">
+              <a:rPr b="0" lang="ru-RU" sz="1800" spc="-1" strike="noStrike">
                 <a:latin typeface="Arial"/>
               </a:rPr>
               <a:t>Second Outline Level</a:t>
             </a:r>
-            <a:endParaRPr b="0" lang="ru-RU" sz="2800" spc="-1" strike="noStrike">
-              <a:latin typeface="Arial"/>
-            </a:endParaRPr>
-          </a:p>
-          <a:p>
-            <a:pPr lvl="2" marL="1296000" indent="-288000">
+            <a:endParaRPr b="0" lang="ru-RU" sz="1800" spc="-1" strike="noStrike">
+              <a:latin typeface="Arial"/>
+            </a:endParaRPr>
+          </a:p>
+          <a:p>
+            <a:pPr lvl="2" marL="1296000" indent="-288000" algn="ctr">
               <a:spcBef>
                 <a:spcPts val="850"/>
               </a:spcBef>
@@ -4234,17 +4234,17 @@
               <a:buChar char=""/>
             </a:pPr>
             <a:r>
-              <a:rPr b="0" lang="ru-RU" sz="2400" spc="-1" strike="noStrike">
+              <a:rPr b="0" lang="ru-RU" sz="1800" spc="-1" strike="noStrike">
                 <a:latin typeface="Arial"/>
               </a:rPr>
               <a:t>Third Outline Level</a:t>
             </a:r>
-            <a:endParaRPr b="0" lang="ru-RU" sz="2400" spc="-1" strike="noStrike">
-              <a:latin typeface="Arial"/>
-            </a:endParaRPr>
-          </a:p>
-          <a:p>
-            <a:pPr lvl="3" marL="1728000" indent="-216000">
+            <a:endParaRPr b="0" lang="ru-RU" sz="1800" spc="-1" strike="noStrike">
+              <a:latin typeface="Arial"/>
+            </a:endParaRPr>
+          </a:p>
+          <a:p>
+            <a:pPr lvl="3" marL="1728000" indent="-216000" algn="ctr">
               <a:spcBef>
                 <a:spcPts val="567"/>
               </a:spcBef>
@@ -4256,17 +4256,17 @@
               <a:buChar char=""/>
             </a:pPr>
             <a:r>
-              <a:rPr b="0" lang="ru-RU" sz="2000" spc="-1" strike="noStrike">
+              <a:rPr b="0" lang="ru-RU" sz="1800" spc="-1" strike="noStrike">
                 <a:latin typeface="Arial"/>
               </a:rPr>
               <a:t>Fourth Outline Level</a:t>
             </a:r>
-            <a:endParaRPr b="0" lang="ru-RU" sz="2000" spc="-1" strike="noStrike">
-              <a:latin typeface="Arial"/>
-            </a:endParaRPr>
-          </a:p>
-          <a:p>
-            <a:pPr lvl="4" marL="2160000" indent="-216000">
+            <a:endParaRPr b="0" lang="ru-RU" sz="1800" spc="-1" strike="noStrike">
+              <a:latin typeface="Arial"/>
+            </a:endParaRPr>
+          </a:p>
+          <a:p>
+            <a:pPr lvl="4" marL="2160000" indent="-216000" algn="ctr">
               <a:spcBef>
                 <a:spcPts val="283"/>
               </a:spcBef>
@@ -4278,17 +4278,17 @@
               <a:buChar char=""/>
             </a:pPr>
             <a:r>
-              <a:rPr b="0" lang="ru-RU" sz="2000" spc="-1" strike="noStrike">
+              <a:rPr b="0" lang="ru-RU" sz="1800" spc="-1" strike="noStrike">
                 <a:latin typeface="Arial"/>
               </a:rPr>
               <a:t>Fifth Outline Level</a:t>
             </a:r>
-            <a:endParaRPr b="0" lang="ru-RU" sz="2000" spc="-1" strike="noStrike">
-              <a:latin typeface="Arial"/>
-            </a:endParaRPr>
-          </a:p>
-          <a:p>
-            <a:pPr lvl="5" marL="2592000" indent="-216000">
+            <a:endParaRPr b="0" lang="ru-RU" sz="1800" spc="-1" strike="noStrike">
+              <a:latin typeface="Arial"/>
+            </a:endParaRPr>
+          </a:p>
+          <a:p>
+            <a:pPr lvl="5" marL="2592000" indent="-216000" algn="ctr">
               <a:spcBef>
                 <a:spcPts val="283"/>
               </a:spcBef>
@@ -4300,17 +4300,17 @@
               <a:buChar char=""/>
             </a:pPr>
             <a:r>
-              <a:rPr b="0" lang="ru-RU" sz="2000" spc="-1" strike="noStrike">
+              <a:rPr b="0" lang="ru-RU" sz="1800" spc="-1" strike="noStrike">
                 <a:latin typeface="Arial"/>
               </a:rPr>
               <a:t>Sixth Outline Level</a:t>
             </a:r>
-            <a:endParaRPr b="0" lang="ru-RU" sz="2000" spc="-1" strike="noStrike">
-              <a:latin typeface="Arial"/>
-            </a:endParaRPr>
-          </a:p>
-          <a:p>
-            <a:pPr lvl="6" marL="3024000" indent="-216000">
+            <a:endParaRPr b="0" lang="ru-RU" sz="1800" spc="-1" strike="noStrike">
+              <a:latin typeface="Arial"/>
+            </a:endParaRPr>
+          </a:p>
+          <a:p>
+            <a:pPr lvl="6" marL="3024000" indent="-216000" algn="ctr">
               <a:spcBef>
                 <a:spcPts val="283"/>
               </a:spcBef>
@@ -4322,12 +4322,12 @@
               <a:buChar char=""/>
             </a:pPr>
             <a:r>
-              <a:rPr b="0" lang="ru-RU" sz="2000" spc="-1" strike="noStrike">
+              <a:rPr b="0" lang="ru-RU" sz="1800" spc="-1" strike="noStrike">
                 <a:latin typeface="Arial"/>
               </a:rPr>
               <a:t>Seventh Outline Level</a:t>
             </a:r>
-            <a:endParaRPr b="0" lang="ru-RU" sz="2000" spc="-1" strike="noStrike">
+            <a:endParaRPr b="0" lang="ru-RU" sz="1800" spc="-1" strike="noStrike">
               <a:latin typeface="Arial"/>
             </a:endParaRPr>
           </a:p>
@@ -4392,7 +4392,7 @@
         </p:nvSpPr>
         <p:spPr>
           <a:xfrm>
-            <a:off x="599040" y="301320"/>
+            <a:off x="599760" y="301320"/>
             <a:ext cx="10798200" cy="1261800"/>
           </a:xfrm>
           <a:prstGeom prst="rect">
@@ -4401,17 +4401,17 @@
         </p:spPr>
         <p:txBody>
           <a:bodyPr lIns="0" rIns="0" tIns="0" bIns="0" anchor="ctr">
-            <a:normAutofit/>
+            <a:noAutofit/>
           </a:bodyPr>
           <a:p>
             <a:pPr algn="ctr"/>
             <a:r>
-              <a:rPr b="0" lang="ru-RU" sz="1800" spc="-1" strike="noStrike">
+              <a:rPr b="0" lang="ru-RU" sz="4400" spc="-1" strike="noStrike">
                 <a:latin typeface="Arial"/>
               </a:rPr>
               <a:t>Click to edit the title text format</a:t>
             </a:r>
-            <a:endParaRPr b="0" lang="ru-RU" sz="1800" spc="-1" strike="noStrike">
+            <a:endParaRPr b="0" lang="ru-RU" sz="4400" spc="-1" strike="noStrike">
               <a:latin typeface="Arial"/>
             </a:endParaRPr>
           </a:p>
@@ -4429,19 +4429,19 @@
         </p:nvSpPr>
         <p:spPr>
           <a:xfrm>
-            <a:off x="599040" y="1828800"/>
-            <a:ext cx="10830600" cy="5394600"/>
-          </a:xfrm>
-          <a:prstGeom prst="rect">
-            <a:avLst/>
-          </a:prstGeom>
-        </p:spPr>
-        <p:txBody>
-          <a:bodyPr lIns="0" rIns="0" tIns="0" bIns="0">
-            <a:normAutofit/>
-          </a:bodyPr>
-          <a:p>
-            <a:pPr marL="432000" indent="-324000" algn="ctr">
+            <a:off x="599760" y="1768680"/>
+            <a:ext cx="10798200" cy="4384080"/>
+          </a:xfrm>
+          <a:prstGeom prst="rect">
+            <a:avLst/>
+          </a:prstGeom>
+        </p:spPr>
+        <p:txBody>
+          <a:bodyPr lIns="0" rIns="0" tIns="0" bIns="0">
+            <a:normAutofit/>
+          </a:bodyPr>
+          <a:p>
+            <a:pPr marL="432000" indent="-324000">
               <a:spcBef>
                 <a:spcPts val="1417"/>
               </a:spcBef>
@@ -4453,17 +4453,17 @@
               <a:buChar char=""/>
             </a:pPr>
             <a:r>
-              <a:rPr b="0" lang="ru-RU" sz="1800" spc="-1" strike="noStrike">
+              <a:rPr b="0" lang="ru-RU" sz="3200" spc="-1" strike="noStrike">
                 <a:latin typeface="Arial"/>
               </a:rPr>
               <a:t>Click to edit the outline text format</a:t>
             </a:r>
-            <a:endParaRPr b="0" lang="ru-RU" sz="1800" spc="-1" strike="noStrike">
-              <a:latin typeface="Arial"/>
-            </a:endParaRPr>
-          </a:p>
-          <a:p>
-            <a:pPr lvl="1" marL="864000" indent="-324000" algn="ctr">
+            <a:endParaRPr b="0" lang="ru-RU" sz="3200" spc="-1" strike="noStrike">
+              <a:latin typeface="Arial"/>
+            </a:endParaRPr>
+          </a:p>
+          <a:p>
+            <a:pPr lvl="1" marL="864000" indent="-324000">
               <a:spcBef>
                 <a:spcPts val="1134"/>
               </a:spcBef>
@@ -4475,17 +4475,17 @@
               <a:buChar char=""/>
             </a:pPr>
             <a:r>
-              <a:rPr b="0" lang="ru-RU" sz="1800" spc="-1" strike="noStrike">
+              <a:rPr b="0" lang="ru-RU" sz="2800" spc="-1" strike="noStrike">
                 <a:latin typeface="Arial"/>
               </a:rPr>
               <a:t>Second Outline Level</a:t>
             </a:r>
-            <a:endParaRPr b="0" lang="ru-RU" sz="1800" spc="-1" strike="noStrike">
-              <a:latin typeface="Arial"/>
-            </a:endParaRPr>
-          </a:p>
-          <a:p>
-            <a:pPr lvl="2" marL="1296000" indent="-288000" algn="ctr">
+            <a:endParaRPr b="0" lang="ru-RU" sz="2800" spc="-1" strike="noStrike">
+              <a:latin typeface="Arial"/>
+            </a:endParaRPr>
+          </a:p>
+          <a:p>
+            <a:pPr lvl="2" marL="1296000" indent="-288000">
               <a:spcBef>
                 <a:spcPts val="850"/>
               </a:spcBef>
@@ -4497,17 +4497,17 @@
               <a:buChar char=""/>
             </a:pPr>
             <a:r>
-              <a:rPr b="0" lang="ru-RU" sz="1800" spc="-1" strike="noStrike">
+              <a:rPr b="0" lang="ru-RU" sz="2400" spc="-1" strike="noStrike">
                 <a:latin typeface="Arial"/>
               </a:rPr>
               <a:t>Third Outline Level</a:t>
             </a:r>
-            <a:endParaRPr b="0" lang="ru-RU" sz="1800" spc="-1" strike="noStrike">
-              <a:latin typeface="Arial"/>
-            </a:endParaRPr>
-          </a:p>
-          <a:p>
-            <a:pPr lvl="3" marL="1728000" indent="-216000" algn="ctr">
+            <a:endParaRPr b="0" lang="ru-RU" sz="2400" spc="-1" strike="noStrike">
+              <a:latin typeface="Arial"/>
+            </a:endParaRPr>
+          </a:p>
+          <a:p>
+            <a:pPr lvl="3" marL="1728000" indent="-216000">
               <a:spcBef>
                 <a:spcPts val="567"/>
               </a:spcBef>
@@ -4519,17 +4519,17 @@
               <a:buChar char=""/>
             </a:pPr>
             <a:r>
-              <a:rPr b="0" lang="ru-RU" sz="1800" spc="-1" strike="noStrike">
+              <a:rPr b="0" lang="ru-RU" sz="2000" spc="-1" strike="noStrike">
                 <a:latin typeface="Arial"/>
               </a:rPr>
               <a:t>Fourth Outline Level</a:t>
             </a:r>
-            <a:endParaRPr b="0" lang="ru-RU" sz="1800" spc="-1" strike="noStrike">
-              <a:latin typeface="Arial"/>
-            </a:endParaRPr>
-          </a:p>
-          <a:p>
-            <a:pPr lvl="4" marL="2160000" indent="-216000" algn="ctr">
+            <a:endParaRPr b="0" lang="ru-RU" sz="2000" spc="-1" strike="noStrike">
+              <a:latin typeface="Arial"/>
+            </a:endParaRPr>
+          </a:p>
+          <a:p>
+            <a:pPr lvl="4" marL="2160000" indent="-216000">
               <a:spcBef>
                 <a:spcPts val="283"/>
               </a:spcBef>
@@ -4541,17 +4541,17 @@
               <a:buChar char=""/>
             </a:pPr>
             <a:r>
-              <a:rPr b="0" lang="ru-RU" sz="1800" spc="-1" strike="noStrike">
+              <a:rPr b="0" lang="ru-RU" sz="2000" spc="-1" strike="noStrike">
                 <a:latin typeface="Arial"/>
               </a:rPr>
               <a:t>Fifth Outline Level</a:t>
             </a:r>
-            <a:endParaRPr b="0" lang="ru-RU" sz="1800" spc="-1" strike="noStrike">
-              <a:latin typeface="Arial"/>
-            </a:endParaRPr>
-          </a:p>
-          <a:p>
-            <a:pPr lvl="5" marL="2592000" indent="-216000" algn="ctr">
+            <a:endParaRPr b="0" lang="ru-RU" sz="2000" spc="-1" strike="noStrike">
+              <a:latin typeface="Arial"/>
+            </a:endParaRPr>
+          </a:p>
+          <a:p>
+            <a:pPr lvl="5" marL="2592000" indent="-216000">
               <a:spcBef>
                 <a:spcPts val="283"/>
               </a:spcBef>
@@ -4563,17 +4563,17 @@
               <a:buChar char=""/>
             </a:pPr>
             <a:r>
-              <a:rPr b="0" lang="ru-RU" sz="1800" spc="-1" strike="noStrike">
+              <a:rPr b="0" lang="ru-RU" sz="2000" spc="-1" strike="noStrike">
                 <a:latin typeface="Arial"/>
               </a:rPr>
               <a:t>Sixth Outline Level</a:t>
             </a:r>
-            <a:endParaRPr b="0" lang="ru-RU" sz="1800" spc="-1" strike="noStrike">
-              <a:latin typeface="Arial"/>
-            </a:endParaRPr>
-          </a:p>
-          <a:p>
-            <a:pPr lvl="6" marL="3024000" indent="-216000" algn="ctr">
+            <a:endParaRPr b="0" lang="ru-RU" sz="2000" spc="-1" strike="noStrike">
+              <a:latin typeface="Arial"/>
+            </a:endParaRPr>
+          </a:p>
+          <a:p>
+            <a:pPr lvl="6" marL="3024000" indent="-216000">
               <a:spcBef>
                 <a:spcPts val="283"/>
               </a:spcBef>
@@ -4585,12 +4585,12 @@
               <a:buChar char=""/>
             </a:pPr>
             <a:r>
-              <a:rPr b="0" lang="ru-RU" sz="1800" spc="-1" strike="noStrike">
+              <a:rPr b="0" lang="ru-RU" sz="2000" spc="-1" strike="noStrike">
                 <a:latin typeface="Arial"/>
               </a:rPr>
               <a:t>Seventh Outline Level</a:t>
             </a:r>
-            <a:endParaRPr b="0" lang="ru-RU" sz="1800" spc="-1" strike="noStrike">
+            <a:endParaRPr b="0" lang="ru-RU" sz="2000" spc="-1" strike="noStrike">
               <a:latin typeface="Arial"/>
             </a:endParaRPr>
           </a:p>
@@ -4905,7 +4905,7 @@
         <p:spPr>
           <a:xfrm>
             <a:off x="548640" y="301320"/>
-            <a:ext cx="10798200" cy="4453200"/>
+            <a:ext cx="10797840" cy="4452840"/>
           </a:xfrm>
           <a:prstGeom prst="rect">
             <a:avLst/>
@@ -4937,6 +4937,7 @@
                   <a:srgbClr val="04617b"/>
                 </a:solidFill>
                 <a:latin typeface="Source Sans Pro Light"/>
+                <a:ea typeface="DejaVu Sans"/>
               </a:rPr>
               <a:t>Инструментальные средства программирования</a:t>
             </a:r>
@@ -4955,7 +4956,7 @@
         <p:spPr>
           <a:xfrm>
             <a:off x="552960" y="5216400"/>
-            <a:ext cx="10789560" cy="1549800"/>
+            <a:ext cx="10789200" cy="1549440"/>
           </a:xfrm>
           <a:prstGeom prst="rect">
             <a:avLst/>
@@ -4987,6 +4988,7 @@
                   <a:srgbClr val="dbf5f9"/>
                 </a:solidFill>
                 <a:latin typeface="Source Sans Pro"/>
+                <a:ea typeface="DejaVu Sans"/>
               </a:rPr>
               <a:t>Лекция 1. Visual Studio</a:t>
             </a:r>
@@ -5006,6 +5008,7 @@
                   <a:srgbClr val="dbf5f9"/>
                 </a:solidFill>
                 <a:latin typeface="Source Sans Pro"/>
+                <a:ea typeface="DejaVu Sans"/>
               </a:rPr>
               <a:t>Пешехонов К. А., 16.09.2020</a:t>
             </a:r>
@@ -5054,7 +5057,7 @@
         <p:spPr>
           <a:xfrm>
             <a:off x="599040" y="1920240"/>
-            <a:ext cx="10739160" cy="4663080"/>
+            <a:ext cx="10738800" cy="4662720"/>
           </a:xfrm>
           <a:prstGeom prst="rect">
             <a:avLst/>
@@ -5075,7 +5078,7 @@
             <a:normAutofit fontScale="42000"/>
           </a:bodyPr>
           <a:p>
-            <a:pPr marL="432000" indent="-323640">
+            <a:pPr marL="432000" indent="-323280">
               <a:lnSpc>
                 <a:spcPct val="100000"/>
               </a:lnSpc>
@@ -5090,13 +5093,21 @@
             </a:pPr>
             <a:r>
               <a:rPr b="0" lang="ru-RU" sz="3200" spc="-1" strike="noStrike">
+                <a:solidFill>
+                  <a:srgbClr val="000000"/>
+                </a:solidFill>
                 <a:latin typeface="Source Sans Pro"/>
+                <a:ea typeface="DejaVu Sans"/>
               </a:rPr>
               <a:t> </a:t>
             </a:r>
             <a:r>
               <a:rPr b="0" lang="ru-RU" sz="3200" spc="-1" strike="noStrike">
+                <a:solidFill>
+                  <a:srgbClr val="000000"/>
+                </a:solidFill>
                 <a:latin typeface="Source Sans Pro"/>
+                <a:ea typeface="DejaVu Sans"/>
               </a:rPr>
               <a:t>Введение — DotNet Core, Visual Studio, Rider, общий обзор </a:t>
             </a:r>
@@ -5105,7 +5116,7 @@
             </a:endParaRPr>
           </a:p>
           <a:p>
-            <a:pPr marL="432000" indent="-323640">
+            <a:pPr marL="432000" indent="-323280">
               <a:lnSpc>
                 <a:spcPct val="100000"/>
               </a:lnSpc>
@@ -5120,13 +5131,21 @@
             </a:pPr>
             <a:r>
               <a:rPr b="0" lang="ru-RU" sz="3200" spc="-1" strike="noStrike">
+                <a:solidFill>
+                  <a:srgbClr val="000000"/>
+                </a:solidFill>
                 <a:latin typeface="Source Sans Pro"/>
+                <a:ea typeface="DejaVu Sans"/>
               </a:rPr>
               <a:t> </a:t>
             </a:r>
             <a:r>
               <a:rPr b="0" lang="ru-RU" sz="3200" spc="-1" strike="noStrike">
+                <a:solidFill>
+                  <a:srgbClr val="000000"/>
+                </a:solidFill>
                 <a:latin typeface="Source Sans Pro"/>
+                <a:ea typeface="DejaVu Sans"/>
               </a:rPr>
               <a:t>Тестирование и валидация ПО (с точки зрения программиста)</a:t>
             </a:r>
@@ -5135,7 +5154,7 @@
             </a:endParaRPr>
           </a:p>
           <a:p>
-            <a:pPr marL="432000" indent="-323640">
+            <a:pPr marL="432000" indent="-323280">
               <a:lnSpc>
                 <a:spcPct val="100000"/>
               </a:lnSpc>
@@ -5150,13 +5169,21 @@
             </a:pPr>
             <a:r>
               <a:rPr b="0" lang="ru-RU" sz="3200" spc="-1" strike="noStrike">
+                <a:solidFill>
+                  <a:srgbClr val="000000"/>
+                </a:solidFill>
                 <a:latin typeface="Source Sans Pro"/>
+                <a:ea typeface="DejaVu Sans"/>
               </a:rPr>
               <a:t> </a:t>
             </a:r>
             <a:r>
               <a:rPr b="0" lang="ru-RU" sz="3200" spc="-1" strike="noStrike">
+                <a:solidFill>
+                  <a:srgbClr val="000000"/>
+                </a:solidFill>
                 <a:latin typeface="Source Sans Pro"/>
+                <a:ea typeface="DejaVu Sans"/>
               </a:rPr>
               <a:t>SQL Server</a:t>
             </a:r>
@@ -5165,7 +5192,7 @@
             </a:endParaRPr>
           </a:p>
           <a:p>
-            <a:pPr marL="432000" indent="-323640">
+            <a:pPr marL="432000" indent="-323280">
               <a:lnSpc>
                 <a:spcPct val="100000"/>
               </a:lnSpc>
@@ -5180,13 +5207,21 @@
             </a:pPr>
             <a:r>
               <a:rPr b="0" lang="ru-RU" sz="3200" spc="-1" strike="noStrike">
+                <a:solidFill>
+                  <a:srgbClr val="000000"/>
+                </a:solidFill>
                 <a:latin typeface="Source Sans Pro"/>
+                <a:ea typeface="DejaVu Sans"/>
               </a:rPr>
               <a:t> </a:t>
             </a:r>
             <a:r>
               <a:rPr b="0" lang="ru-RU" sz="3200" spc="-1" strike="noStrike">
+                <a:solidFill>
+                  <a:srgbClr val="000000"/>
+                </a:solidFill>
                 <a:latin typeface="Source Sans Pro"/>
+                <a:ea typeface="DejaVu Sans"/>
               </a:rPr>
               <a:t>Azure DevOps (ex-Visual Studio Team Services, ex-Visual Studio Online)</a:t>
             </a:r>
@@ -5195,7 +5230,7 @@
             </a:endParaRPr>
           </a:p>
           <a:p>
-            <a:pPr marL="432000" indent="-323640">
+            <a:pPr marL="432000" indent="-323280">
               <a:lnSpc>
                 <a:spcPct val="100000"/>
               </a:lnSpc>
@@ -5210,7 +5245,11 @@
             </a:pPr>
             <a:r>
               <a:rPr b="0" lang="ru-RU" sz="3200" spc="-1" strike="noStrike">
+                <a:solidFill>
+                  <a:srgbClr val="000000"/>
+                </a:solidFill>
                 <a:latin typeface="Source Sans Pro"/>
+                <a:ea typeface="DejaVu Sans"/>
               </a:rPr>
               <a:t>LAB-1 — Build + Release pipeline для сборки NuGet пакетов </a:t>
             </a:r>
@@ -5219,7 +5258,7 @@
             </a:endParaRPr>
           </a:p>
           <a:p>
-            <a:pPr marL="432000" indent="-323640">
+            <a:pPr marL="432000" indent="-323280">
               <a:lnSpc>
                 <a:spcPct val="100000"/>
               </a:lnSpc>
@@ -5234,13 +5273,21 @@
             </a:pPr>
             <a:r>
               <a:rPr b="0" lang="ru-RU" sz="3200" spc="-1" strike="noStrike">
+                <a:solidFill>
+                  <a:srgbClr val="000000"/>
+                </a:solidFill>
                 <a:latin typeface="Source Sans Pro"/>
+                <a:ea typeface="DejaVu Sans"/>
               </a:rPr>
               <a:t> </a:t>
             </a:r>
             <a:r>
               <a:rPr b="0" lang="ru-RU" sz="3200" spc="-1" strike="noStrike">
+                <a:solidFill>
+                  <a:srgbClr val="000000"/>
+                </a:solidFill>
                 <a:latin typeface="Source Sans Pro"/>
+                <a:ea typeface="DejaVu Sans"/>
               </a:rPr>
               <a:t>JetBrains profiling toolset (Windows/Linux?)</a:t>
             </a:r>
@@ -5249,7 +5296,7 @@
             </a:endParaRPr>
           </a:p>
           <a:p>
-            <a:pPr marL="432000" indent="-323640">
+            <a:pPr marL="432000" indent="-323280">
               <a:lnSpc>
                 <a:spcPct val="100000"/>
               </a:lnSpc>
@@ -5264,7 +5311,11 @@
             </a:pPr>
             <a:r>
               <a:rPr b="0" lang="ru-RU" sz="3200" spc="-1" strike="noStrike">
+                <a:solidFill>
+                  <a:srgbClr val="000000"/>
+                </a:solidFill>
                 <a:latin typeface="Source Sans Pro"/>
+                <a:ea typeface="DejaVu Sans"/>
               </a:rPr>
               <a:t>LAB-2 — Профилирование приложения с точки зрения CPU/Memory usage</a:t>
             </a:r>
@@ -5273,7 +5324,7 @@
             </a:endParaRPr>
           </a:p>
           <a:p>
-            <a:pPr marL="432000" indent="-323640">
+            <a:pPr marL="432000" indent="-323280">
               <a:lnSpc>
                 <a:spcPct val="100000"/>
               </a:lnSpc>
@@ -5288,13 +5339,21 @@
             </a:pPr>
             <a:r>
               <a:rPr b="0" lang="ru-RU" sz="3200" spc="-1" strike="noStrike">
+                <a:solidFill>
+                  <a:srgbClr val="000000"/>
+                </a:solidFill>
                 <a:latin typeface="Source Sans Pro"/>
+                <a:ea typeface="DejaVu Sans"/>
               </a:rPr>
               <a:t> </a:t>
             </a:r>
             <a:r>
               <a:rPr b="0" lang="ru-RU" sz="3200" spc="-1" strike="noStrike">
+                <a:solidFill>
+                  <a:srgbClr val="000000"/>
+                </a:solidFill>
                 <a:latin typeface="Source Sans Pro"/>
+                <a:ea typeface="DejaVu Sans"/>
               </a:rPr>
               <a:t>Docker</a:t>
             </a:r>
@@ -5303,7 +5362,7 @@
             </a:endParaRPr>
           </a:p>
           <a:p>
-            <a:pPr lvl="1" marL="432000" indent="-216000">
+            <a:pPr lvl="1" marL="432000" indent="-215640">
               <a:lnSpc>
                 <a:spcPct val="100000"/>
               </a:lnSpc>
@@ -5318,7 +5377,11 @@
             </a:pPr>
             <a:r>
               <a:rPr b="0" lang="ru-RU" sz="3200" spc="-1" strike="noStrike">
+                <a:solidFill>
+                  <a:srgbClr val="000000"/>
+                </a:solidFill>
                 <a:latin typeface="Source Sans Pro"/>
+                <a:ea typeface="DejaVu Sans"/>
               </a:rPr>
               <a:t>LAB-3 — Развертывание приложения ASP.NET в Docker</a:t>
             </a:r>
@@ -5337,7 +5400,7 @@
         <p:spPr>
           <a:xfrm>
             <a:off x="599040" y="121320"/>
-            <a:ext cx="10798200" cy="1261800"/>
+            <a:ext cx="10797840" cy="1261440"/>
           </a:xfrm>
           <a:prstGeom prst="rect">
             <a:avLst/>
@@ -5369,6 +5432,7 @@
                   <a:srgbClr val="ffffff"/>
                 </a:solidFill>
                 <a:latin typeface="Source Sans Pro Light"/>
+                <a:ea typeface="DejaVu Sans"/>
               </a:rPr>
               <a:t>План курса</a:t>
             </a:r>
@@ -5427,7 +5491,7 @@
         <p:spPr>
           <a:xfrm>
             <a:off x="599040" y="121320"/>
-            <a:ext cx="10798200" cy="1261800"/>
+            <a:ext cx="10797840" cy="1261440"/>
           </a:xfrm>
           <a:prstGeom prst="rect">
             <a:avLst/>
@@ -5459,6 +5523,7 @@
                   <a:srgbClr val="ffffff"/>
                 </a:solidFill>
                 <a:latin typeface="Source Sans Pro Light"/>
+                <a:ea typeface="DejaVu Sans"/>
               </a:rPr>
               <a:t>DotNet Core &amp; DotNet 5</a:t>
             </a:r>
@@ -5477,7 +5542,7 @@
         <p:spPr>
           <a:xfrm>
             <a:off x="599040" y="1911240"/>
-            <a:ext cx="10739160" cy="4663080"/>
+            <a:ext cx="10738800" cy="4662720"/>
           </a:xfrm>
           <a:prstGeom prst="rect">
             <a:avLst/>
@@ -5498,7 +5563,7 @@
             <a:normAutofit fontScale="70000"/>
           </a:bodyPr>
           <a:p>
-            <a:pPr marL="432000" indent="-323640">
+            <a:pPr marL="432000" indent="-323280">
               <a:lnSpc>
                 <a:spcPct val="100000"/>
               </a:lnSpc>
@@ -5514,7 +5579,11 @@
             </a:pPr>
             <a:r>
               <a:rPr b="0" lang="ru-RU" sz="3200" spc="-1" strike="noStrike">
+                <a:solidFill>
+                  <a:srgbClr val="000000"/>
+                </a:solidFill>
                 <a:latin typeface="Source Sans Pro"/>
+                <a:ea typeface="DejaVu Sans"/>
               </a:rPr>
               <a:t>DotNet Core живет параллельно с .NET Framework/Mono</a:t>
             </a:r>
@@ -5523,7 +5592,7 @@
             </a:endParaRPr>
           </a:p>
           <a:p>
-            <a:pPr marL="432000" indent="-323640">
+            <a:pPr marL="432000" indent="-323280">
               <a:lnSpc>
                 <a:spcPct val="100000"/>
               </a:lnSpc>
@@ -5539,7 +5608,11 @@
             </a:pPr>
             <a:r>
               <a:rPr b="0" lang="ru-RU" sz="3200" spc="-1" strike="noStrike">
+                <a:solidFill>
+                  <a:srgbClr val="000000"/>
+                </a:solidFill>
                 <a:latin typeface="Source Sans Pro"/>
+                <a:ea typeface="DejaVu Sans"/>
               </a:rPr>
               <a:t>DotNet 5 заменяет .NET Framework</a:t>
             </a:r>
@@ -5548,7 +5621,7 @@
             </a:endParaRPr>
           </a:p>
           <a:p>
-            <a:pPr marL="432000" indent="-323640">
+            <a:pPr marL="432000" indent="-323280">
               <a:lnSpc>
                 <a:spcPct val="100000"/>
               </a:lnSpc>
@@ -5564,7 +5637,11 @@
             </a:pPr>
             <a:r>
               <a:rPr b="0" lang="ru-RU" sz="3200" spc="-1" strike="noStrike">
+                <a:solidFill>
+                  <a:srgbClr val="000000"/>
+                </a:solidFill>
                 <a:latin typeface="Source Sans Pro"/>
+                <a:ea typeface="DejaVu Sans"/>
               </a:rPr>
               <a:t>Последняя версия .NET Framework: 4.8</a:t>
             </a:r>
@@ -5573,7 +5650,7 @@
             </a:endParaRPr>
           </a:p>
           <a:p>
-            <a:pPr marL="432000" indent="-323640">
+            <a:pPr marL="432000" indent="-323280">
               <a:lnSpc>
                 <a:spcPct val="100000"/>
               </a:lnSpc>
@@ -5589,7 +5666,11 @@
             </a:pPr>
             <a:r>
               <a:rPr b="0" lang="ru-RU" sz="3200" spc="-1" strike="noStrike">
+                <a:solidFill>
+                  <a:srgbClr val="000000"/>
+                </a:solidFill>
                 <a:latin typeface="Source Sans Pro"/>
+                <a:ea typeface="DejaVu Sans"/>
               </a:rPr>
               <a:t>Актуальные поддерживаемые версии: 2.1 и 3.1</a:t>
             </a:r>
@@ -5598,7 +5679,7 @@
             </a:endParaRPr>
           </a:p>
           <a:p>
-            <a:pPr marL="432000" indent="-323640">
+            <a:pPr marL="432000" indent="-323280">
               <a:lnSpc>
                 <a:spcPct val="100000"/>
               </a:lnSpc>
@@ -5614,7 +5695,11 @@
             </a:pPr>
             <a:r>
               <a:rPr b="0" lang="ru-RU" sz="3200" spc="-1" strike="noStrike">
+                <a:solidFill>
+                  <a:srgbClr val="000000"/>
+                </a:solidFill>
                 <a:latin typeface="Source Sans Pro"/>
+                <a:ea typeface="DejaVu Sans"/>
               </a:rPr>
               <a:t>Кроссплатформенность</a:t>
             </a:r>
@@ -5623,7 +5708,7 @@
             </a:endParaRPr>
           </a:p>
           <a:p>
-            <a:pPr marL="432000" indent="-323640">
+            <a:pPr marL="432000" indent="-323280">
               <a:lnSpc>
                 <a:spcPct val="100000"/>
               </a:lnSpc>
@@ -5639,7 +5724,11 @@
             </a:pPr>
             <a:r>
               <a:rPr b="0" lang="ru-RU" sz="3200" spc="-1" strike="noStrike">
+                <a:solidFill>
+                  <a:srgbClr val="000000"/>
+                </a:solidFill>
                 <a:latin typeface="Source Sans Pro"/>
+                <a:ea typeface="DejaVu Sans"/>
               </a:rPr>
               <a:t>netstandart — не будет поддерживаться, остается одна платформа DotNet 5</a:t>
             </a:r>
@@ -5648,7 +5737,7 @@
             </a:endParaRPr>
           </a:p>
           <a:p>
-            <a:pPr marL="432000" indent="-323640">
+            <a:pPr marL="432000" indent="-323280">
               <a:lnSpc>
                 <a:spcPct val="100000"/>
               </a:lnSpc>
@@ -5664,7 +5753,11 @@
             </a:pPr>
             <a:r>
               <a:rPr b="0" lang="ru-RU" sz="3200" spc="-1" strike="noStrike">
+                <a:solidFill>
+                  <a:srgbClr val="000000"/>
+                </a:solidFill>
                 <a:latin typeface="Source Sans Pro"/>
+                <a:ea typeface="DejaVu Sans"/>
               </a:rPr>
               <a:t>OpenSource</a:t>
             </a:r>
@@ -5673,7 +5766,7 @@
             </a:endParaRPr>
           </a:p>
           <a:p>
-            <a:pPr marL="432000" indent="-323640">
+            <a:pPr marL="432000" indent="-323280">
               <a:lnSpc>
                 <a:spcPct val="100000"/>
               </a:lnSpc>
@@ -5689,7 +5782,11 @@
             </a:pPr>
             <a:r>
               <a:rPr b="0" lang="ru-RU" sz="3200" spc="-1" strike="noStrike">
+                <a:solidFill>
+                  <a:srgbClr val="000000"/>
+                </a:solidFill>
                 <a:latin typeface="Source Sans Pro"/>
+                <a:ea typeface="DejaVu Sans"/>
               </a:rPr>
               <a:t>Многочисленные оптимизации от сообщества</a:t>
             </a:r>
@@ -5748,7 +5845,7 @@
         <p:spPr>
           <a:xfrm>
             <a:off x="599040" y="121320"/>
-            <a:ext cx="10798200" cy="1261800"/>
+            <a:ext cx="10797840" cy="1261440"/>
           </a:xfrm>
           <a:prstGeom prst="rect">
             <a:avLst/>
@@ -5780,6 +5877,7 @@
                   <a:srgbClr val="ffffff"/>
                 </a:solidFill>
                 <a:latin typeface="Source Sans Pro Light"/>
+                <a:ea typeface="DejaVu Sans"/>
               </a:rPr>
               <a:t>Visual Studio. Лицензии</a:t>
             </a:r>
@@ -5798,7 +5896,7 @@
         <p:spPr>
           <a:xfrm>
             <a:off x="599040" y="1911240"/>
-            <a:ext cx="10739160" cy="4663080"/>
+            <a:ext cx="10738800" cy="4662720"/>
           </a:xfrm>
           <a:prstGeom prst="rect">
             <a:avLst/>
@@ -5816,10 +5914,10 @@
         </p:style>
         <p:txBody>
           <a:bodyPr lIns="0" rIns="0" tIns="0" bIns="0">
-            <a:normAutofit fontScale="52000"/>
-          </a:bodyPr>
-          <a:p>
-            <a:pPr marL="432000" indent="-323640">
+            <a:normAutofit fontScale="53000"/>
+          </a:bodyPr>
+          <a:p>
+            <a:pPr marL="432000" indent="-323280">
               <a:lnSpc>
                 <a:spcPct val="100000"/>
               </a:lnSpc>
@@ -5835,7 +5933,11 @@
             </a:pPr>
             <a:r>
               <a:rPr b="0" lang="ru-RU" sz="3200" spc="-1" strike="noStrike">
+                <a:solidFill>
+                  <a:srgbClr val="000000"/>
+                </a:solidFill>
                 <a:latin typeface="Source Sans Pro"/>
+                <a:ea typeface="DejaVu Sans"/>
               </a:rPr>
               <a:t>Актуальная версия: 2019</a:t>
             </a:r>
@@ -5844,7 +5946,7 @@
             </a:endParaRPr>
           </a:p>
           <a:p>
-            <a:pPr marL="432000" indent="-323640">
+            <a:pPr marL="432000" indent="-323280">
               <a:lnSpc>
                 <a:spcPct val="100000"/>
               </a:lnSpc>
@@ -5860,7 +5962,11 @@
             </a:pPr>
             <a:r>
               <a:rPr b="0" lang="ru-RU" sz="3200" spc="-1" strike="noStrike">
+                <a:solidFill>
+                  <a:srgbClr val="000000"/>
+                </a:solidFill>
                 <a:latin typeface="Source Sans Pro"/>
+                <a:ea typeface="DejaVu Sans"/>
               </a:rPr>
               <a:t>Community Edition — OpenSource, учебные, научные проекты. Не для использования в промышленной разработке.</a:t>
             </a:r>
@@ -5869,7 +5975,7 @@
             </a:endParaRPr>
           </a:p>
           <a:p>
-            <a:pPr marL="432000" indent="-323640">
+            <a:pPr marL="432000" indent="-323280">
               <a:lnSpc>
                 <a:spcPct val="100000"/>
               </a:lnSpc>
@@ -5885,7 +5991,11 @@
             </a:pPr>
             <a:r>
               <a:rPr b="0" lang="ru-RU" sz="3200" spc="-1" strike="noStrike">
+                <a:solidFill>
+                  <a:srgbClr val="000000"/>
+                </a:solidFill>
                 <a:latin typeface="Source Sans Pro"/>
+                <a:ea typeface="DejaVu Sans"/>
               </a:rPr>
               <a:t>Professional Edition — основная версия для разработки, включает CodeLens.</a:t>
             </a:r>
@@ -5894,7 +6004,7 @@
             </a:endParaRPr>
           </a:p>
           <a:p>
-            <a:pPr marL="432000" indent="-323640">
+            <a:pPr marL="432000" indent="-323280">
               <a:lnSpc>
                 <a:spcPct val="100000"/>
               </a:lnSpc>
@@ -5910,7 +6020,11 @@
             </a:pPr>
             <a:r>
               <a:rPr b="0" lang="ru-RU" sz="3200" spc="-1" strike="noStrike">
+                <a:solidFill>
+                  <a:srgbClr val="000000"/>
+                </a:solidFill>
                 <a:latin typeface="Source Sans Pro"/>
+                <a:ea typeface="DejaVu Sans"/>
               </a:rPr>
               <a:t>Enterprise Edition — версия с дополнительными возможностями, для архитекторов, руководителей групп разработки. Встроенные средства для тестирования. Xamarin Inspector/Profiler</a:t>
             </a:r>
@@ -5932,7 +6046,7 @@
             </a:endParaRPr>
           </a:p>
           <a:p>
-            <a:pPr marL="432000" indent="-323640">
+            <a:pPr marL="432000" indent="-323280">
               <a:lnSpc>
                 <a:spcPct val="100000"/>
               </a:lnSpc>
@@ -5953,6 +6067,7 @@
                 </a:solidFill>
                 <a:uFillTx/>
                 <a:latin typeface="Source Sans Pro"/>
+                <a:ea typeface="DejaVu Sans"/>
                 <a:hlinkClick r:id="rId2"/>
               </a:rPr>
               <a:t>https://visualstudio.microsoft.com/vs/compare/</a:t>
@@ -6012,7 +6127,7 @@
         <p:spPr>
           <a:xfrm>
             <a:off x="599040" y="121320"/>
-            <a:ext cx="10798200" cy="1261800"/>
+            <a:ext cx="10797840" cy="1261440"/>
           </a:xfrm>
           <a:prstGeom prst="rect">
             <a:avLst/>
@@ -6044,6 +6159,7 @@
                   <a:srgbClr val="ffffff"/>
                 </a:solidFill>
                 <a:latin typeface="Source Sans Pro Light"/>
+                <a:ea typeface="DejaVu Sans"/>
               </a:rPr>
               <a:t>Visual Studio. Расширения</a:t>
             </a:r>
@@ -6062,7 +6178,7 @@
         <p:spPr>
           <a:xfrm>
             <a:off x="599040" y="1911240"/>
-            <a:ext cx="10739160" cy="4663080"/>
+            <a:ext cx="10738800" cy="4662720"/>
           </a:xfrm>
           <a:prstGeom prst="rect">
             <a:avLst/>
@@ -6083,7 +6199,7 @@
             <a:normAutofit/>
           </a:bodyPr>
           <a:p>
-            <a:pPr marL="432000" indent="-323640">
+            <a:pPr marL="432000" indent="-323280">
               <a:lnSpc>
                 <a:spcPct val="100000"/>
               </a:lnSpc>
@@ -6099,7 +6215,11 @@
             </a:pPr>
             <a:r>
               <a:rPr b="0" lang="ru-RU" sz="3200" spc="-1" strike="noStrike">
+                <a:solidFill>
+                  <a:srgbClr val="000000"/>
+                </a:solidFill>
                 <a:latin typeface="Source Sans Pro"/>
+                <a:ea typeface="DejaVu Sans"/>
               </a:rPr>
               <a:t>ReSharper — студенческая лицензия. </a:t>
             </a:r>
@@ -6110,6 +6230,7 @@
                 </a:solidFill>
                 <a:uFillTx/>
                 <a:latin typeface="Source Sans Pro"/>
+                <a:ea typeface="DejaVu Sans"/>
                 <a:hlinkClick r:id="rId2"/>
               </a:rPr>
               <a:t>https://www.jetbrains.com/resharper/download/</a:t>
@@ -6120,6 +6241,7 @@
                   <a:srgbClr val="0000ff"/>
                 </a:solidFill>
                 <a:latin typeface="Source Sans Pro"/>
+                <a:ea typeface="DejaVu Sans"/>
               </a:rPr>
               <a:t> и </a:t>
             </a:r>
@@ -6130,6 +6252,7 @@
                 </a:solidFill>
                 <a:uFillTx/>
                 <a:latin typeface="Source Sans Pro"/>
+                <a:ea typeface="DejaVu Sans"/>
                 <a:hlinkClick r:id="rId3"/>
               </a:rPr>
               <a:t>https://www.jetbrains.com/student/</a:t>
@@ -6139,7 +6262,7 @@
             </a:endParaRPr>
           </a:p>
           <a:p>
-            <a:pPr marL="432000" indent="-323640">
+            <a:pPr marL="432000" indent="-323280">
               <a:lnSpc>
                 <a:spcPct val="100000"/>
               </a:lnSpc>
@@ -6159,6 +6282,7 @@
                   <a:srgbClr val="0000ff"/>
                 </a:solidFill>
                 <a:latin typeface="Source Sans Pro"/>
+                <a:ea typeface="DejaVu Sans"/>
               </a:rPr>
               <a:t>Productivity Power Tools — набор улучшения для Visual Studio.</a:t>
             </a:r>
@@ -6169,6 +6293,7 @@
                 </a:solidFill>
                 <a:uFillTx/>
                 <a:latin typeface="Source Sans Pro"/>
+                <a:ea typeface="DejaVu Sans"/>
                 <a:hlinkClick r:id="rId4"/>
               </a:rPr>
               <a:t>https://marketplace.visualstudio.com/items?itemName=VisualStudioProductTeam.ProductivityPowerPack2017</a:t>
@@ -6228,7 +6353,7 @@
         <p:spPr>
           <a:xfrm>
             <a:off x="599040" y="121320"/>
-            <a:ext cx="10798200" cy="1261800"/>
+            <a:ext cx="10797840" cy="1261440"/>
           </a:xfrm>
           <a:prstGeom prst="rect">
             <a:avLst/>
@@ -6260,6 +6385,7 @@
                   <a:srgbClr val="ffffff"/>
                 </a:solidFill>
                 <a:latin typeface="Source Sans Pro Light"/>
+                <a:ea typeface="DejaVu Sans"/>
               </a:rPr>
               <a:t>JetBrains Rider</a:t>
             </a:r>
@@ -6278,7 +6404,7 @@
         <p:spPr>
           <a:xfrm>
             <a:off x="599040" y="1911240"/>
-            <a:ext cx="10739160" cy="4663080"/>
+            <a:ext cx="10738800" cy="4662720"/>
           </a:xfrm>
           <a:prstGeom prst="rect">
             <a:avLst/>
@@ -6296,10 +6422,10 @@
         </p:style>
         <p:txBody>
           <a:bodyPr lIns="0" rIns="0" tIns="0" bIns="0">
-            <a:normAutofit fontScale="59000"/>
-          </a:bodyPr>
-          <a:p>
-            <a:pPr marL="432000" indent="-323640">
+            <a:normAutofit fontScale="61000"/>
+          </a:bodyPr>
+          <a:p>
+            <a:pPr marL="432000" indent="-323280">
               <a:lnSpc>
                 <a:spcPct val="100000"/>
               </a:lnSpc>
@@ -6315,7 +6441,11 @@
             </a:pPr>
             <a:r>
               <a:rPr b="0" lang="ru-RU" sz="3200" spc="-1" strike="noStrike">
+                <a:solidFill>
+                  <a:srgbClr val="000000"/>
+                </a:solidFill>
                 <a:latin typeface="Source Sans Pro"/>
+                <a:ea typeface="DejaVu Sans"/>
               </a:rPr>
               <a:t>Основан на IDEA + ReSharper</a:t>
             </a:r>
@@ -6324,7 +6454,7 @@
             </a:endParaRPr>
           </a:p>
           <a:p>
-            <a:pPr marL="432000" indent="-323640">
+            <a:pPr marL="432000" indent="-323280">
               <a:lnSpc>
                 <a:spcPct val="100000"/>
               </a:lnSpc>
@@ -6340,7 +6470,11 @@
             </a:pPr>
             <a:r>
               <a:rPr b="0" lang="ru-RU" sz="3200" spc="-1" strike="noStrike">
+                <a:solidFill>
+                  <a:srgbClr val="000000"/>
+                </a:solidFill>
                 <a:latin typeface="Source Sans Pro"/>
+                <a:ea typeface="DejaVu Sans"/>
               </a:rPr>
               <a:t>Часть dotUltimate лицензии</a:t>
             </a:r>
@@ -6349,7 +6483,7 @@
             </a:endParaRPr>
           </a:p>
           <a:p>
-            <a:pPr marL="432000" indent="-323640">
+            <a:pPr marL="432000" indent="-323280">
               <a:lnSpc>
                 <a:spcPct val="100000"/>
               </a:lnSpc>
@@ -6365,7 +6499,11 @@
             </a:pPr>
             <a:r>
               <a:rPr b="0" lang="ru-RU" sz="3200" spc="-1" strike="noStrike">
+                <a:solidFill>
+                  <a:srgbClr val="000000"/>
+                </a:solidFill>
                 <a:latin typeface="Source Sans Pro"/>
+                <a:ea typeface="DejaVu Sans"/>
               </a:rPr>
               <a:t>Доступен для студентов бесплатно (для использования только в учебном процессе)</a:t>
             </a:r>
@@ -6374,7 +6512,7 @@
             </a:endParaRPr>
           </a:p>
           <a:p>
-            <a:pPr marL="432000" indent="-323640">
+            <a:pPr marL="432000" indent="-323280">
               <a:lnSpc>
                 <a:spcPct val="100000"/>
               </a:lnSpc>
@@ -6390,67 +6528,14 @@
             </a:pPr>
             <a:r>
               <a:rPr b="0" lang="ru-RU" sz="3200" spc="-1" strike="noStrike">
+                <a:solidFill>
+                  <a:srgbClr val="000000"/>
+                </a:solidFill>
                 <a:latin typeface="Source Sans Pro"/>
+                <a:ea typeface="DejaVu Sans"/>
               </a:rPr>
               <a:t>64bit процесс, лучше обрабатывает большие проекты</a:t>
             </a:r>
-            <a:endParaRPr b="0" lang="ru-RU" sz="3200" spc="-1" strike="noStrike">
-              <a:latin typeface="Arial"/>
-            </a:endParaRPr>
-          </a:p>
-          <a:p>
-            <a:pPr marL="432000" indent="-323640">
-              <a:lnSpc>
-                <a:spcPct val="100000"/>
-              </a:lnSpc>
-              <a:spcAft>
-                <a:spcPts val="1409"/>
-              </a:spcAft>
-              <a:buClr>
-                <a:srgbClr val="04617b"/>
-              </a:buClr>
-              <a:buSzPct val="45000"/>
-              <a:buFont typeface="Wingdings" charset="2"/>
-              <a:buChar char=""/>
-            </a:pPr>
-            <a:endParaRPr b="0" lang="ru-RU" sz="3200" spc="-1" strike="noStrike">
-              <a:latin typeface="Arial"/>
-            </a:endParaRPr>
-          </a:p>
-          <a:p>
-            <a:pPr marL="432000" indent="-323640">
-              <a:lnSpc>
-                <a:spcPct val="100000"/>
-              </a:lnSpc>
-              <a:spcAft>
-                <a:spcPts val="1409"/>
-              </a:spcAft>
-              <a:buClr>
-                <a:srgbClr val="04617b"/>
-              </a:buClr>
-              <a:buSzPct val="45000"/>
-              <a:buFont typeface="Wingdings" charset="2"/>
-              <a:buChar char=""/>
-            </a:pPr>
-            <a:endParaRPr b="0" lang="ru-RU" sz="3200" spc="-1" strike="noStrike">
-              <a:latin typeface="Arial"/>
-            </a:endParaRPr>
-          </a:p>
-          <a:p>
-            <a:pPr marL="432000" indent="-323640">
-              <a:lnSpc>
-                <a:spcPct val="100000"/>
-              </a:lnSpc>
-              <a:spcAft>
-                <a:spcPts val="1409"/>
-              </a:spcAft>
-              <a:buClr>
-                <a:srgbClr val="04617b"/>
-              </a:buClr>
-              <a:buSzPct val="45000"/>
-              <a:buFont typeface="Wingdings" charset="2"/>
-              <a:buChar char=""/>
-            </a:pPr>
             <a:endParaRPr b="0" lang="ru-RU" sz="3200" spc="-1" strike="noStrike">
               <a:latin typeface="Arial"/>
             </a:endParaRPr>
@@ -6477,6 +6562,45 @@
                 <a:spcPts val="1409"/>
               </a:spcAft>
             </a:pPr>
+            <a:endParaRPr b="0" lang="ru-RU" sz="3200" spc="-1" strike="noStrike">
+              <a:latin typeface="Arial"/>
+            </a:endParaRPr>
+          </a:p>
+          <a:p>
+            <a:pPr>
+              <a:lnSpc>
+                <a:spcPct val="100000"/>
+              </a:lnSpc>
+              <a:spcAft>
+                <a:spcPts val="1409"/>
+              </a:spcAft>
+            </a:pPr>
+            <a:endParaRPr b="0" lang="ru-RU" sz="3200" spc="-1" strike="noStrike">
+              <a:latin typeface="Arial"/>
+            </a:endParaRPr>
+          </a:p>
+          <a:p>
+            <a:pPr>
+              <a:lnSpc>
+                <a:spcPct val="100000"/>
+              </a:lnSpc>
+              <a:spcAft>
+                <a:spcPts val="1409"/>
+              </a:spcAft>
+            </a:pPr>
+            <a:endParaRPr b="0" lang="ru-RU" sz="3200" spc="-1" strike="noStrike">
+              <a:latin typeface="Arial"/>
+            </a:endParaRPr>
+          </a:p>
+          <a:p>
+            <a:pPr>
+              <a:lnSpc>
+                <a:spcPct val="100000"/>
+              </a:lnSpc>
+              <a:spcAft>
+                <a:spcPts val="1409"/>
+              </a:spcAft>
+            </a:pPr>
             <a:r>
               <a:rPr b="0" lang="ru-RU" sz="3200" spc="-1" strike="noStrike" u="sng">
                 <a:solidFill>
@@ -6484,6 +6608,7 @@
                 </a:solidFill>
                 <a:uFillTx/>
                 <a:latin typeface="Source Sans Pro"/>
+                <a:ea typeface="DejaVu Sans"/>
               </a:rPr>
               <a:t>https://www.jetbrains.com/dotnet/</a:t>
             </a:r>
@@ -6542,7 +6667,7 @@
         <p:spPr>
           <a:xfrm>
             <a:off x="599040" y="121320"/>
-            <a:ext cx="10798200" cy="1261800"/>
+            <a:ext cx="10797840" cy="1261440"/>
           </a:xfrm>
           <a:prstGeom prst="rect">
             <a:avLst/>
@@ -6574,6 +6699,7 @@
                   <a:srgbClr val="ffffff"/>
                 </a:solidFill>
                 <a:latin typeface="Source Sans Pro Light"/>
+                <a:ea typeface="DejaVu Sans"/>
               </a:rPr>
               <a:t>Пакетные менеджеры</a:t>
             </a:r>
@@ -6592,7 +6718,7 @@
         <p:spPr>
           <a:xfrm>
             <a:off x="599040" y="1911240"/>
-            <a:ext cx="10739160" cy="4663080"/>
+            <a:ext cx="10738800" cy="4662720"/>
           </a:xfrm>
           <a:prstGeom prst="rect">
             <a:avLst/>
@@ -6613,7 +6739,7 @@
             <a:normAutofit fontScale="94000"/>
           </a:bodyPr>
           <a:p>
-            <a:pPr marL="432000" indent="-323640">
+            <a:pPr marL="432000" indent="-323280">
               <a:lnSpc>
                 <a:spcPct val="100000"/>
               </a:lnSpc>
@@ -6629,7 +6755,11 @@
             </a:pPr>
             <a:r>
               <a:rPr b="0" lang="ru-RU" sz="3200" spc="-1" strike="noStrike">
+                <a:solidFill>
+                  <a:srgbClr val="000000"/>
+                </a:solidFill>
                 <a:latin typeface="Source Sans Pro"/>
+                <a:ea typeface="DejaVu Sans"/>
               </a:rPr>
               <a:t>NuGet — основное хранилище дополнительных библиотек и утилит для разработки на .NET. Содержит много библиотек для js/ts, но лучше использовать профильные менеджеры. Можно подключать собственные Feed со своими пакетами</a:t>
             </a:r>
@@ -6638,7 +6768,7 @@
             </a:endParaRPr>
           </a:p>
           <a:p>
-            <a:pPr marL="432000" indent="-323640">
+            <a:pPr marL="432000" indent="-323280">
               <a:lnSpc>
                 <a:spcPct val="100000"/>
               </a:lnSpc>
@@ -6654,7 +6784,11 @@
             </a:pPr>
             <a:r>
               <a:rPr b="0" lang="ru-RU" sz="3200" spc="-1" strike="noStrike">
+                <a:solidFill>
+                  <a:srgbClr val="000000"/>
+                </a:solidFill>
                 <a:latin typeface="Source Sans Pro"/>
+                <a:ea typeface="DejaVu Sans"/>
               </a:rPr>
               <a:t>NodeJS Package Manager/Bower — менеджеры пакетов для js/ts, встроенные в Visual Studio и Rider. Фактически — просто возможность их использовать напрямую, встраивать в обычный процесс сборки</a:t>
             </a:r>
@@ -6703,7 +6837,7 @@
         <p:spPr>
           <a:xfrm>
             <a:off x="599040" y="121320"/>
-            <a:ext cx="10798200" cy="1261800"/>
+            <a:ext cx="10797840" cy="1261440"/>
           </a:xfrm>
           <a:prstGeom prst="rect">
             <a:avLst/>
@@ -6735,6 +6869,7 @@
                   <a:srgbClr val="ffffff"/>
                 </a:solidFill>
                 <a:latin typeface="Source Sans Pro Light"/>
+                <a:ea typeface="DejaVu Sans"/>
               </a:rPr>
               <a:t>Домашнее задание</a:t>
             </a:r>
@@ -6753,7 +6888,7 @@
         <p:spPr>
           <a:xfrm>
             <a:off x="599040" y="1920240"/>
-            <a:ext cx="10739160" cy="4663080"/>
+            <a:ext cx="10738800" cy="4662720"/>
           </a:xfrm>
           <a:prstGeom prst="rect">
             <a:avLst/>
@@ -6771,10 +6906,10 @@
         </p:style>
         <p:txBody>
           <a:bodyPr lIns="0" rIns="0" tIns="0" bIns="0">
-            <a:normAutofit/>
-          </a:bodyPr>
-          <a:p>
-            <a:pPr marL="432000" indent="-323640">
+            <a:normAutofit fontScale="88000"/>
+          </a:bodyPr>
+          <a:p>
+            <a:pPr marL="432000" indent="-323280">
               <a:lnSpc>
                 <a:spcPct val="100000"/>
               </a:lnSpc>
@@ -6790,16 +6925,20 @@
             </a:pPr>
             <a:r>
               <a:rPr b="0" lang="ru-RU" sz="3200" spc="-1" strike="noStrike">
+                <a:solidFill>
+                  <a:srgbClr val="000000"/>
+                </a:solidFill>
                 <a:latin typeface="Source Sans Pro"/>
-              </a:rPr>
-              <a:t>Установить и настроить Visual Studio 2019 Community Edition/Rider/SQL Server 2017 Developer Edition</a:t>
-            </a:r>
-            <a:endParaRPr b="0" lang="ru-RU" sz="3200" spc="-1" strike="noStrike">
-              <a:latin typeface="Arial"/>
-            </a:endParaRPr>
-          </a:p>
-          <a:p>
-            <a:pPr marL="432000" indent="-323640">
+                <a:ea typeface="DejaVu Sans"/>
+              </a:rPr>
+              <a:t>Установить и настроить Visual Studio 2019 Community Edition/Rider</a:t>
+            </a:r>
+            <a:endParaRPr b="0" lang="ru-RU" sz="3200" spc="-1" strike="noStrike">
+              <a:latin typeface="Arial"/>
+            </a:endParaRPr>
+          </a:p>
+          <a:p>
+            <a:pPr marL="432000" indent="-323280">
               <a:lnSpc>
                 <a:spcPct val="100000"/>
               </a:lnSpc>
@@ -6815,16 +6954,20 @@
             </a:pPr>
             <a:r>
               <a:rPr b="0" lang="ru-RU" sz="3200" spc="-1" strike="noStrike">
+                <a:solidFill>
+                  <a:srgbClr val="000000"/>
+                </a:solidFill>
                 <a:latin typeface="Source Sans Pro"/>
-              </a:rPr>
-              <a:t>Установить DotNet Core SDK 3.1</a:t>
-            </a:r>
-            <a:endParaRPr b="0" lang="ru-RU" sz="3200" spc="-1" strike="noStrike">
-              <a:latin typeface="Arial"/>
-            </a:endParaRPr>
-          </a:p>
-          <a:p>
-            <a:pPr marL="432000" indent="-323640">
+                <a:ea typeface="DejaVu Sans"/>
+              </a:rPr>
+              <a:t>Установить SQL Server 2017 Developer Edition</a:t>
+            </a:r>
+            <a:endParaRPr b="0" lang="ru-RU" sz="3200" spc="-1" strike="noStrike">
+              <a:latin typeface="Arial"/>
+            </a:endParaRPr>
+          </a:p>
+          <a:p>
+            <a:pPr marL="432000" indent="-323280">
               <a:lnSpc>
                 <a:spcPct val="100000"/>
               </a:lnSpc>
@@ -6840,16 +6983,20 @@
             </a:pPr>
             <a:r>
               <a:rPr b="0" lang="ru-RU" sz="3200" spc="-1" strike="noStrike">
+                <a:solidFill>
+                  <a:srgbClr val="000000"/>
+                </a:solidFill>
                 <a:latin typeface="Source Sans Pro"/>
-              </a:rPr>
-              <a:t>Установить из пакета JetBrains Ultimate (включает Rider): dotTrace, dotMemory, получить студенческую лицензию</a:t>
-            </a:r>
-            <a:endParaRPr b="0" lang="ru-RU" sz="3200" spc="-1" strike="noStrike">
-              <a:latin typeface="Arial"/>
-            </a:endParaRPr>
-          </a:p>
-          <a:p>
-            <a:pPr marL="432000" indent="-323640">
+                <a:ea typeface="DejaVu Sans"/>
+              </a:rPr>
+              <a:t>Установить DotNet Core SDK 3.1</a:t>
+            </a:r>
+            <a:endParaRPr b="0" lang="ru-RU" sz="3200" spc="-1" strike="noStrike">
+              <a:latin typeface="Arial"/>
+            </a:endParaRPr>
+          </a:p>
+          <a:p>
+            <a:pPr marL="432000" indent="-323280">
               <a:lnSpc>
                 <a:spcPct val="100000"/>
               </a:lnSpc>
@@ -6865,16 +7012,20 @@
             </a:pPr>
             <a:r>
               <a:rPr b="0" lang="ru-RU" sz="3200" spc="-1" strike="noStrike">
+                <a:solidFill>
+                  <a:srgbClr val="000000"/>
+                </a:solidFill>
                 <a:latin typeface="Source Sans Pro"/>
-              </a:rPr>
-              <a:t>Установить и настроить GitExtensions</a:t>
-            </a:r>
-            <a:endParaRPr b="0" lang="ru-RU" sz="3200" spc="-1" strike="noStrike">
-              <a:latin typeface="Arial"/>
-            </a:endParaRPr>
-          </a:p>
-          <a:p>
-            <a:pPr marL="432000" indent="-323640">
+                <a:ea typeface="DejaVu Sans"/>
+              </a:rPr>
+              <a:t>Установить из пакета JetBrains Ultimate (включает Rider): dotTrace, dotMemory, получить студенческую лицензию</a:t>
+            </a:r>
+            <a:endParaRPr b="0" lang="ru-RU" sz="3200" spc="-1" strike="noStrike">
+              <a:latin typeface="Arial"/>
+            </a:endParaRPr>
+          </a:p>
+          <a:p>
+            <a:pPr marL="432000" indent="-323280">
               <a:lnSpc>
                 <a:spcPct val="100000"/>
               </a:lnSpc>
@@ -6890,7 +7041,40 @@
             </a:pPr>
             <a:r>
               <a:rPr b="0" lang="ru-RU" sz="3200" spc="-1" strike="noStrike">
+                <a:solidFill>
+                  <a:srgbClr val="000000"/>
+                </a:solidFill>
                 <a:latin typeface="Source Sans Pro"/>
+                <a:ea typeface="DejaVu Sans"/>
+              </a:rPr>
+              <a:t>Установить и настроить GitExtensions</a:t>
+            </a:r>
+            <a:endParaRPr b="0" lang="ru-RU" sz="3200" spc="-1" strike="noStrike">
+              <a:latin typeface="Arial"/>
+            </a:endParaRPr>
+          </a:p>
+          <a:p>
+            <a:pPr marL="432000" indent="-323280">
+              <a:lnSpc>
+                <a:spcPct val="100000"/>
+              </a:lnSpc>
+              <a:spcAft>
+                <a:spcPts val="1409"/>
+              </a:spcAft>
+              <a:buClr>
+                <a:srgbClr val="04617b"/>
+              </a:buClr>
+              <a:buSzPct val="45000"/>
+              <a:buFont typeface="Wingdings" charset="2"/>
+              <a:buChar char=""/>
+            </a:pPr>
+            <a:r>
+              <a:rPr b="0" lang="ru-RU" sz="3200" spc="-1" strike="noStrike">
+                <a:solidFill>
+                  <a:srgbClr val="000000"/>
+                </a:solidFill>
+                <a:latin typeface="Source Sans Pro"/>
+                <a:ea typeface="DejaVu Sans"/>
               </a:rPr>
               <a:t>Завести аккаунт в Azure DevOps</a:t>
             </a:r>
@@ -6939,7 +7123,7 @@
         <p:spPr>
           <a:xfrm>
             <a:off x="599040" y="841320"/>
-            <a:ext cx="10798200" cy="5851440"/>
+            <a:ext cx="10797840" cy="5851080"/>
           </a:xfrm>
           <a:prstGeom prst="rect">
             <a:avLst/>
@@ -6971,6 +7155,7 @@
                   <a:srgbClr val="04617b"/>
                 </a:solidFill>
                 <a:latin typeface="Source Sans Pro Black"/>
+                <a:ea typeface="DejaVu Sans"/>
               </a:rPr>
               <a:t>Спасибо за внимание</a:t>
             </a:r>
